--- a/assets/pdf/cic-telemedicine.pptx
+++ b/assets/pdf/cic-telemedicine.pptx
@@ -5,10 +5,10 @@
     <p:sldMasterId id="2147483648" r:id="rId4"/>
   </p:sldMasterIdLst>
   <p:notesMasterIdLst>
-    <p:notesMasterId r:id="rId21"/>
+    <p:notesMasterId r:id="rId23"/>
   </p:notesMasterIdLst>
   <p:handoutMasterIdLst>
-    <p:handoutMasterId r:id="rId22"/>
+    <p:handoutMasterId r:id="rId24"/>
   </p:handoutMasterIdLst>
   <p:sldIdLst>
     <p:sldId id="286" r:id="rId5"/>
@@ -24,9 +24,11 @@
     <p:sldId id="293" r:id="rId15"/>
     <p:sldId id="298" r:id="rId16"/>
     <p:sldId id="297" r:id="rId17"/>
-    <p:sldId id="294" r:id="rId18"/>
-    <p:sldId id="295" r:id="rId19"/>
-    <p:sldId id="285" r:id="rId20"/>
+    <p:sldId id="299" r:id="rId18"/>
+    <p:sldId id="300" r:id="rId19"/>
+    <p:sldId id="294" r:id="rId20"/>
+    <p:sldId id="295" r:id="rId21"/>
+    <p:sldId id="285" r:id="rId22"/>
   </p:sldIdLst>
   <p:sldSz cx="9144000" cy="5143500" type="screen16x9"/>
   <p:notesSz cx="7315200" cy="9601200"/>
@@ -320,7 +322,7 @@
             <a:fld id="{2503ED08-06E4-41ED-89E8-119D0EF02A48}" type="datetimeFigureOut">
               <a:rPr lang="en-US"/>
               <a:pPr/>
-              <a:t>5/22/2023</a:t>
+              <a:t>5/24/2023</a:t>
             </a:fld>
             <a:endParaRPr lang="en-US"/>
           </a:p>
@@ -879,6 +881,91 @@
     </a:lvl9pPr>
   </p:notesStyle>
 </p:notesMaster>
+</file>
+
+<file path=ppt/notesSlides/notesSlide1.xml><?xml version="1.0" encoding="utf-8"?>
+<p:notes xmlns:a="http://schemas.openxmlformats.org/drawingml/2006/main" xmlns:r="http://schemas.openxmlformats.org/officeDocument/2006/relationships" xmlns:p="http://schemas.openxmlformats.org/presentationml/2006/main">
+  <p:cSld>
+    <p:spTree>
+      <p:nvGrpSpPr>
+        <p:cNvPr id="1" name=""/>
+        <p:cNvGrpSpPr/>
+        <p:nvPr/>
+      </p:nvGrpSpPr>
+      <p:grpSpPr>
+        <a:xfrm>
+          <a:off x="0" y="0"/>
+          <a:ext cx="0" cy="0"/>
+          <a:chOff x="0" y="0"/>
+          <a:chExt cx="0" cy="0"/>
+        </a:xfrm>
+      </p:grpSpPr>
+      <p:sp>
+        <p:nvSpPr>
+          <p:cNvPr id="2" name="Slide Image Placeholder 1"/>
+          <p:cNvSpPr>
+            <a:spLocks noGrp="1" noRot="1" noChangeAspect="1"/>
+          </p:cNvSpPr>
+          <p:nvPr>
+            <p:ph type="sldImg"/>
+          </p:nvPr>
+        </p:nvSpPr>
+        <p:spPr/>
+      </p:sp>
+      <p:sp>
+        <p:nvSpPr>
+          <p:cNvPr id="3" name="Notes Placeholder 2"/>
+          <p:cNvSpPr>
+            <a:spLocks noGrp="1"/>
+          </p:cNvSpPr>
+          <p:nvPr>
+            <p:ph type="body" idx="1"/>
+          </p:nvPr>
+        </p:nvSpPr>
+        <p:spPr/>
+        <p:txBody>
+          <a:bodyPr/>
+          <a:lstStyle/>
+          <a:p>
+            <a:endParaRPr lang="en-US" dirty="0"/>
+          </a:p>
+        </p:txBody>
+      </p:sp>
+      <p:sp>
+        <p:nvSpPr>
+          <p:cNvPr id="4" name="Slide Number Placeholder 3"/>
+          <p:cNvSpPr>
+            <a:spLocks noGrp="1"/>
+          </p:cNvSpPr>
+          <p:nvPr>
+            <p:ph type="sldNum" sz="quarter" idx="5"/>
+          </p:nvPr>
+        </p:nvSpPr>
+        <p:spPr/>
+        <p:txBody>
+          <a:bodyPr/>
+          <a:lstStyle/>
+          <a:p>
+            <a:fld id="{CEFA16CB-AEBE-4616-A0C2-923B64A8254D}" type="slidenum">
+              <a:rPr lang="en-US" smtClean="0"/>
+              <a:pPr/>
+              <a:t>16</a:t>
+            </a:fld>
+            <a:endParaRPr lang="en-US"/>
+          </a:p>
+        </p:txBody>
+      </p:sp>
+    </p:spTree>
+    <p:extLst>
+      <p:ext uri="{BB962C8B-B14F-4D97-AF65-F5344CB8AC3E}">
+        <p14:creationId xmlns:p14="http://schemas.microsoft.com/office/powerpoint/2010/main" val="1322169762"/>
+      </p:ext>
+    </p:extLst>
+  </p:cSld>
+  <p:clrMapOvr>
+    <a:masterClrMapping/>
+  </p:clrMapOvr>
+</p:notes>
 </file>
 
 <file path=ppt/slideLayouts/slideLayout1.xml><?xml version="1.0" encoding="utf-8"?>
@@ -5995,7 +6082,7 @@
         </p:nvSpPr>
         <p:spPr>
           <a:xfrm>
-            <a:off x="553589" y="2975475"/>
+            <a:off x="553589" y="2457417"/>
             <a:ext cx="8475819" cy="1497846"/>
           </a:xfrm>
         </p:spPr>
@@ -6012,7 +6099,7 @@
             <a:pPr lvl="1"/>
             <a:r>
               <a:rPr lang="en-US" dirty="0"/>
-              <a:t>Institution				</a:t>
+              <a:t>University of Wisconsin Milwaukee				</a:t>
             </a:r>
             <a:endParaRPr lang="en-US" dirty="0">
               <a:highlight>
@@ -6062,8 +6149,8 @@
         </p:nvSpPr>
         <p:spPr>
           <a:xfrm>
-            <a:off x="553589" y="1668614"/>
-            <a:ext cx="5929707" cy="1112108"/>
+            <a:off x="553589" y="1253545"/>
+            <a:ext cx="7510608" cy="1112108"/>
           </a:xfrm>
         </p:spPr>
         <p:txBody>
@@ -6232,13 +6319,13 @@
         </p:nvPicPr>
         <p:blipFill rotWithShape="1">
           <a:blip r:embed="rId2"/>
-          <a:srcRect b="13887"/>
+          <a:srcRect l="5002" r="1805" b="13887"/>
           <a:stretch/>
         </p:blipFill>
         <p:spPr>
           <a:xfrm>
-            <a:off x="126644" y="2038910"/>
-            <a:ext cx="8386626" cy="648847"/>
+            <a:off x="546139" y="2038910"/>
+            <a:ext cx="7815764" cy="648847"/>
           </a:xfrm>
           <a:prstGeom prst="rect">
             <a:avLst/>
@@ -6261,13 +6348,13 @@
         </p:nvPicPr>
         <p:blipFill rotWithShape="1">
           <a:blip r:embed="rId3"/>
-          <a:srcRect b="11317"/>
+          <a:srcRect l="4397" r="2035" b="11317"/>
           <a:stretch/>
         </p:blipFill>
         <p:spPr>
           <a:xfrm>
-            <a:off x="181683" y="1386740"/>
-            <a:ext cx="8288346" cy="648847"/>
+            <a:off x="546139" y="1386740"/>
+            <a:ext cx="7755240" cy="648847"/>
           </a:xfrm>
           <a:prstGeom prst="rect">
             <a:avLst/>
@@ -6296,7 +6383,7 @@
         </p:blipFill>
         <p:spPr>
           <a:xfrm>
-            <a:off x="3324621" y="2694608"/>
+            <a:off x="3327742" y="2691487"/>
             <a:ext cx="5034161" cy="409503"/>
           </a:xfrm>
           <a:prstGeom prst="rect">
@@ -6560,6 +6647,110 @@
               <a:rPr lang="en-US" sz="1600" dirty="0"/>
               <a:t>Odds Ratio</a:t>
             </a:r>
+          </a:p>
+        </p:txBody>
+      </p:sp>
+      <p:sp>
+        <p:nvSpPr>
+          <p:cNvPr id="16" name="Rectangle 15">
+            <a:extLst>
+              <a:ext uri="{FF2B5EF4-FFF2-40B4-BE49-F238E27FC236}">
+                <a16:creationId xmlns:a16="http://schemas.microsoft.com/office/drawing/2014/main" id="{A2D394FC-BB8A-F88A-FBCF-059EE1CC778F}"/>
+              </a:ext>
+            </a:extLst>
+          </p:cNvPr>
+          <p:cNvSpPr/>
+          <p:nvPr/>
+        </p:nvSpPr>
+        <p:spPr>
+          <a:xfrm>
+            <a:off x="3534892" y="693131"/>
+            <a:ext cx="1669638" cy="1483886"/>
+          </a:xfrm>
+          <a:prstGeom prst="rect">
+            <a:avLst/>
+          </a:prstGeom>
+          <a:noFill/>
+          <a:ln/>
+        </p:spPr>
+        <p:style>
+          <a:lnRef idx="2">
+            <a:schemeClr val="accent1"/>
+          </a:lnRef>
+          <a:fillRef idx="1">
+            <a:schemeClr val="lt1"/>
+          </a:fillRef>
+          <a:effectRef idx="0">
+            <a:schemeClr val="accent1"/>
+          </a:effectRef>
+          <a:fontRef idx="minor">
+            <a:schemeClr val="dk1"/>
+          </a:fontRef>
+        </p:style>
+        <p:txBody>
+          <a:bodyPr lIns="91440" tIns="91440" bIns="91440" rtlCol="0" anchor="t"/>
+          <a:lstStyle/>
+          <a:p>
+            <a:pPr algn="ctr"/>
+            <a:endParaRPr lang="en-US" sz="1200" dirty="0" err="1">
+              <a:solidFill>
+                <a:srgbClr val="FFFFFF"/>
+              </a:solidFill>
+              <a:latin typeface="Roboto Regular"/>
+              <a:cs typeface="Roboto Regular"/>
+            </a:endParaRPr>
+          </a:p>
+        </p:txBody>
+      </p:sp>
+      <p:sp>
+        <p:nvSpPr>
+          <p:cNvPr id="17" name="Rectangle 16">
+            <a:extLst>
+              <a:ext uri="{FF2B5EF4-FFF2-40B4-BE49-F238E27FC236}">
+                <a16:creationId xmlns:a16="http://schemas.microsoft.com/office/drawing/2014/main" id="{638EA9AD-4A60-C3AB-9C77-09334EF05D5E}"/>
+              </a:ext>
+            </a:extLst>
+          </p:cNvPr>
+          <p:cNvSpPr/>
+          <p:nvPr/>
+        </p:nvSpPr>
+        <p:spPr>
+          <a:xfrm>
+            <a:off x="5887708" y="728100"/>
+            <a:ext cx="1669638" cy="2049277"/>
+          </a:xfrm>
+          <a:prstGeom prst="rect">
+            <a:avLst/>
+          </a:prstGeom>
+          <a:noFill/>
+          <a:ln/>
+        </p:spPr>
+        <p:style>
+          <a:lnRef idx="2">
+            <a:schemeClr val="accent1"/>
+          </a:lnRef>
+          <a:fillRef idx="1">
+            <a:schemeClr val="lt1"/>
+          </a:fillRef>
+          <a:effectRef idx="0">
+            <a:schemeClr val="accent1"/>
+          </a:effectRef>
+          <a:fontRef idx="minor">
+            <a:schemeClr val="dk1"/>
+          </a:fontRef>
+        </p:style>
+        <p:txBody>
+          <a:bodyPr lIns="91440" tIns="91440" bIns="91440" rtlCol="0" anchor="t"/>
+          <a:lstStyle/>
+          <a:p>
+            <a:pPr algn="ctr"/>
+            <a:endParaRPr lang="en-US" sz="1200" dirty="0" err="1">
+              <a:solidFill>
+                <a:srgbClr val="FFFFFF"/>
+              </a:solidFill>
+              <a:latin typeface="Roboto Regular"/>
+              <a:cs typeface="Roboto Regular"/>
+            </a:endParaRPr>
           </a:p>
         </p:txBody>
       </p:sp>
@@ -7346,6 +7537,112 @@
                       </p:childTnLst>
                     </p:cTn>
                   </p:par>
+                  <p:par>
+                    <p:cTn id="52" fill="hold">
+                      <p:stCondLst>
+                        <p:cond delay="indefinite"/>
+                      </p:stCondLst>
+                      <p:childTnLst>
+                        <p:par>
+                          <p:cTn id="53" fill="hold">
+                            <p:stCondLst>
+                              <p:cond delay="0"/>
+                            </p:stCondLst>
+                            <p:childTnLst>
+                              <p:par>
+                                <p:cTn id="54" presetID="10" presetClass="entr" presetSubtype="0" fill="hold" grpId="0" nodeType="clickEffect">
+                                  <p:stCondLst>
+                                    <p:cond delay="0"/>
+                                  </p:stCondLst>
+                                  <p:childTnLst>
+                                    <p:set>
+                                      <p:cBhvr>
+                                        <p:cTn id="55" dur="1" fill="hold">
+                                          <p:stCondLst>
+                                            <p:cond delay="0"/>
+                                          </p:stCondLst>
+                                        </p:cTn>
+                                        <p:tgtEl>
+                                          <p:spTgt spid="16"/>
+                                        </p:tgtEl>
+                                        <p:attrNameLst>
+                                          <p:attrName>style.visibility</p:attrName>
+                                        </p:attrNameLst>
+                                      </p:cBhvr>
+                                      <p:to>
+                                        <p:strVal val="visible"/>
+                                      </p:to>
+                                    </p:set>
+                                    <p:animEffect transition="in" filter="fade">
+                                      <p:cBhvr>
+                                        <p:cTn id="56" dur="250"/>
+                                        <p:tgtEl>
+                                          <p:spTgt spid="16"/>
+                                        </p:tgtEl>
+                                      </p:cBhvr>
+                                    </p:animEffect>
+                                  </p:childTnLst>
+                                </p:cTn>
+                              </p:par>
+                            </p:childTnLst>
+                          </p:cTn>
+                        </p:par>
+                      </p:childTnLst>
+                    </p:cTn>
+                  </p:par>
+                  <p:par>
+                    <p:cTn id="57" fill="hold">
+                      <p:stCondLst>
+                        <p:cond delay="indefinite"/>
+                      </p:stCondLst>
+                      <p:childTnLst>
+                        <p:par>
+                          <p:cTn id="58" fill="hold">
+                            <p:stCondLst>
+                              <p:cond delay="0"/>
+                            </p:stCondLst>
+                            <p:childTnLst>
+                              <p:par>
+                                <p:cTn id="59" presetID="10" presetClass="entr" presetSubtype="0" fill="hold" grpId="0" nodeType="clickEffect">
+                                  <p:stCondLst>
+                                    <p:cond delay="0"/>
+                                  </p:stCondLst>
+                                  <p:childTnLst>
+                                    <p:set>
+                                      <p:cBhvr>
+                                        <p:cTn id="60" dur="1" fill="hold">
+                                          <p:stCondLst>
+                                            <p:cond delay="0"/>
+                                          </p:stCondLst>
+                                        </p:cTn>
+                                        <p:tgtEl>
+                                          <p:spTgt spid="17"/>
+                                        </p:tgtEl>
+                                        <p:attrNameLst>
+                                          <p:attrName>style.visibility</p:attrName>
+                                        </p:attrNameLst>
+                                      </p:cBhvr>
+                                      <p:to>
+                                        <p:strVal val="visible"/>
+                                      </p:to>
+                                    </p:set>
+                                    <p:animEffect transition="in" filter="fade">
+                                      <p:cBhvr>
+                                        <p:cTn id="61" dur="250"/>
+                                        <p:tgtEl>
+                                          <p:spTgt spid="17"/>
+                                        </p:tgtEl>
+                                      </p:cBhvr>
+                                    </p:animEffect>
+                                  </p:childTnLst>
+                                </p:cTn>
+                              </p:par>
+                            </p:childTnLst>
+                          </p:cTn>
+                        </p:par>
+                      </p:childTnLst>
+                    </p:cTn>
+                  </p:par>
                 </p:childTnLst>
               </p:cTn>
               <p:prevCondLst>
@@ -7371,6 +7668,8 @@
       <p:bldP spid="11" grpId="0"/>
       <p:bldP spid="12" grpId="0"/>
       <p:bldP spid="14" grpId="0"/>
+      <p:bldP spid="16" grpId="0" animBg="1"/>
+      <p:bldP spid="17" grpId="0" animBg="1"/>
     </p:bldLst>
   </p:timing>
 </p:sld>
@@ -7486,422 +7785,6 @@
           </a:p>
         </p:txBody>
       </p:sp>
-      <p:sp>
-        <p:nvSpPr>
-          <p:cNvPr id="6" name="Date Placeholder 3">
-            <a:extLst>
-              <a:ext uri="{FF2B5EF4-FFF2-40B4-BE49-F238E27FC236}">
-                <a16:creationId xmlns:a16="http://schemas.microsoft.com/office/drawing/2014/main" id="{69F60E08-CDA9-76E2-1D1B-A65BDBB0E26D}"/>
-              </a:ext>
-            </a:extLst>
-          </p:cNvPr>
-          <p:cNvSpPr txBox="1">
-            <a:spLocks/>
-          </p:cNvSpPr>
-          <p:nvPr/>
-        </p:nvSpPr>
-        <p:spPr>
-          <a:xfrm>
-            <a:off x="8128126" y="5298413"/>
-            <a:ext cx="1111662" cy="302072"/>
-          </a:xfrm>
-          <a:prstGeom prst="rect">
-            <a:avLst/>
-          </a:prstGeom>
-        </p:spPr>
-        <p:txBody>
-          <a:bodyPr/>
-          <a:lstStyle>
-            <a:defPPr>
-              <a:defRPr lang="en-US"/>
-            </a:defPPr>
-            <a:lvl1pPr algn="l" rtl="0" fontAlgn="base">
-              <a:spcBef>
-                <a:spcPct val="0"/>
-              </a:spcBef>
-              <a:spcAft>
-                <a:spcPct val="0"/>
-              </a:spcAft>
-              <a:defRPr sz="2400" kern="1200">
-                <a:solidFill>
-                  <a:schemeClr val="tx1"/>
-                </a:solidFill>
-                <a:latin typeface="Arial" pitchFamily="34" charset="0"/>
-                <a:ea typeface="MS PGothic" pitchFamily="34" charset="-128"/>
-                <a:cs typeface="+mn-cs"/>
-              </a:defRPr>
-            </a:lvl1pPr>
-            <a:lvl2pPr marL="457200" algn="l" rtl="0" fontAlgn="base">
-              <a:spcBef>
-                <a:spcPct val="0"/>
-              </a:spcBef>
-              <a:spcAft>
-                <a:spcPct val="0"/>
-              </a:spcAft>
-              <a:defRPr sz="2400" kern="1200">
-                <a:solidFill>
-                  <a:schemeClr val="tx1"/>
-                </a:solidFill>
-                <a:latin typeface="Arial" pitchFamily="34" charset="0"/>
-                <a:ea typeface="MS PGothic" pitchFamily="34" charset="-128"/>
-                <a:cs typeface="+mn-cs"/>
-              </a:defRPr>
-            </a:lvl2pPr>
-            <a:lvl3pPr marL="914400" algn="l" rtl="0" fontAlgn="base">
-              <a:spcBef>
-                <a:spcPct val="0"/>
-              </a:spcBef>
-              <a:spcAft>
-                <a:spcPct val="0"/>
-              </a:spcAft>
-              <a:defRPr sz="2400" kern="1200">
-                <a:solidFill>
-                  <a:schemeClr val="tx1"/>
-                </a:solidFill>
-                <a:latin typeface="Arial" pitchFamily="34" charset="0"/>
-                <a:ea typeface="MS PGothic" pitchFamily="34" charset="-128"/>
-                <a:cs typeface="+mn-cs"/>
-              </a:defRPr>
-            </a:lvl3pPr>
-            <a:lvl4pPr marL="1371600" algn="l" rtl="0" fontAlgn="base">
-              <a:spcBef>
-                <a:spcPct val="0"/>
-              </a:spcBef>
-              <a:spcAft>
-                <a:spcPct val="0"/>
-              </a:spcAft>
-              <a:defRPr sz="2400" kern="1200">
-                <a:solidFill>
-                  <a:schemeClr val="tx1"/>
-                </a:solidFill>
-                <a:latin typeface="Arial" pitchFamily="34" charset="0"/>
-                <a:ea typeface="MS PGothic" pitchFamily="34" charset="-128"/>
-                <a:cs typeface="+mn-cs"/>
-              </a:defRPr>
-            </a:lvl4pPr>
-            <a:lvl5pPr marL="1828800" algn="l" rtl="0" fontAlgn="base">
-              <a:spcBef>
-                <a:spcPct val="0"/>
-              </a:spcBef>
-              <a:spcAft>
-                <a:spcPct val="0"/>
-              </a:spcAft>
-              <a:defRPr sz="2400" kern="1200">
-                <a:solidFill>
-                  <a:schemeClr val="tx1"/>
-                </a:solidFill>
-                <a:latin typeface="Arial" pitchFamily="34" charset="0"/>
-                <a:ea typeface="MS PGothic" pitchFamily="34" charset="-128"/>
-                <a:cs typeface="+mn-cs"/>
-              </a:defRPr>
-            </a:lvl5pPr>
-            <a:lvl6pPr marL="2286000" algn="l" defTabSz="914400" rtl="0" eaLnBrk="1" latinLnBrk="0" hangingPunct="1">
-              <a:defRPr sz="2400" kern="1200">
-                <a:solidFill>
-                  <a:schemeClr val="tx1"/>
-                </a:solidFill>
-                <a:latin typeface="Arial" pitchFamily="34" charset="0"/>
-                <a:ea typeface="MS PGothic" pitchFamily="34" charset="-128"/>
-                <a:cs typeface="+mn-cs"/>
-              </a:defRPr>
-            </a:lvl6pPr>
-            <a:lvl7pPr marL="2743200" algn="l" defTabSz="914400" rtl="0" eaLnBrk="1" latinLnBrk="0" hangingPunct="1">
-              <a:defRPr sz="2400" kern="1200">
-                <a:solidFill>
-                  <a:schemeClr val="tx1"/>
-                </a:solidFill>
-                <a:latin typeface="Arial" pitchFamily="34" charset="0"/>
-                <a:ea typeface="MS PGothic" pitchFamily="34" charset="-128"/>
-                <a:cs typeface="+mn-cs"/>
-              </a:defRPr>
-            </a:lvl7pPr>
-            <a:lvl8pPr marL="3200400" algn="l" defTabSz="914400" rtl="0" eaLnBrk="1" latinLnBrk="0" hangingPunct="1">
-              <a:defRPr sz="2400" kern="1200">
-                <a:solidFill>
-                  <a:schemeClr val="tx1"/>
-                </a:solidFill>
-                <a:latin typeface="Arial" pitchFamily="34" charset="0"/>
-                <a:ea typeface="MS PGothic" pitchFamily="34" charset="-128"/>
-                <a:cs typeface="+mn-cs"/>
-              </a:defRPr>
-            </a:lvl8pPr>
-            <a:lvl9pPr marL="3657600" algn="l" defTabSz="914400" rtl="0" eaLnBrk="1" latinLnBrk="0" hangingPunct="1">
-              <a:defRPr sz="2400" kern="1200">
-                <a:solidFill>
-                  <a:schemeClr val="tx1"/>
-                </a:solidFill>
-                <a:latin typeface="Arial" pitchFamily="34" charset="0"/>
-                <a:ea typeface="MS PGothic" pitchFamily="34" charset="-128"/>
-                <a:cs typeface="+mn-cs"/>
-              </a:defRPr>
-            </a:lvl9pPr>
-          </a:lstStyle>
-          <a:p>
-            <a:r>
-              <a:rPr lang="en-US">
-                <a:solidFill>
-                  <a:schemeClr val="bg1"/>
-                </a:solidFill>
-              </a:rPr>
-              <a:t>4/17/2023</a:t>
-            </a:r>
-            <a:endParaRPr lang="en-US" dirty="0">
-              <a:solidFill>
-                <a:schemeClr val="bg1"/>
-              </a:solidFill>
-            </a:endParaRPr>
-          </a:p>
-        </p:txBody>
-      </p:sp>
-      <p:sp>
-        <p:nvSpPr>
-          <p:cNvPr id="7" name="Slide Number Placeholder 4">
-            <a:extLst>
-              <a:ext uri="{FF2B5EF4-FFF2-40B4-BE49-F238E27FC236}">
-                <a16:creationId xmlns:a16="http://schemas.microsoft.com/office/drawing/2014/main" id="{D11FF2F4-F34B-37B8-9E6A-A10E41277A46}"/>
-              </a:ext>
-            </a:extLst>
-          </p:cNvPr>
-          <p:cNvSpPr txBox="1">
-            <a:spLocks/>
-          </p:cNvSpPr>
-          <p:nvPr/>
-        </p:nvSpPr>
-        <p:spPr bwMode="auto">
-          <a:xfrm>
-            <a:off x="9471832" y="5172939"/>
-            <a:ext cx="878732" cy="405878"/>
-          </a:xfrm>
-          <a:prstGeom prst="rect">
-            <a:avLst/>
-          </a:prstGeom>
-          <a:noFill/>
-          <a:ln>
-            <a:noFill/>
-          </a:ln>
-          <a:extLst>
-            <a:ext uri="{909E8E84-426E-40dd-AFC4-6F175D3DCCD1}">
-              <a14:hiddenFill xmlns="" xmlns:a14="http://schemas.microsoft.com/office/drawing/2010/main">
-                <a:solidFill>
-                  <a:srgbClr val="FFFFFF"/>
-                </a:solidFill>
-              </a14:hiddenFill>
-            </a:ext>
-            <a:ext uri="{91240B29-F687-4f45-9708-019B960494DF}">
-              <a14:hiddenLine xmlns="" xmlns:a14="http://schemas.microsoft.com/office/drawing/2010/main" w="9525">
-                <a:solidFill>
-                  <a:srgbClr val="000000"/>
-                </a:solidFill>
-                <a:miter lim="800000"/>
-                <a:headEnd/>
-                <a:tailEnd/>
-              </a14:hiddenLine>
-            </a:ext>
-          </a:extLst>
-        </p:spPr>
-        <p:txBody>
-          <a:bodyPr vert="horz" wrap="square" lIns="0" tIns="0" rIns="0" bIns="0" numCol="1" anchor="t" anchorCtr="0" compatLnSpc="1">
-            <a:prstTxWarp prst="textNoShape">
-              <a:avLst/>
-            </a:prstTxWarp>
-          </a:bodyPr>
-          <a:lstStyle>
-            <a:lvl1pPr marL="0" indent="0" algn="l" rtl="0" eaLnBrk="1" fontAlgn="base" hangingPunct="1">
-              <a:spcBef>
-                <a:spcPts val="1200"/>
-              </a:spcBef>
-              <a:spcAft>
-                <a:spcPct val="0"/>
-              </a:spcAft>
-              <a:defRPr sz="1800">
-                <a:solidFill>
-                  <a:schemeClr val="tx1"/>
-                </a:solidFill>
-                <a:latin typeface="+mn-lt"/>
-                <a:ea typeface="MS PGothic" pitchFamily="34" charset="-128"/>
-                <a:cs typeface="Roboto Regular"/>
-              </a:defRPr>
-            </a:lvl1pPr>
-            <a:lvl2pPr marL="502920" indent="-228600" algn="l" rtl="0" eaLnBrk="1" fontAlgn="base" hangingPunct="1">
-              <a:spcBef>
-                <a:spcPts val="600"/>
-              </a:spcBef>
-              <a:spcAft>
-                <a:spcPct val="0"/>
-              </a:spcAft>
-              <a:buClr>
-                <a:schemeClr val="accent1"/>
-              </a:buClr>
-              <a:buFont typeface="Arial"/>
-              <a:buChar char="•"/>
-              <a:defRPr sz="1400">
-                <a:solidFill>
-                  <a:schemeClr val="accent2">
-                    <a:lumMod val="75000"/>
-                  </a:schemeClr>
-                </a:solidFill>
-                <a:latin typeface="+mn-lt"/>
-                <a:ea typeface="MS PGothic" pitchFamily="34" charset="-128"/>
-                <a:cs typeface="Roboto Regular"/>
-              </a:defRPr>
-            </a:lvl2pPr>
-            <a:lvl3pPr marL="914400" indent="-228600" algn="l" rtl="0" eaLnBrk="1" fontAlgn="base" hangingPunct="1">
-              <a:spcBef>
-                <a:spcPts val="600"/>
-              </a:spcBef>
-              <a:spcAft>
-                <a:spcPct val="0"/>
-              </a:spcAft>
-              <a:buClr>
-                <a:schemeClr val="accent4"/>
-              </a:buClr>
-              <a:buFont typeface="Arial"/>
-              <a:buChar char="•"/>
-              <a:defRPr sz="1200">
-                <a:solidFill>
-                  <a:schemeClr val="accent2">
-                    <a:lumMod val="75000"/>
-                  </a:schemeClr>
-                </a:solidFill>
-                <a:latin typeface="+mn-lt"/>
-                <a:ea typeface="MS PGothic" pitchFamily="34" charset="-128"/>
-                <a:cs typeface="Roboto Regular"/>
-              </a:defRPr>
-            </a:lvl3pPr>
-            <a:lvl4pPr marL="1325880" indent="-228600" algn="l" rtl="0" eaLnBrk="1" fontAlgn="base" hangingPunct="1">
-              <a:spcBef>
-                <a:spcPts val="600"/>
-              </a:spcBef>
-              <a:spcAft>
-                <a:spcPct val="0"/>
-              </a:spcAft>
-              <a:buClr>
-                <a:schemeClr val="accent5"/>
-              </a:buClr>
-              <a:buFont typeface="Arial"/>
-              <a:buChar char="•"/>
-              <a:defRPr sz="1100" baseline="0">
-                <a:solidFill>
-                  <a:schemeClr val="accent2">
-                    <a:lumMod val="75000"/>
-                  </a:schemeClr>
-                </a:solidFill>
-                <a:latin typeface="+mn-lt"/>
-                <a:ea typeface="MS PGothic" pitchFamily="34" charset="-128"/>
-                <a:cs typeface="Roboto Regular"/>
-              </a:defRPr>
-            </a:lvl4pPr>
-            <a:lvl5pPr marL="1737360" marR="0" indent="-228600" algn="l" defTabSz="914400" rtl="0" eaLnBrk="1" fontAlgn="base" latinLnBrk="0" hangingPunct="1">
-              <a:lnSpc>
-                <a:spcPct val="100000"/>
-              </a:lnSpc>
-              <a:spcBef>
-                <a:spcPts val="600"/>
-              </a:spcBef>
-              <a:spcAft>
-                <a:spcPct val="0"/>
-              </a:spcAft>
-              <a:buClr>
-                <a:schemeClr val="accent6"/>
-              </a:buClr>
-              <a:buSzTx/>
-              <a:buFont typeface="Arial"/>
-              <a:buChar char="•"/>
-              <a:tabLst/>
-              <a:defRPr sz="1000" b="0" baseline="0">
-                <a:solidFill>
-                  <a:schemeClr val="accent2">
-                    <a:lumMod val="75000"/>
-                  </a:schemeClr>
-                </a:solidFill>
-                <a:latin typeface="+mn-lt"/>
-                <a:ea typeface="MS PGothic" pitchFamily="34" charset="-128"/>
-                <a:cs typeface="Roboto Regular"/>
-              </a:defRPr>
-            </a:lvl5pPr>
-            <a:lvl6pPr marL="2514600" indent="-228600" algn="l" rtl="0" eaLnBrk="1" fontAlgn="base" hangingPunct="1">
-              <a:spcBef>
-                <a:spcPct val="20000"/>
-              </a:spcBef>
-              <a:spcAft>
-                <a:spcPct val="0"/>
-              </a:spcAft>
-              <a:buChar char="»"/>
-              <a:defRPr sz="1500" b="1">
-                <a:solidFill>
-                  <a:srgbClr val="727274"/>
-                </a:solidFill>
-                <a:latin typeface="+mn-lt"/>
-                <a:ea typeface="+mn-ea"/>
-              </a:defRPr>
-            </a:lvl6pPr>
-            <a:lvl7pPr marL="2971800" indent="-228600" algn="l" rtl="0" eaLnBrk="1" fontAlgn="base" hangingPunct="1">
-              <a:spcBef>
-                <a:spcPct val="20000"/>
-              </a:spcBef>
-              <a:spcAft>
-                <a:spcPct val="0"/>
-              </a:spcAft>
-              <a:buChar char="»"/>
-              <a:defRPr sz="1500" b="1">
-                <a:solidFill>
-                  <a:srgbClr val="727274"/>
-                </a:solidFill>
-                <a:latin typeface="+mn-lt"/>
-                <a:ea typeface="+mn-ea"/>
-              </a:defRPr>
-            </a:lvl7pPr>
-            <a:lvl8pPr marL="3429000" indent="-228600" algn="l" rtl="0" eaLnBrk="1" fontAlgn="base" hangingPunct="1">
-              <a:spcBef>
-                <a:spcPct val="20000"/>
-              </a:spcBef>
-              <a:spcAft>
-                <a:spcPct val="0"/>
-              </a:spcAft>
-              <a:buChar char="»"/>
-              <a:defRPr sz="1500" b="1">
-                <a:solidFill>
-                  <a:srgbClr val="727274"/>
-                </a:solidFill>
-                <a:latin typeface="+mn-lt"/>
-                <a:ea typeface="+mn-ea"/>
-              </a:defRPr>
-            </a:lvl8pPr>
-            <a:lvl9pPr marL="3886200" indent="-228600" algn="l" rtl="0" eaLnBrk="1" fontAlgn="base" hangingPunct="1">
-              <a:spcBef>
-                <a:spcPct val="20000"/>
-              </a:spcBef>
-              <a:spcAft>
-                <a:spcPct val="0"/>
-              </a:spcAft>
-              <a:buChar char="»"/>
-              <a:defRPr sz="1500" b="1">
-                <a:solidFill>
-                  <a:srgbClr val="727274"/>
-                </a:solidFill>
-                <a:latin typeface="+mn-lt"/>
-                <a:ea typeface="+mn-ea"/>
-              </a:defRPr>
-            </a:lvl9pPr>
-          </a:lstStyle>
-          <a:p>
-            <a:fld id="{61CD8911-B433-634A-8462-B3CDA1BC7061}" type="slidenum">
-              <a:rPr lang="en-US" kern="0" smtClean="0">
-                <a:solidFill>
-                  <a:schemeClr val="bg1"/>
-                </a:solidFill>
-              </a:rPr>
-              <a:pPr/>
-              <a:t>11</a:t>
-            </a:fld>
-            <a:endParaRPr lang="en-US" kern="0" dirty="0">
-              <a:solidFill>
-                <a:schemeClr val="bg1"/>
-              </a:solidFill>
-            </a:endParaRPr>
-          </a:p>
-        </p:txBody>
-      </p:sp>
       <p:grpSp>
         <p:nvGrpSpPr>
           <p:cNvPr id="8" name="Group 7">
@@ -7917,9 +7800,9 @@
         <p:grpSpPr>
           <a:xfrm>
             <a:off x="119055" y="1321865"/>
-            <a:ext cx="8434396" cy="974169"/>
+            <a:ext cx="8260344" cy="974169"/>
             <a:chOff x="354004" y="1920249"/>
-            <a:chExt cx="11123621" cy="1284773"/>
+            <a:chExt cx="10894074" cy="1284773"/>
           </a:xfrm>
         </p:grpSpPr>
         <p:pic>
@@ -7936,16 +7819,15 @@
             </p:cNvPicPr>
             <p:nvPr/>
           </p:nvPicPr>
-          <p:blipFill>
+          <p:blipFill rotWithShape="1">
             <a:blip r:embed="rId2"/>
-            <a:stretch>
-              <a:fillRect/>
-            </a:stretch>
+            <a:srcRect r="2064"/>
+            <a:stretch/>
           </p:blipFill>
           <p:spPr>
             <a:xfrm>
               <a:off x="354004" y="2267680"/>
-              <a:ext cx="11123621" cy="937342"/>
+              <a:ext cx="10894074" cy="937342"/>
             </a:xfrm>
             <a:prstGeom prst="rect">
               <a:avLst/>
@@ -7998,9 +7880,9 @@
         <p:grpSpPr>
           <a:xfrm>
             <a:off x="122194" y="1329009"/>
-            <a:ext cx="8462156" cy="1670029"/>
+            <a:ext cx="8257205" cy="1670029"/>
             <a:chOff x="357143" y="1927393"/>
-            <a:chExt cx="11160233" cy="2202501"/>
+            <a:chExt cx="10889935" cy="2202501"/>
           </a:xfrm>
         </p:grpSpPr>
         <p:pic>
@@ -8017,16 +7899,15 @@
             </p:cNvPicPr>
             <p:nvPr/>
           </p:nvPicPr>
-          <p:blipFill>
+          <p:blipFill rotWithShape="1">
             <a:blip r:embed="rId4"/>
-            <a:stretch>
-              <a:fillRect/>
-            </a:stretch>
+            <a:srcRect r="2422"/>
+            <a:stretch/>
           </p:blipFill>
           <p:spPr>
             <a:xfrm>
               <a:off x="357143" y="3221844"/>
-              <a:ext cx="11160233" cy="908050"/>
+              <a:ext cx="10889935" cy="908050"/>
             </a:xfrm>
             <a:prstGeom prst="rect">
               <a:avLst/>
@@ -8078,10 +7959,10 @@
         </p:nvGrpSpPr>
         <p:grpSpPr>
           <a:xfrm>
-            <a:off x="342027" y="1353483"/>
-            <a:ext cx="9203288" cy="3344926"/>
-            <a:chOff x="561051" y="1951868"/>
-            <a:chExt cx="12137671" cy="4411424"/>
+            <a:off x="320179" y="1353483"/>
+            <a:ext cx="8621725" cy="3344926"/>
+            <a:chOff x="524006" y="1951868"/>
+            <a:chExt cx="11370681" cy="4411424"/>
           </a:xfrm>
         </p:grpSpPr>
         <p:pic>
@@ -8105,7 +7986,7 @@
           </p:blipFill>
           <p:spPr>
             <a:xfrm>
-              <a:off x="4511914" y="5128168"/>
+              <a:off x="4409016" y="5090421"/>
               <a:ext cx="6798239" cy="519933"/>
             </a:xfrm>
             <a:prstGeom prst="rect">
@@ -8165,8 +8046,8 @@
           </p:nvSpPr>
           <p:spPr>
             <a:xfrm>
-              <a:off x="9921582" y="5429703"/>
-              <a:ext cx="2777140" cy="933589"/>
+              <a:off x="9921581" y="5429703"/>
+              <a:ext cx="1973106" cy="933589"/>
             </a:xfrm>
             <a:prstGeom prst="rect">
               <a:avLst/>
@@ -8222,8 +8103,8 @@
           </p:blipFill>
           <p:spPr>
             <a:xfrm>
-              <a:off x="561051" y="4112172"/>
-              <a:ext cx="10541360" cy="980253"/>
+              <a:off x="524006" y="4091592"/>
+              <a:ext cx="10595896" cy="985324"/>
             </a:xfrm>
             <a:prstGeom prst="rect">
               <a:avLst/>
@@ -8272,13 +8153,14 @@
           </p:cNvPr>
           <p:cNvCxnSpPr>
             <a:cxnSpLocks/>
+            <a:stCxn id="19" idx="1"/>
           </p:cNvCxnSpPr>
           <p:nvPr/>
         </p:nvCxnSpPr>
         <p:spPr>
           <a:xfrm flipH="1">
-            <a:off x="5676900" y="1142617"/>
-            <a:ext cx="1027633" cy="1279769"/>
+            <a:off x="5676900" y="1481702"/>
+            <a:ext cx="367804" cy="940684"/>
           </a:xfrm>
           <a:prstGeom prst="straightConnector1">
             <a:avLst/>
@@ -8316,8 +8198,8 @@
         </p:nvSpPr>
         <p:spPr>
           <a:xfrm>
-            <a:off x="5915090" y="735005"/>
-            <a:ext cx="4177842" cy="584775"/>
+            <a:off x="5559470" y="818032"/>
+            <a:ext cx="3434731" cy="584775"/>
           </a:xfrm>
           <a:prstGeom prst="rect">
             <a:avLst/>
@@ -8419,6 +8301,110 @@
           </a:fontRef>
         </p:style>
       </p:cxnSp>
+      <p:sp>
+        <p:nvSpPr>
+          <p:cNvPr id="24" name="Rectangle 23">
+            <a:extLst>
+              <a:ext uri="{FF2B5EF4-FFF2-40B4-BE49-F238E27FC236}">
+                <a16:creationId xmlns:a16="http://schemas.microsoft.com/office/drawing/2014/main" id="{45208B1C-9558-3394-7D6C-1918601DD308}"/>
+              </a:ext>
+            </a:extLst>
+          </p:cNvPr>
+          <p:cNvSpPr/>
+          <p:nvPr/>
+        </p:nvSpPr>
+        <p:spPr>
+          <a:xfrm>
+            <a:off x="6215375" y="3133261"/>
+            <a:ext cx="2337039" cy="958150"/>
+          </a:xfrm>
+          <a:prstGeom prst="rect">
+            <a:avLst/>
+          </a:prstGeom>
+          <a:noFill/>
+          <a:ln/>
+        </p:spPr>
+        <p:style>
+          <a:lnRef idx="2">
+            <a:schemeClr val="accent1"/>
+          </a:lnRef>
+          <a:fillRef idx="1">
+            <a:schemeClr val="lt1"/>
+          </a:fillRef>
+          <a:effectRef idx="0">
+            <a:schemeClr val="accent1"/>
+          </a:effectRef>
+          <a:fontRef idx="minor">
+            <a:schemeClr val="dk1"/>
+          </a:fontRef>
+        </p:style>
+        <p:txBody>
+          <a:bodyPr lIns="91440" tIns="91440" bIns="91440" rtlCol="0" anchor="t"/>
+          <a:lstStyle/>
+          <a:p>
+            <a:pPr algn="ctr"/>
+            <a:endParaRPr lang="en-US" sz="1200" dirty="0" err="1">
+              <a:solidFill>
+                <a:srgbClr val="FFFFFF"/>
+              </a:solidFill>
+              <a:latin typeface="Roboto Regular"/>
+              <a:cs typeface="Roboto Regular"/>
+            </a:endParaRPr>
+          </a:p>
+        </p:txBody>
+      </p:sp>
+      <p:sp>
+        <p:nvSpPr>
+          <p:cNvPr id="25" name="Rectangle 24">
+            <a:extLst>
+              <a:ext uri="{FF2B5EF4-FFF2-40B4-BE49-F238E27FC236}">
+                <a16:creationId xmlns:a16="http://schemas.microsoft.com/office/drawing/2014/main" id="{8E630D7D-8B8C-5990-6B4D-123416864144}"/>
+              </a:ext>
+            </a:extLst>
+          </p:cNvPr>
+          <p:cNvSpPr/>
+          <p:nvPr/>
+        </p:nvSpPr>
+        <p:spPr>
+          <a:xfrm>
+            <a:off x="3570217" y="1579872"/>
+            <a:ext cx="2082436" cy="958150"/>
+          </a:xfrm>
+          <a:prstGeom prst="rect">
+            <a:avLst/>
+          </a:prstGeom>
+          <a:noFill/>
+          <a:ln/>
+        </p:spPr>
+        <p:style>
+          <a:lnRef idx="2">
+            <a:schemeClr val="accent1"/>
+          </a:lnRef>
+          <a:fillRef idx="1">
+            <a:schemeClr val="lt1"/>
+          </a:fillRef>
+          <a:effectRef idx="0">
+            <a:schemeClr val="accent1"/>
+          </a:effectRef>
+          <a:fontRef idx="minor">
+            <a:schemeClr val="dk1"/>
+          </a:fontRef>
+        </p:style>
+        <p:txBody>
+          <a:bodyPr lIns="91440" tIns="91440" bIns="91440" rtlCol="0" anchor="t"/>
+          <a:lstStyle/>
+          <a:p>
+            <a:pPr algn="ctr"/>
+            <a:endParaRPr lang="en-US" sz="1200" dirty="0" err="1">
+              <a:solidFill>
+                <a:srgbClr val="FFFFFF"/>
+              </a:solidFill>
+              <a:latin typeface="Roboto Regular"/>
+              <a:cs typeface="Roboto Regular"/>
+            </a:endParaRPr>
+          </a:p>
+        </p:txBody>
+      </p:sp>
     </p:spTree>
     <p:extLst>
       <p:ext uri="{BB962C8B-B14F-4D97-AF65-F5344CB8AC3E}">
@@ -8914,6 +8900,112 @@
                       </p:childTnLst>
                     </p:cTn>
                   </p:par>
+                  <p:par>
+                    <p:cTn id="36" fill="hold">
+                      <p:stCondLst>
+                        <p:cond delay="indefinite"/>
+                      </p:stCondLst>
+                      <p:childTnLst>
+                        <p:par>
+                          <p:cTn id="37" fill="hold">
+                            <p:stCondLst>
+                              <p:cond delay="0"/>
+                            </p:stCondLst>
+                            <p:childTnLst>
+                              <p:par>
+                                <p:cTn id="38" presetID="10" presetClass="entr" presetSubtype="0" fill="hold" grpId="0" nodeType="clickEffect">
+                                  <p:stCondLst>
+                                    <p:cond delay="0"/>
+                                  </p:stCondLst>
+                                  <p:childTnLst>
+                                    <p:set>
+                                      <p:cBhvr>
+                                        <p:cTn id="39" dur="1" fill="hold">
+                                          <p:stCondLst>
+                                            <p:cond delay="0"/>
+                                          </p:stCondLst>
+                                        </p:cTn>
+                                        <p:tgtEl>
+                                          <p:spTgt spid="24"/>
+                                        </p:tgtEl>
+                                        <p:attrNameLst>
+                                          <p:attrName>style.visibility</p:attrName>
+                                        </p:attrNameLst>
+                                      </p:cBhvr>
+                                      <p:to>
+                                        <p:strVal val="visible"/>
+                                      </p:to>
+                                    </p:set>
+                                    <p:animEffect transition="in" filter="fade">
+                                      <p:cBhvr>
+                                        <p:cTn id="40" dur="250"/>
+                                        <p:tgtEl>
+                                          <p:spTgt spid="24"/>
+                                        </p:tgtEl>
+                                      </p:cBhvr>
+                                    </p:animEffect>
+                                  </p:childTnLst>
+                                </p:cTn>
+                              </p:par>
+                            </p:childTnLst>
+                          </p:cTn>
+                        </p:par>
+                      </p:childTnLst>
+                    </p:cTn>
+                  </p:par>
+                  <p:par>
+                    <p:cTn id="41" fill="hold">
+                      <p:stCondLst>
+                        <p:cond delay="indefinite"/>
+                      </p:stCondLst>
+                      <p:childTnLst>
+                        <p:par>
+                          <p:cTn id="42" fill="hold">
+                            <p:stCondLst>
+                              <p:cond delay="0"/>
+                            </p:stCondLst>
+                            <p:childTnLst>
+                              <p:par>
+                                <p:cTn id="43" presetID="10" presetClass="entr" presetSubtype="0" fill="hold" grpId="0" nodeType="clickEffect">
+                                  <p:stCondLst>
+                                    <p:cond delay="0"/>
+                                  </p:stCondLst>
+                                  <p:childTnLst>
+                                    <p:set>
+                                      <p:cBhvr>
+                                        <p:cTn id="44" dur="1" fill="hold">
+                                          <p:stCondLst>
+                                            <p:cond delay="0"/>
+                                          </p:stCondLst>
+                                        </p:cTn>
+                                        <p:tgtEl>
+                                          <p:spTgt spid="25"/>
+                                        </p:tgtEl>
+                                        <p:attrNameLst>
+                                          <p:attrName>style.visibility</p:attrName>
+                                        </p:attrNameLst>
+                                      </p:cBhvr>
+                                      <p:to>
+                                        <p:strVal val="visible"/>
+                                      </p:to>
+                                    </p:set>
+                                    <p:animEffect transition="in" filter="fade">
+                                      <p:cBhvr>
+                                        <p:cTn id="45" dur="250"/>
+                                        <p:tgtEl>
+                                          <p:spTgt spid="25"/>
+                                        </p:tgtEl>
+                                      </p:cBhvr>
+                                    </p:animEffect>
+                                  </p:childTnLst>
+                                </p:cTn>
+                              </p:par>
+                            </p:childTnLst>
+                          </p:cTn>
+                        </p:par>
+                      </p:childTnLst>
+                    </p:cTn>
+                  </p:par>
                 </p:childTnLst>
               </p:cTn>
               <p:prevCondLst>
@@ -8937,6 +9029,8 @@
     </p:tnLst>
     <p:bldLst>
       <p:bldP spid="21" grpId="0"/>
+      <p:bldP spid="24" grpId="0" animBg="1"/>
+      <p:bldP spid="25" grpId="0" animBg="1"/>
     </p:bldLst>
   </p:timing>
 </p:sld>
@@ -9492,6 +9586,110 @@
           </a:fontRef>
         </p:style>
       </p:cxnSp>
+      <p:sp>
+        <p:nvSpPr>
+          <p:cNvPr id="3" name="Rectangle 2">
+            <a:extLst>
+              <a:ext uri="{FF2B5EF4-FFF2-40B4-BE49-F238E27FC236}">
+                <a16:creationId xmlns:a16="http://schemas.microsoft.com/office/drawing/2014/main" id="{429023B5-BD55-7751-D7D2-EC0C413BF00A}"/>
+              </a:ext>
+            </a:extLst>
+          </p:cNvPr>
+          <p:cNvSpPr/>
+          <p:nvPr/>
+        </p:nvSpPr>
+        <p:spPr>
+          <a:xfrm>
+            <a:off x="2283143" y="1191784"/>
+            <a:ext cx="2337039" cy="750506"/>
+          </a:xfrm>
+          <a:prstGeom prst="rect">
+            <a:avLst/>
+          </a:prstGeom>
+          <a:noFill/>
+          <a:ln/>
+        </p:spPr>
+        <p:style>
+          <a:lnRef idx="2">
+            <a:schemeClr val="accent1"/>
+          </a:lnRef>
+          <a:fillRef idx="1">
+            <a:schemeClr val="lt1"/>
+          </a:fillRef>
+          <a:effectRef idx="0">
+            <a:schemeClr val="accent1"/>
+          </a:effectRef>
+          <a:fontRef idx="minor">
+            <a:schemeClr val="dk1"/>
+          </a:fontRef>
+        </p:style>
+        <p:txBody>
+          <a:bodyPr lIns="91440" tIns="91440" bIns="91440" rtlCol="0" anchor="t"/>
+          <a:lstStyle/>
+          <a:p>
+            <a:pPr algn="ctr"/>
+            <a:endParaRPr lang="en-US" sz="1200" dirty="0" err="1">
+              <a:solidFill>
+                <a:srgbClr val="FFFFFF"/>
+              </a:solidFill>
+              <a:latin typeface="Roboto Regular"/>
+              <a:cs typeface="Roboto Regular"/>
+            </a:endParaRPr>
+          </a:p>
+        </p:txBody>
+      </p:sp>
+      <p:sp>
+        <p:nvSpPr>
+          <p:cNvPr id="6" name="Rectangle 5">
+            <a:extLst>
+              <a:ext uri="{FF2B5EF4-FFF2-40B4-BE49-F238E27FC236}">
+                <a16:creationId xmlns:a16="http://schemas.microsoft.com/office/drawing/2014/main" id="{34FC797C-DC4B-0BB2-50D8-1229906817D9}"/>
+              </a:ext>
+            </a:extLst>
+          </p:cNvPr>
+          <p:cNvSpPr/>
+          <p:nvPr/>
+        </p:nvSpPr>
+        <p:spPr>
+          <a:xfrm>
+            <a:off x="5276962" y="3299960"/>
+            <a:ext cx="2337039" cy="266530"/>
+          </a:xfrm>
+          <a:prstGeom prst="rect">
+            <a:avLst/>
+          </a:prstGeom>
+          <a:noFill/>
+          <a:ln/>
+        </p:spPr>
+        <p:style>
+          <a:lnRef idx="2">
+            <a:schemeClr val="accent1"/>
+          </a:lnRef>
+          <a:fillRef idx="1">
+            <a:schemeClr val="lt1"/>
+          </a:fillRef>
+          <a:effectRef idx="0">
+            <a:schemeClr val="accent1"/>
+          </a:effectRef>
+          <a:fontRef idx="minor">
+            <a:schemeClr val="dk1"/>
+          </a:fontRef>
+        </p:style>
+        <p:txBody>
+          <a:bodyPr lIns="91440" tIns="91440" bIns="91440" rtlCol="0" anchor="t"/>
+          <a:lstStyle/>
+          <a:p>
+            <a:pPr algn="ctr"/>
+            <a:endParaRPr lang="en-US" sz="1200" dirty="0" err="1">
+              <a:solidFill>
+                <a:srgbClr val="FFFFFF"/>
+              </a:solidFill>
+              <a:latin typeface="Roboto Regular"/>
+              <a:cs typeface="Roboto Regular"/>
+            </a:endParaRPr>
+          </a:p>
+        </p:txBody>
+      </p:sp>
     </p:spTree>
     <p:extLst>
       <p:ext uri="{BB962C8B-B14F-4D97-AF65-F5344CB8AC3E}">
@@ -9987,6 +10185,112 @@
                       </p:childTnLst>
                     </p:cTn>
                   </p:par>
+                  <p:par>
+                    <p:cTn id="36" fill="hold">
+                      <p:stCondLst>
+                        <p:cond delay="indefinite"/>
+                      </p:stCondLst>
+                      <p:childTnLst>
+                        <p:par>
+                          <p:cTn id="37" fill="hold">
+                            <p:stCondLst>
+                              <p:cond delay="0"/>
+                            </p:stCondLst>
+                            <p:childTnLst>
+                              <p:par>
+                                <p:cTn id="38" presetID="10" presetClass="entr" presetSubtype="0" fill="hold" grpId="0" nodeType="clickEffect">
+                                  <p:stCondLst>
+                                    <p:cond delay="0"/>
+                                  </p:stCondLst>
+                                  <p:childTnLst>
+                                    <p:set>
+                                      <p:cBhvr>
+                                        <p:cTn id="39" dur="1" fill="hold">
+                                          <p:stCondLst>
+                                            <p:cond delay="0"/>
+                                          </p:stCondLst>
+                                        </p:cTn>
+                                        <p:tgtEl>
+                                          <p:spTgt spid="3"/>
+                                        </p:tgtEl>
+                                        <p:attrNameLst>
+                                          <p:attrName>style.visibility</p:attrName>
+                                        </p:attrNameLst>
+                                      </p:cBhvr>
+                                      <p:to>
+                                        <p:strVal val="visible"/>
+                                      </p:to>
+                                    </p:set>
+                                    <p:animEffect transition="in" filter="fade">
+                                      <p:cBhvr>
+                                        <p:cTn id="40" dur="250"/>
+                                        <p:tgtEl>
+                                          <p:spTgt spid="3"/>
+                                        </p:tgtEl>
+                                      </p:cBhvr>
+                                    </p:animEffect>
+                                  </p:childTnLst>
+                                </p:cTn>
+                              </p:par>
+                            </p:childTnLst>
+                          </p:cTn>
+                        </p:par>
+                      </p:childTnLst>
+                    </p:cTn>
+                  </p:par>
+                  <p:par>
+                    <p:cTn id="41" fill="hold">
+                      <p:stCondLst>
+                        <p:cond delay="indefinite"/>
+                      </p:stCondLst>
+                      <p:childTnLst>
+                        <p:par>
+                          <p:cTn id="42" fill="hold">
+                            <p:stCondLst>
+                              <p:cond delay="0"/>
+                            </p:stCondLst>
+                            <p:childTnLst>
+                              <p:par>
+                                <p:cTn id="43" presetID="10" presetClass="entr" presetSubtype="0" fill="hold" grpId="0" nodeType="clickEffect">
+                                  <p:stCondLst>
+                                    <p:cond delay="0"/>
+                                  </p:stCondLst>
+                                  <p:childTnLst>
+                                    <p:set>
+                                      <p:cBhvr>
+                                        <p:cTn id="44" dur="1" fill="hold">
+                                          <p:stCondLst>
+                                            <p:cond delay="0"/>
+                                          </p:stCondLst>
+                                        </p:cTn>
+                                        <p:tgtEl>
+                                          <p:spTgt spid="6"/>
+                                        </p:tgtEl>
+                                        <p:attrNameLst>
+                                          <p:attrName>style.visibility</p:attrName>
+                                        </p:attrNameLst>
+                                      </p:cBhvr>
+                                      <p:to>
+                                        <p:strVal val="visible"/>
+                                      </p:to>
+                                    </p:set>
+                                    <p:animEffect transition="in" filter="fade">
+                                      <p:cBhvr>
+                                        <p:cTn id="45" dur="250"/>
+                                        <p:tgtEl>
+                                          <p:spTgt spid="6"/>
+                                        </p:tgtEl>
+                                      </p:cBhvr>
+                                    </p:animEffect>
+                                  </p:childTnLst>
+                                </p:cTn>
+                              </p:par>
+                            </p:childTnLst>
+                          </p:cTn>
+                        </p:par>
+                      </p:childTnLst>
+                    </p:cTn>
+                  </p:par>
                 </p:childTnLst>
               </p:cTn>
               <p:prevCondLst>
@@ -10010,6 +10314,8 @@
     </p:tnLst>
     <p:bldLst>
       <p:bldP spid="38" grpId="0"/>
+      <p:bldP spid="3" grpId="0" animBg="1"/>
+      <p:bldP spid="6" grpId="0" animBg="1"/>
     </p:bldLst>
   </p:timing>
 </p:sld>
@@ -10253,7 +10559,7 @@
           <a:p>
             <a:r>
               <a:rPr lang="en-US" dirty="0"/>
-              <a:t>Changes?</a:t>
+              <a:t>Telemedicine Utilization Gap</a:t>
             </a:r>
           </a:p>
         </p:txBody>
@@ -10279,102 +10585,43 @@
           <a:bodyPr/>
           <a:lstStyle/>
           <a:p>
+            <a:r>
+              <a:rPr lang="en-US" dirty="0"/>
+              <a:t>Telemedicine exacerbated disparities in:</a:t>
+            </a:r>
+          </a:p>
+          <a:p>
             <a:pPr marL="285750" indent="-285750">
               <a:buFont typeface="Arial" panose="020B0604020202020204" pitchFamily="34" charset="0"/>
               <a:buChar char="•"/>
             </a:pPr>
             <a:r>
-              <a:rPr lang="en-US" sz="2400" dirty="0"/>
-              <a:t>Tech: </a:t>
-            </a:r>
-          </a:p>
-          <a:p>
-            <a:pPr marL="788670" lvl="1" indent="-285750">
+              <a:rPr lang="en-US" dirty="0"/>
+              <a:t>Coverage remains low (~21%) </a:t>
+            </a:r>
+          </a:p>
+          <a:p>
+            <a:pPr marL="285750" indent="-285750">
               <a:buFont typeface="Arial" panose="020B0604020202020204" pitchFamily="34" charset="0"/>
               <a:buChar char="•"/>
             </a:pPr>
             <a:r>
-              <a:rPr lang="en-US" sz="2000" dirty="0"/>
-              <a:t>Provide accessible platform for older adults</a:t>
-            </a:r>
-          </a:p>
-          <a:p>
-            <a:pPr marL="788670" lvl="1" indent="-285750">
+              <a:rPr lang="en-US" dirty="0"/>
+              <a:t>Phone and in-person care are major forms (60-70%) </a:t>
+            </a:r>
+          </a:p>
+          <a:p>
+            <a:pPr marL="285750" indent="-285750">
               <a:buFont typeface="Arial" panose="020B0604020202020204" pitchFamily="34" charset="0"/>
               <a:buChar char="•"/>
             </a:pPr>
             <a:r>
-              <a:rPr lang="en-US" sz="2000" b="0" i="0" dirty="0">
-                <a:effectLst/>
-              </a:rPr>
-              <a:t>Use video remote interpreting</a:t>
-            </a:r>
-            <a:r>
-              <a:rPr lang="en-US" sz="2000" dirty="0"/>
-              <a:t> technology:</a:t>
-            </a:r>
-          </a:p>
-          <a:p>
-            <a:pPr marL="342900" indent="-342900">
-              <a:buFont typeface="Arial" panose="020B0604020202020204" pitchFamily="34" charset="0"/>
-              <a:buChar char="•"/>
-            </a:pPr>
-            <a:r>
-              <a:rPr lang="en-US" sz="2400" dirty="0"/>
-              <a:t>Financial Support</a:t>
-            </a:r>
-          </a:p>
-          <a:p>
-            <a:pPr marL="845820" lvl="1" indent="-342900">
-              <a:buFont typeface="Arial" panose="020B0604020202020204" pitchFamily="34" charset="0"/>
-              <a:buChar char="•"/>
-            </a:pPr>
-            <a:r>
-              <a:rPr lang="en-US" sz="2000" dirty="0"/>
-              <a:t>Availability of free digital devices and internet</a:t>
-            </a:r>
-          </a:p>
-          <a:p>
-            <a:pPr marL="845820" lvl="1" indent="-342900">
-              <a:buFont typeface="Arial" panose="020B0604020202020204" pitchFamily="34" charset="0"/>
-              <a:buChar char="•"/>
-            </a:pPr>
-            <a:r>
-              <a:rPr lang="en-US" sz="2000" b="0" i="0" dirty="0">
-                <a:effectLst/>
-              </a:rPr>
-              <a:t>Partnership with community organizations </a:t>
-            </a:r>
-          </a:p>
-          <a:p>
-            <a:pPr marL="342900" indent="-342900">
-              <a:buFont typeface="Arial" panose="020B0604020202020204" pitchFamily="34" charset="0"/>
-              <a:buChar char="•"/>
-            </a:pPr>
-            <a:r>
-              <a:rPr lang="en-US" sz="2400" dirty="0"/>
-              <a:t>Clarify the role of telemedicine</a:t>
-            </a:r>
-          </a:p>
-          <a:p>
-            <a:pPr marL="845820" lvl="1" indent="-342900">
-              <a:buFont typeface="Arial" panose="020B0604020202020204" pitchFamily="34" charset="0"/>
-              <a:buChar char="•"/>
-            </a:pPr>
-            <a:r>
-              <a:rPr lang="en-US" sz="2000" dirty="0"/>
-              <a:t>Only use for initial consultations</a:t>
-            </a:r>
-          </a:p>
-          <a:p>
-            <a:pPr marL="845820" lvl="1" indent="-342900">
-              <a:buFont typeface="Arial" panose="020B0604020202020204" pitchFamily="34" charset="0"/>
-              <a:buChar char="•"/>
-            </a:pPr>
-            <a:r>
-              <a:rPr lang="en-US" sz="2000" dirty="0"/>
-              <a:t>Encourage in-person visit hereafter</a:t>
-            </a:r>
+              <a:rPr lang="en-US" dirty="0"/>
+              <a:t>Telemedicine cannot fully cover/replace in-person care</a:t>
+            </a:r>
+          </a:p>
+          <a:p>
+            <a:endParaRPr lang="en-US" dirty="0"/>
           </a:p>
         </p:txBody>
       </p:sp>
@@ -10440,7 +10687,7 @@
     </p:spTree>
     <p:extLst>
       <p:ext uri="{BB962C8B-B14F-4D97-AF65-F5344CB8AC3E}">
-        <p14:creationId xmlns:p14="http://schemas.microsoft.com/office/powerpoint/2010/main" val="1725893232"/>
+        <p14:creationId xmlns:p14="http://schemas.microsoft.com/office/powerpoint/2010/main" val="3796380529"/>
       </p:ext>
     </p:extLst>
   </p:cSld>
@@ -10472,7 +10719,7 @@
           <p:cNvPr id="2" name="Title 1">
             <a:extLst>
               <a:ext uri="{FF2B5EF4-FFF2-40B4-BE49-F238E27FC236}">
-                <a16:creationId xmlns:a16="http://schemas.microsoft.com/office/drawing/2014/main" id="{3576183D-1CE4-EC10-3896-EB3730D5C2A1}"/>
+                <a16:creationId xmlns:a16="http://schemas.microsoft.com/office/drawing/2014/main" id="{7576149E-10B7-986C-D570-918F77D689FD}"/>
               </a:ext>
             </a:extLst>
           </p:cNvPr>
@@ -10485,8 +10732,8 @@
         </p:nvSpPr>
         <p:spPr>
           <a:xfrm>
-            <a:off x="547730" y="377926"/>
-            <a:ext cx="6783946" cy="344710"/>
+            <a:off x="547729" y="82461"/>
+            <a:ext cx="7038981" cy="640175"/>
           </a:xfrm>
         </p:spPr>
         <p:txBody>
@@ -10494,10 +10741,9 @@
           <a:lstStyle/>
           <a:p>
             <a:r>
-              <a:rPr lang="en-US" sz="2800" dirty="0"/>
-              <a:t>Conclusion</a:t>
-            </a:r>
-            <a:endParaRPr lang="en-US" dirty="0"/>
+              <a:rPr lang="en-US" dirty="0"/>
+              <a:t>Reason of Limited Telemedicine Adoption?</a:t>
+            </a:r>
           </a:p>
         </p:txBody>
       </p:sp>
@@ -10506,7 +10752,7 @@
           <p:cNvPr id="3" name="Content Placeholder 2">
             <a:extLst>
               <a:ext uri="{FF2B5EF4-FFF2-40B4-BE49-F238E27FC236}">
-                <a16:creationId xmlns:a16="http://schemas.microsoft.com/office/drawing/2014/main" id="{D31AA75A-619F-8F5D-6334-583D2E751758}"/>
+                <a16:creationId xmlns:a16="http://schemas.microsoft.com/office/drawing/2014/main" id="{E1FD6D6B-8211-2B22-631E-A37CE1BAD3E2}"/>
               </a:ext>
             </a:extLst>
           </p:cNvPr>
@@ -10522,41 +10768,71 @@
           <a:bodyPr/>
           <a:lstStyle/>
           <a:p>
-            <a:pPr marL="285750" indent="-285750">
-              <a:buFont typeface="Arial" panose="020B0604020202020204" pitchFamily="34" charset="0"/>
-              <a:buChar char="•"/>
-            </a:pPr>
             <a:r>
               <a:rPr lang="en-US" sz="2000" dirty="0"/>
-              <a:t>Telemedicine: an under-used service have potentials and gaps</a:t>
-            </a:r>
-          </a:p>
-          <a:p>
-            <a:pPr marL="285750" indent="-285750">
-              <a:buFont typeface="Arial" panose="020B0604020202020204" pitchFamily="34" charset="0"/>
-              <a:buChar char="•"/>
-            </a:pPr>
+              <a:t>Treatment &amp; diagnosis impossible via telemedicine</a:t>
+            </a:r>
+          </a:p>
+          <a:p>
             <a:r>
               <a:rPr lang="en-US" sz="2000" dirty="0"/>
-              <a:t>Minority socioeconomic groups: Unequal utilization </a:t>
-            </a:r>
-          </a:p>
-          <a:p>
-            <a:pPr marL="285750" indent="-285750">
-              <a:buFont typeface="Arial" panose="020B0604020202020204" pitchFamily="34" charset="0"/>
-              <a:buChar char="•"/>
-            </a:pPr>
+              <a:t>Many treatment options are not possible via telemedicine</a:t>
+            </a:r>
+          </a:p>
+          <a:p>
+            <a:pPr lvl="1"/>
+            <a:r>
+              <a:rPr lang="en-US" sz="1600" dirty="0"/>
+              <a:t>Physical therapy, </a:t>
+            </a:r>
+          </a:p>
+          <a:p>
+            <a:pPr lvl="1"/>
+            <a:r>
+              <a:rPr lang="en-US" sz="1600" dirty="0"/>
+              <a:t>inpatient examinations, </a:t>
+            </a:r>
+          </a:p>
+          <a:p>
+            <a:pPr lvl="1"/>
+            <a:r>
+              <a:rPr lang="en-US" sz="1600" dirty="0"/>
+              <a:t>lab test</a:t>
+            </a:r>
+          </a:p>
+          <a:p>
+            <a:pPr lvl="1"/>
+            <a:r>
+              <a:rPr lang="en-US" sz="1600" dirty="0"/>
+              <a:t>….</a:t>
+            </a:r>
+          </a:p>
+          <a:p>
             <a:r>
               <a:rPr lang="en-US" sz="2000" dirty="0"/>
-              <a:t>Systematic guideline is needed.</a:t>
-            </a:r>
-          </a:p>
-          <a:p>
-            <a:pPr marL="285750" indent="-285750">
-              <a:buFont typeface="Arial" panose="020B0604020202020204" pitchFamily="34" charset="0"/>
-              <a:buChar char="•"/>
-            </a:pPr>
-            <a:endParaRPr lang="en-US" sz="2000" dirty="0"/>
+              <a:t>Suggestion</a:t>
+            </a:r>
+          </a:p>
+          <a:p>
+            <a:pPr lvl="1"/>
+            <a:r>
+              <a:rPr lang="en-US" sz="1600" dirty="0"/>
+              <a:t>Online consultation services</a:t>
+            </a:r>
+          </a:p>
+          <a:p>
+            <a:pPr lvl="1"/>
+            <a:r>
+              <a:rPr lang="en-US" sz="1600" dirty="0"/>
+              <a:t>Convenient, cost-effective</a:t>
+            </a:r>
+          </a:p>
+          <a:p>
+            <a:pPr lvl="1"/>
+            <a:r>
+              <a:rPr lang="en-US" sz="1600" dirty="0"/>
+              <a:t>can have more specialties involved when needed</a:t>
+            </a:r>
           </a:p>
         </p:txBody>
       </p:sp>
@@ -10565,7 +10841,7 @@
           <p:cNvPr id="4" name="Slide Number Placeholder 3">
             <a:extLst>
               <a:ext uri="{FF2B5EF4-FFF2-40B4-BE49-F238E27FC236}">
-                <a16:creationId xmlns:a16="http://schemas.microsoft.com/office/drawing/2014/main" id="{5C758C62-F53A-54EF-A394-9D8A27D6A102}"/>
+                <a16:creationId xmlns:a16="http://schemas.microsoft.com/office/drawing/2014/main" id="{084B7950-CBDE-83C7-D733-AECFE73F2012}"/>
               </a:ext>
             </a:extLst>
           </p:cNvPr>
@@ -10595,7 +10871,7 @@
           <p:cNvPr id="5" name="Footer Placeholder 4">
             <a:extLst>
               <a:ext uri="{FF2B5EF4-FFF2-40B4-BE49-F238E27FC236}">
-                <a16:creationId xmlns:a16="http://schemas.microsoft.com/office/drawing/2014/main" id="{C597EB53-A71A-BD4E-37F9-94B77CAF3ABD}"/>
+                <a16:creationId xmlns:a16="http://schemas.microsoft.com/office/drawing/2014/main" id="{BA1D94B5-5D37-09C3-392B-766A9B60B50C}"/>
               </a:ext>
             </a:extLst>
           </p:cNvPr>
@@ -10622,7 +10898,7 @@
     </p:spTree>
     <p:extLst>
       <p:ext uri="{BB962C8B-B14F-4D97-AF65-F5344CB8AC3E}">
-        <p14:creationId xmlns:p14="http://schemas.microsoft.com/office/powerpoint/2010/main" val="3823117312"/>
+        <p14:creationId xmlns:p14="http://schemas.microsoft.com/office/powerpoint/2010/main" val="3574900170"/>
       </p:ext>
     </p:extLst>
   </p:cSld>
@@ -10651,6 +10927,483 @@
       </p:grpSpPr>
       <p:sp>
         <p:nvSpPr>
+          <p:cNvPr id="2" name="Title 1">
+            <a:extLst>
+              <a:ext uri="{FF2B5EF4-FFF2-40B4-BE49-F238E27FC236}">
+                <a16:creationId xmlns:a16="http://schemas.microsoft.com/office/drawing/2014/main" id="{3576183D-1CE4-EC10-3896-EB3730D5C2A1}"/>
+              </a:ext>
+            </a:extLst>
+          </p:cNvPr>
+          <p:cNvSpPr>
+            <a:spLocks noGrp="1"/>
+          </p:cNvSpPr>
+          <p:nvPr>
+            <p:ph type="title"/>
+          </p:nvPr>
+        </p:nvSpPr>
+        <p:spPr>
+          <a:xfrm>
+            <a:off x="547730" y="402548"/>
+            <a:ext cx="6783946" cy="320088"/>
+          </a:xfrm>
+        </p:spPr>
+        <p:txBody>
+          <a:bodyPr/>
+          <a:lstStyle/>
+          <a:p>
+            <a:r>
+              <a:rPr lang="en-US" dirty="0"/>
+              <a:t>Changes?</a:t>
+            </a:r>
+          </a:p>
+        </p:txBody>
+      </p:sp>
+      <p:sp>
+        <p:nvSpPr>
+          <p:cNvPr id="3" name="Content Placeholder 2">
+            <a:extLst>
+              <a:ext uri="{FF2B5EF4-FFF2-40B4-BE49-F238E27FC236}">
+                <a16:creationId xmlns:a16="http://schemas.microsoft.com/office/drawing/2014/main" id="{D31AA75A-619F-8F5D-6334-583D2E751758}"/>
+              </a:ext>
+            </a:extLst>
+          </p:cNvPr>
+          <p:cNvSpPr>
+            <a:spLocks noGrp="1"/>
+          </p:cNvSpPr>
+          <p:nvPr>
+            <p:ph sz="quarter" idx="12"/>
+          </p:nvPr>
+        </p:nvSpPr>
+        <p:spPr/>
+        <p:txBody>
+          <a:bodyPr/>
+          <a:lstStyle/>
+          <a:p>
+            <a:pPr marL="285750" indent="-285750">
+              <a:buFont typeface="Arial" panose="020B0604020202020204" pitchFamily="34" charset="0"/>
+              <a:buChar char="•"/>
+            </a:pPr>
+            <a:r>
+              <a:rPr lang="en-US" sz="2400" dirty="0"/>
+              <a:t>Tech: </a:t>
+            </a:r>
+          </a:p>
+          <a:p>
+            <a:pPr marL="788670" lvl="1" indent="-285750">
+              <a:buFont typeface="Arial" panose="020B0604020202020204" pitchFamily="34" charset="0"/>
+              <a:buChar char="•"/>
+            </a:pPr>
+            <a:r>
+              <a:rPr lang="en-US" sz="2000" dirty="0"/>
+              <a:t>Provide accessible platform for older adults</a:t>
+            </a:r>
+          </a:p>
+          <a:p>
+            <a:pPr marL="788670" lvl="1" indent="-285750">
+              <a:buFont typeface="Arial" panose="020B0604020202020204" pitchFamily="34" charset="0"/>
+              <a:buChar char="•"/>
+            </a:pPr>
+            <a:r>
+              <a:rPr lang="en-US" sz="2000" b="0" i="0" dirty="0">
+                <a:effectLst/>
+              </a:rPr>
+              <a:t>Use video remote interpreting</a:t>
+            </a:r>
+            <a:r>
+              <a:rPr lang="en-US" sz="2000" dirty="0"/>
+              <a:t> technology:</a:t>
+            </a:r>
+          </a:p>
+          <a:p>
+            <a:pPr marL="342900" indent="-342900">
+              <a:buFont typeface="Arial" panose="020B0604020202020204" pitchFamily="34" charset="0"/>
+              <a:buChar char="•"/>
+            </a:pPr>
+            <a:r>
+              <a:rPr lang="en-US" sz="2400" dirty="0"/>
+              <a:t>Financial Support</a:t>
+            </a:r>
+          </a:p>
+          <a:p>
+            <a:pPr marL="845820" lvl="1" indent="-342900">
+              <a:buFont typeface="Arial" panose="020B0604020202020204" pitchFamily="34" charset="0"/>
+              <a:buChar char="•"/>
+            </a:pPr>
+            <a:r>
+              <a:rPr lang="en-US" sz="2000" dirty="0"/>
+              <a:t>Availability of free digital devices and internet</a:t>
+            </a:r>
+          </a:p>
+          <a:p>
+            <a:pPr marL="845820" lvl="1" indent="-342900">
+              <a:buFont typeface="Arial" panose="020B0604020202020204" pitchFamily="34" charset="0"/>
+              <a:buChar char="•"/>
+            </a:pPr>
+            <a:r>
+              <a:rPr lang="en-US" sz="2000" b="0" i="0" dirty="0">
+                <a:effectLst/>
+              </a:rPr>
+              <a:t>Partnership with community organizations </a:t>
+            </a:r>
+          </a:p>
+          <a:p>
+            <a:pPr marL="342900" indent="-342900">
+              <a:buFont typeface="Arial" panose="020B0604020202020204" pitchFamily="34" charset="0"/>
+              <a:buChar char="•"/>
+            </a:pPr>
+            <a:r>
+              <a:rPr lang="en-US" sz="2400" dirty="0"/>
+              <a:t>Clarify the role of telemedicine</a:t>
+            </a:r>
+          </a:p>
+          <a:p>
+            <a:pPr marL="845820" lvl="1" indent="-342900">
+              <a:buFont typeface="Arial" panose="020B0604020202020204" pitchFamily="34" charset="0"/>
+              <a:buChar char="•"/>
+            </a:pPr>
+            <a:r>
+              <a:rPr lang="en-US" sz="2000" dirty="0"/>
+              <a:t>Only use for initial consultations</a:t>
+            </a:r>
+          </a:p>
+          <a:p>
+            <a:pPr marL="845820" lvl="1" indent="-342900">
+              <a:buFont typeface="Arial" panose="020B0604020202020204" pitchFamily="34" charset="0"/>
+              <a:buChar char="•"/>
+            </a:pPr>
+            <a:r>
+              <a:rPr lang="en-US" sz="2000" dirty="0"/>
+              <a:t>Encourage in-person visit hereafter</a:t>
+            </a:r>
+          </a:p>
+        </p:txBody>
+      </p:sp>
+      <p:sp>
+        <p:nvSpPr>
+          <p:cNvPr id="4" name="Slide Number Placeholder 3">
+            <a:extLst>
+              <a:ext uri="{FF2B5EF4-FFF2-40B4-BE49-F238E27FC236}">
+                <a16:creationId xmlns:a16="http://schemas.microsoft.com/office/drawing/2014/main" id="{5C758C62-F53A-54EF-A394-9D8A27D6A102}"/>
+              </a:ext>
+            </a:extLst>
+          </p:cNvPr>
+          <p:cNvSpPr>
+            <a:spLocks noGrp="1"/>
+          </p:cNvSpPr>
+          <p:nvPr>
+            <p:ph type="sldNum" sz="quarter" idx="4"/>
+          </p:nvPr>
+        </p:nvSpPr>
+        <p:spPr/>
+        <p:txBody>
+          <a:bodyPr/>
+          <a:lstStyle/>
+          <a:p>
+            <a:fld id="{42C32FFB-F9AE-46F0-A233-A2E628258990}" type="slidenum">
+              <a:rPr lang="en-US" smtClean="0"/>
+              <a:pPr/>
+              <a:t>16</a:t>
+            </a:fld>
+            <a:endParaRPr lang="en-US" sz="1000"/>
+          </a:p>
+        </p:txBody>
+      </p:sp>
+      <p:sp>
+        <p:nvSpPr>
+          <p:cNvPr id="5" name="Footer Placeholder 4">
+            <a:extLst>
+              <a:ext uri="{FF2B5EF4-FFF2-40B4-BE49-F238E27FC236}">
+                <a16:creationId xmlns:a16="http://schemas.microsoft.com/office/drawing/2014/main" id="{C597EB53-A71A-BD4E-37F9-94B77CAF3ABD}"/>
+              </a:ext>
+            </a:extLst>
+          </p:cNvPr>
+          <p:cNvSpPr>
+            <a:spLocks noGrp="1"/>
+          </p:cNvSpPr>
+          <p:nvPr>
+            <p:ph type="ftr" sz="quarter" idx="3"/>
+          </p:nvPr>
+        </p:nvSpPr>
+        <p:spPr/>
+        <p:txBody>
+          <a:bodyPr/>
+          <a:lstStyle/>
+          <a:p>
+            <a:r>
+              <a:rPr lang="en-US"/>
+              <a:t>2022 Clinical Informatics Conference |   amia.org</a:t>
+            </a:r>
+            <a:endParaRPr lang="en-US" dirty="0"/>
+          </a:p>
+        </p:txBody>
+      </p:sp>
+    </p:spTree>
+    <p:extLst>
+      <p:ext uri="{BB962C8B-B14F-4D97-AF65-F5344CB8AC3E}">
+        <p14:creationId xmlns:p14="http://schemas.microsoft.com/office/powerpoint/2010/main" val="1725893232"/>
+      </p:ext>
+    </p:extLst>
+  </p:cSld>
+  <p:clrMapOvr>
+    <a:masterClrMapping/>
+  </p:clrMapOvr>
+</p:sld>
+</file>
+
+<file path=ppt/slides/slide17.xml><?xml version="1.0" encoding="utf-8"?>
+<p:sld xmlns:a="http://schemas.openxmlformats.org/drawingml/2006/main" xmlns:r="http://schemas.openxmlformats.org/officeDocument/2006/relationships" xmlns:p="http://schemas.openxmlformats.org/presentationml/2006/main">
+  <p:cSld>
+    <p:spTree>
+      <p:nvGrpSpPr>
+        <p:cNvPr id="1" name=""/>
+        <p:cNvGrpSpPr/>
+        <p:nvPr/>
+      </p:nvGrpSpPr>
+      <p:grpSpPr>
+        <a:xfrm>
+          <a:off x="0" y="0"/>
+          <a:ext cx="0" cy="0"/>
+          <a:chOff x="0" y="0"/>
+          <a:chExt cx="0" cy="0"/>
+        </a:xfrm>
+      </p:grpSpPr>
+      <p:sp>
+        <p:nvSpPr>
+          <p:cNvPr id="2" name="Title 1">
+            <a:extLst>
+              <a:ext uri="{FF2B5EF4-FFF2-40B4-BE49-F238E27FC236}">
+                <a16:creationId xmlns:a16="http://schemas.microsoft.com/office/drawing/2014/main" id="{3576183D-1CE4-EC10-3896-EB3730D5C2A1}"/>
+              </a:ext>
+            </a:extLst>
+          </p:cNvPr>
+          <p:cNvSpPr>
+            <a:spLocks noGrp="1"/>
+          </p:cNvSpPr>
+          <p:nvPr>
+            <p:ph type="title"/>
+          </p:nvPr>
+        </p:nvSpPr>
+        <p:spPr>
+          <a:xfrm>
+            <a:off x="547730" y="377926"/>
+            <a:ext cx="6783946" cy="344710"/>
+          </a:xfrm>
+        </p:spPr>
+        <p:txBody>
+          <a:bodyPr/>
+          <a:lstStyle/>
+          <a:p>
+            <a:r>
+              <a:rPr lang="en-US" sz="2800" dirty="0"/>
+              <a:t>Conclusion</a:t>
+            </a:r>
+            <a:endParaRPr lang="en-US" dirty="0"/>
+          </a:p>
+        </p:txBody>
+      </p:sp>
+      <p:sp>
+        <p:nvSpPr>
+          <p:cNvPr id="3" name="Content Placeholder 2">
+            <a:extLst>
+              <a:ext uri="{FF2B5EF4-FFF2-40B4-BE49-F238E27FC236}">
+                <a16:creationId xmlns:a16="http://schemas.microsoft.com/office/drawing/2014/main" id="{D31AA75A-619F-8F5D-6334-583D2E751758}"/>
+              </a:ext>
+            </a:extLst>
+          </p:cNvPr>
+          <p:cNvSpPr>
+            <a:spLocks noGrp="1"/>
+          </p:cNvSpPr>
+          <p:nvPr>
+            <p:ph sz="quarter" idx="12"/>
+          </p:nvPr>
+        </p:nvSpPr>
+        <p:spPr/>
+        <p:txBody>
+          <a:bodyPr/>
+          <a:lstStyle/>
+          <a:p>
+            <a:pPr marL="285750" indent="-285750">
+              <a:buFont typeface="Arial" panose="020B0604020202020204" pitchFamily="34" charset="0"/>
+              <a:buChar char="•"/>
+            </a:pPr>
+            <a:r>
+              <a:rPr lang="en-US" sz="2000" dirty="0"/>
+              <a:t>Telemedicine: an under-used service have potentials and gaps</a:t>
+            </a:r>
+          </a:p>
+          <a:p>
+            <a:pPr marL="285750" indent="-285750">
+              <a:buFont typeface="Arial" panose="020B0604020202020204" pitchFamily="34" charset="0"/>
+              <a:buChar char="•"/>
+            </a:pPr>
+            <a:r>
+              <a:rPr lang="en-US" sz="2000" dirty="0"/>
+              <a:t>Minority socioeconomic groups: Unequal utilization </a:t>
+            </a:r>
+          </a:p>
+          <a:p>
+            <a:pPr marL="285750" indent="-285750">
+              <a:buFont typeface="Arial" panose="020B0604020202020204" pitchFamily="34" charset="0"/>
+              <a:buChar char="•"/>
+            </a:pPr>
+            <a:r>
+              <a:rPr lang="en-US" sz="2000" dirty="0"/>
+              <a:t>Systematic guideline is needed.</a:t>
+            </a:r>
+          </a:p>
+          <a:p>
+            <a:pPr marL="285750" indent="-285750">
+              <a:buFont typeface="Arial" panose="020B0604020202020204" pitchFamily="34" charset="0"/>
+              <a:buChar char="•"/>
+            </a:pPr>
+            <a:endParaRPr lang="en-US" sz="2000" dirty="0"/>
+          </a:p>
+        </p:txBody>
+      </p:sp>
+      <p:sp>
+        <p:nvSpPr>
+          <p:cNvPr id="4" name="Slide Number Placeholder 3">
+            <a:extLst>
+              <a:ext uri="{FF2B5EF4-FFF2-40B4-BE49-F238E27FC236}">
+                <a16:creationId xmlns:a16="http://schemas.microsoft.com/office/drawing/2014/main" id="{5C758C62-F53A-54EF-A394-9D8A27D6A102}"/>
+              </a:ext>
+            </a:extLst>
+          </p:cNvPr>
+          <p:cNvSpPr>
+            <a:spLocks noGrp="1"/>
+          </p:cNvSpPr>
+          <p:nvPr>
+            <p:ph type="sldNum" sz="quarter" idx="4"/>
+          </p:nvPr>
+        </p:nvSpPr>
+        <p:spPr/>
+        <p:txBody>
+          <a:bodyPr/>
+          <a:lstStyle/>
+          <a:p>
+            <a:fld id="{42C32FFB-F9AE-46F0-A233-A2E628258990}" type="slidenum">
+              <a:rPr lang="en-US" smtClean="0"/>
+              <a:pPr/>
+              <a:t>17</a:t>
+            </a:fld>
+            <a:endParaRPr lang="en-US" sz="1000"/>
+          </a:p>
+        </p:txBody>
+      </p:sp>
+      <p:sp>
+        <p:nvSpPr>
+          <p:cNvPr id="5" name="Footer Placeholder 4">
+            <a:extLst>
+              <a:ext uri="{FF2B5EF4-FFF2-40B4-BE49-F238E27FC236}">
+                <a16:creationId xmlns:a16="http://schemas.microsoft.com/office/drawing/2014/main" id="{C597EB53-A71A-BD4E-37F9-94B77CAF3ABD}"/>
+              </a:ext>
+            </a:extLst>
+          </p:cNvPr>
+          <p:cNvSpPr>
+            <a:spLocks noGrp="1"/>
+          </p:cNvSpPr>
+          <p:nvPr>
+            <p:ph type="ftr" sz="quarter" idx="3"/>
+          </p:nvPr>
+        </p:nvSpPr>
+        <p:spPr/>
+        <p:txBody>
+          <a:bodyPr/>
+          <a:lstStyle/>
+          <a:p>
+            <a:r>
+              <a:rPr lang="en-US"/>
+              <a:t>2022 Clinical Informatics Conference |   amia.org</a:t>
+            </a:r>
+            <a:endParaRPr lang="en-US" dirty="0"/>
+          </a:p>
+        </p:txBody>
+      </p:sp>
+    </p:spTree>
+    <p:extLst>
+      <p:ext uri="{BB962C8B-B14F-4D97-AF65-F5344CB8AC3E}">
+        <p14:creationId xmlns:p14="http://schemas.microsoft.com/office/powerpoint/2010/main" val="3823117312"/>
+      </p:ext>
+    </p:extLst>
+  </p:cSld>
+  <p:clrMapOvr>
+    <a:masterClrMapping/>
+  </p:clrMapOvr>
+</p:sld>
+</file>
+
+<file path=ppt/slides/slide18.xml><?xml version="1.0" encoding="utf-8"?>
+<p:sld xmlns:a="http://schemas.openxmlformats.org/drawingml/2006/main" xmlns:r="http://schemas.openxmlformats.org/officeDocument/2006/relationships" xmlns:p="http://schemas.openxmlformats.org/presentationml/2006/main">
+  <p:cSld>
+    <p:spTree>
+      <p:nvGrpSpPr>
+        <p:cNvPr id="1" name=""/>
+        <p:cNvGrpSpPr/>
+        <p:nvPr/>
+      </p:nvGrpSpPr>
+      <p:grpSpPr>
+        <a:xfrm>
+          <a:off x="0" y="0"/>
+          <a:ext cx="0" cy="0"/>
+          <a:chOff x="0" y="0"/>
+          <a:chExt cx="0" cy="0"/>
+        </a:xfrm>
+      </p:grpSpPr>
+      <p:sp>
+        <p:nvSpPr>
+          <p:cNvPr id="6" name="Rectangle: Rounded Corners 5">
+            <a:extLst>
+              <a:ext uri="{FF2B5EF4-FFF2-40B4-BE49-F238E27FC236}">
+                <a16:creationId xmlns:a16="http://schemas.microsoft.com/office/drawing/2014/main" id="{C9306D2C-4C00-61F5-4447-A2E099925B94}"/>
+              </a:ext>
+            </a:extLst>
+          </p:cNvPr>
+          <p:cNvSpPr/>
+          <p:nvPr/>
+        </p:nvSpPr>
+        <p:spPr>
+          <a:xfrm>
+            <a:off x="552385" y="1226483"/>
+            <a:ext cx="2886757" cy="3526525"/>
+          </a:xfrm>
+          <a:prstGeom prst="roundRect">
+            <a:avLst>
+              <a:gd name="adj" fmla="val 3262"/>
+            </a:avLst>
+          </a:prstGeom>
+          <a:ln/>
+        </p:spPr>
+        <p:style>
+          <a:lnRef idx="2">
+            <a:schemeClr val="accent2"/>
+          </a:lnRef>
+          <a:fillRef idx="1">
+            <a:schemeClr val="lt1"/>
+          </a:fillRef>
+          <a:effectRef idx="0">
+            <a:schemeClr val="accent2"/>
+          </a:effectRef>
+          <a:fontRef idx="minor">
+            <a:schemeClr val="dk1"/>
+          </a:fontRef>
+        </p:style>
+        <p:txBody>
+          <a:bodyPr lIns="91440" tIns="91440" bIns="91440" rtlCol="0" anchor="t"/>
+          <a:lstStyle/>
+          <a:p>
+            <a:pPr algn="ctr"/>
+            <a:endParaRPr lang="en-US" sz="1200" dirty="0" err="1">
+              <a:solidFill>
+                <a:srgbClr val="FFFFFF"/>
+              </a:solidFill>
+              <a:latin typeface="Roboto Regular"/>
+              <a:cs typeface="Roboto Regular"/>
+            </a:endParaRPr>
+          </a:p>
+        </p:txBody>
+      </p:sp>
+      <p:sp>
+        <p:nvSpPr>
           <p:cNvPr id="2" name="Text Placeholder 1"/>
           <p:cNvSpPr>
             <a:spLocks noGrp="1"/>
@@ -10661,7 +11414,7 @@
         </p:nvSpPr>
         <p:spPr>
           <a:xfrm>
-            <a:off x="2434431" y="1426047"/>
+            <a:off x="2434431" y="71612"/>
             <a:ext cx="4275138" cy="1112108"/>
           </a:xfrm>
         </p:spPr>
@@ -10683,6 +11436,204 @@
           </a:p>
         </p:txBody>
       </p:sp>
+      <p:pic>
+        <p:nvPicPr>
+          <p:cNvPr id="4" name="Picture 3">
+            <a:extLst>
+              <a:ext uri="{FF2B5EF4-FFF2-40B4-BE49-F238E27FC236}">
+                <a16:creationId xmlns:a16="http://schemas.microsoft.com/office/drawing/2014/main" id="{A485EC32-DBCC-B635-CDF3-EE9374F86CCE}"/>
+              </a:ext>
+            </a:extLst>
+          </p:cNvPr>
+          <p:cNvPicPr>
+            <a:picLocks noChangeAspect="1"/>
+          </p:cNvPicPr>
+          <p:nvPr/>
+        </p:nvPicPr>
+        <p:blipFill>
+          <a:blip r:embed="rId2"/>
+          <a:stretch>
+            <a:fillRect/>
+          </a:stretch>
+        </p:blipFill>
+        <p:spPr>
+          <a:xfrm>
+            <a:off x="911085" y="1479269"/>
+            <a:ext cx="2141077" cy="2141077"/>
+          </a:xfrm>
+          <a:prstGeom prst="rect">
+            <a:avLst/>
+          </a:prstGeom>
+        </p:spPr>
+      </p:pic>
+      <p:sp>
+        <p:nvSpPr>
+          <p:cNvPr id="7" name="TextBox 6">
+            <a:extLst>
+              <a:ext uri="{FF2B5EF4-FFF2-40B4-BE49-F238E27FC236}">
+                <a16:creationId xmlns:a16="http://schemas.microsoft.com/office/drawing/2014/main" id="{3880C97A-67A9-C257-B843-5845EEF1DD7C}"/>
+              </a:ext>
+            </a:extLst>
+          </p:cNvPr>
+          <p:cNvSpPr txBox="1"/>
+          <p:nvPr/>
+        </p:nvSpPr>
+        <p:spPr>
+          <a:xfrm>
+            <a:off x="740738" y="3848359"/>
+            <a:ext cx="2481770" cy="400110"/>
+          </a:xfrm>
+          <a:prstGeom prst="rect">
+            <a:avLst/>
+          </a:prstGeom>
+          <a:noFill/>
+        </p:spPr>
+        <p:txBody>
+          <a:bodyPr wrap="none" rtlCol="0">
+            <a:spAutoFit/>
+          </a:bodyPr>
+          <a:lstStyle/>
+          <a:p>
+            <a:r>
+              <a:rPr lang="en-US" sz="2000" dirty="0"/>
+              <a:t>Download the slides</a:t>
+            </a:r>
+          </a:p>
+        </p:txBody>
+      </p:sp>
+      <p:sp>
+        <p:nvSpPr>
+          <p:cNvPr id="8" name="Rectangle: Rounded Corners 7">
+            <a:extLst>
+              <a:ext uri="{FF2B5EF4-FFF2-40B4-BE49-F238E27FC236}">
+                <a16:creationId xmlns:a16="http://schemas.microsoft.com/office/drawing/2014/main" id="{6C8D6970-EDB2-2851-A54B-971B133F49B2}"/>
+              </a:ext>
+            </a:extLst>
+          </p:cNvPr>
+          <p:cNvSpPr/>
+          <p:nvPr/>
+        </p:nvSpPr>
+        <p:spPr>
+          <a:xfrm>
+            <a:off x="5236215" y="1226483"/>
+            <a:ext cx="2886757" cy="3526525"/>
+          </a:xfrm>
+          <a:prstGeom prst="roundRect">
+            <a:avLst>
+              <a:gd name="adj" fmla="val 3262"/>
+            </a:avLst>
+          </a:prstGeom>
+          <a:ln/>
+        </p:spPr>
+        <p:style>
+          <a:lnRef idx="2">
+            <a:schemeClr val="accent2"/>
+          </a:lnRef>
+          <a:fillRef idx="1">
+            <a:schemeClr val="lt1"/>
+          </a:fillRef>
+          <a:effectRef idx="0">
+            <a:schemeClr val="accent2"/>
+          </a:effectRef>
+          <a:fontRef idx="minor">
+            <a:schemeClr val="dk1"/>
+          </a:fontRef>
+        </p:style>
+        <p:txBody>
+          <a:bodyPr lIns="91440" tIns="91440" bIns="91440" rtlCol="0" anchor="t"/>
+          <a:lstStyle/>
+          <a:p>
+            <a:pPr algn="ctr"/>
+            <a:endParaRPr lang="en-US" sz="1200" dirty="0" err="1">
+              <a:solidFill>
+                <a:srgbClr val="FFFFFF"/>
+              </a:solidFill>
+              <a:latin typeface="Roboto Regular"/>
+              <a:cs typeface="Roboto Regular"/>
+            </a:endParaRPr>
+          </a:p>
+        </p:txBody>
+      </p:sp>
+      <p:sp>
+        <p:nvSpPr>
+          <p:cNvPr id="10" name="TextBox 9">
+            <a:extLst>
+              <a:ext uri="{FF2B5EF4-FFF2-40B4-BE49-F238E27FC236}">
+                <a16:creationId xmlns:a16="http://schemas.microsoft.com/office/drawing/2014/main" id="{78745476-B50D-9FEA-C7CB-DDF8D5B7C1CF}"/>
+              </a:ext>
+            </a:extLst>
+          </p:cNvPr>
+          <p:cNvSpPr txBox="1"/>
+          <p:nvPr/>
+        </p:nvSpPr>
+        <p:spPr>
+          <a:xfrm>
+            <a:off x="5424568" y="3848359"/>
+            <a:ext cx="2480166" cy="400110"/>
+          </a:xfrm>
+          <a:prstGeom prst="rect">
+            <a:avLst/>
+          </a:prstGeom>
+          <a:noFill/>
+        </p:spPr>
+        <p:txBody>
+          <a:bodyPr wrap="none" rtlCol="0">
+            <a:spAutoFit/>
+          </a:bodyPr>
+          <a:lstStyle/>
+          <a:p>
+            <a:r>
+              <a:rPr lang="en-US" sz="2000" dirty="0"/>
+              <a:t>Download the paper</a:t>
+            </a:r>
+          </a:p>
+        </p:txBody>
+      </p:sp>
+      <p:pic>
+        <p:nvPicPr>
+          <p:cNvPr id="11" name="Picture 2">
+            <a:extLst>
+              <a:ext uri="{FF2B5EF4-FFF2-40B4-BE49-F238E27FC236}">
+                <a16:creationId xmlns:a16="http://schemas.microsoft.com/office/drawing/2014/main" id="{B3D9C392-815C-AD33-4836-0A08804800C6}"/>
+              </a:ext>
+            </a:extLst>
+          </p:cNvPr>
+          <p:cNvPicPr>
+            <a:picLocks noChangeAspect="1" noChangeArrowheads="1"/>
+          </p:cNvPicPr>
+          <p:nvPr/>
+        </p:nvPicPr>
+        <p:blipFill rotWithShape="1">
+          <a:blip r:embed="rId3">
+            <a:extLst>
+              <a:ext uri="{28A0092B-C50C-407E-A947-70E740481C1C}">
+                <a14:useLocalDpi xmlns:a14="http://schemas.microsoft.com/office/drawing/2010/main" val="0"/>
+              </a:ext>
+            </a:extLst>
+          </a:blip>
+          <a:srcRect l="7354" t="9916" r="10105" b="10985"/>
+          <a:stretch/>
+        </p:blipFill>
+        <p:spPr bwMode="auto">
+          <a:xfrm>
+            <a:off x="5525900" y="1434843"/>
+            <a:ext cx="2277501" cy="2182578"/>
+          </a:xfrm>
+          <a:prstGeom prst="rect">
+            <a:avLst/>
+          </a:prstGeom>
+          <a:noFill/>
+          <a:extLst>
+            <a:ext uri="{909E8E84-426E-40DD-AFC4-6F175D3DCCD1}">
+              <a14:hiddenFill xmlns:a14="http://schemas.microsoft.com/office/drawing/2010/main">
+                <a:solidFill>
+                  <a:srgbClr val="FFFFFF"/>
+                </a:solidFill>
+              </a14:hiddenFill>
+            </a:ext>
+          </a:extLst>
+        </p:spPr>
+      </p:pic>
     </p:spTree>
     <p:extLst>
       <p:ext uri="{BB962C8B-B14F-4D97-AF65-F5344CB8AC3E}">
@@ -11129,16 +12080,6 @@
             </a:pPr>
             <a:r>
               <a:rPr lang="en-US" sz="2000" dirty="0"/>
-              <a:t>Telemedicine was designed to expand the care.</a:t>
-            </a:r>
-          </a:p>
-          <a:p>
-            <a:pPr marL="285750" indent="-285750">
-              <a:buFont typeface="Arial" panose="020B0604020202020204" pitchFamily="34" charset="0"/>
-              <a:buChar char="•"/>
-            </a:pPr>
-            <a:r>
-              <a:rPr lang="en-US" sz="2000" dirty="0"/>
               <a:t>Does it really work for all populations?</a:t>
             </a:r>
           </a:p>
@@ -11312,7 +12253,37 @@
             </a:pPr>
             <a:r>
               <a:rPr lang="en-US" sz="2000" dirty="0"/>
-              <a:t>Observation: Racial minority and non-English speakers </a:t>
+              <a:t>Observation: </a:t>
+            </a:r>
+          </a:p>
+          <a:p>
+            <a:pPr marL="788670" lvl="1" indent="-285750">
+              <a:buFont typeface="Arial" panose="020B0604020202020204" pitchFamily="34" charset="0"/>
+              <a:buChar char="•"/>
+            </a:pPr>
+            <a:r>
+              <a:rPr lang="en-US" sz="1600" dirty="0"/>
+              <a:t>Racial minority </a:t>
+            </a:r>
+          </a:p>
+          <a:p>
+            <a:pPr marL="788670" lvl="1" indent="-285750">
+              <a:buFont typeface="Arial" panose="020B0604020202020204" pitchFamily="34" charset="0"/>
+              <a:buChar char="•"/>
+            </a:pPr>
+            <a:r>
+              <a:rPr lang="en-US" sz="1600" dirty="0"/>
+              <a:t>non-English speakers </a:t>
+            </a:r>
+          </a:p>
+          <a:p>
+            <a:pPr marL="788670" lvl="1" indent="-285750">
+              <a:buFont typeface="Arial" panose="020B0604020202020204" pitchFamily="34" charset="0"/>
+              <a:buChar char="•"/>
+            </a:pPr>
+            <a:r>
+              <a:rPr lang="en-US" sz="1600" dirty="0"/>
+              <a:t>Older adults</a:t>
             </a:r>
           </a:p>
           <a:p>
@@ -11666,7 +12637,7 @@
             </a:pPr>
             <a:r>
               <a:rPr lang="en-US" sz="2000" dirty="0"/>
-              <a:t>Retrospective cohort study</a:t>
+              <a:t>Retrospective cohort study, association analysis</a:t>
             </a:r>
           </a:p>
           <a:p>
@@ -11686,7 +12657,7 @@
             </a:pPr>
             <a:r>
               <a:rPr lang="en-US" sz="2000" dirty="0"/>
-              <a:t>Clinical Translational Science Institute, </a:t>
+              <a:t>Clinical Translational Science Institute, WI</a:t>
             </a:r>
           </a:p>
           <a:p>
@@ -12505,31 +13476,6 @@
       </p:sp>
       <p:sp>
         <p:nvSpPr>
-          <p:cNvPr id="3" name="Content Placeholder 2">
-            <a:extLst>
-              <a:ext uri="{FF2B5EF4-FFF2-40B4-BE49-F238E27FC236}">
-                <a16:creationId xmlns:a16="http://schemas.microsoft.com/office/drawing/2014/main" id="{79EC43CC-EB55-3368-583A-79B1FBE5D90D}"/>
-              </a:ext>
-            </a:extLst>
-          </p:cNvPr>
-          <p:cNvSpPr>
-            <a:spLocks noGrp="1"/>
-          </p:cNvSpPr>
-          <p:nvPr>
-            <p:ph sz="quarter" idx="12"/>
-          </p:nvPr>
-        </p:nvSpPr>
-        <p:spPr/>
-        <p:txBody>
-          <a:bodyPr/>
-          <a:lstStyle/>
-          <a:p>
-            <a:endParaRPr lang="en-US"/>
-          </a:p>
-        </p:txBody>
-      </p:sp>
-      <p:sp>
-        <p:nvSpPr>
           <p:cNvPr id="4" name="Slide Number Placeholder 3">
             <a:extLst>
               <a:ext uri="{FF2B5EF4-FFF2-40B4-BE49-F238E27FC236}">
@@ -12601,7 +13547,7 @@
         </p:nvGrpSpPr>
         <p:grpSpPr>
           <a:xfrm>
-            <a:off x="499183" y="939255"/>
+            <a:off x="489820" y="939255"/>
             <a:ext cx="6472727" cy="3503954"/>
             <a:chOff x="745728" y="1891545"/>
             <a:chExt cx="7528178" cy="4075313"/>
@@ -12923,6 +13869,260 @@
           </p:txBody>
         </p:sp>
       </p:grpSp>
+      <p:cxnSp>
+        <p:nvCxnSpPr>
+          <p:cNvPr id="18" name="Straight Arrow Connector 17">
+            <a:extLst>
+              <a:ext uri="{FF2B5EF4-FFF2-40B4-BE49-F238E27FC236}">
+                <a16:creationId xmlns:a16="http://schemas.microsoft.com/office/drawing/2014/main" id="{B69FF9A6-101F-EE15-F679-C896C448BC13}"/>
+              </a:ext>
+            </a:extLst>
+          </p:cNvPr>
+          <p:cNvCxnSpPr>
+            <a:cxnSpLocks/>
+          </p:cNvCxnSpPr>
+          <p:nvPr/>
+        </p:nvCxnSpPr>
+        <p:spPr bwMode="auto">
+          <a:xfrm flipH="1">
+            <a:off x="4990190" y="2162728"/>
+            <a:ext cx="1563530" cy="43691"/>
+          </a:xfrm>
+          <a:prstGeom prst="straightConnector1">
+            <a:avLst/>
+          </a:prstGeom>
+          <a:solidFill>
+            <a:schemeClr val="accent1"/>
+          </a:solidFill>
+          <a:ln w="9525" cap="flat" cmpd="sng" algn="ctr">
+            <a:solidFill>
+              <a:schemeClr val="tx1"/>
+            </a:solidFill>
+            <a:prstDash val="solid"/>
+            <a:round/>
+            <a:headEnd type="none" w="med" len="med"/>
+            <a:tailEnd type="triangle"/>
+          </a:ln>
+          <a:effectLst/>
+        </p:spPr>
+      </p:cxnSp>
+      <p:sp>
+        <p:nvSpPr>
+          <p:cNvPr id="21" name="TextBox 20">
+            <a:extLst>
+              <a:ext uri="{FF2B5EF4-FFF2-40B4-BE49-F238E27FC236}">
+                <a16:creationId xmlns:a16="http://schemas.microsoft.com/office/drawing/2014/main" id="{06592267-2A2D-19A0-D081-9A8F47B61393}"/>
+              </a:ext>
+            </a:extLst>
+          </p:cNvPr>
+          <p:cNvSpPr txBox="1"/>
+          <p:nvPr/>
+        </p:nvSpPr>
+        <p:spPr>
+          <a:xfrm>
+            <a:off x="6669190" y="1860523"/>
+            <a:ext cx="2384306" cy="584775"/>
+          </a:xfrm>
+          <a:prstGeom prst="rect">
+            <a:avLst/>
+          </a:prstGeom>
+          <a:noFill/>
+        </p:spPr>
+        <p:txBody>
+          <a:bodyPr wrap="square" rtlCol="0">
+            <a:spAutoFit/>
+          </a:bodyPr>
+          <a:lstStyle/>
+          <a:p>
+            <a:r>
+              <a:rPr lang="en-US" sz="1600" dirty="0"/>
+              <a:t>Older adults had more </a:t>
+            </a:r>
+          </a:p>
+          <a:p>
+            <a:r>
+              <a:rPr lang="en-US" sz="1600" dirty="0"/>
+              <a:t>In-person visits</a:t>
+            </a:r>
+          </a:p>
+        </p:txBody>
+      </p:sp>
+      <p:cxnSp>
+        <p:nvCxnSpPr>
+          <p:cNvPr id="22" name="Straight Arrow Connector 21">
+            <a:extLst>
+              <a:ext uri="{FF2B5EF4-FFF2-40B4-BE49-F238E27FC236}">
+                <a16:creationId xmlns:a16="http://schemas.microsoft.com/office/drawing/2014/main" id="{F156A557-0BA6-6163-C6F1-CA4FFA111A04}"/>
+              </a:ext>
+            </a:extLst>
+          </p:cNvPr>
+          <p:cNvCxnSpPr>
+            <a:cxnSpLocks/>
+          </p:cNvCxnSpPr>
+          <p:nvPr/>
+        </p:nvCxnSpPr>
+        <p:spPr bwMode="auto">
+          <a:xfrm flipH="1">
+            <a:off x="4912169" y="3707835"/>
+            <a:ext cx="1563531" cy="106889"/>
+          </a:xfrm>
+          <a:prstGeom prst="straightConnector1">
+            <a:avLst/>
+          </a:prstGeom>
+          <a:solidFill>
+            <a:schemeClr val="accent1"/>
+          </a:solidFill>
+          <a:ln w="9525" cap="flat" cmpd="sng" algn="ctr">
+            <a:solidFill>
+              <a:schemeClr val="tx1"/>
+            </a:solidFill>
+            <a:prstDash val="solid"/>
+            <a:round/>
+            <a:headEnd type="none" w="med" len="med"/>
+            <a:tailEnd type="triangle"/>
+          </a:ln>
+          <a:effectLst/>
+        </p:spPr>
+      </p:cxnSp>
+      <p:sp>
+        <p:nvSpPr>
+          <p:cNvPr id="25" name="TextBox 24">
+            <a:extLst>
+              <a:ext uri="{FF2B5EF4-FFF2-40B4-BE49-F238E27FC236}">
+                <a16:creationId xmlns:a16="http://schemas.microsoft.com/office/drawing/2014/main" id="{B45B0FDB-1FE5-D2C5-9F1A-FF0E8E4C937F}"/>
+              </a:ext>
+            </a:extLst>
+          </p:cNvPr>
+          <p:cNvSpPr txBox="1"/>
+          <p:nvPr/>
+        </p:nvSpPr>
+        <p:spPr>
+          <a:xfrm>
+            <a:off x="6553720" y="3334892"/>
+            <a:ext cx="2384306" cy="584775"/>
+          </a:xfrm>
+          <a:prstGeom prst="rect">
+            <a:avLst/>
+          </a:prstGeom>
+          <a:noFill/>
+        </p:spPr>
+        <p:txBody>
+          <a:bodyPr wrap="square" rtlCol="0">
+            <a:spAutoFit/>
+          </a:bodyPr>
+          <a:lstStyle/>
+          <a:p>
+            <a:r>
+              <a:rPr lang="en-US" sz="1600" dirty="0"/>
+              <a:t>Older adults had less telemedical visits</a:t>
+            </a:r>
+          </a:p>
+        </p:txBody>
+      </p:sp>
+      <p:sp>
+        <p:nvSpPr>
+          <p:cNvPr id="26" name="Rectangle 25">
+            <a:extLst>
+              <a:ext uri="{FF2B5EF4-FFF2-40B4-BE49-F238E27FC236}">
+                <a16:creationId xmlns:a16="http://schemas.microsoft.com/office/drawing/2014/main" id="{56EB75C5-48CC-5649-87E4-07B6BD28FE03}"/>
+              </a:ext>
+            </a:extLst>
+          </p:cNvPr>
+          <p:cNvSpPr/>
+          <p:nvPr/>
+        </p:nvSpPr>
+        <p:spPr>
+          <a:xfrm>
+            <a:off x="4077350" y="1191423"/>
+            <a:ext cx="1669638" cy="1483886"/>
+          </a:xfrm>
+          <a:prstGeom prst="rect">
+            <a:avLst/>
+          </a:prstGeom>
+          <a:noFill/>
+          <a:ln/>
+        </p:spPr>
+        <p:style>
+          <a:lnRef idx="2">
+            <a:schemeClr val="accent1"/>
+          </a:lnRef>
+          <a:fillRef idx="1">
+            <a:schemeClr val="lt1"/>
+          </a:fillRef>
+          <a:effectRef idx="0">
+            <a:schemeClr val="accent1"/>
+          </a:effectRef>
+          <a:fontRef idx="minor">
+            <a:schemeClr val="dk1"/>
+          </a:fontRef>
+        </p:style>
+        <p:txBody>
+          <a:bodyPr lIns="91440" tIns="91440" bIns="91440" rtlCol="0" anchor="t"/>
+          <a:lstStyle/>
+          <a:p>
+            <a:pPr algn="ctr"/>
+            <a:endParaRPr lang="en-US" sz="1200" dirty="0" err="1">
+              <a:solidFill>
+                <a:srgbClr val="FFFFFF"/>
+              </a:solidFill>
+              <a:latin typeface="Roboto Regular"/>
+              <a:cs typeface="Roboto Regular"/>
+            </a:endParaRPr>
+          </a:p>
+        </p:txBody>
+      </p:sp>
+      <p:sp>
+        <p:nvSpPr>
+          <p:cNvPr id="27" name="Rectangle 26">
+            <a:extLst>
+              <a:ext uri="{FF2B5EF4-FFF2-40B4-BE49-F238E27FC236}">
+                <a16:creationId xmlns:a16="http://schemas.microsoft.com/office/drawing/2014/main" id="{E6EB5FC2-6516-341C-090E-A96231600C1E}"/>
+              </a:ext>
+            </a:extLst>
+          </p:cNvPr>
+          <p:cNvSpPr/>
+          <p:nvPr/>
+        </p:nvSpPr>
+        <p:spPr>
+          <a:xfrm>
+            <a:off x="2708550" y="2958617"/>
+            <a:ext cx="1669638" cy="1483886"/>
+          </a:xfrm>
+          <a:prstGeom prst="rect">
+            <a:avLst/>
+          </a:prstGeom>
+          <a:noFill/>
+          <a:ln/>
+        </p:spPr>
+        <p:style>
+          <a:lnRef idx="2">
+            <a:schemeClr val="accent1"/>
+          </a:lnRef>
+          <a:fillRef idx="1">
+            <a:schemeClr val="lt1"/>
+          </a:fillRef>
+          <a:effectRef idx="0">
+            <a:schemeClr val="accent1"/>
+          </a:effectRef>
+          <a:fontRef idx="minor">
+            <a:schemeClr val="dk1"/>
+          </a:fontRef>
+        </p:style>
+        <p:txBody>
+          <a:bodyPr lIns="91440" tIns="91440" bIns="91440" rtlCol="0" anchor="t"/>
+          <a:lstStyle/>
+          <a:p>
+            <a:pPr algn="ctr"/>
+            <a:endParaRPr lang="en-US" sz="1200" dirty="0" err="1">
+              <a:solidFill>
+                <a:srgbClr val="FFFFFF"/>
+              </a:solidFill>
+              <a:latin typeface="Roboto Regular"/>
+              <a:cs typeface="Roboto Regular"/>
+            </a:endParaRPr>
+          </a:p>
+        </p:txBody>
+      </p:sp>
     </p:spTree>
     <p:extLst>
       <p:ext uri="{BB962C8B-B14F-4D97-AF65-F5344CB8AC3E}">
@@ -13040,6 +14240,112 @@
                       </p:childTnLst>
                     </p:cTn>
                   </p:par>
+                  <p:par>
+                    <p:cTn id="10" fill="hold">
+                      <p:stCondLst>
+                        <p:cond delay="indefinite"/>
+                      </p:stCondLst>
+                      <p:childTnLst>
+                        <p:par>
+                          <p:cTn id="11" fill="hold">
+                            <p:stCondLst>
+                              <p:cond delay="0"/>
+                            </p:stCondLst>
+                            <p:childTnLst>
+                              <p:par>
+                                <p:cTn id="12" presetID="10" presetClass="entr" presetSubtype="0" fill="hold" grpId="0" nodeType="clickEffect">
+                                  <p:stCondLst>
+                                    <p:cond delay="0"/>
+                                  </p:stCondLst>
+                                  <p:childTnLst>
+                                    <p:set>
+                                      <p:cBhvr>
+                                        <p:cTn id="13" dur="1" fill="hold">
+                                          <p:stCondLst>
+                                            <p:cond delay="0"/>
+                                          </p:stCondLst>
+                                        </p:cTn>
+                                        <p:tgtEl>
+                                          <p:spTgt spid="26"/>
+                                        </p:tgtEl>
+                                        <p:attrNameLst>
+                                          <p:attrName>style.visibility</p:attrName>
+                                        </p:attrNameLst>
+                                      </p:cBhvr>
+                                      <p:to>
+                                        <p:strVal val="visible"/>
+                                      </p:to>
+                                    </p:set>
+                                    <p:animEffect transition="in" filter="fade">
+                                      <p:cBhvr>
+                                        <p:cTn id="14" dur="250"/>
+                                        <p:tgtEl>
+                                          <p:spTgt spid="26"/>
+                                        </p:tgtEl>
+                                      </p:cBhvr>
+                                    </p:animEffect>
+                                  </p:childTnLst>
+                                </p:cTn>
+                              </p:par>
+                            </p:childTnLst>
+                          </p:cTn>
+                        </p:par>
+                      </p:childTnLst>
+                    </p:cTn>
+                  </p:par>
+                  <p:par>
+                    <p:cTn id="15" fill="hold">
+                      <p:stCondLst>
+                        <p:cond delay="indefinite"/>
+                      </p:stCondLst>
+                      <p:childTnLst>
+                        <p:par>
+                          <p:cTn id="16" fill="hold">
+                            <p:stCondLst>
+                              <p:cond delay="0"/>
+                            </p:stCondLst>
+                            <p:childTnLst>
+                              <p:par>
+                                <p:cTn id="17" presetID="10" presetClass="entr" presetSubtype="0" fill="hold" grpId="0" nodeType="clickEffect">
+                                  <p:stCondLst>
+                                    <p:cond delay="0"/>
+                                  </p:stCondLst>
+                                  <p:childTnLst>
+                                    <p:set>
+                                      <p:cBhvr>
+                                        <p:cTn id="18" dur="1" fill="hold">
+                                          <p:stCondLst>
+                                            <p:cond delay="0"/>
+                                          </p:stCondLst>
+                                        </p:cTn>
+                                        <p:tgtEl>
+                                          <p:spTgt spid="27"/>
+                                        </p:tgtEl>
+                                        <p:attrNameLst>
+                                          <p:attrName>style.visibility</p:attrName>
+                                        </p:attrNameLst>
+                                      </p:cBhvr>
+                                      <p:to>
+                                        <p:strVal val="visible"/>
+                                      </p:to>
+                                    </p:set>
+                                    <p:animEffect transition="in" filter="fade">
+                                      <p:cBhvr>
+                                        <p:cTn id="19" dur="250"/>
+                                        <p:tgtEl>
+                                          <p:spTgt spid="27"/>
+                                        </p:tgtEl>
+                                      </p:cBhvr>
+                                    </p:animEffect>
+                                  </p:childTnLst>
+                                </p:cTn>
+                              </p:par>
+                            </p:childTnLst>
+                          </p:cTn>
+                        </p:par>
+                      </p:childTnLst>
+                    </p:cTn>
+                  </p:par>
                 </p:childTnLst>
               </p:cTn>
               <p:prevCondLst>
@@ -13061,6 +14367,10 @@
         </p:cTn>
       </p:par>
     </p:tnLst>
+    <p:bldLst>
+      <p:bldP spid="26" grpId="0" animBg="1"/>
+      <p:bldP spid="27" grpId="0" animBg="1"/>
+    </p:bldLst>
   </p:timing>
 </p:sld>
 </file>
@@ -14555,15 +15865,6 @@
 </file>
 
 <file path=customXml/item1.xml><?xml version="1.0" encoding="utf-8"?>
-<?mso-contentType ?>
-<FormTemplates xmlns="http://schemas.microsoft.com/sharepoint/v3/contenttype/forms">
-  <Display>DocumentLibraryForm</Display>
-  <Edit>DocumentLibraryForm</Edit>
-  <New>DocumentLibraryForm</New>
-</FormTemplates>
-</file>
-
-<file path=customXml/item2.xml><?xml version="1.0" encoding="utf-8"?>
 <p:properties xmlns:p="http://schemas.microsoft.com/office/2006/metadata/properties" xmlns:xsi="http://www.w3.org/2001/XMLSchema-instance" xmlns:pc="http://schemas.microsoft.com/office/infopath/2007/PartnerControls">
   <documentManagement>
     <Category xmlns="eede3e04-ef7f-43f3-975e-805c0c5f1e83">General Resources</Category>
@@ -14608,7 +15909,7 @@
 </p:properties>
 </file>
 
-<file path=customXml/item3.xml><?xml version="1.0" encoding="utf-8"?>
+<file path=customXml/item2.xml><?xml version="1.0" encoding="utf-8"?>
 <ct:contentTypeSchema xmlns:ct="http://schemas.microsoft.com/office/2006/metadata/contentType" xmlns:ma="http://schemas.microsoft.com/office/2006/metadata/properties/metaAttributes" ct:_="" ma:_="" ma:contentTypeName="Document" ma:contentTypeID="0x0101003369C198E5EA0446B48A258369EB929D" ma:contentTypeVersion="8" ma:contentTypeDescription="Create a new document." ma:contentTypeScope="" ma:versionID="d872bdd14c10ad67b43240066461caaa">
   <xsd:schema xmlns:xsd="http://www.w3.org/2001/XMLSchema" xmlns:xs="http://www.w3.org/2001/XMLSchema" xmlns:p="http://schemas.microsoft.com/office/2006/metadata/properties" xmlns:ns2="a9883a9a-8dc4-4a0a-a402-25be3a23f551" xmlns:ns3="eede3e04-ef7f-43f3-975e-805c0c5f1e83" targetNamespace="http://schemas.microsoft.com/office/2006/metadata/properties" ma:root="true" ma:fieldsID="f389de775f37ae22da9ad2814c85c47e" ns2:_="" ns3:_="">
     <xsd:import namespace="a9883a9a-8dc4-4a0a-a402-25be3a23f551"/>
@@ -14806,32 +16107,33 @@
 </ct:contentTypeSchema>
 </file>
 
+<file path=customXml/item3.xml><?xml version="1.0" encoding="utf-8"?>
+<?mso-contentType ?>
+<FormTemplates xmlns="http://schemas.microsoft.com/sharepoint/v3/contenttype/forms">
+  <Display>DocumentLibraryForm</Display>
+  <Edit>DocumentLibraryForm</Edit>
+  <New>DocumentLibraryForm</New>
+</FormTemplates>
+</file>
+
 <file path=customXml/itemProps1.xml><?xml version="1.0" encoding="utf-8"?>
-<ds:datastoreItem xmlns:ds="http://schemas.openxmlformats.org/officeDocument/2006/customXml" ds:itemID="{7CFBA306-A956-431E-A2FB-DCA1445F3768}">
+<ds:datastoreItem xmlns:ds="http://schemas.openxmlformats.org/officeDocument/2006/customXml" ds:itemID="{B6292BCB-21BD-4E6D-8B29-5908CEB9F9EE}">
   <ds:schemaRefs>
-    <ds:schemaRef ds:uri="http://schemas.microsoft.com/sharepoint/v3/contenttype/forms"/>
+    <ds:schemaRef ds:uri="http://purl.org/dc/terms/"/>
+    <ds:schemaRef ds:uri="http://schemas.openxmlformats.org/package/2006/metadata/core-properties"/>
+    <ds:schemaRef ds:uri="a9883a9a-8dc4-4a0a-a402-25be3a23f551"/>
+    <ds:schemaRef ds:uri="http://schemas.microsoft.com/office/infopath/2007/PartnerControls"/>
+    <ds:schemaRef ds:uri="http://purl.org/dc/elements/1.1/"/>
+    <ds:schemaRef ds:uri="http://schemas.microsoft.com/office/2006/documentManagement/types"/>
+    <ds:schemaRef ds:uri="http://purl.org/dc/dcmitype/"/>
+    <ds:schemaRef ds:uri="eede3e04-ef7f-43f3-975e-805c0c5f1e83"/>
+    <ds:schemaRef ds:uri="http://schemas.microsoft.com/office/2006/metadata/properties"/>
+    <ds:schemaRef ds:uri="http://www.w3.org/XML/1998/namespace"/>
   </ds:schemaRefs>
 </ds:datastoreItem>
 </file>
 
 <file path=customXml/itemProps2.xml><?xml version="1.0" encoding="utf-8"?>
-<ds:datastoreItem xmlns:ds="http://schemas.openxmlformats.org/officeDocument/2006/customXml" ds:itemID="{B6292BCB-21BD-4E6D-8B29-5908CEB9F9EE}">
-  <ds:schemaRefs>
-    <ds:schemaRef ds:uri="http://purl.org/dc/elements/1.1/"/>
-    <ds:schemaRef ds:uri="http://schemas.microsoft.com/office/2006/metadata/properties"/>
-    <ds:schemaRef ds:uri="a9883a9a-8dc4-4a0a-a402-25be3a23f551"/>
-    <ds:schemaRef ds:uri="eede3e04-ef7f-43f3-975e-805c0c5f1e83"/>
-    <ds:schemaRef ds:uri="http://purl.org/dc/terms/"/>
-    <ds:schemaRef ds:uri="http://schemas.openxmlformats.org/package/2006/metadata/core-properties"/>
-    <ds:schemaRef ds:uri="http://schemas.microsoft.com/office/2006/documentManagement/types"/>
-    <ds:schemaRef ds:uri="http://schemas.microsoft.com/office/infopath/2007/PartnerControls"/>
-    <ds:schemaRef ds:uri="http://www.w3.org/XML/1998/namespace"/>
-    <ds:schemaRef ds:uri="http://purl.org/dc/dcmitype/"/>
-  </ds:schemaRefs>
-</ds:datastoreItem>
-</file>
-
-<file path=customXml/itemProps3.xml><?xml version="1.0" encoding="utf-8"?>
 <ds:datastoreItem xmlns:ds="http://schemas.openxmlformats.org/officeDocument/2006/customXml" ds:itemID="{D26B4617-3B28-4E2E-AF19-216BC1A84760}">
   <ds:schemaRefs>
     <ds:schemaRef ds:uri="http://schemas.microsoft.com/office/2006/metadata/contentType"/>
@@ -14848,4 +16150,12 @@
     <ds:schemaRef ds:uri="http://schemas.microsoft.com/internal/obd"/>
   </ds:schemaRefs>
 </ds:datastoreItem>
+</file>
+
+<file path=customXml/itemProps3.xml><?xml version="1.0" encoding="utf-8"?>
+<ds:datastoreItem xmlns:ds="http://schemas.openxmlformats.org/officeDocument/2006/customXml" ds:itemID="{7CFBA306-A956-431E-A2FB-DCA1445F3768}">
+  <ds:schemaRefs>
+    <ds:schemaRef ds:uri="http://schemas.microsoft.com/sharepoint/v3/contenttype/forms"/>
+  </ds:schemaRefs>
+</ds:datastoreItem>
 </file>
--- a/assets/pdf/cic-telemedicine.pptx
+++ b/assets/pdf/cic-telemedicine.pptx
@@ -322,7 +322,7 @@
             <a:fld id="{2503ED08-06E4-41ED-89E8-119D0EF02A48}" type="datetimeFigureOut">
               <a:rPr lang="en-US"/>
               <a:pPr/>
-              <a:t>5/24/2023</a:t>
+              <a:t>5/24/23</a:t>
             </a:fld>
             <a:endParaRPr lang="en-US"/>
           </a:p>
@@ -572,7 +572,7 @@
           </a:ln>
           <a:extLst>
             <a:ext uri="{909E8E84-426E-40dd-AFC4-6F175D3DCCD1}">
-              <a14:hiddenFill xmlns="" xmlns:a14="http://schemas.microsoft.com/office/drawing/2010/main">
+              <a14:hiddenFill xmlns:a14="http://schemas.microsoft.com/office/drawing/2010/main" xmlns="">
                 <a:solidFill>
                   <a:srgbClr val="FFFFFF"/>
                 </a:solidFill>
@@ -5313,14 +5313,14 @@
           </a:ln>
           <a:extLst>
             <a:ext uri="{909E8E84-426E-40dd-AFC4-6F175D3DCCD1}">
-              <a14:hiddenFill xmlns="" xmlns:a14="http://schemas.microsoft.com/office/drawing/2010/main">
+              <a14:hiddenFill xmlns:a14="http://schemas.microsoft.com/office/drawing/2010/main" xmlns="">
                 <a:solidFill>
                   <a:srgbClr val="FFFFFF"/>
                 </a:solidFill>
               </a14:hiddenFill>
             </a:ext>
             <a:ext uri="{91240B29-F687-4f45-9708-019B960494DF}">
-              <a14:hiddenLine xmlns="" xmlns:a14="http://schemas.microsoft.com/office/drawing/2010/main" w="9525">
+              <a14:hiddenLine xmlns:a14="http://schemas.microsoft.com/office/drawing/2010/main" xmlns="" w="9525">
                 <a:solidFill>
                   <a:srgbClr val="000000"/>
                 </a:solidFill>
@@ -5369,14 +5369,14 @@
           </a:ln>
           <a:extLst>
             <a:ext uri="{909E8E84-426E-40dd-AFC4-6F175D3DCCD1}">
-              <a14:hiddenFill xmlns="" xmlns:a14="http://schemas.microsoft.com/office/drawing/2010/main">
+              <a14:hiddenFill xmlns:a14="http://schemas.microsoft.com/office/drawing/2010/main" xmlns="">
                 <a:solidFill>
                   <a:srgbClr val="FFFFFF"/>
                 </a:solidFill>
               </a14:hiddenFill>
             </a:ext>
             <a:ext uri="{91240B29-F687-4f45-9708-019B960494DF}">
-              <a14:hiddenLine xmlns="" xmlns:a14="http://schemas.microsoft.com/office/drawing/2010/main" w="9525">
+              <a14:hiddenLine xmlns:a14="http://schemas.microsoft.com/office/drawing/2010/main" xmlns="" w="9525">
                 <a:solidFill>
                   <a:srgbClr val="000000"/>
                 </a:solidFill>
@@ -10601,6 +10601,16 @@
             </a:r>
           </a:p>
           <a:p>
+            <a:pPr marL="788670" lvl="1" indent="-285750">
+              <a:buFont typeface="Arial" panose="020B0604020202020204" pitchFamily="34" charset="0"/>
+              <a:buChar char="•"/>
+            </a:pPr>
+            <a:r>
+              <a:rPr lang="en-US" dirty="0"/>
+              <a:t>National average is 30%~40% on first month, then move to 5 - 10% hereafter</a:t>
+            </a:r>
+          </a:p>
+          <a:p>
             <a:pPr marL="285750" indent="-285750">
               <a:buFont typeface="Arial" panose="020B0604020202020204" pitchFamily="34" charset="0"/>
               <a:buChar char="•"/>
@@ -10804,7 +10814,7 @@
             <a:pPr lvl="1"/>
             <a:r>
               <a:rPr lang="en-US" sz="1600" dirty="0"/>
-              <a:t>….</a:t>
+              <a:t>More…</a:t>
             </a:r>
           </a:p>
           <a:p>
@@ -10817,7 +10827,7 @@
             <a:pPr lvl="1"/>
             <a:r>
               <a:rPr lang="en-US" sz="1600" dirty="0"/>
-              <a:t>Online consultation services</a:t>
+              <a:t>Focus online consultation services</a:t>
             </a:r>
           </a:p>
           <a:p>
@@ -10831,8 +10841,20 @@
             <a:pPr lvl="1"/>
             <a:r>
               <a:rPr lang="en-US" sz="1600" dirty="0"/>
-              <a:t>can have more specialties involved when needed</a:t>
-            </a:r>
+              <a:t>Can have more specialties involved when needed</a:t>
+            </a:r>
+          </a:p>
+          <a:p>
+            <a:pPr lvl="1"/>
+            <a:r>
+              <a:rPr lang="en-US" sz="1600" dirty="0"/>
+              <a:t>Less technological </a:t>
+            </a:r>
+            <a:r>
+              <a:rPr lang="en-US" sz="1600" dirty="0" err="1"/>
+              <a:t>barriors</a:t>
+            </a:r>
+            <a:endParaRPr lang="en-US" sz="1600" dirty="0"/>
           </a:p>
         </p:txBody>
       </p:sp>
@@ -11704,8 +11726,11 @@
           <a:p>
             <a:r>
               <a:rPr lang="en-US" dirty="0"/>
-              <a:t>I have no relevant relationships with commercial interests to disclose.</a:t>
-            </a:r>
+              <a:t>The study was supported by the National Center for Advancing Translational Sciences, National Institutes of Health, Award Number 2UL1TR001436.</a:t>
+            </a:r>
+          </a:p>
+          <a:p>
+            <a:endParaRPr lang="en-US" dirty="0"/>
           </a:p>
         </p:txBody>
       </p:sp>
@@ -12007,7 +12032,7 @@
           <a:p>
             <a:r>
               <a:rPr lang="en-US" sz="2800" dirty="0"/>
-              <a:t>Telemedicine</a:t>
+              <a:t>Introduction</a:t>
             </a:r>
             <a:endParaRPr lang="en-US" dirty="0"/>
           </a:p>
@@ -12253,7 +12278,7 @@
             </a:pPr>
             <a:r>
               <a:rPr lang="en-US" sz="2000" dirty="0"/>
-              <a:t>Observation: </a:t>
+              <a:t>Patient Disparity: </a:t>
             </a:r>
           </a:p>
           <a:p>
@@ -12273,7 +12298,7 @@
             </a:pPr>
             <a:r>
               <a:rPr lang="en-US" sz="1600" dirty="0"/>
-              <a:t>non-English speakers </a:t>
+              <a:t>Non-English speakers </a:t>
             </a:r>
           </a:p>
           <a:p>
@@ -12347,6 +12372,65 @@
               <a:t>2022 Clinical Informatics Conference |   amia.org</a:t>
             </a:r>
             <a:endParaRPr lang="en-US" dirty="0"/>
+          </a:p>
+        </p:txBody>
+      </p:sp>
+      <p:sp>
+        <p:nvSpPr>
+          <p:cNvPr id="6" name="TextBox 5">
+            <a:extLst>
+              <a:ext uri="{FF2B5EF4-FFF2-40B4-BE49-F238E27FC236}">
+                <a16:creationId xmlns:a16="http://schemas.microsoft.com/office/drawing/2014/main" id="{3FE42F68-AC82-B0BA-8F55-C7C0A4F09BD5}"/>
+              </a:ext>
+            </a:extLst>
+          </p:cNvPr>
+          <p:cNvSpPr txBox="1"/>
+          <p:nvPr/>
+        </p:nvSpPr>
+        <p:spPr>
+          <a:xfrm>
+            <a:off x="953145" y="3215899"/>
+            <a:ext cx="3239146" cy="830997"/>
+          </a:xfrm>
+          <a:prstGeom prst="rect">
+            <a:avLst/>
+          </a:prstGeom>
+          <a:noFill/>
+        </p:spPr>
+        <p:txBody>
+          <a:bodyPr wrap="square" rtlCol="0">
+            <a:spAutoFit/>
+          </a:bodyPr>
+          <a:lstStyle/>
+          <a:p>
+            <a:pPr marL="285750" indent="-285750">
+              <a:buFont typeface="Arial" panose="020B0604020202020204" pitchFamily="34" charset="0"/>
+              <a:buChar char="•"/>
+            </a:pPr>
+            <a:r>
+              <a:rPr lang="en-US" sz="1600" dirty="0"/>
+              <a:t>Living far from Hospital</a:t>
+            </a:r>
+          </a:p>
+          <a:p>
+            <a:pPr marL="285750" indent="-285750">
+              <a:buFont typeface="Arial" panose="020B0604020202020204" pitchFamily="34" charset="0"/>
+              <a:buChar char="•"/>
+            </a:pPr>
+            <a:r>
+              <a:rPr lang="en-US" sz="1600" dirty="0"/>
+              <a:t>Non-insurers</a:t>
+            </a:r>
+          </a:p>
+          <a:p>
+            <a:pPr marL="285750" indent="-285750">
+              <a:buFont typeface="Arial" panose="020B0604020202020204" pitchFamily="34" charset="0"/>
+              <a:buChar char="•"/>
+            </a:pPr>
+            <a:r>
+              <a:rPr lang="en-US" sz="1600" dirty="0"/>
+              <a:t>Patient of lower income</a:t>
+            </a:r>
           </a:p>
         </p:txBody>
       </p:sp>
@@ -12678,6 +12762,16 @@
             <a:r>
               <a:rPr lang="en-US" sz="2000" dirty="0"/>
               <a:t>2.3M patients</a:t>
+            </a:r>
+          </a:p>
+          <a:p>
+            <a:pPr marL="285750" indent="-285750">
+              <a:buFont typeface="Arial" panose="020B0604020202020204" pitchFamily="34" charset="0"/>
+              <a:buChar char="•"/>
+            </a:pPr>
+            <a:r>
+              <a:rPr lang="en-US" sz="2000" dirty="0"/>
+              <a:t>Measurement: Odds ratio  patient with characteristics X are more/less likely to utilize telemedicine services during pandemic</a:t>
             </a:r>
           </a:p>
           <a:p>
@@ -15865,48 +15959,12 @@
 </file>
 
 <file path=customXml/item1.xml><?xml version="1.0" encoding="utf-8"?>
-<p:properties xmlns:p="http://schemas.microsoft.com/office/2006/metadata/properties" xmlns:xsi="http://www.w3.org/2001/XMLSchema-instance" xmlns:pc="http://schemas.microsoft.com/office/infopath/2007/PartnerControls">
-  <documentManagement>
-    <Category xmlns="eede3e04-ef7f-43f3-975e-805c0c5f1e83">General Resources</Category>
-    <SharedWithUsers xmlns="a9883a9a-8dc4-4a0a-a402-25be3a23f551">
-      <UserInfo>
-        <DisplayName>Ben Green</DisplayName>
-        <AccountId>1449</AccountId>
-        <AccountType/>
-      </UserInfo>
-      <UserInfo>
-        <DisplayName>Kathleen Elliott</DisplayName>
-        <AccountId>26</AccountId>
-        <AccountType/>
-      </UserInfo>
-      <UserInfo>
-        <DisplayName>Berna Diehl</DisplayName>
-        <AccountId>36</AccountId>
-        <AccountType/>
-      </UserInfo>
-      <UserInfo>
-        <DisplayName>Patrick Brady</DisplayName>
-        <AccountId>462</AccountId>
-        <AccountType/>
-      </UserInfo>
-      <UserInfo>
-        <DisplayName>Adam Pawluk</DisplayName>
-        <AccountId>3416</AccountId>
-        <AccountType/>
-      </UserInfo>
-      <UserInfo>
-        <DisplayName>Michael O'Brien</DisplayName>
-        <AccountId>862</AccountId>
-        <AccountType/>
-      </UserInfo>
-      <UserInfo>
-        <DisplayName>David Connolly</DisplayName>
-        <AccountId>1232</AccountId>
-        <AccountType/>
-      </UserInfo>
-    </SharedWithUsers>
-  </documentManagement>
-</p:properties>
+<?mso-contentType ?>
+<FormTemplates xmlns="http://schemas.microsoft.com/sharepoint/v3/contenttype/forms">
+  <Display>DocumentLibraryForm</Display>
+  <Edit>DocumentLibraryForm</Edit>
+  <New>DocumentLibraryForm</New>
+</FormTemplates>
 </file>
 
 <file path=customXml/item2.xml><?xml version="1.0" encoding="utf-8"?>
@@ -16108,27 +16166,54 @@
 </file>
 
 <file path=customXml/item3.xml><?xml version="1.0" encoding="utf-8"?>
-<?mso-contentType ?>
-<FormTemplates xmlns="http://schemas.microsoft.com/sharepoint/v3/contenttype/forms">
-  <Display>DocumentLibraryForm</Display>
-  <Edit>DocumentLibraryForm</Edit>
-  <New>DocumentLibraryForm</New>
-</FormTemplates>
+<p:properties xmlns:p="http://schemas.microsoft.com/office/2006/metadata/properties" xmlns:xsi="http://www.w3.org/2001/XMLSchema-instance" xmlns:pc="http://schemas.microsoft.com/office/infopath/2007/PartnerControls">
+  <documentManagement>
+    <Category xmlns="eede3e04-ef7f-43f3-975e-805c0c5f1e83">General Resources</Category>
+    <SharedWithUsers xmlns="a9883a9a-8dc4-4a0a-a402-25be3a23f551">
+      <UserInfo>
+        <DisplayName>Ben Green</DisplayName>
+        <AccountId>1449</AccountId>
+        <AccountType/>
+      </UserInfo>
+      <UserInfo>
+        <DisplayName>Kathleen Elliott</DisplayName>
+        <AccountId>26</AccountId>
+        <AccountType/>
+      </UserInfo>
+      <UserInfo>
+        <DisplayName>Berna Diehl</DisplayName>
+        <AccountId>36</AccountId>
+        <AccountType/>
+      </UserInfo>
+      <UserInfo>
+        <DisplayName>Patrick Brady</DisplayName>
+        <AccountId>462</AccountId>
+        <AccountType/>
+      </UserInfo>
+      <UserInfo>
+        <DisplayName>Adam Pawluk</DisplayName>
+        <AccountId>3416</AccountId>
+        <AccountType/>
+      </UserInfo>
+      <UserInfo>
+        <DisplayName>Michael O'Brien</DisplayName>
+        <AccountId>862</AccountId>
+        <AccountType/>
+      </UserInfo>
+      <UserInfo>
+        <DisplayName>David Connolly</DisplayName>
+        <AccountId>1232</AccountId>
+        <AccountType/>
+      </UserInfo>
+    </SharedWithUsers>
+  </documentManagement>
+</p:properties>
 </file>
 
 <file path=customXml/itemProps1.xml><?xml version="1.0" encoding="utf-8"?>
-<ds:datastoreItem xmlns:ds="http://schemas.openxmlformats.org/officeDocument/2006/customXml" ds:itemID="{B6292BCB-21BD-4E6D-8B29-5908CEB9F9EE}">
+<ds:datastoreItem xmlns:ds="http://schemas.openxmlformats.org/officeDocument/2006/customXml" ds:itemID="{7CFBA306-A956-431E-A2FB-DCA1445F3768}">
   <ds:schemaRefs>
-    <ds:schemaRef ds:uri="http://purl.org/dc/terms/"/>
-    <ds:schemaRef ds:uri="http://schemas.openxmlformats.org/package/2006/metadata/core-properties"/>
-    <ds:schemaRef ds:uri="a9883a9a-8dc4-4a0a-a402-25be3a23f551"/>
-    <ds:schemaRef ds:uri="http://schemas.microsoft.com/office/infopath/2007/PartnerControls"/>
-    <ds:schemaRef ds:uri="http://purl.org/dc/elements/1.1/"/>
-    <ds:schemaRef ds:uri="http://schemas.microsoft.com/office/2006/documentManagement/types"/>
-    <ds:schemaRef ds:uri="http://purl.org/dc/dcmitype/"/>
-    <ds:schemaRef ds:uri="eede3e04-ef7f-43f3-975e-805c0c5f1e83"/>
-    <ds:schemaRef ds:uri="http://schemas.microsoft.com/office/2006/metadata/properties"/>
-    <ds:schemaRef ds:uri="http://www.w3.org/XML/1998/namespace"/>
+    <ds:schemaRef ds:uri="http://schemas.microsoft.com/sharepoint/v3/contenttype/forms"/>
   </ds:schemaRefs>
 </ds:datastoreItem>
 </file>
@@ -16153,9 +16238,18 @@
 </file>
 
 <file path=customXml/itemProps3.xml><?xml version="1.0" encoding="utf-8"?>
-<ds:datastoreItem xmlns:ds="http://schemas.openxmlformats.org/officeDocument/2006/customXml" ds:itemID="{7CFBA306-A956-431E-A2FB-DCA1445F3768}">
+<ds:datastoreItem xmlns:ds="http://schemas.openxmlformats.org/officeDocument/2006/customXml" ds:itemID="{B6292BCB-21BD-4E6D-8B29-5908CEB9F9EE}">
   <ds:schemaRefs>
-    <ds:schemaRef ds:uri="http://schemas.microsoft.com/sharepoint/v3/contenttype/forms"/>
+    <ds:schemaRef ds:uri="http://purl.org/dc/terms/"/>
+    <ds:schemaRef ds:uri="http://schemas.openxmlformats.org/package/2006/metadata/core-properties"/>
+    <ds:schemaRef ds:uri="a9883a9a-8dc4-4a0a-a402-25be3a23f551"/>
+    <ds:schemaRef ds:uri="http://schemas.microsoft.com/office/infopath/2007/PartnerControls"/>
+    <ds:schemaRef ds:uri="http://purl.org/dc/elements/1.1/"/>
+    <ds:schemaRef ds:uri="http://schemas.microsoft.com/office/2006/documentManagement/types"/>
+    <ds:schemaRef ds:uri="http://purl.org/dc/dcmitype/"/>
+    <ds:schemaRef ds:uri="eede3e04-ef7f-43f3-975e-805c0c5f1e83"/>
+    <ds:schemaRef ds:uri="http://schemas.microsoft.com/office/2006/metadata/properties"/>
+    <ds:schemaRef ds:uri="http://www.w3.org/XML/1998/namespace"/>
   </ds:schemaRefs>
 </ds:datastoreItem>
 </file>
--- a/assets/pdf/cic-telemedicine.pptx
+++ b/assets/pdf/cic-telemedicine.pptx
@@ -5,30 +5,31 @@
     <p:sldMasterId id="2147483648" r:id="rId4"/>
   </p:sldMasterIdLst>
   <p:notesMasterIdLst>
-    <p:notesMasterId r:id="rId23"/>
+    <p:notesMasterId r:id="rId24"/>
   </p:notesMasterIdLst>
   <p:handoutMasterIdLst>
-    <p:handoutMasterId r:id="rId24"/>
+    <p:handoutMasterId r:id="rId25"/>
   </p:handoutMasterIdLst>
   <p:sldIdLst>
     <p:sldId id="286" r:id="rId5"/>
     <p:sldId id="257" r:id="rId6"/>
     <p:sldId id="280" r:id="rId7"/>
     <p:sldId id="281" r:id="rId8"/>
-    <p:sldId id="287" r:id="rId9"/>
-    <p:sldId id="288" r:id="rId10"/>
-    <p:sldId id="289" r:id="rId11"/>
-    <p:sldId id="290" r:id="rId12"/>
-    <p:sldId id="291" r:id="rId13"/>
-    <p:sldId id="292" r:id="rId14"/>
-    <p:sldId id="293" r:id="rId15"/>
-    <p:sldId id="298" r:id="rId16"/>
-    <p:sldId id="297" r:id="rId17"/>
-    <p:sldId id="299" r:id="rId18"/>
-    <p:sldId id="300" r:id="rId19"/>
-    <p:sldId id="294" r:id="rId20"/>
-    <p:sldId id="295" r:id="rId21"/>
-    <p:sldId id="285" r:id="rId22"/>
+    <p:sldId id="301" r:id="rId9"/>
+    <p:sldId id="287" r:id="rId10"/>
+    <p:sldId id="288" r:id="rId11"/>
+    <p:sldId id="289" r:id="rId12"/>
+    <p:sldId id="290" r:id="rId13"/>
+    <p:sldId id="291" r:id="rId14"/>
+    <p:sldId id="292" r:id="rId15"/>
+    <p:sldId id="293" r:id="rId16"/>
+    <p:sldId id="298" r:id="rId17"/>
+    <p:sldId id="297" r:id="rId18"/>
+    <p:sldId id="299" r:id="rId19"/>
+    <p:sldId id="300" r:id="rId20"/>
+    <p:sldId id="294" r:id="rId21"/>
+    <p:sldId id="295" r:id="rId22"/>
+    <p:sldId id="285" r:id="rId23"/>
   </p:sldIdLst>
   <p:sldSz cx="9144000" cy="5143500" type="screen16x9"/>
   <p:notesSz cx="7315200" cy="9601200"/>
@@ -226,6 +227,2851 @@
 </p:cmAuthorLst>
 </file>
 
+<file path=ppt/charts/chart1.xml><?xml version="1.0" encoding="utf-8"?>
+<c:chartSpace xmlns:c="http://schemas.openxmlformats.org/drawingml/2006/chart" xmlns:a="http://schemas.openxmlformats.org/drawingml/2006/main" xmlns:r="http://schemas.openxmlformats.org/officeDocument/2006/relationships" xmlns:c16r2="http://schemas.microsoft.com/office/drawing/2015/06/chart">
+  <c:date1904 val="0"/>
+  <c:lang val="en-US"/>
+  <c:roundedCorners val="0"/>
+  <mc:AlternateContent xmlns:mc="http://schemas.openxmlformats.org/markup-compatibility/2006">
+    <mc:Choice xmlns:c14="http://schemas.microsoft.com/office/drawing/2007/8/2/chart" Requires="c14">
+      <c14:style val="102"/>
+    </mc:Choice>
+    <mc:Fallback>
+      <c:style val="2"/>
+    </mc:Fallback>
+  </mc:AlternateContent>
+  <c:chart>
+    <c:autoTitleDeleted val="1"/>
+    <c:plotArea>
+      <c:layout>
+        <c:manualLayout>
+          <c:layoutTarget val="inner"/>
+          <c:xMode val="edge"/>
+          <c:yMode val="edge"/>
+          <c:x val="0.29427379572415269"/>
+          <c:y val="0.21831264490362323"/>
+          <c:w val="0.40287467191601051"/>
+          <c:h val="0.6714577865266842"/>
+        </c:manualLayout>
+      </c:layout>
+      <c:doughnutChart>
+        <c:varyColors val="1"/>
+        <c:ser>
+          <c:idx val="0"/>
+          <c:order val="0"/>
+          <c:spPr>
+            <a:ln w="3175">
+              <a:solidFill>
+                <a:schemeClr val="bg2">
+                  <a:lumMod val="90000"/>
+                </a:schemeClr>
+              </a:solidFill>
+            </a:ln>
+          </c:spPr>
+          <c:dPt>
+            <c:idx val="0"/>
+            <c:bubble3D val="0"/>
+            <c:spPr>
+              <a:solidFill>
+                <a:schemeClr val="accent2"/>
+              </a:solidFill>
+              <a:ln w="3175">
+                <a:solidFill>
+                  <a:schemeClr val="bg2">
+                    <a:lumMod val="90000"/>
+                  </a:schemeClr>
+                </a:solidFill>
+              </a:ln>
+              <a:effectLst/>
+            </c:spPr>
+            <c:extLst>
+              <c:ext xmlns:c16="http://schemas.microsoft.com/office/drawing/2014/chart" uri="{C3380CC4-5D6E-409C-BE32-E72D297353CC}">
+                <c16:uniqueId val="{00000001-23B3-6541-81EE-62C57C226C2E}"/>
+              </c:ext>
+            </c:extLst>
+          </c:dPt>
+          <c:dPt>
+            <c:idx val="1"/>
+            <c:bubble3D val="0"/>
+            <c:spPr>
+              <a:solidFill>
+                <a:schemeClr val="bg1"/>
+              </a:solidFill>
+              <a:ln w="3175">
+                <a:solidFill>
+                  <a:schemeClr val="tx1"/>
+                </a:solidFill>
+              </a:ln>
+              <a:effectLst/>
+            </c:spPr>
+            <c:extLst>
+              <c:ext xmlns:c16="http://schemas.microsoft.com/office/drawing/2014/chart" uri="{C3380CC4-5D6E-409C-BE32-E72D297353CC}">
+                <c16:uniqueId val="{00000003-23B3-6541-81EE-62C57C226C2E}"/>
+              </c:ext>
+            </c:extLst>
+          </c:dPt>
+          <c:dLbls>
+            <c:dLbl>
+              <c:idx val="0"/>
+              <c:layout>
+                <c:manualLayout>
+                  <c:x val="-0.15900434541443537"/>
+                  <c:y val="-0.11491339795382045"/>
+                </c:manualLayout>
+              </c:layout>
+              <c:tx>
+                <c:rich>
+                  <a:bodyPr/>
+                  <a:lstStyle/>
+                  <a:p>
+                    <a:fld id="{D9F48A05-4717-4866-8AB9-50B0446C7185}" type="VALUE">
+                      <a:rPr lang="en-US" sz="3800"/>
+                      <a:pPr/>
+                      <a:t>[VALUE]</a:t>
+                    </a:fld>
+                    <a:r>
+                      <a:rPr lang="en-US" sz="3800" dirty="0"/>
+                      <a:t>%</a:t>
+                    </a:r>
+                  </a:p>
+                </c:rich>
+              </c:tx>
+              <c:showLegendKey val="0"/>
+              <c:showVal val="1"/>
+              <c:showCatName val="0"/>
+              <c:showSerName val="0"/>
+              <c:showPercent val="0"/>
+              <c:showBubbleSize val="0"/>
+              <c:extLst>
+                <c:ext xmlns:c15="http://schemas.microsoft.com/office/drawing/2012/chart" uri="{CE6537A1-D6FC-4f65-9D91-7224C49458BB}">
+                  <c15:layout>
+                    <c:manualLayout>
+                      <c:w val="0.49615650219909363"/>
+                      <c:h val="0.26724451260121429"/>
+                    </c:manualLayout>
+                  </c15:layout>
+                  <c15:dlblFieldTable/>
+                  <c15:showDataLabelsRange val="0"/>
+                </c:ext>
+                <c:ext xmlns:c16="http://schemas.microsoft.com/office/drawing/2014/chart" uri="{C3380CC4-5D6E-409C-BE32-E72D297353CC}">
+                  <c16:uniqueId val="{00000001-23B3-6541-81EE-62C57C226C2E}"/>
+                </c:ext>
+              </c:extLst>
+            </c:dLbl>
+            <c:dLbl>
+              <c:idx val="1"/>
+              <c:delete val="1"/>
+              <c:extLst>
+                <c:ext xmlns:c15="http://schemas.microsoft.com/office/drawing/2012/chart" uri="{CE6537A1-D6FC-4f65-9D91-7224C49458BB}"/>
+                <c:ext xmlns:c16="http://schemas.microsoft.com/office/drawing/2014/chart" uri="{C3380CC4-5D6E-409C-BE32-E72D297353CC}">
+                  <c16:uniqueId val="{00000003-23B3-6541-81EE-62C57C226C2E}"/>
+                </c:ext>
+              </c:extLst>
+            </c:dLbl>
+            <c:spPr>
+              <a:noFill/>
+              <a:ln>
+                <a:noFill/>
+              </a:ln>
+              <a:effectLst/>
+            </c:spPr>
+            <c:txPr>
+              <a:bodyPr rot="0" spcFirstLastPara="1" vertOverflow="ellipsis" vert="horz" wrap="square" lIns="38100" tIns="19050" rIns="38100" bIns="19050" anchor="ctr" anchorCtr="1">
+                <a:spAutoFit/>
+              </a:bodyPr>
+              <a:lstStyle/>
+              <a:p>
+                <a:pPr>
+                  <a:defRPr sz="900" b="0" i="0" u="none" strike="noStrike" kern="1200" baseline="0">
+                    <a:solidFill>
+                      <a:schemeClr val="tx1">
+                        <a:lumMod val="75000"/>
+                        <a:lumOff val="25000"/>
+                      </a:schemeClr>
+                    </a:solidFill>
+                    <a:latin typeface="+mn-lt"/>
+                    <a:ea typeface="+mn-ea"/>
+                    <a:cs typeface="+mn-cs"/>
+                  </a:defRPr>
+                </a:pPr>
+                <a:endParaRPr lang="en-US"/>
+              </a:p>
+            </c:txPr>
+            <c:showLegendKey val="0"/>
+            <c:showVal val="1"/>
+            <c:showCatName val="0"/>
+            <c:showSerName val="0"/>
+            <c:showPercent val="0"/>
+            <c:showBubbleSize val="0"/>
+            <c:showLeaderLines val="0"/>
+            <c:extLst>
+              <c:ext xmlns:c15="http://schemas.microsoft.com/office/drawing/2012/chart" uri="{CE6537A1-D6FC-4f65-9D91-7224C49458BB}"/>
+            </c:extLst>
+          </c:dLbls>
+          <c:cat>
+            <c:strRef>
+              <c:f>'Table 1'!$A$21:$A$22</c:f>
+              <c:strCache>
+                <c:ptCount val="1"/>
+                <c:pt idx="0">
+                  <c:v>In-person</c:v>
+                </c:pt>
+              </c:strCache>
+            </c:strRef>
+          </c:cat>
+          <c:val>
+            <c:numRef>
+              <c:f>'Table 1'!$B$21:$B$22</c:f>
+              <c:numCache>
+                <c:formatCode>General</c:formatCode>
+                <c:ptCount val="2"/>
+                <c:pt idx="0">
+                  <c:v>65</c:v>
+                </c:pt>
+                <c:pt idx="1">
+                  <c:v>35</c:v>
+                </c:pt>
+              </c:numCache>
+            </c:numRef>
+          </c:val>
+          <c:extLst>
+            <c:ext xmlns:c16="http://schemas.microsoft.com/office/drawing/2014/chart" uri="{C3380CC4-5D6E-409C-BE32-E72D297353CC}">
+              <c16:uniqueId val="{00000004-23B3-6541-81EE-62C57C226C2E}"/>
+            </c:ext>
+          </c:extLst>
+        </c:ser>
+        <c:dLbls>
+          <c:showLegendKey val="0"/>
+          <c:showVal val="1"/>
+          <c:showCatName val="0"/>
+          <c:showSerName val="0"/>
+          <c:showPercent val="0"/>
+          <c:showBubbleSize val="0"/>
+          <c:showLeaderLines val="0"/>
+        </c:dLbls>
+        <c:firstSliceAng val="0"/>
+        <c:holeSize val="75"/>
+      </c:doughnutChart>
+      <c:spPr>
+        <a:noFill/>
+        <a:ln>
+          <a:noFill/>
+        </a:ln>
+        <a:effectLst/>
+      </c:spPr>
+    </c:plotArea>
+    <c:plotVisOnly val="1"/>
+    <c:dispBlanksAs val="gap"/>
+    <c:extLst>
+      <c:ext xmlns:c16r3="http://schemas.microsoft.com/office/drawing/2017/03/chart" uri="{56B9EC1D-385E-4148-901F-78D8002777C0}">
+        <c16r3:dataDisplayOptions16>
+          <c16r3:dispNaAsBlank val="1"/>
+        </c16r3:dataDisplayOptions16>
+      </c:ext>
+    </c:extLst>
+    <c:showDLblsOverMax val="0"/>
+  </c:chart>
+  <c:spPr>
+    <a:noFill/>
+    <a:ln>
+      <a:noFill/>
+    </a:ln>
+    <a:effectLst/>
+  </c:spPr>
+  <c:txPr>
+    <a:bodyPr/>
+    <a:lstStyle/>
+    <a:p>
+      <a:pPr>
+        <a:defRPr/>
+      </a:pPr>
+      <a:endParaRPr lang="en-US"/>
+    </a:p>
+  </c:txPr>
+  <c:externalData r:id="rId3">
+    <c:autoUpdate val="0"/>
+  </c:externalData>
+  <c:userShapes r:id="rId4"/>
+</c:chartSpace>
+</file>
+
+<file path=ppt/charts/chart2.xml><?xml version="1.0" encoding="utf-8"?>
+<c:chartSpace xmlns:c="http://schemas.openxmlformats.org/drawingml/2006/chart" xmlns:a="http://schemas.openxmlformats.org/drawingml/2006/main" xmlns:r="http://schemas.openxmlformats.org/officeDocument/2006/relationships" xmlns:c16r2="http://schemas.microsoft.com/office/drawing/2015/06/chart">
+  <c:date1904 val="0"/>
+  <c:lang val="en-US"/>
+  <c:roundedCorners val="0"/>
+  <mc:AlternateContent xmlns:mc="http://schemas.openxmlformats.org/markup-compatibility/2006">
+    <mc:Choice xmlns:c14="http://schemas.microsoft.com/office/drawing/2007/8/2/chart" Requires="c14">
+      <c14:style val="102"/>
+    </mc:Choice>
+    <mc:Fallback>
+      <c:style val="2"/>
+    </mc:Fallback>
+  </mc:AlternateContent>
+  <c:chart>
+    <c:autoTitleDeleted val="1"/>
+    <c:plotArea>
+      <c:layout>
+        <c:manualLayout>
+          <c:layoutTarget val="inner"/>
+          <c:xMode val="edge"/>
+          <c:yMode val="edge"/>
+          <c:x val="0.29856262571754449"/>
+          <c:y val="0.26519796308029775"/>
+          <c:w val="0.33358780550299516"/>
+          <c:h val="0.47568693401565099"/>
+        </c:manualLayout>
+      </c:layout>
+      <c:doughnutChart>
+        <c:varyColors val="1"/>
+        <c:ser>
+          <c:idx val="0"/>
+          <c:order val="0"/>
+          <c:spPr>
+            <a:solidFill>
+              <a:srgbClr val="7030A0"/>
+            </a:solidFill>
+            <a:ln>
+              <a:noFill/>
+            </a:ln>
+          </c:spPr>
+          <c:dPt>
+            <c:idx val="0"/>
+            <c:bubble3D val="0"/>
+            <c:spPr>
+              <a:solidFill>
+                <a:srgbClr val="7030A0"/>
+              </a:solidFill>
+              <a:ln w="19050">
+                <a:noFill/>
+              </a:ln>
+              <a:effectLst/>
+            </c:spPr>
+            <c:extLst>
+              <c:ext xmlns:c16="http://schemas.microsoft.com/office/drawing/2014/chart" uri="{C3380CC4-5D6E-409C-BE32-E72D297353CC}">
+                <c16:uniqueId val="{00000001-4D87-B242-838B-B26094A88AC0}"/>
+              </c:ext>
+            </c:extLst>
+          </c:dPt>
+          <c:dPt>
+            <c:idx val="1"/>
+            <c:bubble3D val="0"/>
+            <c:spPr>
+              <a:solidFill>
+                <a:schemeClr val="bg1"/>
+              </a:solidFill>
+              <a:ln w="3175">
+                <a:solidFill>
+                  <a:schemeClr val="bg2">
+                    <a:lumMod val="90000"/>
+                  </a:schemeClr>
+                </a:solidFill>
+              </a:ln>
+              <a:effectLst/>
+            </c:spPr>
+            <c:extLst>
+              <c:ext xmlns:c16="http://schemas.microsoft.com/office/drawing/2014/chart" uri="{C3380CC4-5D6E-409C-BE32-E72D297353CC}">
+                <c16:uniqueId val="{00000003-4D87-B242-838B-B26094A88AC0}"/>
+              </c:ext>
+            </c:extLst>
+          </c:dPt>
+          <c:dLbls>
+            <c:dLbl>
+              <c:idx val="0"/>
+              <c:layout>
+                <c:manualLayout>
+                  <c:x val="-0.11673970356563296"/>
+                  <c:y val="-0.12832206674004551"/>
+                </c:manualLayout>
+              </c:layout>
+              <c:tx>
+                <c:rich>
+                  <a:bodyPr rot="0" spcFirstLastPara="1" vertOverflow="ellipsis" vert="horz" wrap="square" lIns="38100" tIns="19050" rIns="38100" bIns="19050" anchor="ctr" anchorCtr="1">
+                    <a:spAutoFit/>
+                  </a:bodyPr>
+                  <a:lstStyle/>
+                  <a:p>
+                    <a:pPr>
+                      <a:defRPr sz="3800" b="0" i="0" u="none" strike="noStrike" kern="1200" baseline="0">
+                        <a:solidFill>
+                          <a:schemeClr val="tx1">
+                            <a:lumMod val="75000"/>
+                            <a:lumOff val="25000"/>
+                          </a:schemeClr>
+                        </a:solidFill>
+                        <a:latin typeface="+mn-lt"/>
+                        <a:ea typeface="+mn-ea"/>
+                        <a:cs typeface="+mn-cs"/>
+                      </a:defRPr>
+                    </a:pPr>
+                    <a:fld id="{A2CD8F94-93D2-4135-A2E5-DC703157CFC2}" type="VALUE">
+                      <a:rPr lang="en-US" sz="3800">
+                        <a:latin typeface="Arial" panose="020B0604020202020204" pitchFamily="34" charset="0"/>
+                        <a:cs typeface="Arial" panose="020B0604020202020204" pitchFamily="34" charset="0"/>
+                      </a:rPr>
+                      <a:pPr>
+                        <a:defRPr sz="3800"/>
+                      </a:pPr>
+                      <a:t>[VALUE]</a:t>
+                    </a:fld>
+                    <a:r>
+                      <a:rPr lang="en-US" sz="3800">
+                        <a:latin typeface="Arial" panose="020B0604020202020204" pitchFamily="34" charset="0"/>
+                        <a:cs typeface="Arial" panose="020B0604020202020204" pitchFamily="34" charset="0"/>
+                      </a:rPr>
+                      <a:t>%</a:t>
+                    </a:r>
+                  </a:p>
+                </c:rich>
+              </c:tx>
+              <c:spPr>
+                <a:noFill/>
+                <a:ln>
+                  <a:noFill/>
+                </a:ln>
+                <a:effectLst/>
+              </c:spPr>
+              <c:txPr>
+                <a:bodyPr rot="0" spcFirstLastPara="1" vertOverflow="ellipsis" vert="horz" wrap="square" lIns="38100" tIns="19050" rIns="38100" bIns="19050" anchor="ctr" anchorCtr="1">
+                  <a:spAutoFit/>
+                </a:bodyPr>
+                <a:lstStyle/>
+                <a:p>
+                  <a:pPr>
+                    <a:defRPr sz="3800" b="0" i="0" u="none" strike="noStrike" kern="1200" baseline="0">
+                      <a:solidFill>
+                        <a:schemeClr val="tx1">
+                          <a:lumMod val="75000"/>
+                          <a:lumOff val="25000"/>
+                        </a:schemeClr>
+                      </a:solidFill>
+                      <a:latin typeface="+mn-lt"/>
+                      <a:ea typeface="+mn-ea"/>
+                      <a:cs typeface="+mn-cs"/>
+                    </a:defRPr>
+                  </a:pPr>
+                  <a:endParaRPr lang="en-US"/>
+                </a:p>
+              </c:txPr>
+              <c:showLegendKey val="0"/>
+              <c:showVal val="1"/>
+              <c:showCatName val="0"/>
+              <c:showSerName val="0"/>
+              <c:showPercent val="0"/>
+              <c:showBubbleSize val="0"/>
+              <c:extLst>
+                <c:ext xmlns:c15="http://schemas.microsoft.com/office/drawing/2012/chart" uri="{CE6537A1-D6FC-4f65-9D91-7224C49458BB}">
+                  <c15:layout>
+                    <c:manualLayout>
+                      <c:w val="0.5321555228556577"/>
+                      <c:h val="0.3042948368998305"/>
+                    </c:manualLayout>
+                  </c15:layout>
+                  <c15:dlblFieldTable/>
+                  <c15:showDataLabelsRange val="0"/>
+                </c:ext>
+                <c:ext xmlns:c16="http://schemas.microsoft.com/office/drawing/2014/chart" uri="{C3380CC4-5D6E-409C-BE32-E72D297353CC}">
+                  <c16:uniqueId val="{00000001-4D87-B242-838B-B26094A88AC0}"/>
+                </c:ext>
+              </c:extLst>
+            </c:dLbl>
+            <c:dLbl>
+              <c:idx val="1"/>
+              <c:delete val="1"/>
+              <c:extLst>
+                <c:ext xmlns:c15="http://schemas.microsoft.com/office/drawing/2012/chart" uri="{CE6537A1-D6FC-4f65-9D91-7224C49458BB}"/>
+                <c:ext xmlns:c16="http://schemas.microsoft.com/office/drawing/2014/chart" uri="{C3380CC4-5D6E-409C-BE32-E72D297353CC}">
+                  <c16:uniqueId val="{00000003-4D87-B242-838B-B26094A88AC0}"/>
+                </c:ext>
+              </c:extLst>
+            </c:dLbl>
+            <c:spPr>
+              <a:noFill/>
+              <a:ln>
+                <a:noFill/>
+              </a:ln>
+              <a:effectLst/>
+            </c:spPr>
+            <c:txPr>
+              <a:bodyPr rot="0" spcFirstLastPara="1" vertOverflow="ellipsis" vert="horz" wrap="square" lIns="38100" tIns="19050" rIns="38100" bIns="19050" anchor="ctr" anchorCtr="1">
+                <a:spAutoFit/>
+              </a:bodyPr>
+              <a:lstStyle/>
+              <a:p>
+                <a:pPr>
+                  <a:defRPr sz="900" b="0" i="0" u="none" strike="noStrike" kern="1200" baseline="0">
+                    <a:solidFill>
+                      <a:schemeClr val="tx1">
+                        <a:lumMod val="75000"/>
+                        <a:lumOff val="25000"/>
+                      </a:schemeClr>
+                    </a:solidFill>
+                    <a:latin typeface="+mn-lt"/>
+                    <a:ea typeface="+mn-ea"/>
+                    <a:cs typeface="+mn-cs"/>
+                  </a:defRPr>
+                </a:pPr>
+                <a:endParaRPr lang="en-US"/>
+              </a:p>
+            </c:txPr>
+            <c:showLegendKey val="0"/>
+            <c:showVal val="1"/>
+            <c:showCatName val="0"/>
+            <c:showSerName val="0"/>
+            <c:showPercent val="0"/>
+            <c:showBubbleSize val="0"/>
+            <c:showLeaderLines val="0"/>
+            <c:extLst>
+              <c:ext xmlns:c15="http://schemas.microsoft.com/office/drawing/2012/chart" uri="{CE6537A1-D6FC-4f65-9D91-7224C49458BB}"/>
+            </c:extLst>
+          </c:dLbls>
+          <c:cat>
+            <c:strRef>
+              <c:f>'Table 1'!$A$24:$A$25</c:f>
+              <c:strCache>
+                <c:ptCount val="1"/>
+                <c:pt idx="0">
+                  <c:v>Phone</c:v>
+                </c:pt>
+              </c:strCache>
+            </c:strRef>
+          </c:cat>
+          <c:val>
+            <c:numRef>
+              <c:f>'Table 1'!$B$24:$B$25</c:f>
+              <c:numCache>
+                <c:formatCode>General</c:formatCode>
+                <c:ptCount val="2"/>
+                <c:pt idx="0">
+                  <c:v>73</c:v>
+                </c:pt>
+                <c:pt idx="1">
+                  <c:v>27</c:v>
+                </c:pt>
+              </c:numCache>
+            </c:numRef>
+          </c:val>
+          <c:extLst>
+            <c:ext xmlns:c16="http://schemas.microsoft.com/office/drawing/2014/chart" uri="{C3380CC4-5D6E-409C-BE32-E72D297353CC}">
+              <c16:uniqueId val="{00000004-4D87-B242-838B-B26094A88AC0}"/>
+            </c:ext>
+          </c:extLst>
+        </c:ser>
+        <c:dLbls>
+          <c:showLegendKey val="0"/>
+          <c:showVal val="1"/>
+          <c:showCatName val="0"/>
+          <c:showSerName val="0"/>
+          <c:showPercent val="0"/>
+          <c:showBubbleSize val="0"/>
+          <c:showLeaderLines val="0"/>
+        </c:dLbls>
+        <c:firstSliceAng val="0"/>
+        <c:holeSize val="75"/>
+      </c:doughnutChart>
+      <c:spPr>
+        <a:noFill/>
+        <a:ln>
+          <a:noFill/>
+        </a:ln>
+        <a:effectLst/>
+      </c:spPr>
+    </c:plotArea>
+    <c:plotVisOnly val="1"/>
+    <c:dispBlanksAs val="gap"/>
+    <c:extLst>
+      <c:ext xmlns:c16r3="http://schemas.microsoft.com/office/drawing/2017/03/chart" uri="{56B9EC1D-385E-4148-901F-78D8002777C0}">
+        <c16r3:dataDisplayOptions16>
+          <c16r3:dispNaAsBlank val="1"/>
+        </c16r3:dataDisplayOptions16>
+      </c:ext>
+    </c:extLst>
+    <c:showDLblsOverMax val="0"/>
+  </c:chart>
+  <c:spPr>
+    <a:noFill/>
+    <a:ln>
+      <a:noFill/>
+    </a:ln>
+    <a:effectLst/>
+  </c:spPr>
+  <c:txPr>
+    <a:bodyPr/>
+    <a:lstStyle/>
+    <a:p>
+      <a:pPr>
+        <a:defRPr/>
+      </a:pPr>
+      <a:endParaRPr lang="en-US"/>
+    </a:p>
+  </c:txPr>
+  <c:externalData r:id="rId3">
+    <c:autoUpdate val="0"/>
+  </c:externalData>
+  <c:userShapes r:id="rId4"/>
+</c:chartSpace>
+</file>
+
+<file path=ppt/charts/chart3.xml><?xml version="1.0" encoding="utf-8"?>
+<c:chartSpace xmlns:c="http://schemas.openxmlformats.org/drawingml/2006/chart" xmlns:a="http://schemas.openxmlformats.org/drawingml/2006/main" xmlns:r="http://schemas.openxmlformats.org/officeDocument/2006/relationships" xmlns:c16r2="http://schemas.microsoft.com/office/drawing/2015/06/chart">
+  <c:date1904 val="0"/>
+  <c:lang val="en-US"/>
+  <c:roundedCorners val="0"/>
+  <mc:AlternateContent xmlns:mc="http://schemas.openxmlformats.org/markup-compatibility/2006">
+    <mc:Choice xmlns:c14="http://schemas.microsoft.com/office/drawing/2007/8/2/chart" Requires="c14">
+      <c14:style val="102"/>
+    </mc:Choice>
+    <mc:Fallback>
+      <c:style val="2"/>
+    </mc:Fallback>
+  </mc:AlternateContent>
+  <c:chart>
+    <c:autoTitleDeleted val="1"/>
+    <c:plotArea>
+      <c:layout>
+        <c:manualLayout>
+          <c:layoutTarget val="inner"/>
+          <c:xMode val="edge"/>
+          <c:yMode val="edge"/>
+          <c:x val="0.2985627734033246"/>
+          <c:y val="0.17171296296296298"/>
+          <c:w val="0.40287467191601051"/>
+          <c:h val="0.6714577865266842"/>
+        </c:manualLayout>
+      </c:layout>
+      <c:doughnutChart>
+        <c:varyColors val="1"/>
+        <c:ser>
+          <c:idx val="0"/>
+          <c:order val="0"/>
+          <c:spPr>
+            <a:ln w="3175"/>
+          </c:spPr>
+          <c:dPt>
+            <c:idx val="0"/>
+            <c:bubble3D val="0"/>
+            <c:spPr>
+              <a:solidFill>
+                <a:schemeClr val="accent6"/>
+              </a:solidFill>
+              <a:ln w="3175">
+                <a:solidFill>
+                  <a:schemeClr val="tx1"/>
+                </a:solidFill>
+              </a:ln>
+              <a:effectLst/>
+            </c:spPr>
+            <c:extLst>
+              <c:ext xmlns:c16="http://schemas.microsoft.com/office/drawing/2014/chart" uri="{C3380CC4-5D6E-409C-BE32-E72D297353CC}">
+                <c16:uniqueId val="{00000001-8FEE-7141-9C99-24FF062D5F4F}"/>
+              </c:ext>
+            </c:extLst>
+          </c:dPt>
+          <c:dPt>
+            <c:idx val="1"/>
+            <c:bubble3D val="0"/>
+            <c:spPr>
+              <a:solidFill>
+                <a:schemeClr val="bg1"/>
+              </a:solidFill>
+              <a:ln w="3175">
+                <a:solidFill>
+                  <a:schemeClr val="tx1"/>
+                </a:solidFill>
+              </a:ln>
+              <a:effectLst/>
+            </c:spPr>
+            <c:extLst>
+              <c:ext xmlns:c16="http://schemas.microsoft.com/office/drawing/2014/chart" uri="{C3380CC4-5D6E-409C-BE32-E72D297353CC}">
+                <c16:uniqueId val="{00000003-8FEE-7141-9C99-24FF062D5F4F}"/>
+              </c:ext>
+            </c:extLst>
+          </c:dPt>
+          <c:dLbls>
+            <c:dLbl>
+              <c:idx val="0"/>
+              <c:layout>
+                <c:manualLayout>
+                  <c:x val="-9.4075520131668408E-2"/>
+                  <c:y val="0.15973247267846871"/>
+                </c:manualLayout>
+              </c:layout>
+              <c:tx>
+                <c:rich>
+                  <a:bodyPr rot="0" spcFirstLastPara="1" vertOverflow="ellipsis" vert="horz" wrap="square" lIns="38100" tIns="19050" rIns="38100" bIns="19050" anchor="ctr" anchorCtr="1">
+                    <a:spAutoFit/>
+                  </a:bodyPr>
+                  <a:lstStyle/>
+                  <a:p>
+                    <a:pPr>
+                      <a:defRPr sz="3800" b="0" i="0" u="none" strike="noStrike" kern="1200" baseline="0">
+                        <a:solidFill>
+                          <a:schemeClr val="tx1">
+                            <a:lumMod val="75000"/>
+                            <a:lumOff val="25000"/>
+                          </a:schemeClr>
+                        </a:solidFill>
+                        <a:latin typeface="+mn-lt"/>
+                        <a:ea typeface="+mn-ea"/>
+                        <a:cs typeface="+mn-cs"/>
+                      </a:defRPr>
+                    </a:pPr>
+                    <a:fld id="{AFB82427-2290-4306-99E5-FB27EE5B815B}" type="VALUE">
+                      <a:rPr lang="en-US" sz="3800">
+                        <a:latin typeface="Arial" panose="020B0604020202020204" pitchFamily="34" charset="0"/>
+                        <a:cs typeface="Arial" panose="020B0604020202020204" pitchFamily="34" charset="0"/>
+                      </a:rPr>
+                      <a:pPr>
+                        <a:defRPr sz="3800"/>
+                      </a:pPr>
+                      <a:t>[VALUE]</a:t>
+                    </a:fld>
+                    <a:r>
+                      <a:rPr lang="en-US" sz="3800">
+                        <a:latin typeface="Arial" panose="020B0604020202020204" pitchFamily="34" charset="0"/>
+                        <a:cs typeface="Arial" panose="020B0604020202020204" pitchFamily="34" charset="0"/>
+                      </a:rPr>
+                      <a:t>%</a:t>
+                    </a:r>
+                  </a:p>
+                </c:rich>
+              </c:tx>
+              <c:spPr>
+                <a:noFill/>
+                <a:ln>
+                  <a:noFill/>
+                </a:ln>
+                <a:effectLst/>
+              </c:spPr>
+              <c:txPr>
+                <a:bodyPr rot="0" spcFirstLastPara="1" vertOverflow="ellipsis" vert="horz" wrap="square" lIns="38100" tIns="19050" rIns="38100" bIns="19050" anchor="ctr" anchorCtr="1">
+                  <a:spAutoFit/>
+                </a:bodyPr>
+                <a:lstStyle/>
+                <a:p>
+                  <a:pPr>
+                    <a:defRPr sz="3800" b="0" i="0" u="none" strike="noStrike" kern="1200" baseline="0">
+                      <a:solidFill>
+                        <a:schemeClr val="tx1">
+                          <a:lumMod val="75000"/>
+                          <a:lumOff val="25000"/>
+                        </a:schemeClr>
+                      </a:solidFill>
+                      <a:latin typeface="+mn-lt"/>
+                      <a:ea typeface="+mn-ea"/>
+                      <a:cs typeface="+mn-cs"/>
+                    </a:defRPr>
+                  </a:pPr>
+                  <a:endParaRPr lang="en-US"/>
+                </a:p>
+              </c:txPr>
+              <c:showLegendKey val="0"/>
+              <c:showVal val="1"/>
+              <c:showCatName val="0"/>
+              <c:showSerName val="0"/>
+              <c:showPercent val="0"/>
+              <c:showBubbleSize val="0"/>
+              <c:extLst>
+                <c:ext xmlns:c15="http://schemas.microsoft.com/office/drawing/2012/chart" uri="{CE6537A1-D6FC-4f65-9D91-7224C49458BB}">
+                  <c15:layout>
+                    <c:manualLayout>
+                      <c:w val="0.37852777777777774"/>
+                      <c:h val="0.21620370370370365"/>
+                    </c:manualLayout>
+                  </c15:layout>
+                  <c15:dlblFieldTable/>
+                  <c15:showDataLabelsRange val="0"/>
+                </c:ext>
+                <c:ext xmlns:c16="http://schemas.microsoft.com/office/drawing/2014/chart" uri="{C3380CC4-5D6E-409C-BE32-E72D297353CC}">
+                  <c16:uniqueId val="{00000001-8FEE-7141-9C99-24FF062D5F4F}"/>
+                </c:ext>
+              </c:extLst>
+            </c:dLbl>
+            <c:dLbl>
+              <c:idx val="1"/>
+              <c:delete val="1"/>
+              <c:extLst>
+                <c:ext xmlns:c15="http://schemas.microsoft.com/office/drawing/2012/chart" uri="{CE6537A1-D6FC-4f65-9D91-7224C49458BB}"/>
+                <c:ext xmlns:c16="http://schemas.microsoft.com/office/drawing/2014/chart" uri="{C3380CC4-5D6E-409C-BE32-E72D297353CC}">
+                  <c16:uniqueId val="{00000003-8FEE-7141-9C99-24FF062D5F4F}"/>
+                </c:ext>
+              </c:extLst>
+            </c:dLbl>
+            <c:spPr>
+              <a:noFill/>
+              <a:ln>
+                <a:noFill/>
+              </a:ln>
+              <a:effectLst/>
+            </c:spPr>
+            <c:txPr>
+              <a:bodyPr rot="0" spcFirstLastPara="1" vertOverflow="ellipsis" vert="horz" wrap="square" lIns="38100" tIns="19050" rIns="38100" bIns="19050" anchor="ctr" anchorCtr="1">
+                <a:spAutoFit/>
+              </a:bodyPr>
+              <a:lstStyle/>
+              <a:p>
+                <a:pPr>
+                  <a:defRPr sz="900" b="0" i="0" u="none" strike="noStrike" kern="1200" baseline="0">
+                    <a:solidFill>
+                      <a:schemeClr val="tx1">
+                        <a:lumMod val="75000"/>
+                        <a:lumOff val="25000"/>
+                      </a:schemeClr>
+                    </a:solidFill>
+                    <a:latin typeface="+mn-lt"/>
+                    <a:ea typeface="+mn-ea"/>
+                    <a:cs typeface="+mn-cs"/>
+                  </a:defRPr>
+                </a:pPr>
+                <a:endParaRPr lang="en-US"/>
+              </a:p>
+            </c:txPr>
+            <c:showLegendKey val="0"/>
+            <c:showVal val="1"/>
+            <c:showCatName val="0"/>
+            <c:showSerName val="0"/>
+            <c:showPercent val="0"/>
+            <c:showBubbleSize val="0"/>
+            <c:showLeaderLines val="0"/>
+            <c:extLst>
+              <c:ext xmlns:c15="http://schemas.microsoft.com/office/drawing/2012/chart" uri="{CE6537A1-D6FC-4f65-9D91-7224C49458BB}"/>
+            </c:extLst>
+          </c:dLbls>
+          <c:cat>
+            <c:strRef>
+              <c:f>'Table 1'!$A$18:$A$19</c:f>
+              <c:strCache>
+                <c:ptCount val="2"/>
+                <c:pt idx="0">
+                  <c:v>Telemedicine</c:v>
+                </c:pt>
+                <c:pt idx="1">
+                  <c:v>Other</c:v>
+                </c:pt>
+              </c:strCache>
+            </c:strRef>
+          </c:cat>
+          <c:val>
+            <c:numRef>
+              <c:f>'Table 1'!$B$18:$B$19</c:f>
+              <c:numCache>
+                <c:formatCode>General</c:formatCode>
+                <c:ptCount val="2"/>
+                <c:pt idx="0">
+                  <c:v>21</c:v>
+                </c:pt>
+                <c:pt idx="1">
+                  <c:v>79</c:v>
+                </c:pt>
+              </c:numCache>
+            </c:numRef>
+          </c:val>
+          <c:extLst>
+            <c:ext xmlns:c16="http://schemas.microsoft.com/office/drawing/2014/chart" uri="{C3380CC4-5D6E-409C-BE32-E72D297353CC}">
+              <c16:uniqueId val="{00000004-8FEE-7141-9C99-24FF062D5F4F}"/>
+            </c:ext>
+          </c:extLst>
+        </c:ser>
+        <c:dLbls>
+          <c:showLegendKey val="0"/>
+          <c:showVal val="1"/>
+          <c:showCatName val="0"/>
+          <c:showSerName val="0"/>
+          <c:showPercent val="0"/>
+          <c:showBubbleSize val="0"/>
+          <c:showLeaderLines val="0"/>
+        </c:dLbls>
+        <c:firstSliceAng val="0"/>
+        <c:holeSize val="75"/>
+      </c:doughnutChart>
+      <c:spPr>
+        <a:noFill/>
+        <a:ln>
+          <a:noFill/>
+        </a:ln>
+        <a:effectLst/>
+      </c:spPr>
+    </c:plotArea>
+    <c:plotVisOnly val="1"/>
+    <c:dispBlanksAs val="gap"/>
+    <c:extLst>
+      <c:ext xmlns:c16r3="http://schemas.microsoft.com/office/drawing/2017/03/chart" uri="{56B9EC1D-385E-4148-901F-78D8002777C0}">
+        <c16r3:dataDisplayOptions16>
+          <c16r3:dispNaAsBlank val="1"/>
+        </c16r3:dataDisplayOptions16>
+      </c:ext>
+    </c:extLst>
+    <c:showDLblsOverMax val="0"/>
+  </c:chart>
+  <c:spPr>
+    <a:noFill/>
+    <a:ln>
+      <a:noFill/>
+    </a:ln>
+    <a:effectLst/>
+  </c:spPr>
+  <c:txPr>
+    <a:bodyPr/>
+    <a:lstStyle/>
+    <a:p>
+      <a:pPr>
+        <a:defRPr/>
+      </a:pPr>
+      <a:endParaRPr lang="en-US"/>
+    </a:p>
+  </c:txPr>
+  <c:externalData r:id="rId3">
+    <c:autoUpdate val="0"/>
+  </c:externalData>
+</c:chartSpace>
+</file>
+
+<file path=ppt/charts/colors1.xml><?xml version="1.0" encoding="utf-8"?>
+<cs:colorStyle xmlns:cs="http://schemas.microsoft.com/office/drawing/2012/chartStyle" xmlns:a="http://schemas.openxmlformats.org/drawingml/2006/main" meth="cycle" id="10">
+  <a:schemeClr val="accent1"/>
+  <a:schemeClr val="accent2"/>
+  <a:schemeClr val="accent3"/>
+  <a:schemeClr val="accent4"/>
+  <a:schemeClr val="accent5"/>
+  <a:schemeClr val="accent6"/>
+  <cs:variation/>
+  <cs:variation>
+    <a:lumMod val="60000"/>
+  </cs:variation>
+  <cs:variation>
+    <a:lumMod val="80000"/>
+    <a:lumOff val="20000"/>
+  </cs:variation>
+  <cs:variation>
+    <a:lumMod val="80000"/>
+  </cs:variation>
+  <cs:variation>
+    <a:lumMod val="60000"/>
+    <a:lumOff val="40000"/>
+  </cs:variation>
+  <cs:variation>
+    <a:lumMod val="50000"/>
+  </cs:variation>
+  <cs:variation>
+    <a:lumMod val="70000"/>
+    <a:lumOff val="30000"/>
+  </cs:variation>
+  <cs:variation>
+    <a:lumMod val="70000"/>
+  </cs:variation>
+  <cs:variation>
+    <a:lumMod val="50000"/>
+    <a:lumOff val="50000"/>
+  </cs:variation>
+</cs:colorStyle>
+</file>
+
+<file path=ppt/charts/colors2.xml><?xml version="1.0" encoding="utf-8"?>
+<cs:colorStyle xmlns:cs="http://schemas.microsoft.com/office/drawing/2012/chartStyle" xmlns:a="http://schemas.openxmlformats.org/drawingml/2006/main" meth="cycle" id="10">
+  <a:schemeClr val="accent1"/>
+  <a:schemeClr val="accent2"/>
+  <a:schemeClr val="accent3"/>
+  <a:schemeClr val="accent4"/>
+  <a:schemeClr val="accent5"/>
+  <a:schemeClr val="accent6"/>
+  <cs:variation/>
+  <cs:variation>
+    <a:lumMod val="60000"/>
+  </cs:variation>
+  <cs:variation>
+    <a:lumMod val="80000"/>
+    <a:lumOff val="20000"/>
+  </cs:variation>
+  <cs:variation>
+    <a:lumMod val="80000"/>
+  </cs:variation>
+  <cs:variation>
+    <a:lumMod val="60000"/>
+    <a:lumOff val="40000"/>
+  </cs:variation>
+  <cs:variation>
+    <a:lumMod val="50000"/>
+  </cs:variation>
+  <cs:variation>
+    <a:lumMod val="70000"/>
+    <a:lumOff val="30000"/>
+  </cs:variation>
+  <cs:variation>
+    <a:lumMod val="70000"/>
+  </cs:variation>
+  <cs:variation>
+    <a:lumMod val="50000"/>
+    <a:lumOff val="50000"/>
+  </cs:variation>
+</cs:colorStyle>
+</file>
+
+<file path=ppt/charts/colors3.xml><?xml version="1.0" encoding="utf-8"?>
+<cs:colorStyle xmlns:cs="http://schemas.microsoft.com/office/drawing/2012/chartStyle" xmlns:a="http://schemas.openxmlformats.org/drawingml/2006/main" meth="cycle" id="10">
+  <a:schemeClr val="accent1"/>
+  <a:schemeClr val="accent2"/>
+  <a:schemeClr val="accent3"/>
+  <a:schemeClr val="accent4"/>
+  <a:schemeClr val="accent5"/>
+  <a:schemeClr val="accent6"/>
+  <cs:variation/>
+  <cs:variation>
+    <a:lumMod val="60000"/>
+  </cs:variation>
+  <cs:variation>
+    <a:lumMod val="80000"/>
+    <a:lumOff val="20000"/>
+  </cs:variation>
+  <cs:variation>
+    <a:lumMod val="80000"/>
+  </cs:variation>
+  <cs:variation>
+    <a:lumMod val="60000"/>
+    <a:lumOff val="40000"/>
+  </cs:variation>
+  <cs:variation>
+    <a:lumMod val="50000"/>
+  </cs:variation>
+  <cs:variation>
+    <a:lumMod val="70000"/>
+    <a:lumOff val="30000"/>
+  </cs:variation>
+  <cs:variation>
+    <a:lumMod val="70000"/>
+  </cs:variation>
+  <cs:variation>
+    <a:lumMod val="50000"/>
+    <a:lumOff val="50000"/>
+  </cs:variation>
+</cs:colorStyle>
+</file>
+
+<file path=ppt/charts/style1.xml><?xml version="1.0" encoding="utf-8"?>
+<cs:chartStyle xmlns:cs="http://schemas.microsoft.com/office/drawing/2012/chartStyle" xmlns:a="http://schemas.openxmlformats.org/drawingml/2006/main" id="251">
+  <cs:axisTitle>
+    <cs:lnRef idx="0"/>
+    <cs:fillRef idx="0"/>
+    <cs:effectRef idx="0"/>
+    <cs:fontRef idx="minor">
+      <a:schemeClr val="tx1">
+        <a:lumMod val="65000"/>
+        <a:lumOff val="35000"/>
+      </a:schemeClr>
+    </cs:fontRef>
+    <cs:defRPr sz="1000" kern="1200"/>
+  </cs:axisTitle>
+  <cs:categoryAxis>
+    <cs:lnRef idx="0"/>
+    <cs:fillRef idx="0"/>
+    <cs:effectRef idx="0"/>
+    <cs:fontRef idx="minor">
+      <a:schemeClr val="tx1">
+        <a:lumMod val="65000"/>
+        <a:lumOff val="35000"/>
+      </a:schemeClr>
+    </cs:fontRef>
+    <cs:spPr>
+      <a:ln w="9525" cap="flat" cmpd="sng" algn="ctr">
+        <a:solidFill>
+          <a:schemeClr val="tx1">
+            <a:lumMod val="15000"/>
+            <a:lumOff val="85000"/>
+          </a:schemeClr>
+        </a:solidFill>
+        <a:round/>
+      </a:ln>
+    </cs:spPr>
+    <cs:defRPr sz="900" kern="1200"/>
+  </cs:categoryAxis>
+  <cs:chartArea mods="allowNoFillOverride allowNoLineOverride">
+    <cs:lnRef idx="0"/>
+    <cs:fillRef idx="0"/>
+    <cs:effectRef idx="0"/>
+    <cs:fontRef idx="minor">
+      <a:schemeClr val="tx1"/>
+    </cs:fontRef>
+    <cs:spPr>
+      <a:solidFill>
+        <a:schemeClr val="bg1"/>
+      </a:solidFill>
+      <a:ln w="9525" cap="flat" cmpd="sng" algn="ctr">
+        <a:solidFill>
+          <a:schemeClr val="tx1">
+            <a:lumMod val="15000"/>
+            <a:lumOff val="85000"/>
+          </a:schemeClr>
+        </a:solidFill>
+        <a:round/>
+      </a:ln>
+    </cs:spPr>
+    <cs:defRPr sz="900" kern="1200"/>
+  </cs:chartArea>
+  <cs:dataLabel>
+    <cs:lnRef idx="0"/>
+    <cs:fillRef idx="0"/>
+    <cs:effectRef idx="0"/>
+    <cs:fontRef idx="minor">
+      <a:schemeClr val="tx1">
+        <a:lumMod val="75000"/>
+        <a:lumOff val="25000"/>
+      </a:schemeClr>
+    </cs:fontRef>
+    <cs:defRPr sz="900" kern="1200"/>
+  </cs:dataLabel>
+  <cs:dataLabelCallout>
+    <cs:lnRef idx="0"/>
+    <cs:fillRef idx="0"/>
+    <cs:effectRef idx="0"/>
+    <cs:fontRef idx="minor">
+      <a:schemeClr val="dk1">
+        <a:lumMod val="65000"/>
+        <a:lumOff val="35000"/>
+      </a:schemeClr>
+    </cs:fontRef>
+    <cs:spPr>
+      <a:solidFill>
+        <a:schemeClr val="lt1"/>
+      </a:solidFill>
+      <a:ln>
+        <a:solidFill>
+          <a:schemeClr val="dk1">
+            <a:lumMod val="25000"/>
+            <a:lumOff val="75000"/>
+          </a:schemeClr>
+        </a:solidFill>
+      </a:ln>
+    </cs:spPr>
+    <cs:defRPr sz="900" kern="1200"/>
+    <cs:bodyPr rot="0" spcFirstLastPara="1" vertOverflow="clip" horzOverflow="clip" vert="horz" wrap="square" lIns="36576" tIns="18288" rIns="36576" bIns="18288" anchor="ctr" anchorCtr="1">
+      <a:spAutoFit/>
+    </cs:bodyPr>
+  </cs:dataLabelCallout>
+  <cs:dataPoint>
+    <cs:lnRef idx="0"/>
+    <cs:fillRef idx="1">
+      <cs:styleClr val="auto"/>
+    </cs:fillRef>
+    <cs:effectRef idx="0"/>
+    <cs:fontRef idx="minor">
+      <a:schemeClr val="tx1"/>
+    </cs:fontRef>
+    <cs:spPr>
+      <a:ln w="19050">
+        <a:solidFill>
+          <a:schemeClr val="lt1"/>
+        </a:solidFill>
+      </a:ln>
+    </cs:spPr>
+  </cs:dataPoint>
+  <cs:dataPoint3D>
+    <cs:lnRef idx="0"/>
+    <cs:fillRef idx="1">
+      <cs:styleClr val="auto"/>
+    </cs:fillRef>
+    <cs:effectRef idx="0"/>
+    <cs:fontRef idx="minor">
+      <a:schemeClr val="tx1"/>
+    </cs:fontRef>
+    <cs:spPr>
+      <a:ln w="25400">
+        <a:solidFill>
+          <a:schemeClr val="lt1"/>
+        </a:solidFill>
+      </a:ln>
+    </cs:spPr>
+  </cs:dataPoint3D>
+  <cs:dataPointLine>
+    <cs:lnRef idx="0">
+      <cs:styleClr val="auto"/>
+    </cs:lnRef>
+    <cs:fillRef idx="0"/>
+    <cs:effectRef idx="0"/>
+    <cs:fontRef idx="minor">
+      <a:schemeClr val="tx1"/>
+    </cs:fontRef>
+    <cs:spPr>
+      <a:ln w="28575" cap="rnd">
+        <a:solidFill>
+          <a:schemeClr val="phClr"/>
+        </a:solidFill>
+        <a:round/>
+      </a:ln>
+    </cs:spPr>
+  </cs:dataPointLine>
+  <cs:dataPointMarker>
+    <cs:lnRef idx="0">
+      <cs:styleClr val="auto"/>
+    </cs:lnRef>
+    <cs:fillRef idx="1">
+      <cs:styleClr val="auto"/>
+    </cs:fillRef>
+    <cs:effectRef idx="0"/>
+    <cs:fontRef idx="minor">
+      <a:schemeClr val="tx1"/>
+    </cs:fontRef>
+    <cs:spPr>
+      <a:ln w="9525">
+        <a:solidFill>
+          <a:schemeClr val="phClr"/>
+        </a:solidFill>
+      </a:ln>
+    </cs:spPr>
+  </cs:dataPointMarker>
+  <cs:dataPointMarkerLayout symbol="circle" size="5"/>
+  <cs:dataPointWireframe>
+    <cs:lnRef idx="0">
+      <cs:styleClr val="auto"/>
+    </cs:lnRef>
+    <cs:fillRef idx="0"/>
+    <cs:effectRef idx="0"/>
+    <cs:fontRef idx="minor">
+      <a:schemeClr val="tx1"/>
+    </cs:fontRef>
+    <cs:spPr>
+      <a:ln w="9525" cap="rnd">
+        <a:solidFill>
+          <a:schemeClr val="phClr"/>
+        </a:solidFill>
+        <a:round/>
+      </a:ln>
+    </cs:spPr>
+  </cs:dataPointWireframe>
+  <cs:dataTable>
+    <cs:lnRef idx="0"/>
+    <cs:fillRef idx="0"/>
+    <cs:effectRef idx="0"/>
+    <cs:fontRef idx="minor">
+      <a:schemeClr val="tx1">
+        <a:lumMod val="65000"/>
+        <a:lumOff val="35000"/>
+      </a:schemeClr>
+    </cs:fontRef>
+    <cs:spPr>
+      <a:noFill/>
+      <a:ln w="9525" cap="flat" cmpd="sng" algn="ctr">
+        <a:solidFill>
+          <a:schemeClr val="tx1">
+            <a:lumMod val="15000"/>
+            <a:lumOff val="85000"/>
+          </a:schemeClr>
+        </a:solidFill>
+        <a:round/>
+      </a:ln>
+    </cs:spPr>
+    <cs:defRPr sz="900" kern="1200"/>
+  </cs:dataTable>
+  <cs:downBar>
+    <cs:lnRef idx="0"/>
+    <cs:fillRef idx="0"/>
+    <cs:effectRef idx="0"/>
+    <cs:fontRef idx="minor">
+      <a:schemeClr val="tx1"/>
+    </cs:fontRef>
+    <cs:spPr>
+      <a:solidFill>
+        <a:schemeClr val="dk1">
+          <a:lumMod val="75000"/>
+          <a:lumOff val="25000"/>
+        </a:schemeClr>
+      </a:solidFill>
+      <a:ln w="9525" cap="flat" cmpd="sng" algn="ctr">
+        <a:solidFill>
+          <a:schemeClr val="tx1">
+            <a:lumMod val="65000"/>
+            <a:lumOff val="35000"/>
+          </a:schemeClr>
+        </a:solidFill>
+        <a:round/>
+      </a:ln>
+    </cs:spPr>
+  </cs:downBar>
+  <cs:dropLine>
+    <cs:lnRef idx="0"/>
+    <cs:fillRef idx="0"/>
+    <cs:effectRef idx="0"/>
+    <cs:fontRef idx="minor">
+      <a:schemeClr val="tx1"/>
+    </cs:fontRef>
+    <cs:spPr>
+      <a:ln w="9525" cap="flat" cmpd="sng" algn="ctr">
+        <a:solidFill>
+          <a:schemeClr val="tx1">
+            <a:lumMod val="35000"/>
+            <a:lumOff val="65000"/>
+          </a:schemeClr>
+        </a:solidFill>
+        <a:round/>
+      </a:ln>
+    </cs:spPr>
+  </cs:dropLine>
+  <cs:errorBar>
+    <cs:lnRef idx="0"/>
+    <cs:fillRef idx="0"/>
+    <cs:effectRef idx="0"/>
+    <cs:fontRef idx="minor">
+      <a:schemeClr val="tx1"/>
+    </cs:fontRef>
+    <cs:spPr>
+      <a:ln w="9525" cap="flat" cmpd="sng" algn="ctr">
+        <a:solidFill>
+          <a:schemeClr val="tx1">
+            <a:lumMod val="65000"/>
+            <a:lumOff val="35000"/>
+          </a:schemeClr>
+        </a:solidFill>
+        <a:round/>
+      </a:ln>
+    </cs:spPr>
+  </cs:errorBar>
+  <cs:floor>
+    <cs:lnRef idx="0"/>
+    <cs:fillRef idx="0"/>
+    <cs:effectRef idx="0"/>
+    <cs:fontRef idx="minor">
+      <a:schemeClr val="tx1"/>
+    </cs:fontRef>
+    <cs:spPr>
+      <a:noFill/>
+      <a:ln>
+        <a:noFill/>
+      </a:ln>
+    </cs:spPr>
+  </cs:floor>
+  <cs:gridlineMajor>
+    <cs:lnRef idx="0"/>
+    <cs:fillRef idx="0"/>
+    <cs:effectRef idx="0"/>
+    <cs:fontRef idx="minor">
+      <a:schemeClr val="tx1"/>
+    </cs:fontRef>
+    <cs:spPr>
+      <a:ln w="9525" cap="flat" cmpd="sng" algn="ctr">
+        <a:solidFill>
+          <a:schemeClr val="tx1">
+            <a:lumMod val="15000"/>
+            <a:lumOff val="85000"/>
+          </a:schemeClr>
+        </a:solidFill>
+        <a:round/>
+      </a:ln>
+    </cs:spPr>
+  </cs:gridlineMajor>
+  <cs:gridlineMinor>
+    <cs:lnRef idx="0"/>
+    <cs:fillRef idx="0"/>
+    <cs:effectRef idx="0"/>
+    <cs:fontRef idx="minor">
+      <a:schemeClr val="tx1"/>
+    </cs:fontRef>
+    <cs:spPr>
+      <a:ln w="9525" cap="flat" cmpd="sng" algn="ctr">
+        <a:solidFill>
+          <a:schemeClr val="tx1">
+            <a:lumMod val="5000"/>
+            <a:lumOff val="95000"/>
+          </a:schemeClr>
+        </a:solidFill>
+        <a:round/>
+      </a:ln>
+    </cs:spPr>
+  </cs:gridlineMinor>
+  <cs:hiLoLine>
+    <cs:lnRef idx="0"/>
+    <cs:fillRef idx="0"/>
+    <cs:effectRef idx="0"/>
+    <cs:fontRef idx="minor">
+      <a:schemeClr val="tx1"/>
+    </cs:fontRef>
+    <cs:spPr>
+      <a:ln w="9525" cap="flat" cmpd="sng" algn="ctr">
+        <a:solidFill>
+          <a:schemeClr val="tx1">
+            <a:lumMod val="50000"/>
+            <a:lumOff val="50000"/>
+          </a:schemeClr>
+        </a:solidFill>
+        <a:round/>
+      </a:ln>
+    </cs:spPr>
+  </cs:hiLoLine>
+  <cs:leaderLine>
+    <cs:lnRef idx="0"/>
+    <cs:fillRef idx="0"/>
+    <cs:effectRef idx="0"/>
+    <cs:fontRef idx="minor">
+      <a:schemeClr val="tx1"/>
+    </cs:fontRef>
+    <cs:spPr>
+      <a:ln w="9525" cap="flat" cmpd="sng" algn="ctr">
+        <a:solidFill>
+          <a:schemeClr val="tx1">
+            <a:lumMod val="35000"/>
+            <a:lumOff val="65000"/>
+          </a:schemeClr>
+        </a:solidFill>
+        <a:round/>
+      </a:ln>
+    </cs:spPr>
+  </cs:leaderLine>
+  <cs:legend>
+    <cs:lnRef idx="0"/>
+    <cs:fillRef idx="0"/>
+    <cs:effectRef idx="0"/>
+    <cs:fontRef idx="minor">
+      <a:schemeClr val="tx1">
+        <a:lumMod val="65000"/>
+        <a:lumOff val="35000"/>
+      </a:schemeClr>
+    </cs:fontRef>
+    <cs:defRPr sz="900" kern="1200"/>
+  </cs:legend>
+  <cs:plotArea mods="allowNoFillOverride allowNoLineOverride">
+    <cs:lnRef idx="0"/>
+    <cs:fillRef idx="0"/>
+    <cs:effectRef idx="0"/>
+    <cs:fontRef idx="minor">
+      <a:schemeClr val="tx1"/>
+    </cs:fontRef>
+  </cs:plotArea>
+  <cs:plotArea3D mods="allowNoFillOverride allowNoLineOverride">
+    <cs:lnRef idx="0"/>
+    <cs:fillRef idx="0"/>
+    <cs:effectRef idx="0"/>
+    <cs:fontRef idx="minor">
+      <a:schemeClr val="tx1"/>
+    </cs:fontRef>
+  </cs:plotArea3D>
+  <cs:seriesAxis>
+    <cs:lnRef idx="0"/>
+    <cs:fillRef idx="0"/>
+    <cs:effectRef idx="0"/>
+    <cs:fontRef idx="minor">
+      <a:schemeClr val="tx1">
+        <a:lumMod val="65000"/>
+        <a:lumOff val="35000"/>
+      </a:schemeClr>
+    </cs:fontRef>
+    <cs:defRPr sz="900" kern="1200"/>
+  </cs:seriesAxis>
+  <cs:seriesLine>
+    <cs:lnRef idx="0"/>
+    <cs:fillRef idx="0"/>
+    <cs:effectRef idx="0"/>
+    <cs:fontRef idx="minor">
+      <a:schemeClr val="tx1"/>
+    </cs:fontRef>
+    <cs:spPr>
+      <a:ln w="9525" cap="flat" cmpd="sng" algn="ctr">
+        <a:solidFill>
+          <a:schemeClr val="tx1">
+            <a:lumMod val="35000"/>
+            <a:lumOff val="65000"/>
+          </a:schemeClr>
+        </a:solidFill>
+        <a:round/>
+      </a:ln>
+    </cs:spPr>
+  </cs:seriesLine>
+  <cs:title>
+    <cs:lnRef idx="0"/>
+    <cs:fillRef idx="0"/>
+    <cs:effectRef idx="0"/>
+    <cs:fontRef idx="minor">
+      <a:schemeClr val="tx1">
+        <a:lumMod val="65000"/>
+        <a:lumOff val="35000"/>
+      </a:schemeClr>
+    </cs:fontRef>
+    <cs:defRPr sz="1400" b="0" kern="1200" spc="0" baseline="0"/>
+  </cs:title>
+  <cs:trendline>
+    <cs:lnRef idx="0">
+      <cs:styleClr val="auto"/>
+    </cs:lnRef>
+    <cs:fillRef idx="0"/>
+    <cs:effectRef idx="0"/>
+    <cs:fontRef idx="minor">
+      <a:schemeClr val="tx1"/>
+    </cs:fontRef>
+    <cs:spPr>
+      <a:ln w="19050" cap="rnd">
+        <a:solidFill>
+          <a:schemeClr val="phClr"/>
+        </a:solidFill>
+        <a:prstDash val="sysDot"/>
+      </a:ln>
+    </cs:spPr>
+  </cs:trendline>
+  <cs:trendlineLabel>
+    <cs:lnRef idx="0"/>
+    <cs:fillRef idx="0"/>
+    <cs:effectRef idx="0"/>
+    <cs:fontRef idx="minor">
+      <a:schemeClr val="tx1">
+        <a:lumMod val="65000"/>
+        <a:lumOff val="35000"/>
+      </a:schemeClr>
+    </cs:fontRef>
+    <cs:defRPr sz="900" kern="1200"/>
+  </cs:trendlineLabel>
+  <cs:upBar>
+    <cs:lnRef idx="0"/>
+    <cs:fillRef idx="0"/>
+    <cs:effectRef idx="0"/>
+    <cs:fontRef idx="minor">
+      <a:schemeClr val="tx1"/>
+    </cs:fontRef>
+    <cs:spPr>
+      <a:solidFill>
+        <a:schemeClr val="lt1"/>
+      </a:solidFill>
+      <a:ln w="9525" cap="flat" cmpd="sng" algn="ctr">
+        <a:solidFill>
+          <a:schemeClr val="tx1">
+            <a:lumMod val="65000"/>
+            <a:lumOff val="35000"/>
+          </a:schemeClr>
+        </a:solidFill>
+        <a:round/>
+      </a:ln>
+    </cs:spPr>
+  </cs:upBar>
+  <cs:valueAxis>
+    <cs:lnRef idx="0"/>
+    <cs:fillRef idx="0"/>
+    <cs:effectRef idx="0"/>
+    <cs:fontRef idx="minor">
+      <a:schemeClr val="tx1">
+        <a:lumMod val="65000"/>
+        <a:lumOff val="35000"/>
+      </a:schemeClr>
+    </cs:fontRef>
+    <cs:defRPr sz="900" kern="1200"/>
+  </cs:valueAxis>
+  <cs:wall>
+    <cs:lnRef idx="0"/>
+    <cs:fillRef idx="0"/>
+    <cs:effectRef idx="0"/>
+    <cs:fontRef idx="minor">
+      <a:schemeClr val="tx1"/>
+    </cs:fontRef>
+    <cs:spPr>
+      <a:noFill/>
+      <a:ln>
+        <a:noFill/>
+      </a:ln>
+    </cs:spPr>
+  </cs:wall>
+</cs:chartStyle>
+</file>
+
+<file path=ppt/charts/style2.xml><?xml version="1.0" encoding="utf-8"?>
+<cs:chartStyle xmlns:cs="http://schemas.microsoft.com/office/drawing/2012/chartStyle" xmlns:a="http://schemas.openxmlformats.org/drawingml/2006/main" id="251">
+  <cs:axisTitle>
+    <cs:lnRef idx="0"/>
+    <cs:fillRef idx="0"/>
+    <cs:effectRef idx="0"/>
+    <cs:fontRef idx="minor">
+      <a:schemeClr val="tx1">
+        <a:lumMod val="65000"/>
+        <a:lumOff val="35000"/>
+      </a:schemeClr>
+    </cs:fontRef>
+    <cs:defRPr sz="1000" kern="1200"/>
+  </cs:axisTitle>
+  <cs:categoryAxis>
+    <cs:lnRef idx="0"/>
+    <cs:fillRef idx="0"/>
+    <cs:effectRef idx="0"/>
+    <cs:fontRef idx="minor">
+      <a:schemeClr val="tx1">
+        <a:lumMod val="65000"/>
+        <a:lumOff val="35000"/>
+      </a:schemeClr>
+    </cs:fontRef>
+    <cs:spPr>
+      <a:ln w="9525" cap="flat" cmpd="sng" algn="ctr">
+        <a:solidFill>
+          <a:schemeClr val="tx1">
+            <a:lumMod val="15000"/>
+            <a:lumOff val="85000"/>
+          </a:schemeClr>
+        </a:solidFill>
+        <a:round/>
+      </a:ln>
+    </cs:spPr>
+    <cs:defRPr sz="900" kern="1200"/>
+  </cs:categoryAxis>
+  <cs:chartArea mods="allowNoFillOverride allowNoLineOverride">
+    <cs:lnRef idx="0"/>
+    <cs:fillRef idx="0"/>
+    <cs:effectRef idx="0"/>
+    <cs:fontRef idx="minor">
+      <a:schemeClr val="tx1"/>
+    </cs:fontRef>
+    <cs:spPr>
+      <a:solidFill>
+        <a:schemeClr val="bg1"/>
+      </a:solidFill>
+      <a:ln w="9525" cap="flat" cmpd="sng" algn="ctr">
+        <a:solidFill>
+          <a:schemeClr val="tx1">
+            <a:lumMod val="15000"/>
+            <a:lumOff val="85000"/>
+          </a:schemeClr>
+        </a:solidFill>
+        <a:round/>
+      </a:ln>
+    </cs:spPr>
+    <cs:defRPr sz="900" kern="1200"/>
+  </cs:chartArea>
+  <cs:dataLabel>
+    <cs:lnRef idx="0"/>
+    <cs:fillRef idx="0"/>
+    <cs:effectRef idx="0"/>
+    <cs:fontRef idx="minor">
+      <a:schemeClr val="tx1">
+        <a:lumMod val="75000"/>
+        <a:lumOff val="25000"/>
+      </a:schemeClr>
+    </cs:fontRef>
+    <cs:defRPr sz="900" kern="1200"/>
+  </cs:dataLabel>
+  <cs:dataLabelCallout>
+    <cs:lnRef idx="0"/>
+    <cs:fillRef idx="0"/>
+    <cs:effectRef idx="0"/>
+    <cs:fontRef idx="minor">
+      <a:schemeClr val="dk1">
+        <a:lumMod val="65000"/>
+        <a:lumOff val="35000"/>
+      </a:schemeClr>
+    </cs:fontRef>
+    <cs:spPr>
+      <a:solidFill>
+        <a:schemeClr val="lt1"/>
+      </a:solidFill>
+      <a:ln>
+        <a:solidFill>
+          <a:schemeClr val="dk1">
+            <a:lumMod val="25000"/>
+            <a:lumOff val="75000"/>
+          </a:schemeClr>
+        </a:solidFill>
+      </a:ln>
+    </cs:spPr>
+    <cs:defRPr sz="900" kern="1200"/>
+    <cs:bodyPr rot="0" spcFirstLastPara="1" vertOverflow="clip" horzOverflow="clip" vert="horz" wrap="square" lIns="36576" tIns="18288" rIns="36576" bIns="18288" anchor="ctr" anchorCtr="1">
+      <a:spAutoFit/>
+    </cs:bodyPr>
+  </cs:dataLabelCallout>
+  <cs:dataPoint>
+    <cs:lnRef idx="0"/>
+    <cs:fillRef idx="1">
+      <cs:styleClr val="auto"/>
+    </cs:fillRef>
+    <cs:effectRef idx="0"/>
+    <cs:fontRef idx="minor">
+      <a:schemeClr val="tx1"/>
+    </cs:fontRef>
+    <cs:spPr>
+      <a:ln w="19050">
+        <a:solidFill>
+          <a:schemeClr val="lt1"/>
+        </a:solidFill>
+      </a:ln>
+    </cs:spPr>
+  </cs:dataPoint>
+  <cs:dataPoint3D>
+    <cs:lnRef idx="0"/>
+    <cs:fillRef idx="1">
+      <cs:styleClr val="auto"/>
+    </cs:fillRef>
+    <cs:effectRef idx="0"/>
+    <cs:fontRef idx="minor">
+      <a:schemeClr val="tx1"/>
+    </cs:fontRef>
+    <cs:spPr>
+      <a:ln w="25400">
+        <a:solidFill>
+          <a:schemeClr val="lt1"/>
+        </a:solidFill>
+      </a:ln>
+    </cs:spPr>
+  </cs:dataPoint3D>
+  <cs:dataPointLine>
+    <cs:lnRef idx="0">
+      <cs:styleClr val="auto"/>
+    </cs:lnRef>
+    <cs:fillRef idx="0"/>
+    <cs:effectRef idx="0"/>
+    <cs:fontRef idx="minor">
+      <a:schemeClr val="tx1"/>
+    </cs:fontRef>
+    <cs:spPr>
+      <a:ln w="28575" cap="rnd">
+        <a:solidFill>
+          <a:schemeClr val="phClr"/>
+        </a:solidFill>
+        <a:round/>
+      </a:ln>
+    </cs:spPr>
+  </cs:dataPointLine>
+  <cs:dataPointMarker>
+    <cs:lnRef idx="0">
+      <cs:styleClr val="auto"/>
+    </cs:lnRef>
+    <cs:fillRef idx="1">
+      <cs:styleClr val="auto"/>
+    </cs:fillRef>
+    <cs:effectRef idx="0"/>
+    <cs:fontRef idx="minor">
+      <a:schemeClr val="tx1"/>
+    </cs:fontRef>
+    <cs:spPr>
+      <a:ln w="9525">
+        <a:solidFill>
+          <a:schemeClr val="phClr"/>
+        </a:solidFill>
+      </a:ln>
+    </cs:spPr>
+  </cs:dataPointMarker>
+  <cs:dataPointMarkerLayout symbol="circle" size="5"/>
+  <cs:dataPointWireframe>
+    <cs:lnRef idx="0">
+      <cs:styleClr val="auto"/>
+    </cs:lnRef>
+    <cs:fillRef idx="0"/>
+    <cs:effectRef idx="0"/>
+    <cs:fontRef idx="minor">
+      <a:schemeClr val="tx1"/>
+    </cs:fontRef>
+    <cs:spPr>
+      <a:ln w="9525" cap="rnd">
+        <a:solidFill>
+          <a:schemeClr val="phClr"/>
+        </a:solidFill>
+        <a:round/>
+      </a:ln>
+    </cs:spPr>
+  </cs:dataPointWireframe>
+  <cs:dataTable>
+    <cs:lnRef idx="0"/>
+    <cs:fillRef idx="0"/>
+    <cs:effectRef idx="0"/>
+    <cs:fontRef idx="minor">
+      <a:schemeClr val="tx1">
+        <a:lumMod val="65000"/>
+        <a:lumOff val="35000"/>
+      </a:schemeClr>
+    </cs:fontRef>
+    <cs:spPr>
+      <a:noFill/>
+      <a:ln w="9525" cap="flat" cmpd="sng" algn="ctr">
+        <a:solidFill>
+          <a:schemeClr val="tx1">
+            <a:lumMod val="15000"/>
+            <a:lumOff val="85000"/>
+          </a:schemeClr>
+        </a:solidFill>
+        <a:round/>
+      </a:ln>
+    </cs:spPr>
+    <cs:defRPr sz="900" kern="1200"/>
+  </cs:dataTable>
+  <cs:downBar>
+    <cs:lnRef idx="0"/>
+    <cs:fillRef idx="0"/>
+    <cs:effectRef idx="0"/>
+    <cs:fontRef idx="minor">
+      <a:schemeClr val="tx1"/>
+    </cs:fontRef>
+    <cs:spPr>
+      <a:solidFill>
+        <a:schemeClr val="dk1">
+          <a:lumMod val="75000"/>
+          <a:lumOff val="25000"/>
+        </a:schemeClr>
+      </a:solidFill>
+      <a:ln w="9525" cap="flat" cmpd="sng" algn="ctr">
+        <a:solidFill>
+          <a:schemeClr val="tx1">
+            <a:lumMod val="65000"/>
+            <a:lumOff val="35000"/>
+          </a:schemeClr>
+        </a:solidFill>
+        <a:round/>
+      </a:ln>
+    </cs:spPr>
+  </cs:downBar>
+  <cs:dropLine>
+    <cs:lnRef idx="0"/>
+    <cs:fillRef idx="0"/>
+    <cs:effectRef idx="0"/>
+    <cs:fontRef idx="minor">
+      <a:schemeClr val="tx1"/>
+    </cs:fontRef>
+    <cs:spPr>
+      <a:ln w="9525" cap="flat" cmpd="sng" algn="ctr">
+        <a:solidFill>
+          <a:schemeClr val="tx1">
+            <a:lumMod val="35000"/>
+            <a:lumOff val="65000"/>
+          </a:schemeClr>
+        </a:solidFill>
+        <a:round/>
+      </a:ln>
+    </cs:spPr>
+  </cs:dropLine>
+  <cs:errorBar>
+    <cs:lnRef idx="0"/>
+    <cs:fillRef idx="0"/>
+    <cs:effectRef idx="0"/>
+    <cs:fontRef idx="minor">
+      <a:schemeClr val="tx1"/>
+    </cs:fontRef>
+    <cs:spPr>
+      <a:ln w="9525" cap="flat" cmpd="sng" algn="ctr">
+        <a:solidFill>
+          <a:schemeClr val="tx1">
+            <a:lumMod val="65000"/>
+            <a:lumOff val="35000"/>
+          </a:schemeClr>
+        </a:solidFill>
+        <a:round/>
+      </a:ln>
+    </cs:spPr>
+  </cs:errorBar>
+  <cs:floor>
+    <cs:lnRef idx="0"/>
+    <cs:fillRef idx="0"/>
+    <cs:effectRef idx="0"/>
+    <cs:fontRef idx="minor">
+      <a:schemeClr val="tx1"/>
+    </cs:fontRef>
+    <cs:spPr>
+      <a:noFill/>
+      <a:ln>
+        <a:noFill/>
+      </a:ln>
+    </cs:spPr>
+  </cs:floor>
+  <cs:gridlineMajor>
+    <cs:lnRef idx="0"/>
+    <cs:fillRef idx="0"/>
+    <cs:effectRef idx="0"/>
+    <cs:fontRef idx="minor">
+      <a:schemeClr val="tx1"/>
+    </cs:fontRef>
+    <cs:spPr>
+      <a:ln w="9525" cap="flat" cmpd="sng" algn="ctr">
+        <a:solidFill>
+          <a:schemeClr val="tx1">
+            <a:lumMod val="15000"/>
+            <a:lumOff val="85000"/>
+          </a:schemeClr>
+        </a:solidFill>
+        <a:round/>
+      </a:ln>
+    </cs:spPr>
+  </cs:gridlineMajor>
+  <cs:gridlineMinor>
+    <cs:lnRef idx="0"/>
+    <cs:fillRef idx="0"/>
+    <cs:effectRef idx="0"/>
+    <cs:fontRef idx="minor">
+      <a:schemeClr val="tx1"/>
+    </cs:fontRef>
+    <cs:spPr>
+      <a:ln w="9525" cap="flat" cmpd="sng" algn="ctr">
+        <a:solidFill>
+          <a:schemeClr val="tx1">
+            <a:lumMod val="5000"/>
+            <a:lumOff val="95000"/>
+          </a:schemeClr>
+        </a:solidFill>
+        <a:round/>
+      </a:ln>
+    </cs:spPr>
+  </cs:gridlineMinor>
+  <cs:hiLoLine>
+    <cs:lnRef idx="0"/>
+    <cs:fillRef idx="0"/>
+    <cs:effectRef idx="0"/>
+    <cs:fontRef idx="minor">
+      <a:schemeClr val="tx1"/>
+    </cs:fontRef>
+    <cs:spPr>
+      <a:ln w="9525" cap="flat" cmpd="sng" algn="ctr">
+        <a:solidFill>
+          <a:schemeClr val="tx1">
+            <a:lumMod val="50000"/>
+            <a:lumOff val="50000"/>
+          </a:schemeClr>
+        </a:solidFill>
+        <a:round/>
+      </a:ln>
+    </cs:spPr>
+  </cs:hiLoLine>
+  <cs:leaderLine>
+    <cs:lnRef idx="0"/>
+    <cs:fillRef idx="0"/>
+    <cs:effectRef idx="0"/>
+    <cs:fontRef idx="minor">
+      <a:schemeClr val="tx1"/>
+    </cs:fontRef>
+    <cs:spPr>
+      <a:ln w="9525" cap="flat" cmpd="sng" algn="ctr">
+        <a:solidFill>
+          <a:schemeClr val="tx1">
+            <a:lumMod val="35000"/>
+            <a:lumOff val="65000"/>
+          </a:schemeClr>
+        </a:solidFill>
+        <a:round/>
+      </a:ln>
+    </cs:spPr>
+  </cs:leaderLine>
+  <cs:legend>
+    <cs:lnRef idx="0"/>
+    <cs:fillRef idx="0"/>
+    <cs:effectRef idx="0"/>
+    <cs:fontRef idx="minor">
+      <a:schemeClr val="tx1">
+        <a:lumMod val="65000"/>
+        <a:lumOff val="35000"/>
+      </a:schemeClr>
+    </cs:fontRef>
+    <cs:defRPr sz="900" kern="1200"/>
+  </cs:legend>
+  <cs:plotArea mods="allowNoFillOverride allowNoLineOverride">
+    <cs:lnRef idx="0"/>
+    <cs:fillRef idx="0"/>
+    <cs:effectRef idx="0"/>
+    <cs:fontRef idx="minor">
+      <a:schemeClr val="tx1"/>
+    </cs:fontRef>
+  </cs:plotArea>
+  <cs:plotArea3D mods="allowNoFillOverride allowNoLineOverride">
+    <cs:lnRef idx="0"/>
+    <cs:fillRef idx="0"/>
+    <cs:effectRef idx="0"/>
+    <cs:fontRef idx="minor">
+      <a:schemeClr val="tx1"/>
+    </cs:fontRef>
+  </cs:plotArea3D>
+  <cs:seriesAxis>
+    <cs:lnRef idx="0"/>
+    <cs:fillRef idx="0"/>
+    <cs:effectRef idx="0"/>
+    <cs:fontRef idx="minor">
+      <a:schemeClr val="tx1">
+        <a:lumMod val="65000"/>
+        <a:lumOff val="35000"/>
+      </a:schemeClr>
+    </cs:fontRef>
+    <cs:defRPr sz="900" kern="1200"/>
+  </cs:seriesAxis>
+  <cs:seriesLine>
+    <cs:lnRef idx="0"/>
+    <cs:fillRef idx="0"/>
+    <cs:effectRef idx="0"/>
+    <cs:fontRef idx="minor">
+      <a:schemeClr val="tx1"/>
+    </cs:fontRef>
+    <cs:spPr>
+      <a:ln w="9525" cap="flat" cmpd="sng" algn="ctr">
+        <a:solidFill>
+          <a:schemeClr val="tx1">
+            <a:lumMod val="35000"/>
+            <a:lumOff val="65000"/>
+          </a:schemeClr>
+        </a:solidFill>
+        <a:round/>
+      </a:ln>
+    </cs:spPr>
+  </cs:seriesLine>
+  <cs:title>
+    <cs:lnRef idx="0"/>
+    <cs:fillRef idx="0"/>
+    <cs:effectRef idx="0"/>
+    <cs:fontRef idx="minor">
+      <a:schemeClr val="tx1">
+        <a:lumMod val="65000"/>
+        <a:lumOff val="35000"/>
+      </a:schemeClr>
+    </cs:fontRef>
+    <cs:defRPr sz="1400" b="0" kern="1200" spc="0" baseline="0"/>
+  </cs:title>
+  <cs:trendline>
+    <cs:lnRef idx="0">
+      <cs:styleClr val="auto"/>
+    </cs:lnRef>
+    <cs:fillRef idx="0"/>
+    <cs:effectRef idx="0"/>
+    <cs:fontRef idx="minor">
+      <a:schemeClr val="tx1"/>
+    </cs:fontRef>
+    <cs:spPr>
+      <a:ln w="19050" cap="rnd">
+        <a:solidFill>
+          <a:schemeClr val="phClr"/>
+        </a:solidFill>
+        <a:prstDash val="sysDot"/>
+      </a:ln>
+    </cs:spPr>
+  </cs:trendline>
+  <cs:trendlineLabel>
+    <cs:lnRef idx="0"/>
+    <cs:fillRef idx="0"/>
+    <cs:effectRef idx="0"/>
+    <cs:fontRef idx="minor">
+      <a:schemeClr val="tx1">
+        <a:lumMod val="65000"/>
+        <a:lumOff val="35000"/>
+      </a:schemeClr>
+    </cs:fontRef>
+    <cs:defRPr sz="900" kern="1200"/>
+  </cs:trendlineLabel>
+  <cs:upBar>
+    <cs:lnRef idx="0"/>
+    <cs:fillRef idx="0"/>
+    <cs:effectRef idx="0"/>
+    <cs:fontRef idx="minor">
+      <a:schemeClr val="tx1"/>
+    </cs:fontRef>
+    <cs:spPr>
+      <a:solidFill>
+        <a:schemeClr val="lt1"/>
+      </a:solidFill>
+      <a:ln w="9525" cap="flat" cmpd="sng" algn="ctr">
+        <a:solidFill>
+          <a:schemeClr val="tx1">
+            <a:lumMod val="65000"/>
+            <a:lumOff val="35000"/>
+          </a:schemeClr>
+        </a:solidFill>
+        <a:round/>
+      </a:ln>
+    </cs:spPr>
+  </cs:upBar>
+  <cs:valueAxis>
+    <cs:lnRef idx="0"/>
+    <cs:fillRef idx="0"/>
+    <cs:effectRef idx="0"/>
+    <cs:fontRef idx="minor">
+      <a:schemeClr val="tx1">
+        <a:lumMod val="65000"/>
+        <a:lumOff val="35000"/>
+      </a:schemeClr>
+    </cs:fontRef>
+    <cs:defRPr sz="900" kern="1200"/>
+  </cs:valueAxis>
+  <cs:wall>
+    <cs:lnRef idx="0"/>
+    <cs:fillRef idx="0"/>
+    <cs:effectRef idx="0"/>
+    <cs:fontRef idx="minor">
+      <a:schemeClr val="tx1"/>
+    </cs:fontRef>
+    <cs:spPr>
+      <a:noFill/>
+      <a:ln>
+        <a:noFill/>
+      </a:ln>
+    </cs:spPr>
+  </cs:wall>
+</cs:chartStyle>
+</file>
+
+<file path=ppt/charts/style3.xml><?xml version="1.0" encoding="utf-8"?>
+<cs:chartStyle xmlns:cs="http://schemas.microsoft.com/office/drawing/2012/chartStyle" xmlns:a="http://schemas.openxmlformats.org/drawingml/2006/main" id="251">
+  <cs:axisTitle>
+    <cs:lnRef idx="0"/>
+    <cs:fillRef idx="0"/>
+    <cs:effectRef idx="0"/>
+    <cs:fontRef idx="minor">
+      <a:schemeClr val="tx1">
+        <a:lumMod val="65000"/>
+        <a:lumOff val="35000"/>
+      </a:schemeClr>
+    </cs:fontRef>
+    <cs:defRPr sz="1000" kern="1200"/>
+  </cs:axisTitle>
+  <cs:categoryAxis>
+    <cs:lnRef idx="0"/>
+    <cs:fillRef idx="0"/>
+    <cs:effectRef idx="0"/>
+    <cs:fontRef idx="minor">
+      <a:schemeClr val="tx1">
+        <a:lumMod val="65000"/>
+        <a:lumOff val="35000"/>
+      </a:schemeClr>
+    </cs:fontRef>
+    <cs:spPr>
+      <a:ln w="9525" cap="flat" cmpd="sng" algn="ctr">
+        <a:solidFill>
+          <a:schemeClr val="tx1">
+            <a:lumMod val="15000"/>
+            <a:lumOff val="85000"/>
+          </a:schemeClr>
+        </a:solidFill>
+        <a:round/>
+      </a:ln>
+    </cs:spPr>
+    <cs:defRPr sz="900" kern="1200"/>
+  </cs:categoryAxis>
+  <cs:chartArea mods="allowNoFillOverride allowNoLineOverride">
+    <cs:lnRef idx="0"/>
+    <cs:fillRef idx="0"/>
+    <cs:effectRef idx="0"/>
+    <cs:fontRef idx="minor">
+      <a:schemeClr val="tx1"/>
+    </cs:fontRef>
+    <cs:spPr>
+      <a:solidFill>
+        <a:schemeClr val="bg1"/>
+      </a:solidFill>
+      <a:ln w="9525" cap="flat" cmpd="sng" algn="ctr">
+        <a:solidFill>
+          <a:schemeClr val="tx1">
+            <a:lumMod val="15000"/>
+            <a:lumOff val="85000"/>
+          </a:schemeClr>
+        </a:solidFill>
+        <a:round/>
+      </a:ln>
+    </cs:spPr>
+    <cs:defRPr sz="900" kern="1200"/>
+  </cs:chartArea>
+  <cs:dataLabel>
+    <cs:lnRef idx="0"/>
+    <cs:fillRef idx="0"/>
+    <cs:effectRef idx="0"/>
+    <cs:fontRef idx="minor">
+      <a:schemeClr val="tx1">
+        <a:lumMod val="75000"/>
+        <a:lumOff val="25000"/>
+      </a:schemeClr>
+    </cs:fontRef>
+    <cs:defRPr sz="900" kern="1200"/>
+  </cs:dataLabel>
+  <cs:dataLabelCallout>
+    <cs:lnRef idx="0"/>
+    <cs:fillRef idx="0"/>
+    <cs:effectRef idx="0"/>
+    <cs:fontRef idx="minor">
+      <a:schemeClr val="dk1">
+        <a:lumMod val="65000"/>
+        <a:lumOff val="35000"/>
+      </a:schemeClr>
+    </cs:fontRef>
+    <cs:spPr>
+      <a:solidFill>
+        <a:schemeClr val="lt1"/>
+      </a:solidFill>
+      <a:ln>
+        <a:solidFill>
+          <a:schemeClr val="dk1">
+            <a:lumMod val="25000"/>
+            <a:lumOff val="75000"/>
+          </a:schemeClr>
+        </a:solidFill>
+      </a:ln>
+    </cs:spPr>
+    <cs:defRPr sz="900" kern="1200"/>
+    <cs:bodyPr rot="0" spcFirstLastPara="1" vertOverflow="clip" horzOverflow="clip" vert="horz" wrap="square" lIns="36576" tIns="18288" rIns="36576" bIns="18288" anchor="ctr" anchorCtr="1">
+      <a:spAutoFit/>
+    </cs:bodyPr>
+  </cs:dataLabelCallout>
+  <cs:dataPoint>
+    <cs:lnRef idx="0"/>
+    <cs:fillRef idx="1">
+      <cs:styleClr val="auto"/>
+    </cs:fillRef>
+    <cs:effectRef idx="0"/>
+    <cs:fontRef idx="minor">
+      <a:schemeClr val="tx1"/>
+    </cs:fontRef>
+    <cs:spPr>
+      <a:ln w="19050">
+        <a:solidFill>
+          <a:schemeClr val="lt1"/>
+        </a:solidFill>
+      </a:ln>
+    </cs:spPr>
+  </cs:dataPoint>
+  <cs:dataPoint3D>
+    <cs:lnRef idx="0"/>
+    <cs:fillRef idx="1">
+      <cs:styleClr val="auto"/>
+    </cs:fillRef>
+    <cs:effectRef idx="0"/>
+    <cs:fontRef idx="minor">
+      <a:schemeClr val="tx1"/>
+    </cs:fontRef>
+    <cs:spPr>
+      <a:ln w="25400">
+        <a:solidFill>
+          <a:schemeClr val="lt1"/>
+        </a:solidFill>
+      </a:ln>
+    </cs:spPr>
+  </cs:dataPoint3D>
+  <cs:dataPointLine>
+    <cs:lnRef idx="0">
+      <cs:styleClr val="auto"/>
+    </cs:lnRef>
+    <cs:fillRef idx="0"/>
+    <cs:effectRef idx="0"/>
+    <cs:fontRef idx="minor">
+      <a:schemeClr val="tx1"/>
+    </cs:fontRef>
+    <cs:spPr>
+      <a:ln w="28575" cap="rnd">
+        <a:solidFill>
+          <a:schemeClr val="phClr"/>
+        </a:solidFill>
+        <a:round/>
+      </a:ln>
+    </cs:spPr>
+  </cs:dataPointLine>
+  <cs:dataPointMarker>
+    <cs:lnRef idx="0">
+      <cs:styleClr val="auto"/>
+    </cs:lnRef>
+    <cs:fillRef idx="1">
+      <cs:styleClr val="auto"/>
+    </cs:fillRef>
+    <cs:effectRef idx="0"/>
+    <cs:fontRef idx="minor">
+      <a:schemeClr val="tx1"/>
+    </cs:fontRef>
+    <cs:spPr>
+      <a:ln w="9525">
+        <a:solidFill>
+          <a:schemeClr val="phClr"/>
+        </a:solidFill>
+      </a:ln>
+    </cs:spPr>
+  </cs:dataPointMarker>
+  <cs:dataPointMarkerLayout symbol="circle" size="5"/>
+  <cs:dataPointWireframe>
+    <cs:lnRef idx="0">
+      <cs:styleClr val="auto"/>
+    </cs:lnRef>
+    <cs:fillRef idx="0"/>
+    <cs:effectRef idx="0"/>
+    <cs:fontRef idx="minor">
+      <a:schemeClr val="tx1"/>
+    </cs:fontRef>
+    <cs:spPr>
+      <a:ln w="9525" cap="rnd">
+        <a:solidFill>
+          <a:schemeClr val="phClr"/>
+        </a:solidFill>
+        <a:round/>
+      </a:ln>
+    </cs:spPr>
+  </cs:dataPointWireframe>
+  <cs:dataTable>
+    <cs:lnRef idx="0"/>
+    <cs:fillRef idx="0"/>
+    <cs:effectRef idx="0"/>
+    <cs:fontRef idx="minor">
+      <a:schemeClr val="tx1">
+        <a:lumMod val="65000"/>
+        <a:lumOff val="35000"/>
+      </a:schemeClr>
+    </cs:fontRef>
+    <cs:spPr>
+      <a:noFill/>
+      <a:ln w="9525" cap="flat" cmpd="sng" algn="ctr">
+        <a:solidFill>
+          <a:schemeClr val="tx1">
+            <a:lumMod val="15000"/>
+            <a:lumOff val="85000"/>
+          </a:schemeClr>
+        </a:solidFill>
+        <a:round/>
+      </a:ln>
+    </cs:spPr>
+    <cs:defRPr sz="900" kern="1200"/>
+  </cs:dataTable>
+  <cs:downBar>
+    <cs:lnRef idx="0"/>
+    <cs:fillRef idx="0"/>
+    <cs:effectRef idx="0"/>
+    <cs:fontRef idx="minor">
+      <a:schemeClr val="tx1"/>
+    </cs:fontRef>
+    <cs:spPr>
+      <a:solidFill>
+        <a:schemeClr val="dk1">
+          <a:lumMod val="75000"/>
+          <a:lumOff val="25000"/>
+        </a:schemeClr>
+      </a:solidFill>
+      <a:ln w="9525" cap="flat" cmpd="sng" algn="ctr">
+        <a:solidFill>
+          <a:schemeClr val="tx1">
+            <a:lumMod val="65000"/>
+            <a:lumOff val="35000"/>
+          </a:schemeClr>
+        </a:solidFill>
+        <a:round/>
+      </a:ln>
+    </cs:spPr>
+  </cs:downBar>
+  <cs:dropLine>
+    <cs:lnRef idx="0"/>
+    <cs:fillRef idx="0"/>
+    <cs:effectRef idx="0"/>
+    <cs:fontRef idx="minor">
+      <a:schemeClr val="tx1"/>
+    </cs:fontRef>
+    <cs:spPr>
+      <a:ln w="9525" cap="flat" cmpd="sng" algn="ctr">
+        <a:solidFill>
+          <a:schemeClr val="tx1">
+            <a:lumMod val="35000"/>
+            <a:lumOff val="65000"/>
+          </a:schemeClr>
+        </a:solidFill>
+        <a:round/>
+      </a:ln>
+    </cs:spPr>
+  </cs:dropLine>
+  <cs:errorBar>
+    <cs:lnRef idx="0"/>
+    <cs:fillRef idx="0"/>
+    <cs:effectRef idx="0"/>
+    <cs:fontRef idx="minor">
+      <a:schemeClr val="tx1"/>
+    </cs:fontRef>
+    <cs:spPr>
+      <a:ln w="9525" cap="flat" cmpd="sng" algn="ctr">
+        <a:solidFill>
+          <a:schemeClr val="tx1">
+            <a:lumMod val="65000"/>
+            <a:lumOff val="35000"/>
+          </a:schemeClr>
+        </a:solidFill>
+        <a:round/>
+      </a:ln>
+    </cs:spPr>
+  </cs:errorBar>
+  <cs:floor>
+    <cs:lnRef idx="0"/>
+    <cs:fillRef idx="0"/>
+    <cs:effectRef idx="0"/>
+    <cs:fontRef idx="minor">
+      <a:schemeClr val="tx1"/>
+    </cs:fontRef>
+    <cs:spPr>
+      <a:noFill/>
+      <a:ln>
+        <a:noFill/>
+      </a:ln>
+    </cs:spPr>
+  </cs:floor>
+  <cs:gridlineMajor>
+    <cs:lnRef idx="0"/>
+    <cs:fillRef idx="0"/>
+    <cs:effectRef idx="0"/>
+    <cs:fontRef idx="minor">
+      <a:schemeClr val="tx1"/>
+    </cs:fontRef>
+    <cs:spPr>
+      <a:ln w="9525" cap="flat" cmpd="sng" algn="ctr">
+        <a:solidFill>
+          <a:schemeClr val="tx1">
+            <a:lumMod val="15000"/>
+            <a:lumOff val="85000"/>
+          </a:schemeClr>
+        </a:solidFill>
+        <a:round/>
+      </a:ln>
+    </cs:spPr>
+  </cs:gridlineMajor>
+  <cs:gridlineMinor>
+    <cs:lnRef idx="0"/>
+    <cs:fillRef idx="0"/>
+    <cs:effectRef idx="0"/>
+    <cs:fontRef idx="minor">
+      <a:schemeClr val="tx1"/>
+    </cs:fontRef>
+    <cs:spPr>
+      <a:ln w="9525" cap="flat" cmpd="sng" algn="ctr">
+        <a:solidFill>
+          <a:schemeClr val="tx1">
+            <a:lumMod val="5000"/>
+            <a:lumOff val="95000"/>
+          </a:schemeClr>
+        </a:solidFill>
+        <a:round/>
+      </a:ln>
+    </cs:spPr>
+  </cs:gridlineMinor>
+  <cs:hiLoLine>
+    <cs:lnRef idx="0"/>
+    <cs:fillRef idx="0"/>
+    <cs:effectRef idx="0"/>
+    <cs:fontRef idx="minor">
+      <a:schemeClr val="tx1"/>
+    </cs:fontRef>
+    <cs:spPr>
+      <a:ln w="9525" cap="flat" cmpd="sng" algn="ctr">
+        <a:solidFill>
+          <a:schemeClr val="tx1">
+            <a:lumMod val="50000"/>
+            <a:lumOff val="50000"/>
+          </a:schemeClr>
+        </a:solidFill>
+        <a:round/>
+      </a:ln>
+    </cs:spPr>
+  </cs:hiLoLine>
+  <cs:leaderLine>
+    <cs:lnRef idx="0"/>
+    <cs:fillRef idx="0"/>
+    <cs:effectRef idx="0"/>
+    <cs:fontRef idx="minor">
+      <a:schemeClr val="tx1"/>
+    </cs:fontRef>
+    <cs:spPr>
+      <a:ln w="9525" cap="flat" cmpd="sng" algn="ctr">
+        <a:solidFill>
+          <a:schemeClr val="tx1">
+            <a:lumMod val="35000"/>
+            <a:lumOff val="65000"/>
+          </a:schemeClr>
+        </a:solidFill>
+        <a:round/>
+      </a:ln>
+    </cs:spPr>
+  </cs:leaderLine>
+  <cs:legend>
+    <cs:lnRef idx="0"/>
+    <cs:fillRef idx="0"/>
+    <cs:effectRef idx="0"/>
+    <cs:fontRef idx="minor">
+      <a:schemeClr val="tx1">
+        <a:lumMod val="65000"/>
+        <a:lumOff val="35000"/>
+      </a:schemeClr>
+    </cs:fontRef>
+    <cs:defRPr sz="900" kern="1200"/>
+  </cs:legend>
+  <cs:plotArea mods="allowNoFillOverride allowNoLineOverride">
+    <cs:lnRef idx="0"/>
+    <cs:fillRef idx="0"/>
+    <cs:effectRef idx="0"/>
+    <cs:fontRef idx="minor">
+      <a:schemeClr val="tx1"/>
+    </cs:fontRef>
+  </cs:plotArea>
+  <cs:plotArea3D mods="allowNoFillOverride allowNoLineOverride">
+    <cs:lnRef idx="0"/>
+    <cs:fillRef idx="0"/>
+    <cs:effectRef idx="0"/>
+    <cs:fontRef idx="minor">
+      <a:schemeClr val="tx1"/>
+    </cs:fontRef>
+  </cs:plotArea3D>
+  <cs:seriesAxis>
+    <cs:lnRef idx="0"/>
+    <cs:fillRef idx="0"/>
+    <cs:effectRef idx="0"/>
+    <cs:fontRef idx="minor">
+      <a:schemeClr val="tx1">
+        <a:lumMod val="65000"/>
+        <a:lumOff val="35000"/>
+      </a:schemeClr>
+    </cs:fontRef>
+    <cs:defRPr sz="900" kern="1200"/>
+  </cs:seriesAxis>
+  <cs:seriesLine>
+    <cs:lnRef idx="0"/>
+    <cs:fillRef idx="0"/>
+    <cs:effectRef idx="0"/>
+    <cs:fontRef idx="minor">
+      <a:schemeClr val="tx1"/>
+    </cs:fontRef>
+    <cs:spPr>
+      <a:ln w="9525" cap="flat" cmpd="sng" algn="ctr">
+        <a:solidFill>
+          <a:schemeClr val="tx1">
+            <a:lumMod val="35000"/>
+            <a:lumOff val="65000"/>
+          </a:schemeClr>
+        </a:solidFill>
+        <a:round/>
+      </a:ln>
+    </cs:spPr>
+  </cs:seriesLine>
+  <cs:title>
+    <cs:lnRef idx="0"/>
+    <cs:fillRef idx="0"/>
+    <cs:effectRef idx="0"/>
+    <cs:fontRef idx="minor">
+      <a:schemeClr val="tx1">
+        <a:lumMod val="65000"/>
+        <a:lumOff val="35000"/>
+      </a:schemeClr>
+    </cs:fontRef>
+    <cs:defRPr sz="1400" b="0" kern="1200" spc="0" baseline="0"/>
+  </cs:title>
+  <cs:trendline>
+    <cs:lnRef idx="0">
+      <cs:styleClr val="auto"/>
+    </cs:lnRef>
+    <cs:fillRef idx="0"/>
+    <cs:effectRef idx="0"/>
+    <cs:fontRef idx="minor">
+      <a:schemeClr val="tx1"/>
+    </cs:fontRef>
+    <cs:spPr>
+      <a:ln w="19050" cap="rnd">
+        <a:solidFill>
+          <a:schemeClr val="phClr"/>
+        </a:solidFill>
+        <a:prstDash val="sysDot"/>
+      </a:ln>
+    </cs:spPr>
+  </cs:trendline>
+  <cs:trendlineLabel>
+    <cs:lnRef idx="0"/>
+    <cs:fillRef idx="0"/>
+    <cs:effectRef idx="0"/>
+    <cs:fontRef idx="minor">
+      <a:schemeClr val="tx1">
+        <a:lumMod val="65000"/>
+        <a:lumOff val="35000"/>
+      </a:schemeClr>
+    </cs:fontRef>
+    <cs:defRPr sz="900" kern="1200"/>
+  </cs:trendlineLabel>
+  <cs:upBar>
+    <cs:lnRef idx="0"/>
+    <cs:fillRef idx="0"/>
+    <cs:effectRef idx="0"/>
+    <cs:fontRef idx="minor">
+      <a:schemeClr val="tx1"/>
+    </cs:fontRef>
+    <cs:spPr>
+      <a:solidFill>
+        <a:schemeClr val="lt1"/>
+      </a:solidFill>
+      <a:ln w="9525" cap="flat" cmpd="sng" algn="ctr">
+        <a:solidFill>
+          <a:schemeClr val="tx1">
+            <a:lumMod val="65000"/>
+            <a:lumOff val="35000"/>
+          </a:schemeClr>
+        </a:solidFill>
+        <a:round/>
+      </a:ln>
+    </cs:spPr>
+  </cs:upBar>
+  <cs:valueAxis>
+    <cs:lnRef idx="0"/>
+    <cs:fillRef idx="0"/>
+    <cs:effectRef idx="0"/>
+    <cs:fontRef idx="minor">
+      <a:schemeClr val="tx1">
+        <a:lumMod val="65000"/>
+        <a:lumOff val="35000"/>
+      </a:schemeClr>
+    </cs:fontRef>
+    <cs:defRPr sz="900" kern="1200"/>
+  </cs:valueAxis>
+  <cs:wall>
+    <cs:lnRef idx="0"/>
+    <cs:fillRef idx="0"/>
+    <cs:effectRef idx="0"/>
+    <cs:fontRef idx="minor">
+      <a:schemeClr val="tx1"/>
+    </cs:fontRef>
+    <cs:spPr>
+      <a:noFill/>
+      <a:ln>
+        <a:noFill/>
+      </a:ln>
+    </cs:spPr>
+  </cs:wall>
+</cs:chartStyle>
+</file>
+
+<file path=ppt/drawings/drawing1.xml><?xml version="1.0" encoding="utf-8"?>
+<c:userShapes xmlns:c="http://schemas.openxmlformats.org/drawingml/2006/chart">
+  <cdr:relSizeAnchor xmlns:cdr="http://schemas.openxmlformats.org/drawingml/2006/chartDrawing">
+    <cdr:from>
+      <cdr:x>0.3416</cdr:x>
+      <cdr:y>0.84338</cdr:y>
+    </cdr:from>
+    <cdr:to>
+      <cdr:x>0.6584</cdr:x>
+      <cdr:y>0.98072</cdr:y>
+    </cdr:to>
+    <cdr:sp macro="" textlink="">
+      <cdr:nvSpPr>
+        <cdr:cNvPr id="2" name="TextBox 13">
+          <a:extLst xmlns:a="http://schemas.openxmlformats.org/drawingml/2006/main">
+            <a:ext uri="{FF2B5EF4-FFF2-40B4-BE49-F238E27FC236}">
+              <a16:creationId xmlns:a16="http://schemas.microsoft.com/office/drawing/2014/main" id="{BCA88DDD-435C-8C99-701C-07B6F0F3E7B3}"/>
+            </a:ext>
+          </a:extLst>
+        </cdr:cNvPr>
+        <cdr:cNvSpPr txBox="1"/>
+      </cdr:nvSpPr>
+      <cdr:spPr>
+        <a:xfrm xmlns:a="http://schemas.openxmlformats.org/drawingml/2006/main">
+          <a:off x="1495647" y="2804709"/>
+          <a:ext cx="1387100" cy="456737"/>
+        </a:xfrm>
+        <a:prstGeom xmlns:a="http://schemas.openxmlformats.org/drawingml/2006/main" prst="rect">
+          <a:avLst/>
+        </a:prstGeom>
+        <a:noFill xmlns:a="http://schemas.openxmlformats.org/drawingml/2006/main"/>
+      </cdr:spPr>
+      <cdr:txBody>
+        <a:bodyPr xmlns:a="http://schemas.openxmlformats.org/drawingml/2006/main" wrap="none" rtlCol="0">
+          <a:spAutoFit/>
+        </a:bodyPr>
+        <a:lstStyle xmlns:a="http://schemas.openxmlformats.org/drawingml/2006/main">
+          <a:defPPr>
+            <a:defRPr lang="en-US"/>
+          </a:defPPr>
+          <a:lvl1pPr marL="0" algn="l" defTabSz="914400" rtl="0" eaLnBrk="1" latinLnBrk="0" hangingPunct="1">
+            <a:defRPr sz="1800" kern="1200">
+              <a:solidFill>
+                <a:schemeClr val="tx1"/>
+              </a:solidFill>
+              <a:latin typeface="+mn-lt"/>
+              <a:ea typeface="+mn-ea"/>
+              <a:cs typeface="+mn-cs"/>
+            </a:defRPr>
+          </a:lvl1pPr>
+          <a:lvl2pPr marL="457200" algn="l" defTabSz="914400" rtl="0" eaLnBrk="1" latinLnBrk="0" hangingPunct="1">
+            <a:defRPr sz="1800" kern="1200">
+              <a:solidFill>
+                <a:schemeClr val="tx1"/>
+              </a:solidFill>
+              <a:latin typeface="+mn-lt"/>
+              <a:ea typeface="+mn-ea"/>
+              <a:cs typeface="+mn-cs"/>
+            </a:defRPr>
+          </a:lvl2pPr>
+          <a:lvl3pPr marL="914400" algn="l" defTabSz="914400" rtl="0" eaLnBrk="1" latinLnBrk="0" hangingPunct="1">
+            <a:defRPr sz="1800" kern="1200">
+              <a:solidFill>
+                <a:schemeClr val="tx1"/>
+              </a:solidFill>
+              <a:latin typeface="+mn-lt"/>
+              <a:ea typeface="+mn-ea"/>
+              <a:cs typeface="+mn-cs"/>
+            </a:defRPr>
+          </a:lvl3pPr>
+          <a:lvl4pPr marL="1371600" algn="l" defTabSz="914400" rtl="0" eaLnBrk="1" latinLnBrk="0" hangingPunct="1">
+            <a:defRPr sz="1800" kern="1200">
+              <a:solidFill>
+                <a:schemeClr val="tx1"/>
+              </a:solidFill>
+              <a:latin typeface="+mn-lt"/>
+              <a:ea typeface="+mn-ea"/>
+              <a:cs typeface="+mn-cs"/>
+            </a:defRPr>
+          </a:lvl4pPr>
+          <a:lvl5pPr marL="1828800" algn="l" defTabSz="914400" rtl="0" eaLnBrk="1" latinLnBrk="0" hangingPunct="1">
+            <a:defRPr sz="1800" kern="1200">
+              <a:solidFill>
+                <a:schemeClr val="tx1"/>
+              </a:solidFill>
+              <a:latin typeface="+mn-lt"/>
+              <a:ea typeface="+mn-ea"/>
+              <a:cs typeface="+mn-cs"/>
+            </a:defRPr>
+          </a:lvl5pPr>
+          <a:lvl6pPr marL="2286000" algn="l" defTabSz="914400" rtl="0" eaLnBrk="1" latinLnBrk="0" hangingPunct="1">
+            <a:defRPr sz="1800" kern="1200">
+              <a:solidFill>
+                <a:schemeClr val="tx1"/>
+              </a:solidFill>
+              <a:latin typeface="+mn-lt"/>
+              <a:ea typeface="+mn-ea"/>
+              <a:cs typeface="+mn-cs"/>
+            </a:defRPr>
+          </a:lvl6pPr>
+          <a:lvl7pPr marL="2743200" algn="l" defTabSz="914400" rtl="0" eaLnBrk="1" latinLnBrk="0" hangingPunct="1">
+            <a:defRPr sz="1800" kern="1200">
+              <a:solidFill>
+                <a:schemeClr val="tx1"/>
+              </a:solidFill>
+              <a:latin typeface="+mn-lt"/>
+              <a:ea typeface="+mn-ea"/>
+              <a:cs typeface="+mn-cs"/>
+            </a:defRPr>
+          </a:lvl7pPr>
+          <a:lvl8pPr marL="3200400" algn="l" defTabSz="914400" rtl="0" eaLnBrk="1" latinLnBrk="0" hangingPunct="1">
+            <a:defRPr sz="1800" kern="1200">
+              <a:solidFill>
+                <a:schemeClr val="tx1"/>
+              </a:solidFill>
+              <a:latin typeface="+mn-lt"/>
+              <a:ea typeface="+mn-ea"/>
+              <a:cs typeface="+mn-cs"/>
+            </a:defRPr>
+          </a:lvl8pPr>
+          <a:lvl9pPr marL="3657600" algn="l" defTabSz="914400" rtl="0" eaLnBrk="1" latinLnBrk="0" hangingPunct="1">
+            <a:defRPr sz="1800" kern="1200">
+              <a:solidFill>
+                <a:schemeClr val="tx1"/>
+              </a:solidFill>
+              <a:latin typeface="+mn-lt"/>
+              <a:ea typeface="+mn-ea"/>
+              <a:cs typeface="+mn-cs"/>
+            </a:defRPr>
+          </a:lvl9pPr>
+        </a:lstStyle>
+        <a:p xmlns:a="http://schemas.openxmlformats.org/drawingml/2006/main">
+          <a:r>
+            <a:rPr lang="en-US" sz="2400" dirty="0">
+              <a:latin typeface="Arial" panose="020B0604020202020204" pitchFamily="34" charset="0"/>
+              <a:cs typeface="Arial" panose="020B0604020202020204" pitchFamily="34" charset="0"/>
+            </a:rPr>
+            <a:t>In-person</a:t>
+          </a:r>
+          <a:endParaRPr lang="en-US" sz="3000" dirty="0">
+            <a:latin typeface="Arial" panose="020B0604020202020204" pitchFamily="34" charset="0"/>
+            <a:cs typeface="Arial" panose="020B0604020202020204" pitchFamily="34" charset="0"/>
+          </a:endParaRPr>
+        </a:p>
+      </cdr:txBody>
+    </cdr:sp>
+  </cdr:relSizeAnchor>
+</c:userShapes>
+</file>
+
+<file path=ppt/drawings/drawing2.xml><?xml version="1.0" encoding="utf-8"?>
+<c:userShapes xmlns:c="http://schemas.openxmlformats.org/drawingml/2006/chart">
+  <cdr:relSizeAnchor xmlns:cdr="http://schemas.openxmlformats.org/drawingml/2006/chartDrawing">
+    <cdr:from>
+      <cdr:x>0.21475</cdr:x>
+      <cdr:y>0.77355</cdr:y>
+    </cdr:from>
+    <cdr:to>
+      <cdr:x>0.74642</cdr:x>
+      <cdr:y>0.89739</cdr:y>
+    </cdr:to>
+    <cdr:sp macro="" textlink="">
+      <cdr:nvSpPr>
+        <cdr:cNvPr id="2" name="TextBox 13">
+          <a:extLst xmlns:a="http://schemas.openxmlformats.org/drawingml/2006/main">
+            <a:ext uri="{FF2B5EF4-FFF2-40B4-BE49-F238E27FC236}">
+              <a16:creationId xmlns:a16="http://schemas.microsoft.com/office/drawing/2014/main" id="{0FBBE54A-6903-DC0D-6200-94755EAA0118}"/>
+            </a:ext>
+          </a:extLst>
+        </cdr:cNvPr>
+        <cdr:cNvSpPr txBox="1"/>
+      </cdr:nvSpPr>
+      <cdr:spPr>
+        <a:xfrm xmlns:a="http://schemas.openxmlformats.org/drawingml/2006/main">
+          <a:off x="1141494" y="2883542"/>
+          <a:ext cx="2826174" cy="461665"/>
+        </a:xfrm>
+        <a:prstGeom xmlns:a="http://schemas.openxmlformats.org/drawingml/2006/main" prst="rect">
+          <a:avLst/>
+        </a:prstGeom>
+        <a:noFill xmlns:a="http://schemas.openxmlformats.org/drawingml/2006/main"/>
+      </cdr:spPr>
+      <cdr:txBody>
+        <a:bodyPr xmlns:a="http://schemas.openxmlformats.org/drawingml/2006/main" wrap="square" rtlCol="0">
+          <a:spAutoFit/>
+        </a:bodyPr>
+        <a:lstStyle xmlns:a="http://schemas.openxmlformats.org/drawingml/2006/main">
+          <a:lvl1pPr marL="0" indent="0">
+            <a:defRPr sz="1100">
+              <a:latin typeface="+mn-lt"/>
+              <a:ea typeface="+mn-ea"/>
+              <a:cs typeface="+mn-cs"/>
+            </a:defRPr>
+          </a:lvl1pPr>
+          <a:lvl2pPr marL="457200" indent="0">
+            <a:defRPr sz="1100">
+              <a:latin typeface="+mn-lt"/>
+              <a:ea typeface="+mn-ea"/>
+              <a:cs typeface="+mn-cs"/>
+            </a:defRPr>
+          </a:lvl2pPr>
+          <a:lvl3pPr marL="914400" indent="0">
+            <a:defRPr sz="1100">
+              <a:latin typeface="+mn-lt"/>
+              <a:ea typeface="+mn-ea"/>
+              <a:cs typeface="+mn-cs"/>
+            </a:defRPr>
+          </a:lvl3pPr>
+          <a:lvl4pPr marL="1371600" indent="0">
+            <a:defRPr sz="1100">
+              <a:latin typeface="+mn-lt"/>
+              <a:ea typeface="+mn-ea"/>
+              <a:cs typeface="+mn-cs"/>
+            </a:defRPr>
+          </a:lvl4pPr>
+          <a:lvl5pPr marL="1828800" indent="0">
+            <a:defRPr sz="1100">
+              <a:latin typeface="+mn-lt"/>
+              <a:ea typeface="+mn-ea"/>
+              <a:cs typeface="+mn-cs"/>
+            </a:defRPr>
+          </a:lvl5pPr>
+          <a:lvl6pPr marL="2286000" indent="0">
+            <a:defRPr sz="1100">
+              <a:latin typeface="+mn-lt"/>
+              <a:ea typeface="+mn-ea"/>
+              <a:cs typeface="+mn-cs"/>
+            </a:defRPr>
+          </a:lvl6pPr>
+          <a:lvl7pPr marL="2743200" indent="0">
+            <a:defRPr sz="1100">
+              <a:latin typeface="+mn-lt"/>
+              <a:ea typeface="+mn-ea"/>
+              <a:cs typeface="+mn-cs"/>
+            </a:defRPr>
+          </a:lvl7pPr>
+          <a:lvl8pPr marL="3200400" indent="0">
+            <a:defRPr sz="1100">
+              <a:latin typeface="+mn-lt"/>
+              <a:ea typeface="+mn-ea"/>
+              <a:cs typeface="+mn-cs"/>
+            </a:defRPr>
+          </a:lvl8pPr>
+          <a:lvl9pPr marL="3657600" indent="0">
+            <a:defRPr sz="1100">
+              <a:latin typeface="+mn-lt"/>
+              <a:ea typeface="+mn-ea"/>
+              <a:cs typeface="+mn-cs"/>
+            </a:defRPr>
+          </a:lvl9pPr>
+        </a:lstStyle>
+        <a:p xmlns:a="http://schemas.openxmlformats.org/drawingml/2006/main">
+          <a:r>
+            <a:rPr lang="en-US" sz="2400" dirty="0">
+              <a:solidFill>
+                <a:schemeClr val="tx1"/>
+              </a:solidFill>
+              <a:latin typeface="Arial" panose="020B0604020202020204" pitchFamily="34" charset="0"/>
+              <a:cs typeface="Arial" panose="020B0604020202020204" pitchFamily="34" charset="0"/>
+            </a:rPr>
+            <a:t>Phone or Message</a:t>
+          </a:r>
+        </a:p>
+      </cdr:txBody>
+    </cdr:sp>
+  </cdr:relSizeAnchor>
+</c:userShapes>
+</file>
+
 <file path=ppt/handoutMasters/handoutMaster1.xml><?xml version="1.0" encoding="utf-8"?>
 <p:handoutMaster xmlns:a="http://schemas.openxmlformats.org/drawingml/2006/main" xmlns:r="http://schemas.openxmlformats.org/officeDocument/2006/relationships" xmlns:p="http://schemas.openxmlformats.org/presentationml/2006/main">
   <p:cSld>
@@ -949,7 +3795,7 @@
             <a:fld id="{CEFA16CB-AEBE-4616-A0C2-923B64A8254D}" type="slidenum">
               <a:rPr lang="en-US" smtClean="0"/>
               <a:pPr/>
-              <a:t>16</a:t>
+              <a:t>17</a:t>
             </a:fld>
             <a:endParaRPr lang="en-US"/>
           </a:p>
@@ -6099,7 +8945,7 @@
             <a:pPr lvl="1"/>
             <a:r>
               <a:rPr lang="en-US" dirty="0"/>
-              <a:t>University of Wisconsin Milwaukee				</a:t>
+              <a:t>Research Fellow, University of Wisconsin Milwaukee</a:t>
             </a:r>
             <a:endParaRPr lang="en-US" dirty="0">
               <a:highlight>
@@ -6195,6 +9041,1049 @@
 </file>
 
 <file path=ppt/slides/slide10.xml><?xml version="1.0" encoding="utf-8"?>
+<p:sld xmlns:a="http://schemas.openxmlformats.org/drawingml/2006/main" xmlns:r="http://schemas.openxmlformats.org/officeDocument/2006/relationships" xmlns:p="http://schemas.openxmlformats.org/presentationml/2006/main">
+  <p:cSld>
+    <p:spTree>
+      <p:nvGrpSpPr>
+        <p:cNvPr id="1" name=""/>
+        <p:cNvGrpSpPr/>
+        <p:nvPr/>
+      </p:nvGrpSpPr>
+      <p:grpSpPr>
+        <a:xfrm>
+          <a:off x="0" y="0"/>
+          <a:ext cx="0" cy="0"/>
+          <a:chOff x="0" y="0"/>
+          <a:chExt cx="0" cy="0"/>
+        </a:xfrm>
+      </p:grpSpPr>
+      <p:sp>
+        <p:nvSpPr>
+          <p:cNvPr id="2" name="Title 1">
+            <a:extLst>
+              <a:ext uri="{FF2B5EF4-FFF2-40B4-BE49-F238E27FC236}">
+                <a16:creationId xmlns:a16="http://schemas.microsoft.com/office/drawing/2014/main" id="{6F199BF4-25E4-29DA-B86A-220F0CAB7744}"/>
+              </a:ext>
+            </a:extLst>
+          </p:cNvPr>
+          <p:cNvSpPr>
+            <a:spLocks noGrp="1"/>
+          </p:cNvSpPr>
+          <p:nvPr>
+            <p:ph type="title"/>
+          </p:nvPr>
+        </p:nvSpPr>
+        <p:spPr>
+          <a:xfrm>
+            <a:off x="547730" y="402548"/>
+            <a:ext cx="6783946" cy="320088"/>
+          </a:xfrm>
+        </p:spPr>
+        <p:txBody>
+          <a:bodyPr/>
+          <a:lstStyle/>
+          <a:p>
+            <a:r>
+              <a:rPr lang="en-US" dirty="0"/>
+              <a:t>Age</a:t>
+            </a:r>
+          </a:p>
+        </p:txBody>
+      </p:sp>
+      <p:sp>
+        <p:nvSpPr>
+          <p:cNvPr id="4" name="Slide Number Placeholder 3">
+            <a:extLst>
+              <a:ext uri="{FF2B5EF4-FFF2-40B4-BE49-F238E27FC236}">
+                <a16:creationId xmlns:a16="http://schemas.microsoft.com/office/drawing/2014/main" id="{12356BC2-044E-A100-9DCF-F84C42F99FE3}"/>
+              </a:ext>
+            </a:extLst>
+          </p:cNvPr>
+          <p:cNvSpPr>
+            <a:spLocks noGrp="1"/>
+          </p:cNvSpPr>
+          <p:nvPr>
+            <p:ph type="sldNum" sz="quarter" idx="4"/>
+          </p:nvPr>
+        </p:nvSpPr>
+        <p:spPr/>
+        <p:txBody>
+          <a:bodyPr/>
+          <a:lstStyle/>
+          <a:p>
+            <a:fld id="{42C32FFB-F9AE-46F0-A233-A2E628258990}" type="slidenum">
+              <a:rPr lang="en-US" smtClean="0"/>
+              <a:pPr/>
+              <a:t>10</a:t>
+            </a:fld>
+            <a:endParaRPr lang="en-US" sz="1000"/>
+          </a:p>
+        </p:txBody>
+      </p:sp>
+      <p:sp>
+        <p:nvSpPr>
+          <p:cNvPr id="5" name="Footer Placeholder 4">
+            <a:extLst>
+              <a:ext uri="{FF2B5EF4-FFF2-40B4-BE49-F238E27FC236}">
+                <a16:creationId xmlns:a16="http://schemas.microsoft.com/office/drawing/2014/main" id="{B6008242-ED66-CB51-F4A5-617CFC3B8EBE}"/>
+              </a:ext>
+            </a:extLst>
+          </p:cNvPr>
+          <p:cNvSpPr>
+            <a:spLocks noGrp="1"/>
+          </p:cNvSpPr>
+          <p:nvPr>
+            <p:ph type="ftr" sz="quarter" idx="3"/>
+          </p:nvPr>
+        </p:nvSpPr>
+        <p:spPr/>
+        <p:txBody>
+          <a:bodyPr/>
+          <a:lstStyle/>
+          <a:p>
+            <a:r>
+              <a:rPr lang="en-US"/>
+              <a:t>2022 Clinical Informatics Conference |   amia.org</a:t>
+            </a:r>
+            <a:endParaRPr lang="en-US" dirty="0"/>
+          </a:p>
+        </p:txBody>
+      </p:sp>
+      <p:grpSp>
+        <p:nvGrpSpPr>
+          <p:cNvPr id="6" name="Group 5">
+            <a:extLst>
+              <a:ext uri="{FF2B5EF4-FFF2-40B4-BE49-F238E27FC236}">
+                <a16:creationId xmlns:a16="http://schemas.microsoft.com/office/drawing/2014/main" id="{C0F20FF1-F07A-EF41-B55D-EACAC8F505FB}"/>
+              </a:ext>
+            </a:extLst>
+          </p:cNvPr>
+          <p:cNvGrpSpPr/>
+          <p:nvPr/>
+        </p:nvGrpSpPr>
+        <p:grpSpPr>
+          <a:xfrm>
+            <a:off x="489820" y="939255"/>
+            <a:ext cx="6472727" cy="3503954"/>
+            <a:chOff x="745728" y="1891545"/>
+            <a:chExt cx="7528178" cy="4075313"/>
+          </a:xfrm>
+        </p:grpSpPr>
+        <p:grpSp>
+          <p:nvGrpSpPr>
+            <p:cNvPr id="7" name="Group 6">
+              <a:extLst>
+                <a:ext uri="{FF2B5EF4-FFF2-40B4-BE49-F238E27FC236}">
+                  <a16:creationId xmlns:a16="http://schemas.microsoft.com/office/drawing/2014/main" id="{10BC2F8D-AD05-353C-9FC1-E3B96EFF1905}"/>
+                </a:ext>
+              </a:extLst>
+            </p:cNvPr>
+            <p:cNvGrpSpPr/>
+            <p:nvPr/>
+          </p:nvGrpSpPr>
+          <p:grpSpPr>
+            <a:xfrm>
+              <a:off x="745728" y="1891545"/>
+              <a:ext cx="6028196" cy="3813560"/>
+              <a:chOff x="5507421" y="1803161"/>
+              <a:chExt cx="6028196" cy="3813560"/>
+            </a:xfrm>
+          </p:grpSpPr>
+          <p:grpSp>
+            <p:nvGrpSpPr>
+              <p:cNvPr id="9" name="Group 8">
+                <a:extLst>
+                  <a:ext uri="{FF2B5EF4-FFF2-40B4-BE49-F238E27FC236}">
+                    <a16:creationId xmlns:a16="http://schemas.microsoft.com/office/drawing/2014/main" id="{139EBFFF-B48B-258F-8EC9-8DFC9A610CB3}"/>
+                  </a:ext>
+                </a:extLst>
+              </p:cNvPr>
+              <p:cNvGrpSpPr/>
+              <p:nvPr/>
+            </p:nvGrpSpPr>
+            <p:grpSpPr>
+              <a:xfrm>
+                <a:off x="5507421" y="1803161"/>
+                <a:ext cx="6028196" cy="3813560"/>
+                <a:chOff x="7023964" y="1758999"/>
+                <a:chExt cx="5004077" cy="3165681"/>
+              </a:xfrm>
+            </p:grpSpPr>
+            <p:pic>
+              <p:nvPicPr>
+                <p:cNvPr id="11" name="Picture 10">
+                  <a:extLst>
+                    <a:ext uri="{FF2B5EF4-FFF2-40B4-BE49-F238E27FC236}">
+                      <a16:creationId xmlns:a16="http://schemas.microsoft.com/office/drawing/2014/main" id="{E52744AE-FCE2-2C68-C0B8-417555EFE78C}"/>
+                    </a:ext>
+                  </a:extLst>
+                </p:cNvPr>
+                <p:cNvPicPr>
+                  <a:picLocks noChangeAspect="1"/>
+                </p:cNvPicPr>
+                <p:nvPr/>
+              </p:nvPicPr>
+              <p:blipFill rotWithShape="1">
+                <a:blip r:embed="rId2"/>
+                <a:srcRect l="5140"/>
+                <a:stretch/>
+              </p:blipFill>
+              <p:spPr>
+                <a:xfrm>
+                  <a:off x="7023964" y="1758999"/>
+                  <a:ext cx="4983057" cy="1343035"/>
+                </a:xfrm>
+                <a:prstGeom prst="rect">
+                  <a:avLst/>
+                </a:prstGeom>
+              </p:spPr>
+            </p:pic>
+            <p:pic>
+              <p:nvPicPr>
+                <p:cNvPr id="12" name="Picture 11">
+                  <a:extLst>
+                    <a:ext uri="{FF2B5EF4-FFF2-40B4-BE49-F238E27FC236}">
+                      <a16:creationId xmlns:a16="http://schemas.microsoft.com/office/drawing/2014/main" id="{C160BBC5-F1D2-CDF2-EB49-6DCA7DE54934}"/>
+                    </a:ext>
+                  </a:extLst>
+                </p:cNvPr>
+                <p:cNvPicPr>
+                  <a:picLocks noChangeAspect="1"/>
+                </p:cNvPicPr>
+                <p:nvPr/>
+              </p:nvPicPr>
+              <p:blipFill rotWithShape="1">
+                <a:blip r:embed="rId3"/>
+                <a:srcRect l="10725" t="19905"/>
+                <a:stretch/>
+              </p:blipFill>
+              <p:spPr>
+                <a:xfrm>
+                  <a:off x="7023964" y="3484503"/>
+                  <a:ext cx="4983057" cy="1151997"/>
+                </a:xfrm>
+                <a:prstGeom prst="rect">
+                  <a:avLst/>
+                </a:prstGeom>
+              </p:spPr>
+            </p:pic>
+            <p:pic>
+              <p:nvPicPr>
+                <p:cNvPr id="13" name="Picture 12">
+                  <a:extLst>
+                    <a:ext uri="{FF2B5EF4-FFF2-40B4-BE49-F238E27FC236}">
+                      <a16:creationId xmlns:a16="http://schemas.microsoft.com/office/drawing/2014/main" id="{049B6066-B542-AB79-515A-DABD8A7C26BB}"/>
+                    </a:ext>
+                  </a:extLst>
+                </p:cNvPr>
+                <p:cNvPicPr>
+                  <a:picLocks noChangeAspect="1"/>
+                </p:cNvPicPr>
+                <p:nvPr/>
+              </p:nvPicPr>
+              <p:blipFill>
+                <a:blip r:embed="rId4"/>
+                <a:stretch>
+                  <a:fillRect/>
+                </a:stretch>
+              </p:blipFill>
+              <p:spPr>
+                <a:xfrm>
+                  <a:off x="8508528" y="3102034"/>
+                  <a:ext cx="3519513" cy="271464"/>
+                </a:xfrm>
+                <a:prstGeom prst="rect">
+                  <a:avLst/>
+                </a:prstGeom>
+              </p:spPr>
+            </p:pic>
+            <p:pic>
+              <p:nvPicPr>
+                <p:cNvPr id="14" name="Picture 13">
+                  <a:extLst>
+                    <a:ext uri="{FF2B5EF4-FFF2-40B4-BE49-F238E27FC236}">
+                      <a16:creationId xmlns:a16="http://schemas.microsoft.com/office/drawing/2014/main" id="{62ED56D6-D50B-F534-B540-ED3E7547B2C5}"/>
+                    </a:ext>
+                  </a:extLst>
+                </p:cNvPr>
+                <p:cNvPicPr>
+                  <a:picLocks noChangeAspect="1"/>
+                </p:cNvPicPr>
+                <p:nvPr/>
+              </p:nvPicPr>
+              <p:blipFill>
+                <a:blip r:embed="rId4"/>
+                <a:stretch>
+                  <a:fillRect/>
+                </a:stretch>
+              </p:blipFill>
+              <p:spPr>
+                <a:xfrm>
+                  <a:off x="8476998" y="4611773"/>
+                  <a:ext cx="3519513" cy="271464"/>
+                </a:xfrm>
+                <a:prstGeom prst="rect">
+                  <a:avLst/>
+                </a:prstGeom>
+              </p:spPr>
+            </p:pic>
+            <p:sp>
+              <p:nvSpPr>
+                <p:cNvPr id="15" name="TextBox 14">
+                  <a:extLst>
+                    <a:ext uri="{FF2B5EF4-FFF2-40B4-BE49-F238E27FC236}">
+                      <a16:creationId xmlns:a16="http://schemas.microsoft.com/office/drawing/2014/main" id="{7EA2E872-78CF-B578-DD1C-FF249AC8E900}"/>
+                    </a:ext>
+                  </a:extLst>
+                </p:cNvPr>
+                <p:cNvSpPr txBox="1"/>
+                <p:nvPr/>
+              </p:nvSpPr>
+              <p:spPr>
+                <a:xfrm>
+                  <a:off x="8255876" y="3213039"/>
+                  <a:ext cx="1203434" cy="230832"/>
+                </a:xfrm>
+                <a:prstGeom prst="rect">
+                  <a:avLst/>
+                </a:prstGeom>
+                <a:solidFill>
+                  <a:schemeClr val="bg1"/>
+                </a:solidFill>
+              </p:spPr>
+              <p:txBody>
+                <a:bodyPr wrap="square" rtlCol="0">
+                  <a:spAutoFit/>
+                </a:bodyPr>
+                <a:lstStyle/>
+                <a:p>
+                  <a:endParaRPr lang="en-US" sz="900" dirty="0"/>
+                </a:p>
+              </p:txBody>
+            </p:sp>
+            <p:sp>
+              <p:nvSpPr>
+                <p:cNvPr id="16" name="TextBox 15">
+                  <a:extLst>
+                    <a:ext uri="{FF2B5EF4-FFF2-40B4-BE49-F238E27FC236}">
+                      <a16:creationId xmlns:a16="http://schemas.microsoft.com/office/drawing/2014/main" id="{5284C246-A23A-6CF3-659D-C1A1B01EAE3F}"/>
+                    </a:ext>
+                  </a:extLst>
+                </p:cNvPr>
+                <p:cNvSpPr txBox="1"/>
+                <p:nvPr/>
+              </p:nvSpPr>
+              <p:spPr>
+                <a:xfrm>
+                  <a:off x="8177049" y="4693848"/>
+                  <a:ext cx="1203434" cy="230832"/>
+                </a:xfrm>
+                <a:prstGeom prst="rect">
+                  <a:avLst/>
+                </a:prstGeom>
+                <a:solidFill>
+                  <a:schemeClr val="bg1"/>
+                </a:solidFill>
+              </p:spPr>
+              <p:txBody>
+                <a:bodyPr wrap="square" rtlCol="0">
+                  <a:spAutoFit/>
+                </a:bodyPr>
+                <a:lstStyle/>
+                <a:p>
+                  <a:endParaRPr lang="en-US" sz="900" dirty="0"/>
+                </a:p>
+              </p:txBody>
+            </p:sp>
+          </p:grpSp>
+          <p:sp>
+            <p:nvSpPr>
+              <p:cNvPr id="10" name="TextBox 9">
+                <a:extLst>
+                  <a:ext uri="{FF2B5EF4-FFF2-40B4-BE49-F238E27FC236}">
+                    <a16:creationId xmlns:a16="http://schemas.microsoft.com/office/drawing/2014/main" id="{03434A07-A5B4-BF5F-C0A6-02A387C50A8E}"/>
+                  </a:ext>
+                </a:extLst>
+              </p:cNvPr>
+              <p:cNvSpPr txBox="1"/>
+              <p:nvPr/>
+            </p:nvSpPr>
+            <p:spPr>
+              <a:xfrm>
+                <a:off x="7303960" y="5247389"/>
+                <a:ext cx="562975" cy="307777"/>
+              </a:xfrm>
+              <a:prstGeom prst="rect">
+                <a:avLst/>
+              </a:prstGeom>
+              <a:noFill/>
+            </p:spPr>
+            <p:txBody>
+              <a:bodyPr wrap="none" rtlCol="0">
+                <a:spAutoFit/>
+              </a:bodyPr>
+              <a:lstStyle/>
+              <a:p>
+                <a:r>
+                  <a:rPr lang="en-US" sz="1400" dirty="0">
+                    <a:latin typeface="Arial" panose="020B0604020202020204" pitchFamily="34" charset="0"/>
+                    <a:cs typeface="Arial" panose="020B0604020202020204" pitchFamily="34" charset="0"/>
+                  </a:rPr>
+                  <a:t>Less</a:t>
+                </a:r>
+              </a:p>
+            </p:txBody>
+          </p:sp>
+        </p:grpSp>
+        <p:sp>
+          <p:nvSpPr>
+            <p:cNvPr id="8" name="TextBox 7">
+              <a:extLst>
+                <a:ext uri="{FF2B5EF4-FFF2-40B4-BE49-F238E27FC236}">
+                  <a16:creationId xmlns:a16="http://schemas.microsoft.com/office/drawing/2014/main" id="{9BD6387B-7C6C-85EB-4A57-43C9B39F6859}"/>
+                </a:ext>
+              </a:extLst>
+            </p:cNvPr>
+            <p:cNvSpPr txBox="1"/>
+            <p:nvPr/>
+          </p:nvSpPr>
+          <p:spPr>
+            <a:xfrm>
+              <a:off x="6203165" y="5245296"/>
+              <a:ext cx="2070741" cy="721562"/>
+            </a:xfrm>
+            <a:prstGeom prst="rect">
+              <a:avLst/>
+            </a:prstGeom>
+            <a:noFill/>
+          </p:spPr>
+          <p:txBody>
+            <a:bodyPr wrap="square">
+              <a:spAutoFit/>
+            </a:bodyPr>
+            <a:lstStyle/>
+            <a:p>
+              <a:pPr algn="ctr"/>
+              <a:r>
+                <a:rPr lang="en-US" sz="1400" dirty="0">
+                  <a:latin typeface="Arial" panose="020B0604020202020204" pitchFamily="34" charset="0"/>
+                  <a:cs typeface="Arial" panose="020B0604020202020204" pitchFamily="34" charset="0"/>
+                </a:rPr>
+                <a:t>More </a:t>
+              </a:r>
+            </a:p>
+            <a:p>
+              <a:pPr algn="ctr"/>
+              <a:r>
+                <a:rPr lang="en-US" sz="1400" dirty="0">
+                  <a:latin typeface="Arial" panose="020B0604020202020204" pitchFamily="34" charset="0"/>
+                  <a:cs typeface="Arial" panose="020B0604020202020204" pitchFamily="34" charset="0"/>
+                </a:rPr>
+                <a:t>Utilization</a:t>
+              </a:r>
+            </a:p>
+          </p:txBody>
+        </p:sp>
+      </p:grpSp>
+      <p:cxnSp>
+        <p:nvCxnSpPr>
+          <p:cNvPr id="18" name="Straight Arrow Connector 17">
+            <a:extLst>
+              <a:ext uri="{FF2B5EF4-FFF2-40B4-BE49-F238E27FC236}">
+                <a16:creationId xmlns:a16="http://schemas.microsoft.com/office/drawing/2014/main" id="{B69FF9A6-101F-EE15-F679-C896C448BC13}"/>
+              </a:ext>
+            </a:extLst>
+          </p:cNvPr>
+          <p:cNvCxnSpPr>
+            <a:cxnSpLocks/>
+          </p:cNvCxnSpPr>
+          <p:nvPr/>
+        </p:nvCxnSpPr>
+        <p:spPr bwMode="auto">
+          <a:xfrm flipH="1">
+            <a:off x="4990190" y="2162728"/>
+            <a:ext cx="1563530" cy="43691"/>
+          </a:xfrm>
+          <a:prstGeom prst="straightConnector1">
+            <a:avLst/>
+          </a:prstGeom>
+          <a:solidFill>
+            <a:schemeClr val="accent1"/>
+          </a:solidFill>
+          <a:ln w="9525" cap="flat" cmpd="sng" algn="ctr">
+            <a:solidFill>
+              <a:schemeClr val="tx1"/>
+            </a:solidFill>
+            <a:prstDash val="solid"/>
+            <a:round/>
+            <a:headEnd type="none" w="med" len="med"/>
+            <a:tailEnd type="triangle"/>
+          </a:ln>
+          <a:effectLst/>
+        </p:spPr>
+      </p:cxnSp>
+      <p:sp>
+        <p:nvSpPr>
+          <p:cNvPr id="21" name="TextBox 20">
+            <a:extLst>
+              <a:ext uri="{FF2B5EF4-FFF2-40B4-BE49-F238E27FC236}">
+                <a16:creationId xmlns:a16="http://schemas.microsoft.com/office/drawing/2014/main" id="{06592267-2A2D-19A0-D081-9A8F47B61393}"/>
+              </a:ext>
+            </a:extLst>
+          </p:cNvPr>
+          <p:cNvSpPr txBox="1"/>
+          <p:nvPr/>
+        </p:nvSpPr>
+        <p:spPr>
+          <a:xfrm>
+            <a:off x="6669190" y="1860523"/>
+            <a:ext cx="2384306" cy="584775"/>
+          </a:xfrm>
+          <a:prstGeom prst="rect">
+            <a:avLst/>
+          </a:prstGeom>
+          <a:noFill/>
+        </p:spPr>
+        <p:txBody>
+          <a:bodyPr wrap="square" rtlCol="0">
+            <a:spAutoFit/>
+          </a:bodyPr>
+          <a:lstStyle/>
+          <a:p>
+            <a:r>
+              <a:rPr lang="en-US" sz="1600" dirty="0"/>
+              <a:t>Older adults had more </a:t>
+            </a:r>
+          </a:p>
+          <a:p>
+            <a:r>
+              <a:rPr lang="en-US" sz="1600" dirty="0"/>
+              <a:t>In-person visits</a:t>
+            </a:r>
+          </a:p>
+        </p:txBody>
+      </p:sp>
+      <p:cxnSp>
+        <p:nvCxnSpPr>
+          <p:cNvPr id="22" name="Straight Arrow Connector 21">
+            <a:extLst>
+              <a:ext uri="{FF2B5EF4-FFF2-40B4-BE49-F238E27FC236}">
+                <a16:creationId xmlns:a16="http://schemas.microsoft.com/office/drawing/2014/main" id="{F156A557-0BA6-6163-C6F1-CA4FFA111A04}"/>
+              </a:ext>
+            </a:extLst>
+          </p:cNvPr>
+          <p:cNvCxnSpPr>
+            <a:cxnSpLocks/>
+          </p:cNvCxnSpPr>
+          <p:nvPr/>
+        </p:nvCxnSpPr>
+        <p:spPr bwMode="auto">
+          <a:xfrm flipH="1">
+            <a:off x="4912169" y="3707835"/>
+            <a:ext cx="1563531" cy="106889"/>
+          </a:xfrm>
+          <a:prstGeom prst="straightConnector1">
+            <a:avLst/>
+          </a:prstGeom>
+          <a:solidFill>
+            <a:schemeClr val="accent1"/>
+          </a:solidFill>
+          <a:ln w="9525" cap="flat" cmpd="sng" algn="ctr">
+            <a:solidFill>
+              <a:schemeClr val="tx1"/>
+            </a:solidFill>
+            <a:prstDash val="solid"/>
+            <a:round/>
+            <a:headEnd type="none" w="med" len="med"/>
+            <a:tailEnd type="triangle"/>
+          </a:ln>
+          <a:effectLst/>
+        </p:spPr>
+      </p:cxnSp>
+      <p:sp>
+        <p:nvSpPr>
+          <p:cNvPr id="25" name="TextBox 24">
+            <a:extLst>
+              <a:ext uri="{FF2B5EF4-FFF2-40B4-BE49-F238E27FC236}">
+                <a16:creationId xmlns:a16="http://schemas.microsoft.com/office/drawing/2014/main" id="{B45B0FDB-1FE5-D2C5-9F1A-FF0E8E4C937F}"/>
+              </a:ext>
+            </a:extLst>
+          </p:cNvPr>
+          <p:cNvSpPr txBox="1"/>
+          <p:nvPr/>
+        </p:nvSpPr>
+        <p:spPr>
+          <a:xfrm>
+            <a:off x="6553720" y="3334892"/>
+            <a:ext cx="2384306" cy="584775"/>
+          </a:xfrm>
+          <a:prstGeom prst="rect">
+            <a:avLst/>
+          </a:prstGeom>
+          <a:noFill/>
+        </p:spPr>
+        <p:txBody>
+          <a:bodyPr wrap="square" rtlCol="0">
+            <a:spAutoFit/>
+          </a:bodyPr>
+          <a:lstStyle/>
+          <a:p>
+            <a:r>
+              <a:rPr lang="en-US" sz="1600" dirty="0"/>
+              <a:t>Older adults had less telemedical visits</a:t>
+            </a:r>
+          </a:p>
+        </p:txBody>
+      </p:sp>
+      <p:sp>
+        <p:nvSpPr>
+          <p:cNvPr id="26" name="Rectangle 25">
+            <a:extLst>
+              <a:ext uri="{FF2B5EF4-FFF2-40B4-BE49-F238E27FC236}">
+                <a16:creationId xmlns:a16="http://schemas.microsoft.com/office/drawing/2014/main" id="{56EB75C5-48CC-5649-87E4-07B6BD28FE03}"/>
+              </a:ext>
+            </a:extLst>
+          </p:cNvPr>
+          <p:cNvSpPr/>
+          <p:nvPr/>
+        </p:nvSpPr>
+        <p:spPr>
+          <a:xfrm>
+            <a:off x="4077350" y="1191423"/>
+            <a:ext cx="1669638" cy="1483886"/>
+          </a:xfrm>
+          <a:prstGeom prst="rect">
+            <a:avLst/>
+          </a:prstGeom>
+          <a:noFill/>
+          <a:ln/>
+        </p:spPr>
+        <p:style>
+          <a:lnRef idx="2">
+            <a:schemeClr val="accent1"/>
+          </a:lnRef>
+          <a:fillRef idx="1">
+            <a:schemeClr val="lt1"/>
+          </a:fillRef>
+          <a:effectRef idx="0">
+            <a:schemeClr val="accent1"/>
+          </a:effectRef>
+          <a:fontRef idx="minor">
+            <a:schemeClr val="dk1"/>
+          </a:fontRef>
+        </p:style>
+        <p:txBody>
+          <a:bodyPr lIns="91440" tIns="91440" bIns="91440" rtlCol="0" anchor="t"/>
+          <a:lstStyle/>
+          <a:p>
+            <a:pPr algn="ctr"/>
+            <a:endParaRPr lang="en-US" sz="1200" dirty="0" err="1">
+              <a:solidFill>
+                <a:srgbClr val="FFFFFF"/>
+              </a:solidFill>
+              <a:latin typeface="Roboto Regular"/>
+              <a:cs typeface="Roboto Regular"/>
+            </a:endParaRPr>
+          </a:p>
+        </p:txBody>
+      </p:sp>
+      <p:sp>
+        <p:nvSpPr>
+          <p:cNvPr id="27" name="Rectangle 26">
+            <a:extLst>
+              <a:ext uri="{FF2B5EF4-FFF2-40B4-BE49-F238E27FC236}">
+                <a16:creationId xmlns:a16="http://schemas.microsoft.com/office/drawing/2014/main" id="{E6EB5FC2-6516-341C-090E-A96231600C1E}"/>
+              </a:ext>
+            </a:extLst>
+          </p:cNvPr>
+          <p:cNvSpPr/>
+          <p:nvPr/>
+        </p:nvSpPr>
+        <p:spPr>
+          <a:xfrm>
+            <a:off x="2708550" y="2958617"/>
+            <a:ext cx="1669638" cy="1483886"/>
+          </a:xfrm>
+          <a:prstGeom prst="rect">
+            <a:avLst/>
+          </a:prstGeom>
+          <a:noFill/>
+          <a:ln/>
+        </p:spPr>
+        <p:style>
+          <a:lnRef idx="2">
+            <a:schemeClr val="accent1"/>
+          </a:lnRef>
+          <a:fillRef idx="1">
+            <a:schemeClr val="lt1"/>
+          </a:fillRef>
+          <a:effectRef idx="0">
+            <a:schemeClr val="accent1"/>
+          </a:effectRef>
+          <a:fontRef idx="minor">
+            <a:schemeClr val="dk1"/>
+          </a:fontRef>
+        </p:style>
+        <p:txBody>
+          <a:bodyPr lIns="91440" tIns="91440" bIns="91440" rtlCol="0" anchor="t"/>
+          <a:lstStyle/>
+          <a:p>
+            <a:pPr algn="ctr"/>
+            <a:endParaRPr lang="en-US" sz="1200" dirty="0" err="1">
+              <a:solidFill>
+                <a:srgbClr val="FFFFFF"/>
+              </a:solidFill>
+              <a:latin typeface="Roboto Regular"/>
+              <a:cs typeface="Roboto Regular"/>
+            </a:endParaRPr>
+          </a:p>
+        </p:txBody>
+      </p:sp>
+      <p:pic>
+        <p:nvPicPr>
+          <p:cNvPr id="17" name="Picture 2" descr="Medical College of Wisconsin - Wikipedia">
+            <a:extLst>
+              <a:ext uri="{FF2B5EF4-FFF2-40B4-BE49-F238E27FC236}">
+                <a16:creationId xmlns:a16="http://schemas.microsoft.com/office/drawing/2014/main" id="{8E29BF71-4F10-BAE9-78D5-F1D7415A2188}"/>
+              </a:ext>
+            </a:extLst>
+          </p:cNvPr>
+          <p:cNvPicPr>
+            <a:picLocks noChangeAspect="1" noChangeArrowheads="1"/>
+          </p:cNvPicPr>
+          <p:nvPr/>
+        </p:nvPicPr>
+        <p:blipFill>
+          <a:blip r:embed="rId5">
+            <a:extLst>
+              <a:ext uri="{28A0092B-C50C-407E-A947-70E740481C1C}">
+                <a14:useLocalDpi xmlns:a14="http://schemas.microsoft.com/office/drawing/2010/main" val="0"/>
+              </a:ext>
+            </a:extLst>
+          </a:blip>
+          <a:srcRect/>
+          <a:stretch>
+            <a:fillRect/>
+          </a:stretch>
+        </p:blipFill>
+        <p:spPr bwMode="auto">
+          <a:xfrm>
+            <a:off x="173569" y="4179232"/>
+            <a:ext cx="460858" cy="365760"/>
+          </a:xfrm>
+          <a:prstGeom prst="rect">
+            <a:avLst/>
+          </a:prstGeom>
+          <a:noFill/>
+          <a:extLst>
+            <a:ext uri="{909E8E84-426E-40DD-AFC4-6F175D3DCCD1}">
+              <a14:hiddenFill xmlns:a14="http://schemas.microsoft.com/office/drawing/2010/main">
+                <a:solidFill>
+                  <a:srgbClr val="FFFFFF"/>
+                </a:solidFill>
+              </a14:hiddenFill>
+            </a:ext>
+          </a:extLst>
+        </p:spPr>
+      </p:pic>
+      <p:pic>
+        <p:nvPicPr>
+          <p:cNvPr id="19" name="Picture 4" descr="UWM at Waukesha Foundation - Home">
+            <a:extLst>
+              <a:ext uri="{FF2B5EF4-FFF2-40B4-BE49-F238E27FC236}">
+                <a16:creationId xmlns:a16="http://schemas.microsoft.com/office/drawing/2014/main" id="{964027CE-3501-5F5D-B914-02475FF1166A}"/>
+              </a:ext>
+            </a:extLst>
+          </p:cNvPr>
+          <p:cNvPicPr>
+            <a:picLocks noChangeAspect="1" noChangeArrowheads="1"/>
+          </p:cNvPicPr>
+          <p:nvPr/>
+        </p:nvPicPr>
+        <p:blipFill rotWithShape="1">
+          <a:blip r:embed="rId6">
+            <a:extLst>
+              <a:ext uri="{28A0092B-C50C-407E-A947-70E740481C1C}">
+                <a14:useLocalDpi xmlns:a14="http://schemas.microsoft.com/office/drawing/2010/main" val="0"/>
+              </a:ext>
+            </a:extLst>
+          </a:blip>
+          <a:srcRect r="61331"/>
+          <a:stretch/>
+        </p:blipFill>
+        <p:spPr bwMode="auto">
+          <a:xfrm>
+            <a:off x="595273" y="4164009"/>
+            <a:ext cx="457200" cy="364920"/>
+          </a:xfrm>
+          <a:prstGeom prst="rect">
+            <a:avLst/>
+          </a:prstGeom>
+          <a:noFill/>
+          <a:extLst>
+            <a:ext uri="{909E8E84-426E-40DD-AFC4-6F175D3DCCD1}">
+              <a14:hiddenFill xmlns:a14="http://schemas.microsoft.com/office/drawing/2010/main">
+                <a:solidFill>
+                  <a:srgbClr val="FFFFFF"/>
+                </a:solidFill>
+              </a14:hiddenFill>
+            </a:ext>
+          </a:extLst>
+        </p:spPr>
+      </p:pic>
+    </p:spTree>
+    <p:extLst>
+      <p:ext uri="{BB962C8B-B14F-4D97-AF65-F5344CB8AC3E}">
+        <p14:creationId xmlns:p14="http://schemas.microsoft.com/office/powerpoint/2010/main" val="4009838892"/>
+      </p:ext>
+    </p:extLst>
+  </p:cSld>
+  <p:clrMapOvr>
+    <a:masterClrMapping/>
+  </p:clrMapOvr>
+  <p:timing>
+    <p:tnLst>
+      <p:par>
+        <p:cTn id="1" dur="indefinite" restart="never" nodeType="tmRoot">
+          <p:childTnLst>
+            <p:seq concurrent="1" nextAc="seek">
+              <p:cTn id="2" dur="indefinite" nodeType="mainSeq">
+                <p:childTnLst>
+                  <p:par>
+                    <p:cTn id="3" fill="hold">
+                      <p:stCondLst>
+                        <p:cond delay="indefinite"/>
+                      </p:stCondLst>
+                      <p:childTnLst>
+                        <p:par>
+                          <p:cTn id="4" fill="hold">
+                            <p:stCondLst>
+                              <p:cond delay="0"/>
+                            </p:stCondLst>
+                            <p:childTnLst>
+                              <p:par>
+                                <p:cTn id="5" presetID="42" presetClass="entr" presetSubtype="0" fill="hold" nodeType="clickEffect">
+                                  <p:stCondLst>
+                                    <p:cond delay="0"/>
+                                  </p:stCondLst>
+                                  <p:childTnLst>
+                                    <p:set>
+                                      <p:cBhvr>
+                                        <p:cTn id="6" dur="1" fill="hold">
+                                          <p:stCondLst>
+                                            <p:cond delay="0"/>
+                                          </p:stCondLst>
+                                        </p:cTn>
+                                        <p:tgtEl>
+                                          <p:spTgt spid="6"/>
+                                        </p:tgtEl>
+                                        <p:attrNameLst>
+                                          <p:attrName>style.visibility</p:attrName>
+                                        </p:attrNameLst>
+                                      </p:cBhvr>
+                                      <p:to>
+                                        <p:strVal val="visible"/>
+                                      </p:to>
+                                    </p:set>
+                                    <p:animEffect transition="in" filter="fade">
+                                      <p:cBhvr>
+                                        <p:cTn id="7" dur="1000"/>
+                                        <p:tgtEl>
+                                          <p:spTgt spid="6"/>
+                                        </p:tgtEl>
+                                      </p:cBhvr>
+                                    </p:animEffect>
+                                    <p:anim calcmode="lin" valueType="num">
+                                      <p:cBhvr>
+                                        <p:cTn id="8" dur="1000" fill="hold"/>
+                                        <p:tgtEl>
+                                          <p:spTgt spid="6"/>
+                                        </p:tgtEl>
+                                        <p:attrNameLst>
+                                          <p:attrName>ppt_x</p:attrName>
+                                        </p:attrNameLst>
+                                      </p:cBhvr>
+                                      <p:tavLst>
+                                        <p:tav tm="0">
+                                          <p:val>
+                                            <p:strVal val="#ppt_x"/>
+                                          </p:val>
+                                        </p:tav>
+                                        <p:tav tm="100000">
+                                          <p:val>
+                                            <p:strVal val="#ppt_x"/>
+                                          </p:val>
+                                        </p:tav>
+                                      </p:tavLst>
+                                    </p:anim>
+                                    <p:anim calcmode="lin" valueType="num">
+                                      <p:cBhvr>
+                                        <p:cTn id="9" dur="1000" fill="hold"/>
+                                        <p:tgtEl>
+                                          <p:spTgt spid="6"/>
+                                        </p:tgtEl>
+                                        <p:attrNameLst>
+                                          <p:attrName>ppt_y</p:attrName>
+                                        </p:attrNameLst>
+                                      </p:cBhvr>
+                                      <p:tavLst>
+                                        <p:tav tm="0">
+                                          <p:val>
+                                            <p:strVal val="#ppt_y+.1"/>
+                                          </p:val>
+                                        </p:tav>
+                                        <p:tav tm="100000">
+                                          <p:val>
+                                            <p:strVal val="#ppt_y"/>
+                                          </p:val>
+                                        </p:tav>
+                                      </p:tavLst>
+                                    </p:anim>
+                                  </p:childTnLst>
+                                </p:cTn>
+                              </p:par>
+                            </p:childTnLst>
+                          </p:cTn>
+                        </p:par>
+                      </p:childTnLst>
+                    </p:cTn>
+                  </p:par>
+                  <p:par>
+                    <p:cTn id="10" fill="hold">
+                      <p:stCondLst>
+                        <p:cond delay="indefinite"/>
+                      </p:stCondLst>
+                      <p:childTnLst>
+                        <p:par>
+                          <p:cTn id="11" fill="hold">
+                            <p:stCondLst>
+                              <p:cond delay="0"/>
+                            </p:stCondLst>
+                            <p:childTnLst>
+                              <p:par>
+                                <p:cTn id="12" presetID="10" presetClass="entr" presetSubtype="0" fill="hold" grpId="0" nodeType="clickEffect">
+                                  <p:stCondLst>
+                                    <p:cond delay="0"/>
+                                  </p:stCondLst>
+                                  <p:childTnLst>
+                                    <p:set>
+                                      <p:cBhvr>
+                                        <p:cTn id="13" dur="1" fill="hold">
+                                          <p:stCondLst>
+                                            <p:cond delay="0"/>
+                                          </p:stCondLst>
+                                        </p:cTn>
+                                        <p:tgtEl>
+                                          <p:spTgt spid="26"/>
+                                        </p:tgtEl>
+                                        <p:attrNameLst>
+                                          <p:attrName>style.visibility</p:attrName>
+                                        </p:attrNameLst>
+                                      </p:cBhvr>
+                                      <p:to>
+                                        <p:strVal val="visible"/>
+                                      </p:to>
+                                    </p:set>
+                                    <p:animEffect transition="in" filter="fade">
+                                      <p:cBhvr>
+                                        <p:cTn id="14" dur="250"/>
+                                        <p:tgtEl>
+                                          <p:spTgt spid="26"/>
+                                        </p:tgtEl>
+                                      </p:cBhvr>
+                                    </p:animEffect>
+                                  </p:childTnLst>
+                                </p:cTn>
+                              </p:par>
+                            </p:childTnLst>
+                          </p:cTn>
+                        </p:par>
+                      </p:childTnLst>
+                    </p:cTn>
+                  </p:par>
+                  <p:par>
+                    <p:cTn id="15" fill="hold">
+                      <p:stCondLst>
+                        <p:cond delay="indefinite"/>
+                      </p:stCondLst>
+                      <p:childTnLst>
+                        <p:par>
+                          <p:cTn id="16" fill="hold">
+                            <p:stCondLst>
+                              <p:cond delay="0"/>
+                            </p:stCondLst>
+                            <p:childTnLst>
+                              <p:par>
+                                <p:cTn id="17" presetID="10" presetClass="entr" presetSubtype="0" fill="hold" grpId="0" nodeType="clickEffect">
+                                  <p:stCondLst>
+                                    <p:cond delay="0"/>
+                                  </p:stCondLst>
+                                  <p:childTnLst>
+                                    <p:set>
+                                      <p:cBhvr>
+                                        <p:cTn id="18" dur="1" fill="hold">
+                                          <p:stCondLst>
+                                            <p:cond delay="0"/>
+                                          </p:stCondLst>
+                                        </p:cTn>
+                                        <p:tgtEl>
+                                          <p:spTgt spid="27"/>
+                                        </p:tgtEl>
+                                        <p:attrNameLst>
+                                          <p:attrName>style.visibility</p:attrName>
+                                        </p:attrNameLst>
+                                      </p:cBhvr>
+                                      <p:to>
+                                        <p:strVal val="visible"/>
+                                      </p:to>
+                                    </p:set>
+                                    <p:animEffect transition="in" filter="fade">
+                                      <p:cBhvr>
+                                        <p:cTn id="19" dur="250"/>
+                                        <p:tgtEl>
+                                          <p:spTgt spid="27"/>
+                                        </p:tgtEl>
+                                      </p:cBhvr>
+                                    </p:animEffect>
+                                  </p:childTnLst>
+                                </p:cTn>
+                              </p:par>
+                            </p:childTnLst>
+                          </p:cTn>
+                        </p:par>
+                      </p:childTnLst>
+                    </p:cTn>
+                  </p:par>
+                </p:childTnLst>
+              </p:cTn>
+              <p:prevCondLst>
+                <p:cond evt="onPrev" delay="0">
+                  <p:tgtEl>
+                    <p:sldTgt/>
+                  </p:tgtEl>
+                </p:cond>
+              </p:prevCondLst>
+              <p:nextCondLst>
+                <p:cond evt="onNext" delay="0">
+                  <p:tgtEl>
+                    <p:sldTgt/>
+                  </p:tgtEl>
+                </p:cond>
+              </p:nextCondLst>
+            </p:seq>
+          </p:childTnLst>
+        </p:cTn>
+      </p:par>
+    </p:tnLst>
+    <p:bldLst>
+      <p:bldP spid="26" grpId="0" animBg="1"/>
+      <p:bldP spid="27" grpId="0" animBg="1"/>
+    </p:bldLst>
+  </p:timing>
+</p:sld>
+</file>
+
+<file path=ppt/slides/slide11.xml><?xml version="1.0" encoding="utf-8"?>
 <p:sld xmlns:a="http://schemas.openxmlformats.org/drawingml/2006/main" xmlns:r="http://schemas.openxmlformats.org/officeDocument/2006/relationships" xmlns:p="http://schemas.openxmlformats.org/presentationml/2006/main">
   <p:cSld>
     <p:spTree>
@@ -6268,7 +10157,7 @@
             <a:fld id="{42C32FFB-F9AE-46F0-A233-A2E628258990}" type="slidenum">
               <a:rPr lang="en-US" smtClean="0"/>
               <a:pPr/>
-              <a:t>10</a:t>
+              <a:t>11</a:t>
             </a:fld>
             <a:endParaRPr lang="en-US" sz="1000"/>
           </a:p>
@@ -6754,6 +10643,98 @@
           </a:p>
         </p:txBody>
       </p:sp>
+      <p:pic>
+        <p:nvPicPr>
+          <p:cNvPr id="18" name="Picture 2" descr="Medical College of Wisconsin - Wikipedia">
+            <a:extLst>
+              <a:ext uri="{FF2B5EF4-FFF2-40B4-BE49-F238E27FC236}">
+                <a16:creationId xmlns:a16="http://schemas.microsoft.com/office/drawing/2014/main" id="{AD62C81E-D4C8-2CB1-03DE-E82223EBF00C}"/>
+              </a:ext>
+            </a:extLst>
+          </p:cNvPr>
+          <p:cNvPicPr>
+            <a:picLocks noChangeAspect="1" noChangeArrowheads="1"/>
+          </p:cNvPicPr>
+          <p:nvPr/>
+        </p:nvPicPr>
+        <p:blipFill>
+          <a:blip r:embed="rId7">
+            <a:extLst>
+              <a:ext uri="{28A0092B-C50C-407E-A947-70E740481C1C}">
+                <a14:useLocalDpi xmlns:a14="http://schemas.microsoft.com/office/drawing/2010/main" val="0"/>
+              </a:ext>
+            </a:extLst>
+          </a:blip>
+          <a:srcRect/>
+          <a:stretch>
+            <a:fillRect/>
+          </a:stretch>
+        </p:blipFill>
+        <p:spPr bwMode="auto">
+          <a:xfrm>
+            <a:off x="173569" y="4179232"/>
+            <a:ext cx="460858" cy="365760"/>
+          </a:xfrm>
+          <a:prstGeom prst="rect">
+            <a:avLst/>
+          </a:prstGeom>
+          <a:noFill/>
+          <a:extLst>
+            <a:ext uri="{909E8E84-426E-40DD-AFC4-6F175D3DCCD1}">
+              <a14:hiddenFill xmlns:a14="http://schemas.microsoft.com/office/drawing/2010/main">
+                <a:solidFill>
+                  <a:srgbClr val="FFFFFF"/>
+                </a:solidFill>
+              </a14:hiddenFill>
+            </a:ext>
+          </a:extLst>
+        </p:spPr>
+      </p:pic>
+      <p:pic>
+        <p:nvPicPr>
+          <p:cNvPr id="19" name="Picture 4" descr="UWM at Waukesha Foundation - Home">
+            <a:extLst>
+              <a:ext uri="{FF2B5EF4-FFF2-40B4-BE49-F238E27FC236}">
+                <a16:creationId xmlns:a16="http://schemas.microsoft.com/office/drawing/2014/main" id="{8BE62B75-F37B-5D2D-57B8-E71E0AE2B206}"/>
+              </a:ext>
+            </a:extLst>
+          </p:cNvPr>
+          <p:cNvPicPr>
+            <a:picLocks noChangeAspect="1" noChangeArrowheads="1"/>
+          </p:cNvPicPr>
+          <p:nvPr/>
+        </p:nvPicPr>
+        <p:blipFill rotWithShape="1">
+          <a:blip r:embed="rId8">
+            <a:extLst>
+              <a:ext uri="{28A0092B-C50C-407E-A947-70E740481C1C}">
+                <a14:useLocalDpi xmlns:a14="http://schemas.microsoft.com/office/drawing/2010/main" val="0"/>
+              </a:ext>
+            </a:extLst>
+          </a:blip>
+          <a:srcRect r="61331"/>
+          <a:stretch/>
+        </p:blipFill>
+        <p:spPr bwMode="auto">
+          <a:xfrm>
+            <a:off x="595273" y="4164009"/>
+            <a:ext cx="457200" cy="364920"/>
+          </a:xfrm>
+          <a:prstGeom prst="rect">
+            <a:avLst/>
+          </a:prstGeom>
+          <a:noFill/>
+          <a:extLst>
+            <a:ext uri="{909E8E84-426E-40DD-AFC4-6F175D3DCCD1}">
+              <a14:hiddenFill xmlns:a14="http://schemas.microsoft.com/office/drawing/2010/main">
+                <a:solidFill>
+                  <a:srgbClr val="FFFFFF"/>
+                </a:solidFill>
+              </a14:hiddenFill>
+            </a:ext>
+          </a:extLst>
+        </p:spPr>
+      </p:pic>
     </p:spTree>
     <p:extLst>
       <p:ext uri="{BB962C8B-B14F-4D97-AF65-F5344CB8AC3E}">
@@ -7675,7 +11656,7 @@
 </p:sld>
 </file>
 
-<file path=ppt/slides/slide11.xml><?xml version="1.0" encoding="utf-8"?>
+<file path=ppt/slides/slide12.xml><?xml version="1.0" encoding="utf-8"?>
 <p:sld xmlns:a="http://schemas.openxmlformats.org/drawingml/2006/main" xmlns:r="http://schemas.openxmlformats.org/officeDocument/2006/relationships" xmlns:p="http://schemas.openxmlformats.org/presentationml/2006/main">
   <p:cSld>
     <p:spTree>
@@ -7750,7 +11731,7 @@
             <a:fld id="{42C32FFB-F9AE-46F0-A233-A2E628258990}" type="slidenum">
               <a:rPr lang="en-US" smtClean="0"/>
               <a:pPr/>
-              <a:t>11</a:t>
+              <a:t>12</a:t>
             </a:fld>
             <a:endParaRPr lang="en-US" sz="1000"/>
           </a:p>
@@ -8405,6 +12386,98 @@
           </a:p>
         </p:txBody>
       </p:sp>
+      <p:pic>
+        <p:nvPicPr>
+          <p:cNvPr id="6" name="Picture 2" descr="Medical College of Wisconsin - Wikipedia">
+            <a:extLst>
+              <a:ext uri="{FF2B5EF4-FFF2-40B4-BE49-F238E27FC236}">
+                <a16:creationId xmlns:a16="http://schemas.microsoft.com/office/drawing/2014/main" id="{8D9A621D-8BED-9CA6-3715-D732351C2D51}"/>
+              </a:ext>
+            </a:extLst>
+          </p:cNvPr>
+          <p:cNvPicPr>
+            <a:picLocks noChangeAspect="1" noChangeArrowheads="1"/>
+          </p:cNvPicPr>
+          <p:nvPr/>
+        </p:nvPicPr>
+        <p:blipFill>
+          <a:blip r:embed="rId9">
+            <a:extLst>
+              <a:ext uri="{28A0092B-C50C-407E-A947-70E740481C1C}">
+                <a14:useLocalDpi xmlns:a14="http://schemas.microsoft.com/office/drawing/2010/main" val="0"/>
+              </a:ext>
+            </a:extLst>
+          </a:blip>
+          <a:srcRect/>
+          <a:stretch>
+            <a:fillRect/>
+          </a:stretch>
+        </p:blipFill>
+        <p:spPr bwMode="auto">
+          <a:xfrm>
+            <a:off x="173569" y="4179232"/>
+            <a:ext cx="460858" cy="365760"/>
+          </a:xfrm>
+          <a:prstGeom prst="rect">
+            <a:avLst/>
+          </a:prstGeom>
+          <a:noFill/>
+          <a:extLst>
+            <a:ext uri="{909E8E84-426E-40DD-AFC4-6F175D3DCCD1}">
+              <a14:hiddenFill xmlns:a14="http://schemas.microsoft.com/office/drawing/2010/main">
+                <a:solidFill>
+                  <a:srgbClr val="FFFFFF"/>
+                </a:solidFill>
+              </a14:hiddenFill>
+            </a:ext>
+          </a:extLst>
+        </p:spPr>
+      </p:pic>
+      <p:pic>
+        <p:nvPicPr>
+          <p:cNvPr id="7" name="Picture 4" descr="UWM at Waukesha Foundation - Home">
+            <a:extLst>
+              <a:ext uri="{FF2B5EF4-FFF2-40B4-BE49-F238E27FC236}">
+                <a16:creationId xmlns:a16="http://schemas.microsoft.com/office/drawing/2014/main" id="{C531CD3D-3A1C-31D3-B646-3B954DCC2B26}"/>
+              </a:ext>
+            </a:extLst>
+          </p:cNvPr>
+          <p:cNvPicPr>
+            <a:picLocks noChangeAspect="1" noChangeArrowheads="1"/>
+          </p:cNvPicPr>
+          <p:nvPr/>
+        </p:nvPicPr>
+        <p:blipFill rotWithShape="1">
+          <a:blip r:embed="rId10">
+            <a:extLst>
+              <a:ext uri="{28A0092B-C50C-407E-A947-70E740481C1C}">
+                <a14:useLocalDpi xmlns:a14="http://schemas.microsoft.com/office/drawing/2010/main" val="0"/>
+              </a:ext>
+            </a:extLst>
+          </a:blip>
+          <a:srcRect r="61331"/>
+          <a:stretch/>
+        </p:blipFill>
+        <p:spPr bwMode="auto">
+          <a:xfrm>
+            <a:off x="595273" y="4164009"/>
+            <a:ext cx="457200" cy="364920"/>
+          </a:xfrm>
+          <a:prstGeom prst="rect">
+            <a:avLst/>
+          </a:prstGeom>
+          <a:noFill/>
+          <a:extLst>
+            <a:ext uri="{909E8E84-426E-40DD-AFC4-6F175D3DCCD1}">
+              <a14:hiddenFill xmlns:a14="http://schemas.microsoft.com/office/drawing/2010/main">
+                <a:solidFill>
+                  <a:srgbClr val="FFFFFF"/>
+                </a:solidFill>
+              </a14:hiddenFill>
+            </a:ext>
+          </a:extLst>
+        </p:spPr>
+      </p:pic>
     </p:spTree>
     <p:extLst>
       <p:ext uri="{BB962C8B-B14F-4D97-AF65-F5344CB8AC3E}">
@@ -9036,7 +13109,7 @@
 </p:sld>
 </file>
 
-<file path=ppt/slides/slide12.xml><?xml version="1.0" encoding="utf-8"?>
+<file path=ppt/slides/slide13.xml><?xml version="1.0" encoding="utf-8"?>
 <p:sld xmlns:a="http://schemas.openxmlformats.org/drawingml/2006/main" xmlns:r="http://schemas.openxmlformats.org/officeDocument/2006/relationships" xmlns:p="http://schemas.openxmlformats.org/presentationml/2006/main">
   <p:cSld>
     <p:spTree>
@@ -9110,7 +13183,7 @@
             <a:fld id="{42C32FFB-F9AE-46F0-A233-A2E628258990}" type="slidenum">
               <a:rPr lang="en-US" smtClean="0"/>
               <a:pPr/>
-              <a:t>12</a:t>
+              <a:t>13</a:t>
             </a:fld>
             <a:endParaRPr lang="en-US" sz="1000"/>
           </a:p>
@@ -9690,6 +13763,98 @@
           </a:p>
         </p:txBody>
       </p:sp>
+      <p:pic>
+        <p:nvPicPr>
+          <p:cNvPr id="8" name="Picture 2" descr="Medical College of Wisconsin - Wikipedia">
+            <a:extLst>
+              <a:ext uri="{FF2B5EF4-FFF2-40B4-BE49-F238E27FC236}">
+                <a16:creationId xmlns:a16="http://schemas.microsoft.com/office/drawing/2014/main" id="{8281C562-2938-1E24-CC0C-34967DBE931E}"/>
+              </a:ext>
+            </a:extLst>
+          </p:cNvPr>
+          <p:cNvPicPr>
+            <a:picLocks noChangeAspect="1" noChangeArrowheads="1"/>
+          </p:cNvPicPr>
+          <p:nvPr/>
+        </p:nvPicPr>
+        <p:blipFill>
+          <a:blip r:embed="rId9">
+            <a:extLst>
+              <a:ext uri="{28A0092B-C50C-407E-A947-70E740481C1C}">
+                <a14:useLocalDpi xmlns:a14="http://schemas.microsoft.com/office/drawing/2010/main" val="0"/>
+              </a:ext>
+            </a:extLst>
+          </a:blip>
+          <a:srcRect/>
+          <a:stretch>
+            <a:fillRect/>
+          </a:stretch>
+        </p:blipFill>
+        <p:spPr bwMode="auto">
+          <a:xfrm>
+            <a:off x="173569" y="4179232"/>
+            <a:ext cx="460858" cy="365760"/>
+          </a:xfrm>
+          <a:prstGeom prst="rect">
+            <a:avLst/>
+          </a:prstGeom>
+          <a:noFill/>
+          <a:extLst>
+            <a:ext uri="{909E8E84-426E-40DD-AFC4-6F175D3DCCD1}">
+              <a14:hiddenFill xmlns:a14="http://schemas.microsoft.com/office/drawing/2010/main">
+                <a:solidFill>
+                  <a:srgbClr val="FFFFFF"/>
+                </a:solidFill>
+              </a14:hiddenFill>
+            </a:ext>
+          </a:extLst>
+        </p:spPr>
+      </p:pic>
+      <p:pic>
+        <p:nvPicPr>
+          <p:cNvPr id="9" name="Picture 4" descr="UWM at Waukesha Foundation - Home">
+            <a:extLst>
+              <a:ext uri="{FF2B5EF4-FFF2-40B4-BE49-F238E27FC236}">
+                <a16:creationId xmlns:a16="http://schemas.microsoft.com/office/drawing/2014/main" id="{353FAE67-E8DD-F466-6C00-6D37E9839C33}"/>
+              </a:ext>
+            </a:extLst>
+          </p:cNvPr>
+          <p:cNvPicPr>
+            <a:picLocks noChangeAspect="1" noChangeArrowheads="1"/>
+          </p:cNvPicPr>
+          <p:nvPr/>
+        </p:nvPicPr>
+        <p:blipFill rotWithShape="1">
+          <a:blip r:embed="rId10">
+            <a:extLst>
+              <a:ext uri="{28A0092B-C50C-407E-A947-70E740481C1C}">
+                <a14:useLocalDpi xmlns:a14="http://schemas.microsoft.com/office/drawing/2010/main" val="0"/>
+              </a:ext>
+            </a:extLst>
+          </a:blip>
+          <a:srcRect r="61331"/>
+          <a:stretch/>
+        </p:blipFill>
+        <p:spPr bwMode="auto">
+          <a:xfrm>
+            <a:off x="595273" y="4164009"/>
+            <a:ext cx="457200" cy="364920"/>
+          </a:xfrm>
+          <a:prstGeom prst="rect">
+            <a:avLst/>
+          </a:prstGeom>
+          <a:noFill/>
+          <a:extLst>
+            <a:ext uri="{909E8E84-426E-40DD-AFC4-6F175D3DCCD1}">
+              <a14:hiddenFill xmlns:a14="http://schemas.microsoft.com/office/drawing/2010/main">
+                <a:solidFill>
+                  <a:srgbClr val="FFFFFF"/>
+                </a:solidFill>
+              </a14:hiddenFill>
+            </a:ext>
+          </a:extLst>
+        </p:spPr>
+      </p:pic>
     </p:spTree>
     <p:extLst>
       <p:ext uri="{BB962C8B-B14F-4D97-AF65-F5344CB8AC3E}">
@@ -10321,199 +14486,6 @@
 </p:sld>
 </file>
 
-<file path=ppt/slides/slide13.xml><?xml version="1.0" encoding="utf-8"?>
-<p:sld xmlns:a="http://schemas.openxmlformats.org/drawingml/2006/main" xmlns:r="http://schemas.openxmlformats.org/officeDocument/2006/relationships" xmlns:p="http://schemas.openxmlformats.org/presentationml/2006/main">
-  <p:cSld>
-    <p:spTree>
-      <p:nvGrpSpPr>
-        <p:cNvPr id="1" name=""/>
-        <p:cNvGrpSpPr/>
-        <p:nvPr/>
-      </p:nvGrpSpPr>
-      <p:grpSpPr>
-        <a:xfrm>
-          <a:off x="0" y="0"/>
-          <a:ext cx="0" cy="0"/>
-          <a:chOff x="0" y="0"/>
-          <a:chExt cx="0" cy="0"/>
-        </a:xfrm>
-      </p:grpSpPr>
-      <p:sp>
-        <p:nvSpPr>
-          <p:cNvPr id="2" name="Title 1">
-            <a:extLst>
-              <a:ext uri="{FF2B5EF4-FFF2-40B4-BE49-F238E27FC236}">
-                <a16:creationId xmlns:a16="http://schemas.microsoft.com/office/drawing/2014/main" id="{3576183D-1CE4-EC10-3896-EB3730D5C2A1}"/>
-              </a:ext>
-            </a:extLst>
-          </p:cNvPr>
-          <p:cNvSpPr>
-            <a:spLocks noGrp="1"/>
-          </p:cNvSpPr>
-          <p:nvPr>
-            <p:ph type="title"/>
-          </p:nvPr>
-        </p:nvSpPr>
-        <p:spPr>
-          <a:xfrm>
-            <a:off x="547730" y="402548"/>
-            <a:ext cx="6783946" cy="320088"/>
-          </a:xfrm>
-        </p:spPr>
-        <p:txBody>
-          <a:bodyPr/>
-          <a:lstStyle/>
-          <a:p>
-            <a:r>
-              <a:rPr lang="en-US" dirty="0"/>
-              <a:t>Telemedicine Utilization Gap</a:t>
-            </a:r>
-          </a:p>
-        </p:txBody>
-      </p:sp>
-      <p:sp>
-        <p:nvSpPr>
-          <p:cNvPr id="3" name="Content Placeholder 2">
-            <a:extLst>
-              <a:ext uri="{FF2B5EF4-FFF2-40B4-BE49-F238E27FC236}">
-                <a16:creationId xmlns:a16="http://schemas.microsoft.com/office/drawing/2014/main" id="{D31AA75A-619F-8F5D-6334-583D2E751758}"/>
-              </a:ext>
-            </a:extLst>
-          </p:cNvPr>
-          <p:cNvSpPr>
-            <a:spLocks noGrp="1"/>
-          </p:cNvSpPr>
-          <p:nvPr>
-            <p:ph sz="quarter" idx="12"/>
-          </p:nvPr>
-        </p:nvSpPr>
-        <p:spPr/>
-        <p:txBody>
-          <a:bodyPr/>
-          <a:lstStyle/>
-          <a:p>
-            <a:r>
-              <a:rPr lang="en-US" dirty="0"/>
-              <a:t>Telemedicine exacerbated disparities in:</a:t>
-            </a:r>
-          </a:p>
-          <a:p>
-            <a:pPr marL="285750" indent="-285750">
-              <a:buFont typeface="Arial" panose="020B0604020202020204" pitchFamily="34" charset="0"/>
-              <a:buChar char="•"/>
-            </a:pPr>
-            <a:r>
-              <a:rPr lang="en-US" dirty="0"/>
-              <a:t>People who do not speak English (with a 0.30 odds ratio compared to baseline)</a:t>
-            </a:r>
-          </a:p>
-          <a:p>
-            <a:pPr marL="285750" indent="-285750">
-              <a:buFont typeface="Arial" panose="020B0604020202020204" pitchFamily="34" charset="0"/>
-              <a:buChar char="•"/>
-            </a:pPr>
-            <a:r>
-              <a:rPr lang="en-US" dirty="0"/>
-              <a:t>Older age (65y/o+, 0.89x)</a:t>
-            </a:r>
-          </a:p>
-          <a:p>
-            <a:pPr marL="285750" indent="-285750">
-              <a:buFont typeface="Arial" panose="020B0604020202020204" pitchFamily="34" charset="0"/>
-              <a:buChar char="•"/>
-            </a:pPr>
-            <a:r>
-              <a:rPr lang="en-US" dirty="0"/>
-              <a:t>Rural residences (0.89x)</a:t>
-            </a:r>
-          </a:p>
-          <a:p>
-            <a:pPr marL="285750" indent="-285750">
-              <a:buFont typeface="Arial" panose="020B0604020202020204" pitchFamily="34" charset="0"/>
-              <a:buChar char="•"/>
-            </a:pPr>
-            <a:r>
-              <a:rPr lang="en-US" dirty="0"/>
-              <a:t>Uninsured (0.07x)</a:t>
-            </a:r>
-          </a:p>
-          <a:p>
-            <a:endParaRPr lang="en-US" dirty="0"/>
-          </a:p>
-        </p:txBody>
-      </p:sp>
-      <p:sp>
-        <p:nvSpPr>
-          <p:cNvPr id="4" name="Slide Number Placeholder 3">
-            <a:extLst>
-              <a:ext uri="{FF2B5EF4-FFF2-40B4-BE49-F238E27FC236}">
-                <a16:creationId xmlns:a16="http://schemas.microsoft.com/office/drawing/2014/main" id="{5C758C62-F53A-54EF-A394-9D8A27D6A102}"/>
-              </a:ext>
-            </a:extLst>
-          </p:cNvPr>
-          <p:cNvSpPr>
-            <a:spLocks noGrp="1"/>
-          </p:cNvSpPr>
-          <p:nvPr>
-            <p:ph type="sldNum" sz="quarter" idx="4"/>
-          </p:nvPr>
-        </p:nvSpPr>
-        <p:spPr/>
-        <p:txBody>
-          <a:bodyPr/>
-          <a:lstStyle/>
-          <a:p>
-            <a:fld id="{42C32FFB-F9AE-46F0-A233-A2E628258990}" type="slidenum">
-              <a:rPr lang="en-US" smtClean="0"/>
-              <a:pPr/>
-              <a:t>13</a:t>
-            </a:fld>
-            <a:endParaRPr lang="en-US" sz="1000"/>
-          </a:p>
-        </p:txBody>
-      </p:sp>
-      <p:sp>
-        <p:nvSpPr>
-          <p:cNvPr id="5" name="Footer Placeholder 4">
-            <a:extLst>
-              <a:ext uri="{FF2B5EF4-FFF2-40B4-BE49-F238E27FC236}">
-                <a16:creationId xmlns:a16="http://schemas.microsoft.com/office/drawing/2014/main" id="{C597EB53-A71A-BD4E-37F9-94B77CAF3ABD}"/>
-              </a:ext>
-            </a:extLst>
-          </p:cNvPr>
-          <p:cNvSpPr>
-            <a:spLocks noGrp="1"/>
-          </p:cNvSpPr>
-          <p:nvPr>
-            <p:ph type="ftr" sz="quarter" idx="3"/>
-          </p:nvPr>
-        </p:nvSpPr>
-        <p:spPr/>
-        <p:txBody>
-          <a:bodyPr/>
-          <a:lstStyle/>
-          <a:p>
-            <a:r>
-              <a:rPr lang="en-US"/>
-              <a:t>2022 Clinical Informatics Conference |   amia.org</a:t>
-            </a:r>
-            <a:endParaRPr lang="en-US" dirty="0"/>
-          </a:p>
-        </p:txBody>
-      </p:sp>
-    </p:spTree>
-    <p:extLst>
-      <p:ext uri="{BB962C8B-B14F-4D97-AF65-F5344CB8AC3E}">
-        <p14:creationId xmlns:p14="http://schemas.microsoft.com/office/powerpoint/2010/main" val="3984396635"/>
-      </p:ext>
-    </p:extLst>
-  </p:cSld>
-  <p:clrMapOvr>
-    <a:masterClrMapping/>
-  </p:clrMapOvr>
-</p:sld>
-</file>
-
 <file path=ppt/slides/slide14.xml><?xml version="1.0" encoding="utf-8"?>
 <p:sld xmlns:a="http://schemas.openxmlformats.org/drawingml/2006/main" xmlns:r="http://schemas.openxmlformats.org/officeDocument/2006/relationships" xmlns:p="http://schemas.openxmlformats.org/presentationml/2006/main">
   <p:cSld>
@@ -10597,17 +14569,7 @@
             </a:pPr>
             <a:r>
               <a:rPr lang="en-US" dirty="0"/>
-              <a:t>Coverage remains low (~21%) </a:t>
-            </a:r>
-          </a:p>
-          <a:p>
-            <a:pPr marL="788670" lvl="1" indent="-285750">
-              <a:buFont typeface="Arial" panose="020B0604020202020204" pitchFamily="34" charset="0"/>
-              <a:buChar char="•"/>
-            </a:pPr>
-            <a:r>
-              <a:rPr lang="en-US" dirty="0"/>
-              <a:t>National average is 30%~40% on first month, then move to 5 - 10% hereafter</a:t>
+              <a:t>People who do not speak English (with a 0.30 odds ratio compared to baseline)</a:t>
             </a:r>
           </a:p>
           <a:p>
@@ -10617,7 +14579,7 @@
             </a:pPr>
             <a:r>
               <a:rPr lang="en-US" dirty="0"/>
-              <a:t>Phone and in-person care are major forms (60-70%) </a:t>
+              <a:t>Older age (65y/o+, 0.89x)</a:t>
             </a:r>
           </a:p>
           <a:p>
@@ -10627,7 +14589,17 @@
             </a:pPr>
             <a:r>
               <a:rPr lang="en-US" dirty="0"/>
-              <a:t>Telemedicine cannot fully cover/replace in-person care</a:t>
+              <a:t>Rural residences (0.89x)</a:t>
+            </a:r>
+          </a:p>
+          <a:p>
+            <a:pPr marL="285750" indent="-285750">
+              <a:buFont typeface="Arial" panose="020B0604020202020204" pitchFamily="34" charset="0"/>
+              <a:buChar char="•"/>
+            </a:pPr>
+            <a:r>
+              <a:rPr lang="en-US" dirty="0"/>
+              <a:t>Uninsured (0.07x)</a:t>
             </a:r>
           </a:p>
           <a:p>
@@ -10694,6 +14666,383 @@
           </a:p>
         </p:txBody>
       </p:sp>
+      <p:pic>
+        <p:nvPicPr>
+          <p:cNvPr id="7" name="Picture 2" descr="Medical College of Wisconsin - Wikipedia">
+            <a:extLst>
+              <a:ext uri="{FF2B5EF4-FFF2-40B4-BE49-F238E27FC236}">
+                <a16:creationId xmlns:a16="http://schemas.microsoft.com/office/drawing/2014/main" id="{1C417F07-3508-9557-9D42-B5DC3B8B2D1D}"/>
+              </a:ext>
+            </a:extLst>
+          </p:cNvPr>
+          <p:cNvPicPr>
+            <a:picLocks noChangeAspect="1" noChangeArrowheads="1"/>
+          </p:cNvPicPr>
+          <p:nvPr/>
+        </p:nvPicPr>
+        <p:blipFill>
+          <a:blip r:embed="rId2">
+            <a:extLst>
+              <a:ext uri="{28A0092B-C50C-407E-A947-70E740481C1C}">
+                <a14:useLocalDpi xmlns:a14="http://schemas.microsoft.com/office/drawing/2010/main" val="0"/>
+              </a:ext>
+            </a:extLst>
+          </a:blip>
+          <a:srcRect/>
+          <a:stretch>
+            <a:fillRect/>
+          </a:stretch>
+        </p:blipFill>
+        <p:spPr bwMode="auto">
+          <a:xfrm>
+            <a:off x="173569" y="4179232"/>
+            <a:ext cx="460858" cy="365760"/>
+          </a:xfrm>
+          <a:prstGeom prst="rect">
+            <a:avLst/>
+          </a:prstGeom>
+          <a:noFill/>
+          <a:extLst>
+            <a:ext uri="{909E8E84-426E-40DD-AFC4-6F175D3DCCD1}">
+              <a14:hiddenFill xmlns:a14="http://schemas.microsoft.com/office/drawing/2010/main">
+                <a:solidFill>
+                  <a:srgbClr val="FFFFFF"/>
+                </a:solidFill>
+              </a14:hiddenFill>
+            </a:ext>
+          </a:extLst>
+        </p:spPr>
+      </p:pic>
+      <p:pic>
+        <p:nvPicPr>
+          <p:cNvPr id="8" name="Picture 4" descr="UWM at Waukesha Foundation - Home">
+            <a:extLst>
+              <a:ext uri="{FF2B5EF4-FFF2-40B4-BE49-F238E27FC236}">
+                <a16:creationId xmlns:a16="http://schemas.microsoft.com/office/drawing/2014/main" id="{CC8664F6-7D18-B826-D322-A4AFA56F22C2}"/>
+              </a:ext>
+            </a:extLst>
+          </p:cNvPr>
+          <p:cNvPicPr>
+            <a:picLocks noChangeAspect="1" noChangeArrowheads="1"/>
+          </p:cNvPicPr>
+          <p:nvPr/>
+        </p:nvPicPr>
+        <p:blipFill rotWithShape="1">
+          <a:blip r:embed="rId3">
+            <a:extLst>
+              <a:ext uri="{28A0092B-C50C-407E-A947-70E740481C1C}">
+                <a14:useLocalDpi xmlns:a14="http://schemas.microsoft.com/office/drawing/2010/main" val="0"/>
+              </a:ext>
+            </a:extLst>
+          </a:blip>
+          <a:srcRect r="61331"/>
+          <a:stretch/>
+        </p:blipFill>
+        <p:spPr bwMode="auto">
+          <a:xfrm>
+            <a:off x="595273" y="4164009"/>
+            <a:ext cx="457200" cy="364920"/>
+          </a:xfrm>
+          <a:prstGeom prst="rect">
+            <a:avLst/>
+          </a:prstGeom>
+          <a:noFill/>
+          <a:extLst>
+            <a:ext uri="{909E8E84-426E-40DD-AFC4-6F175D3DCCD1}">
+              <a14:hiddenFill xmlns:a14="http://schemas.microsoft.com/office/drawing/2010/main">
+                <a:solidFill>
+                  <a:srgbClr val="FFFFFF"/>
+                </a:solidFill>
+              </a14:hiddenFill>
+            </a:ext>
+          </a:extLst>
+        </p:spPr>
+      </p:pic>
+    </p:spTree>
+    <p:extLst>
+      <p:ext uri="{BB962C8B-B14F-4D97-AF65-F5344CB8AC3E}">
+        <p14:creationId xmlns:p14="http://schemas.microsoft.com/office/powerpoint/2010/main" val="3984396635"/>
+      </p:ext>
+    </p:extLst>
+  </p:cSld>
+  <p:clrMapOvr>
+    <a:masterClrMapping/>
+  </p:clrMapOvr>
+</p:sld>
+</file>
+
+<file path=ppt/slides/slide15.xml><?xml version="1.0" encoding="utf-8"?>
+<p:sld xmlns:a="http://schemas.openxmlformats.org/drawingml/2006/main" xmlns:r="http://schemas.openxmlformats.org/officeDocument/2006/relationships" xmlns:p="http://schemas.openxmlformats.org/presentationml/2006/main">
+  <p:cSld>
+    <p:spTree>
+      <p:nvGrpSpPr>
+        <p:cNvPr id="1" name=""/>
+        <p:cNvGrpSpPr/>
+        <p:nvPr/>
+      </p:nvGrpSpPr>
+      <p:grpSpPr>
+        <a:xfrm>
+          <a:off x="0" y="0"/>
+          <a:ext cx="0" cy="0"/>
+          <a:chOff x="0" y="0"/>
+          <a:chExt cx="0" cy="0"/>
+        </a:xfrm>
+      </p:grpSpPr>
+      <p:sp>
+        <p:nvSpPr>
+          <p:cNvPr id="2" name="Title 1">
+            <a:extLst>
+              <a:ext uri="{FF2B5EF4-FFF2-40B4-BE49-F238E27FC236}">
+                <a16:creationId xmlns:a16="http://schemas.microsoft.com/office/drawing/2014/main" id="{3576183D-1CE4-EC10-3896-EB3730D5C2A1}"/>
+              </a:ext>
+            </a:extLst>
+          </p:cNvPr>
+          <p:cNvSpPr>
+            <a:spLocks noGrp="1"/>
+          </p:cNvSpPr>
+          <p:nvPr>
+            <p:ph type="title"/>
+          </p:nvPr>
+        </p:nvSpPr>
+        <p:spPr>
+          <a:xfrm>
+            <a:off x="547730" y="402548"/>
+            <a:ext cx="6783946" cy="320088"/>
+          </a:xfrm>
+        </p:spPr>
+        <p:txBody>
+          <a:bodyPr/>
+          <a:lstStyle/>
+          <a:p>
+            <a:r>
+              <a:rPr lang="en-US" dirty="0"/>
+              <a:t>Telemedicine Utilization Gap</a:t>
+            </a:r>
+          </a:p>
+        </p:txBody>
+      </p:sp>
+      <p:sp>
+        <p:nvSpPr>
+          <p:cNvPr id="3" name="Content Placeholder 2">
+            <a:extLst>
+              <a:ext uri="{FF2B5EF4-FFF2-40B4-BE49-F238E27FC236}">
+                <a16:creationId xmlns:a16="http://schemas.microsoft.com/office/drawing/2014/main" id="{D31AA75A-619F-8F5D-6334-583D2E751758}"/>
+              </a:ext>
+            </a:extLst>
+          </p:cNvPr>
+          <p:cNvSpPr>
+            <a:spLocks noGrp="1"/>
+          </p:cNvSpPr>
+          <p:nvPr>
+            <p:ph sz="quarter" idx="12"/>
+          </p:nvPr>
+        </p:nvSpPr>
+        <p:spPr/>
+        <p:txBody>
+          <a:bodyPr/>
+          <a:lstStyle/>
+          <a:p>
+            <a:r>
+              <a:rPr lang="en-US" dirty="0"/>
+              <a:t>Telemedicine exacerbated disparities in:</a:t>
+            </a:r>
+          </a:p>
+          <a:p>
+            <a:pPr marL="285750" indent="-285750">
+              <a:buFont typeface="Arial" panose="020B0604020202020204" pitchFamily="34" charset="0"/>
+              <a:buChar char="•"/>
+            </a:pPr>
+            <a:r>
+              <a:rPr lang="en-US" dirty="0"/>
+              <a:t>Coverage remains low (~21%) </a:t>
+            </a:r>
+          </a:p>
+          <a:p>
+            <a:pPr marL="788670" lvl="1" indent="-285750">
+              <a:buFont typeface="Arial" panose="020B0604020202020204" pitchFamily="34" charset="0"/>
+              <a:buChar char="•"/>
+            </a:pPr>
+            <a:r>
+              <a:rPr lang="en-US" dirty="0"/>
+              <a:t>National average is 30%~40% on first month, then move to 5 - 10% hereafter</a:t>
+            </a:r>
+          </a:p>
+          <a:p>
+            <a:pPr marL="285750" indent="-285750">
+              <a:buFont typeface="Arial" panose="020B0604020202020204" pitchFamily="34" charset="0"/>
+              <a:buChar char="•"/>
+            </a:pPr>
+            <a:r>
+              <a:rPr lang="en-US" dirty="0"/>
+              <a:t>Phone and in-person care are major forms (60-70%) </a:t>
+            </a:r>
+          </a:p>
+          <a:p>
+            <a:pPr marL="285750" indent="-285750">
+              <a:buFont typeface="Arial" panose="020B0604020202020204" pitchFamily="34" charset="0"/>
+              <a:buChar char="•"/>
+            </a:pPr>
+            <a:r>
+              <a:rPr lang="en-US" dirty="0"/>
+              <a:t>Telemedicine cannot fully cover/replace in-person care</a:t>
+            </a:r>
+          </a:p>
+          <a:p>
+            <a:endParaRPr lang="en-US" dirty="0"/>
+          </a:p>
+        </p:txBody>
+      </p:sp>
+      <p:sp>
+        <p:nvSpPr>
+          <p:cNvPr id="4" name="Slide Number Placeholder 3">
+            <a:extLst>
+              <a:ext uri="{FF2B5EF4-FFF2-40B4-BE49-F238E27FC236}">
+                <a16:creationId xmlns:a16="http://schemas.microsoft.com/office/drawing/2014/main" id="{5C758C62-F53A-54EF-A394-9D8A27D6A102}"/>
+              </a:ext>
+            </a:extLst>
+          </p:cNvPr>
+          <p:cNvSpPr>
+            <a:spLocks noGrp="1"/>
+          </p:cNvSpPr>
+          <p:nvPr>
+            <p:ph type="sldNum" sz="quarter" idx="4"/>
+          </p:nvPr>
+        </p:nvSpPr>
+        <p:spPr/>
+        <p:txBody>
+          <a:bodyPr/>
+          <a:lstStyle/>
+          <a:p>
+            <a:fld id="{42C32FFB-F9AE-46F0-A233-A2E628258990}" type="slidenum">
+              <a:rPr lang="en-US" smtClean="0"/>
+              <a:pPr/>
+              <a:t>15</a:t>
+            </a:fld>
+            <a:endParaRPr lang="en-US" sz="1000"/>
+          </a:p>
+        </p:txBody>
+      </p:sp>
+      <p:sp>
+        <p:nvSpPr>
+          <p:cNvPr id="5" name="Footer Placeholder 4">
+            <a:extLst>
+              <a:ext uri="{FF2B5EF4-FFF2-40B4-BE49-F238E27FC236}">
+                <a16:creationId xmlns:a16="http://schemas.microsoft.com/office/drawing/2014/main" id="{C597EB53-A71A-BD4E-37F9-94B77CAF3ABD}"/>
+              </a:ext>
+            </a:extLst>
+          </p:cNvPr>
+          <p:cNvSpPr>
+            <a:spLocks noGrp="1"/>
+          </p:cNvSpPr>
+          <p:nvPr>
+            <p:ph type="ftr" sz="quarter" idx="3"/>
+          </p:nvPr>
+        </p:nvSpPr>
+        <p:spPr/>
+        <p:txBody>
+          <a:bodyPr/>
+          <a:lstStyle/>
+          <a:p>
+            <a:r>
+              <a:rPr lang="en-US"/>
+              <a:t>2022 Clinical Informatics Conference |   amia.org</a:t>
+            </a:r>
+            <a:endParaRPr lang="en-US" dirty="0"/>
+          </a:p>
+        </p:txBody>
+      </p:sp>
+      <p:pic>
+        <p:nvPicPr>
+          <p:cNvPr id="7" name="Picture 2" descr="Medical College of Wisconsin - Wikipedia">
+            <a:extLst>
+              <a:ext uri="{FF2B5EF4-FFF2-40B4-BE49-F238E27FC236}">
+                <a16:creationId xmlns:a16="http://schemas.microsoft.com/office/drawing/2014/main" id="{5AC81290-3855-FDAC-E518-508DA55D4D8F}"/>
+              </a:ext>
+            </a:extLst>
+          </p:cNvPr>
+          <p:cNvPicPr>
+            <a:picLocks noChangeAspect="1" noChangeArrowheads="1"/>
+          </p:cNvPicPr>
+          <p:nvPr/>
+        </p:nvPicPr>
+        <p:blipFill>
+          <a:blip r:embed="rId2">
+            <a:extLst>
+              <a:ext uri="{28A0092B-C50C-407E-A947-70E740481C1C}">
+                <a14:useLocalDpi xmlns:a14="http://schemas.microsoft.com/office/drawing/2010/main" val="0"/>
+              </a:ext>
+            </a:extLst>
+          </a:blip>
+          <a:srcRect/>
+          <a:stretch>
+            <a:fillRect/>
+          </a:stretch>
+        </p:blipFill>
+        <p:spPr bwMode="auto">
+          <a:xfrm>
+            <a:off x="173569" y="4179232"/>
+            <a:ext cx="460858" cy="365760"/>
+          </a:xfrm>
+          <a:prstGeom prst="rect">
+            <a:avLst/>
+          </a:prstGeom>
+          <a:noFill/>
+          <a:extLst>
+            <a:ext uri="{909E8E84-426E-40DD-AFC4-6F175D3DCCD1}">
+              <a14:hiddenFill xmlns:a14="http://schemas.microsoft.com/office/drawing/2010/main">
+                <a:solidFill>
+                  <a:srgbClr val="FFFFFF"/>
+                </a:solidFill>
+              </a14:hiddenFill>
+            </a:ext>
+          </a:extLst>
+        </p:spPr>
+      </p:pic>
+      <p:pic>
+        <p:nvPicPr>
+          <p:cNvPr id="8" name="Picture 4" descr="UWM at Waukesha Foundation - Home">
+            <a:extLst>
+              <a:ext uri="{FF2B5EF4-FFF2-40B4-BE49-F238E27FC236}">
+                <a16:creationId xmlns:a16="http://schemas.microsoft.com/office/drawing/2014/main" id="{EA345B98-145D-1913-ADAB-E0FF19D672E7}"/>
+              </a:ext>
+            </a:extLst>
+          </p:cNvPr>
+          <p:cNvPicPr>
+            <a:picLocks noChangeAspect="1" noChangeArrowheads="1"/>
+          </p:cNvPicPr>
+          <p:nvPr/>
+        </p:nvPicPr>
+        <p:blipFill rotWithShape="1">
+          <a:blip r:embed="rId3">
+            <a:extLst>
+              <a:ext uri="{28A0092B-C50C-407E-A947-70E740481C1C}">
+                <a14:useLocalDpi xmlns:a14="http://schemas.microsoft.com/office/drawing/2010/main" val="0"/>
+              </a:ext>
+            </a:extLst>
+          </a:blip>
+          <a:srcRect r="61331"/>
+          <a:stretch/>
+        </p:blipFill>
+        <p:spPr bwMode="auto">
+          <a:xfrm>
+            <a:off x="595273" y="4164009"/>
+            <a:ext cx="457200" cy="364920"/>
+          </a:xfrm>
+          <a:prstGeom prst="rect">
+            <a:avLst/>
+          </a:prstGeom>
+          <a:noFill/>
+          <a:extLst>
+            <a:ext uri="{909E8E84-426E-40DD-AFC4-6F175D3DCCD1}">
+              <a14:hiddenFill xmlns:a14="http://schemas.microsoft.com/office/drawing/2010/main">
+                <a:solidFill>
+                  <a:srgbClr val="FFFFFF"/>
+                </a:solidFill>
+              </a14:hiddenFill>
+            </a:ext>
+          </a:extLst>
+        </p:spPr>
+      </p:pic>
     </p:spTree>
     <p:extLst>
       <p:ext uri="{BB962C8B-B14F-4D97-AF65-F5344CB8AC3E}">
@@ -10707,7 +15056,7 @@
 </p:sld>
 </file>
 
-<file path=ppt/slides/slide15.xml><?xml version="1.0" encoding="utf-8"?>
+<file path=ppt/slides/slide16.xml><?xml version="1.0" encoding="utf-8"?>
 <p:sld xmlns:a="http://schemas.openxmlformats.org/drawingml/2006/main" xmlns:r="http://schemas.openxmlformats.org/officeDocument/2006/relationships" xmlns:p="http://schemas.openxmlformats.org/presentationml/2006/main">
   <p:cSld>
     <p:spTree>
@@ -10773,7 +15122,12 @@
             <p:ph sz="quarter" idx="12"/>
           </p:nvPr>
         </p:nvSpPr>
-        <p:spPr/>
+        <p:spPr>
+          <a:xfrm>
+            <a:off x="1052473" y="939255"/>
+            <a:ext cx="7550962" cy="3570961"/>
+          </a:xfrm>
+        </p:spPr>
         <p:txBody>
           <a:bodyPr/>
           <a:lstStyle/>
@@ -10882,7 +15236,7 @@
             <a:fld id="{42C32FFB-F9AE-46F0-A233-A2E628258990}" type="slidenum">
               <a:rPr lang="en-US" smtClean="0"/>
               <a:pPr/>
-              <a:t>15</a:t>
+              <a:t>16</a:t>
             </a:fld>
             <a:endParaRPr lang="en-US" sz="1000"/>
           </a:p>
@@ -10917,252 +15271,102 @@
           </a:p>
         </p:txBody>
       </p:sp>
+      <p:pic>
+        <p:nvPicPr>
+          <p:cNvPr id="7" name="Picture 2" descr="Medical College of Wisconsin - Wikipedia">
+            <a:extLst>
+              <a:ext uri="{FF2B5EF4-FFF2-40B4-BE49-F238E27FC236}">
+                <a16:creationId xmlns:a16="http://schemas.microsoft.com/office/drawing/2014/main" id="{2F37122E-06A7-DCFF-8FD7-C9C52D2E7E34}"/>
+              </a:ext>
+            </a:extLst>
+          </p:cNvPr>
+          <p:cNvPicPr>
+            <a:picLocks noChangeAspect="1" noChangeArrowheads="1"/>
+          </p:cNvPicPr>
+          <p:nvPr/>
+        </p:nvPicPr>
+        <p:blipFill>
+          <a:blip r:embed="rId2">
+            <a:extLst>
+              <a:ext uri="{28A0092B-C50C-407E-A947-70E740481C1C}">
+                <a14:useLocalDpi xmlns:a14="http://schemas.microsoft.com/office/drawing/2010/main" val="0"/>
+              </a:ext>
+            </a:extLst>
+          </a:blip>
+          <a:srcRect/>
+          <a:stretch>
+            <a:fillRect/>
+          </a:stretch>
+        </p:blipFill>
+        <p:spPr bwMode="auto">
+          <a:xfrm>
+            <a:off x="173569" y="4179232"/>
+            <a:ext cx="460858" cy="365760"/>
+          </a:xfrm>
+          <a:prstGeom prst="rect">
+            <a:avLst/>
+          </a:prstGeom>
+          <a:noFill/>
+          <a:extLst>
+            <a:ext uri="{909E8E84-426E-40DD-AFC4-6F175D3DCCD1}">
+              <a14:hiddenFill xmlns:a14="http://schemas.microsoft.com/office/drawing/2010/main">
+                <a:solidFill>
+                  <a:srgbClr val="FFFFFF"/>
+                </a:solidFill>
+              </a14:hiddenFill>
+            </a:ext>
+          </a:extLst>
+        </p:spPr>
+      </p:pic>
+      <p:pic>
+        <p:nvPicPr>
+          <p:cNvPr id="8" name="Picture 4" descr="UWM at Waukesha Foundation - Home">
+            <a:extLst>
+              <a:ext uri="{FF2B5EF4-FFF2-40B4-BE49-F238E27FC236}">
+                <a16:creationId xmlns:a16="http://schemas.microsoft.com/office/drawing/2014/main" id="{E01849D9-9C15-5E3A-B591-7C770934904F}"/>
+              </a:ext>
+            </a:extLst>
+          </p:cNvPr>
+          <p:cNvPicPr>
+            <a:picLocks noChangeAspect="1" noChangeArrowheads="1"/>
+          </p:cNvPicPr>
+          <p:nvPr/>
+        </p:nvPicPr>
+        <p:blipFill rotWithShape="1">
+          <a:blip r:embed="rId3">
+            <a:extLst>
+              <a:ext uri="{28A0092B-C50C-407E-A947-70E740481C1C}">
+                <a14:useLocalDpi xmlns:a14="http://schemas.microsoft.com/office/drawing/2010/main" val="0"/>
+              </a:ext>
+            </a:extLst>
+          </a:blip>
+          <a:srcRect r="61331"/>
+          <a:stretch/>
+        </p:blipFill>
+        <p:spPr bwMode="auto">
+          <a:xfrm>
+            <a:off x="595273" y="4164009"/>
+            <a:ext cx="457200" cy="364920"/>
+          </a:xfrm>
+          <a:prstGeom prst="rect">
+            <a:avLst/>
+          </a:prstGeom>
+          <a:noFill/>
+          <a:extLst>
+            <a:ext uri="{909E8E84-426E-40DD-AFC4-6F175D3DCCD1}">
+              <a14:hiddenFill xmlns:a14="http://schemas.microsoft.com/office/drawing/2010/main">
+                <a:solidFill>
+                  <a:srgbClr val="FFFFFF"/>
+                </a:solidFill>
+              </a14:hiddenFill>
+            </a:ext>
+          </a:extLst>
+        </p:spPr>
+      </p:pic>
     </p:spTree>
     <p:extLst>
       <p:ext uri="{BB962C8B-B14F-4D97-AF65-F5344CB8AC3E}">
         <p14:creationId xmlns:p14="http://schemas.microsoft.com/office/powerpoint/2010/main" val="3574900170"/>
-      </p:ext>
-    </p:extLst>
-  </p:cSld>
-  <p:clrMapOvr>
-    <a:masterClrMapping/>
-  </p:clrMapOvr>
-</p:sld>
-</file>
-
-<file path=ppt/slides/slide16.xml><?xml version="1.0" encoding="utf-8"?>
-<p:sld xmlns:a="http://schemas.openxmlformats.org/drawingml/2006/main" xmlns:r="http://schemas.openxmlformats.org/officeDocument/2006/relationships" xmlns:p="http://schemas.openxmlformats.org/presentationml/2006/main">
-  <p:cSld>
-    <p:spTree>
-      <p:nvGrpSpPr>
-        <p:cNvPr id="1" name=""/>
-        <p:cNvGrpSpPr/>
-        <p:nvPr/>
-      </p:nvGrpSpPr>
-      <p:grpSpPr>
-        <a:xfrm>
-          <a:off x="0" y="0"/>
-          <a:ext cx="0" cy="0"/>
-          <a:chOff x="0" y="0"/>
-          <a:chExt cx="0" cy="0"/>
-        </a:xfrm>
-      </p:grpSpPr>
-      <p:sp>
-        <p:nvSpPr>
-          <p:cNvPr id="2" name="Title 1">
-            <a:extLst>
-              <a:ext uri="{FF2B5EF4-FFF2-40B4-BE49-F238E27FC236}">
-                <a16:creationId xmlns:a16="http://schemas.microsoft.com/office/drawing/2014/main" id="{3576183D-1CE4-EC10-3896-EB3730D5C2A1}"/>
-              </a:ext>
-            </a:extLst>
-          </p:cNvPr>
-          <p:cNvSpPr>
-            <a:spLocks noGrp="1"/>
-          </p:cNvSpPr>
-          <p:nvPr>
-            <p:ph type="title"/>
-          </p:nvPr>
-        </p:nvSpPr>
-        <p:spPr>
-          <a:xfrm>
-            <a:off x="547730" y="402548"/>
-            <a:ext cx="6783946" cy="320088"/>
-          </a:xfrm>
-        </p:spPr>
-        <p:txBody>
-          <a:bodyPr/>
-          <a:lstStyle/>
-          <a:p>
-            <a:r>
-              <a:rPr lang="en-US" dirty="0"/>
-              <a:t>Changes?</a:t>
-            </a:r>
-          </a:p>
-        </p:txBody>
-      </p:sp>
-      <p:sp>
-        <p:nvSpPr>
-          <p:cNvPr id="3" name="Content Placeholder 2">
-            <a:extLst>
-              <a:ext uri="{FF2B5EF4-FFF2-40B4-BE49-F238E27FC236}">
-                <a16:creationId xmlns:a16="http://schemas.microsoft.com/office/drawing/2014/main" id="{D31AA75A-619F-8F5D-6334-583D2E751758}"/>
-              </a:ext>
-            </a:extLst>
-          </p:cNvPr>
-          <p:cNvSpPr>
-            <a:spLocks noGrp="1"/>
-          </p:cNvSpPr>
-          <p:nvPr>
-            <p:ph sz="quarter" idx="12"/>
-          </p:nvPr>
-        </p:nvSpPr>
-        <p:spPr/>
-        <p:txBody>
-          <a:bodyPr/>
-          <a:lstStyle/>
-          <a:p>
-            <a:pPr marL="285750" indent="-285750">
-              <a:buFont typeface="Arial" panose="020B0604020202020204" pitchFamily="34" charset="0"/>
-              <a:buChar char="•"/>
-            </a:pPr>
-            <a:r>
-              <a:rPr lang="en-US" sz="2400" dirty="0"/>
-              <a:t>Tech: </a:t>
-            </a:r>
-          </a:p>
-          <a:p>
-            <a:pPr marL="788670" lvl="1" indent="-285750">
-              <a:buFont typeface="Arial" panose="020B0604020202020204" pitchFamily="34" charset="0"/>
-              <a:buChar char="•"/>
-            </a:pPr>
-            <a:r>
-              <a:rPr lang="en-US" sz="2000" dirty="0"/>
-              <a:t>Provide accessible platform for older adults</a:t>
-            </a:r>
-          </a:p>
-          <a:p>
-            <a:pPr marL="788670" lvl="1" indent="-285750">
-              <a:buFont typeface="Arial" panose="020B0604020202020204" pitchFamily="34" charset="0"/>
-              <a:buChar char="•"/>
-            </a:pPr>
-            <a:r>
-              <a:rPr lang="en-US" sz="2000" b="0" i="0" dirty="0">
-                <a:effectLst/>
-              </a:rPr>
-              <a:t>Use video remote interpreting</a:t>
-            </a:r>
-            <a:r>
-              <a:rPr lang="en-US" sz="2000" dirty="0"/>
-              <a:t> technology:</a:t>
-            </a:r>
-          </a:p>
-          <a:p>
-            <a:pPr marL="342900" indent="-342900">
-              <a:buFont typeface="Arial" panose="020B0604020202020204" pitchFamily="34" charset="0"/>
-              <a:buChar char="•"/>
-            </a:pPr>
-            <a:r>
-              <a:rPr lang="en-US" sz="2400" dirty="0"/>
-              <a:t>Financial Support</a:t>
-            </a:r>
-          </a:p>
-          <a:p>
-            <a:pPr marL="845820" lvl="1" indent="-342900">
-              <a:buFont typeface="Arial" panose="020B0604020202020204" pitchFamily="34" charset="0"/>
-              <a:buChar char="•"/>
-            </a:pPr>
-            <a:r>
-              <a:rPr lang="en-US" sz="2000" dirty="0"/>
-              <a:t>Availability of free digital devices and internet</a:t>
-            </a:r>
-          </a:p>
-          <a:p>
-            <a:pPr marL="845820" lvl="1" indent="-342900">
-              <a:buFont typeface="Arial" panose="020B0604020202020204" pitchFamily="34" charset="0"/>
-              <a:buChar char="•"/>
-            </a:pPr>
-            <a:r>
-              <a:rPr lang="en-US" sz="2000" b="0" i="0" dirty="0">
-                <a:effectLst/>
-              </a:rPr>
-              <a:t>Partnership with community organizations </a:t>
-            </a:r>
-          </a:p>
-          <a:p>
-            <a:pPr marL="342900" indent="-342900">
-              <a:buFont typeface="Arial" panose="020B0604020202020204" pitchFamily="34" charset="0"/>
-              <a:buChar char="•"/>
-            </a:pPr>
-            <a:r>
-              <a:rPr lang="en-US" sz="2400" dirty="0"/>
-              <a:t>Clarify the role of telemedicine</a:t>
-            </a:r>
-          </a:p>
-          <a:p>
-            <a:pPr marL="845820" lvl="1" indent="-342900">
-              <a:buFont typeface="Arial" panose="020B0604020202020204" pitchFamily="34" charset="0"/>
-              <a:buChar char="•"/>
-            </a:pPr>
-            <a:r>
-              <a:rPr lang="en-US" sz="2000" dirty="0"/>
-              <a:t>Only use for initial consultations</a:t>
-            </a:r>
-          </a:p>
-          <a:p>
-            <a:pPr marL="845820" lvl="1" indent="-342900">
-              <a:buFont typeface="Arial" panose="020B0604020202020204" pitchFamily="34" charset="0"/>
-              <a:buChar char="•"/>
-            </a:pPr>
-            <a:r>
-              <a:rPr lang="en-US" sz="2000" dirty="0"/>
-              <a:t>Encourage in-person visit hereafter</a:t>
-            </a:r>
-          </a:p>
-        </p:txBody>
-      </p:sp>
-      <p:sp>
-        <p:nvSpPr>
-          <p:cNvPr id="4" name="Slide Number Placeholder 3">
-            <a:extLst>
-              <a:ext uri="{FF2B5EF4-FFF2-40B4-BE49-F238E27FC236}">
-                <a16:creationId xmlns:a16="http://schemas.microsoft.com/office/drawing/2014/main" id="{5C758C62-F53A-54EF-A394-9D8A27D6A102}"/>
-              </a:ext>
-            </a:extLst>
-          </p:cNvPr>
-          <p:cNvSpPr>
-            <a:spLocks noGrp="1"/>
-          </p:cNvSpPr>
-          <p:nvPr>
-            <p:ph type="sldNum" sz="quarter" idx="4"/>
-          </p:nvPr>
-        </p:nvSpPr>
-        <p:spPr/>
-        <p:txBody>
-          <a:bodyPr/>
-          <a:lstStyle/>
-          <a:p>
-            <a:fld id="{42C32FFB-F9AE-46F0-A233-A2E628258990}" type="slidenum">
-              <a:rPr lang="en-US" smtClean="0"/>
-              <a:pPr/>
-              <a:t>16</a:t>
-            </a:fld>
-            <a:endParaRPr lang="en-US" sz="1000"/>
-          </a:p>
-        </p:txBody>
-      </p:sp>
-      <p:sp>
-        <p:nvSpPr>
-          <p:cNvPr id="5" name="Footer Placeholder 4">
-            <a:extLst>
-              <a:ext uri="{FF2B5EF4-FFF2-40B4-BE49-F238E27FC236}">
-                <a16:creationId xmlns:a16="http://schemas.microsoft.com/office/drawing/2014/main" id="{C597EB53-A71A-BD4E-37F9-94B77CAF3ABD}"/>
-              </a:ext>
-            </a:extLst>
-          </p:cNvPr>
-          <p:cNvSpPr>
-            <a:spLocks noGrp="1"/>
-          </p:cNvSpPr>
-          <p:nvPr>
-            <p:ph type="ftr" sz="quarter" idx="3"/>
-          </p:nvPr>
-        </p:nvSpPr>
-        <p:spPr/>
-        <p:txBody>
-          <a:bodyPr/>
-          <a:lstStyle/>
-          <a:p>
-            <a:r>
-              <a:rPr lang="en-US"/>
-              <a:t>2022 Clinical Informatics Conference |   amia.org</a:t>
-            </a:r>
-            <a:endParaRPr lang="en-US" dirty="0"/>
-          </a:p>
-        </p:txBody>
-      </p:sp>
-    </p:spTree>
-    <p:extLst>
-      <p:ext uri="{BB962C8B-B14F-4D97-AF65-F5344CB8AC3E}">
-        <p14:creationId xmlns:p14="http://schemas.microsoft.com/office/powerpoint/2010/main" val="1725893232"/>
       </p:ext>
     </p:extLst>
   </p:cSld>
@@ -11207,8 +15411,8 @@
         </p:nvSpPr>
         <p:spPr>
           <a:xfrm>
-            <a:off x="547730" y="377926"/>
-            <a:ext cx="6783946" cy="344710"/>
+            <a:off x="547730" y="402548"/>
+            <a:ext cx="6783946" cy="320088"/>
           </a:xfrm>
         </p:spPr>
         <p:txBody>
@@ -11216,10 +15420,9 @@
           <a:lstStyle/>
           <a:p>
             <a:r>
-              <a:rPr lang="en-US" sz="2800" dirty="0"/>
-              <a:t>Conclusion</a:t>
-            </a:r>
-            <a:endParaRPr lang="en-US" dirty="0"/>
+              <a:rPr lang="en-US" dirty="0"/>
+              <a:t>Changes?</a:t>
+            </a:r>
           </a:p>
         </p:txBody>
       </p:sp>
@@ -11249,36 +15452,97 @@
               <a:buChar char="•"/>
             </a:pPr>
             <a:r>
-              <a:rPr lang="en-US" sz="2000" dirty="0"/>
-              <a:t>Telemedicine: an under-used service have potentials and gaps</a:t>
-            </a:r>
-          </a:p>
-          <a:p>
-            <a:pPr marL="285750" indent="-285750">
+              <a:rPr lang="en-US" sz="2400" dirty="0"/>
+              <a:t>Tech: </a:t>
+            </a:r>
+          </a:p>
+          <a:p>
+            <a:pPr marL="788670" lvl="1" indent="-285750">
               <a:buFont typeface="Arial" panose="020B0604020202020204" pitchFamily="34" charset="0"/>
               <a:buChar char="•"/>
             </a:pPr>
             <a:r>
               <a:rPr lang="en-US" sz="2000" dirty="0"/>
-              <a:t>Minority socioeconomic groups: Unequal utilization </a:t>
-            </a:r>
-          </a:p>
-          <a:p>
-            <a:pPr marL="285750" indent="-285750">
+              <a:t>Provide accessible platform for older adults</a:t>
+            </a:r>
+          </a:p>
+          <a:p>
+            <a:pPr marL="788670" lvl="1" indent="-285750">
               <a:buFont typeface="Arial" panose="020B0604020202020204" pitchFamily="34" charset="0"/>
               <a:buChar char="•"/>
             </a:pPr>
             <a:r>
+              <a:rPr lang="en-US" sz="2000" b="0" i="0" dirty="0">
+                <a:effectLst/>
+              </a:rPr>
+              <a:t>Use video remote interpreting</a:t>
+            </a:r>
+            <a:r>
               <a:rPr lang="en-US" sz="2000" dirty="0"/>
-              <a:t>Systematic guideline is needed.</a:t>
-            </a:r>
-          </a:p>
-          <a:p>
-            <a:pPr marL="285750" indent="-285750">
+              <a:t> technology:</a:t>
+            </a:r>
+          </a:p>
+          <a:p>
+            <a:pPr marL="342900" indent="-342900">
               <a:buFont typeface="Arial" panose="020B0604020202020204" pitchFamily="34" charset="0"/>
               <a:buChar char="•"/>
             </a:pPr>
-            <a:endParaRPr lang="en-US" sz="2000" dirty="0"/>
+            <a:r>
+              <a:rPr lang="en-US" sz="2400" dirty="0"/>
+              <a:t>Financial Support</a:t>
+            </a:r>
+          </a:p>
+          <a:p>
+            <a:pPr marL="845820" lvl="1" indent="-342900">
+              <a:buFont typeface="Arial" panose="020B0604020202020204" pitchFamily="34" charset="0"/>
+              <a:buChar char="•"/>
+            </a:pPr>
+            <a:r>
+              <a:rPr lang="en-US" sz="2000" dirty="0"/>
+              <a:t>Availability of free digital devices and internet</a:t>
+            </a:r>
+          </a:p>
+          <a:p>
+            <a:pPr marL="845820" lvl="1" indent="-342900">
+              <a:buFont typeface="Arial" panose="020B0604020202020204" pitchFamily="34" charset="0"/>
+              <a:buChar char="•"/>
+            </a:pPr>
+            <a:r>
+              <a:rPr lang="en-US" sz="2000" b="0" i="0" dirty="0">
+                <a:effectLst/>
+              </a:rPr>
+              <a:t>Partnership with community organizations </a:t>
+            </a:r>
+          </a:p>
+          <a:p>
+            <a:pPr marL="342900" indent="-342900">
+              <a:buFont typeface="Arial" panose="020B0604020202020204" pitchFamily="34" charset="0"/>
+              <a:buChar char="•"/>
+            </a:pPr>
+            <a:r>
+              <a:rPr lang="en-US" sz="2400" dirty="0"/>
+              <a:t>Clarify the role of telemedicine</a:t>
+            </a:r>
+          </a:p>
+          <a:p>
+            <a:pPr marL="845820" lvl="1" indent="-342900">
+              <a:buFont typeface="Arial" panose="020B0604020202020204" pitchFamily="34" charset="0"/>
+              <a:buChar char="•"/>
+            </a:pPr>
+            <a:r>
+              <a:rPr lang="en-US" sz="2000" dirty="0"/>
+              <a:t>Only use for initial consultations</a:t>
+            </a:r>
+          </a:p>
+          <a:p>
+            <a:pPr marL="845820" lvl="1" indent="-342900">
+              <a:buFont typeface="Arial" panose="020B0604020202020204" pitchFamily="34" charset="0"/>
+              <a:buChar char="•"/>
+            </a:pPr>
+            <a:r>
+              <a:rPr lang="en-US" sz="2000" dirty="0"/>
+              <a:t>Encourage in-person visit hereafter</a:t>
+            </a:r>
           </a:p>
         </p:txBody>
       </p:sp>
@@ -11341,6 +15605,372 @@
           </a:p>
         </p:txBody>
       </p:sp>
+      <p:pic>
+        <p:nvPicPr>
+          <p:cNvPr id="7" name="Picture 2" descr="Medical College of Wisconsin - Wikipedia">
+            <a:extLst>
+              <a:ext uri="{FF2B5EF4-FFF2-40B4-BE49-F238E27FC236}">
+                <a16:creationId xmlns:a16="http://schemas.microsoft.com/office/drawing/2014/main" id="{D11BB746-2158-A8F2-81E2-240A97AAEBED}"/>
+              </a:ext>
+            </a:extLst>
+          </p:cNvPr>
+          <p:cNvPicPr>
+            <a:picLocks noChangeAspect="1" noChangeArrowheads="1"/>
+          </p:cNvPicPr>
+          <p:nvPr/>
+        </p:nvPicPr>
+        <p:blipFill>
+          <a:blip r:embed="rId3">
+            <a:extLst>
+              <a:ext uri="{28A0092B-C50C-407E-A947-70E740481C1C}">
+                <a14:useLocalDpi xmlns:a14="http://schemas.microsoft.com/office/drawing/2010/main" val="0"/>
+              </a:ext>
+            </a:extLst>
+          </a:blip>
+          <a:srcRect/>
+          <a:stretch>
+            <a:fillRect/>
+          </a:stretch>
+        </p:blipFill>
+        <p:spPr bwMode="auto">
+          <a:xfrm>
+            <a:off x="173569" y="4179232"/>
+            <a:ext cx="460858" cy="365760"/>
+          </a:xfrm>
+          <a:prstGeom prst="rect">
+            <a:avLst/>
+          </a:prstGeom>
+          <a:noFill/>
+          <a:extLst>
+            <a:ext uri="{909E8E84-426E-40DD-AFC4-6F175D3DCCD1}">
+              <a14:hiddenFill xmlns:a14="http://schemas.microsoft.com/office/drawing/2010/main">
+                <a:solidFill>
+                  <a:srgbClr val="FFFFFF"/>
+                </a:solidFill>
+              </a14:hiddenFill>
+            </a:ext>
+          </a:extLst>
+        </p:spPr>
+      </p:pic>
+      <p:pic>
+        <p:nvPicPr>
+          <p:cNvPr id="8" name="Picture 4" descr="UWM at Waukesha Foundation - Home">
+            <a:extLst>
+              <a:ext uri="{FF2B5EF4-FFF2-40B4-BE49-F238E27FC236}">
+                <a16:creationId xmlns:a16="http://schemas.microsoft.com/office/drawing/2014/main" id="{AB898CB8-A920-7CAF-D52B-EE0991C59F02}"/>
+              </a:ext>
+            </a:extLst>
+          </p:cNvPr>
+          <p:cNvPicPr>
+            <a:picLocks noChangeAspect="1" noChangeArrowheads="1"/>
+          </p:cNvPicPr>
+          <p:nvPr/>
+        </p:nvPicPr>
+        <p:blipFill rotWithShape="1">
+          <a:blip r:embed="rId4">
+            <a:extLst>
+              <a:ext uri="{28A0092B-C50C-407E-A947-70E740481C1C}">
+                <a14:useLocalDpi xmlns:a14="http://schemas.microsoft.com/office/drawing/2010/main" val="0"/>
+              </a:ext>
+            </a:extLst>
+          </a:blip>
+          <a:srcRect r="61331"/>
+          <a:stretch/>
+        </p:blipFill>
+        <p:spPr bwMode="auto">
+          <a:xfrm>
+            <a:off x="595273" y="4164009"/>
+            <a:ext cx="457200" cy="364920"/>
+          </a:xfrm>
+          <a:prstGeom prst="rect">
+            <a:avLst/>
+          </a:prstGeom>
+          <a:noFill/>
+          <a:extLst>
+            <a:ext uri="{909E8E84-426E-40DD-AFC4-6F175D3DCCD1}">
+              <a14:hiddenFill xmlns:a14="http://schemas.microsoft.com/office/drawing/2010/main">
+                <a:solidFill>
+                  <a:srgbClr val="FFFFFF"/>
+                </a:solidFill>
+              </a14:hiddenFill>
+            </a:ext>
+          </a:extLst>
+        </p:spPr>
+      </p:pic>
+    </p:spTree>
+    <p:extLst>
+      <p:ext uri="{BB962C8B-B14F-4D97-AF65-F5344CB8AC3E}">
+        <p14:creationId xmlns:p14="http://schemas.microsoft.com/office/powerpoint/2010/main" val="1725893232"/>
+      </p:ext>
+    </p:extLst>
+  </p:cSld>
+  <p:clrMapOvr>
+    <a:masterClrMapping/>
+  </p:clrMapOvr>
+</p:sld>
+</file>
+
+<file path=ppt/slides/slide18.xml><?xml version="1.0" encoding="utf-8"?>
+<p:sld xmlns:a="http://schemas.openxmlformats.org/drawingml/2006/main" xmlns:r="http://schemas.openxmlformats.org/officeDocument/2006/relationships" xmlns:p="http://schemas.openxmlformats.org/presentationml/2006/main">
+  <p:cSld>
+    <p:spTree>
+      <p:nvGrpSpPr>
+        <p:cNvPr id="1" name=""/>
+        <p:cNvGrpSpPr/>
+        <p:nvPr/>
+      </p:nvGrpSpPr>
+      <p:grpSpPr>
+        <a:xfrm>
+          <a:off x="0" y="0"/>
+          <a:ext cx="0" cy="0"/>
+          <a:chOff x="0" y="0"/>
+          <a:chExt cx="0" cy="0"/>
+        </a:xfrm>
+      </p:grpSpPr>
+      <p:sp>
+        <p:nvSpPr>
+          <p:cNvPr id="2" name="Title 1">
+            <a:extLst>
+              <a:ext uri="{FF2B5EF4-FFF2-40B4-BE49-F238E27FC236}">
+                <a16:creationId xmlns:a16="http://schemas.microsoft.com/office/drawing/2014/main" id="{3576183D-1CE4-EC10-3896-EB3730D5C2A1}"/>
+              </a:ext>
+            </a:extLst>
+          </p:cNvPr>
+          <p:cNvSpPr>
+            <a:spLocks noGrp="1"/>
+          </p:cNvSpPr>
+          <p:nvPr>
+            <p:ph type="title"/>
+          </p:nvPr>
+        </p:nvSpPr>
+        <p:spPr>
+          <a:xfrm>
+            <a:off x="547730" y="377926"/>
+            <a:ext cx="6783946" cy="344710"/>
+          </a:xfrm>
+        </p:spPr>
+        <p:txBody>
+          <a:bodyPr/>
+          <a:lstStyle/>
+          <a:p>
+            <a:r>
+              <a:rPr lang="en-US" sz="2800" dirty="0"/>
+              <a:t>Conclusion</a:t>
+            </a:r>
+            <a:endParaRPr lang="en-US" dirty="0"/>
+          </a:p>
+        </p:txBody>
+      </p:sp>
+      <p:sp>
+        <p:nvSpPr>
+          <p:cNvPr id="3" name="Content Placeholder 2">
+            <a:extLst>
+              <a:ext uri="{FF2B5EF4-FFF2-40B4-BE49-F238E27FC236}">
+                <a16:creationId xmlns:a16="http://schemas.microsoft.com/office/drawing/2014/main" id="{D31AA75A-619F-8F5D-6334-583D2E751758}"/>
+              </a:ext>
+            </a:extLst>
+          </p:cNvPr>
+          <p:cNvSpPr>
+            <a:spLocks noGrp="1"/>
+          </p:cNvSpPr>
+          <p:nvPr>
+            <p:ph sz="quarter" idx="12"/>
+          </p:nvPr>
+        </p:nvSpPr>
+        <p:spPr/>
+        <p:txBody>
+          <a:bodyPr/>
+          <a:lstStyle/>
+          <a:p>
+            <a:pPr marL="285750" indent="-285750">
+              <a:buFont typeface="Arial" panose="020B0604020202020204" pitchFamily="34" charset="0"/>
+              <a:buChar char="•"/>
+            </a:pPr>
+            <a:r>
+              <a:rPr lang="en-US" sz="2000" dirty="0"/>
+              <a:t>Telemedicine: an under-used service have potentials and gaps</a:t>
+            </a:r>
+          </a:p>
+          <a:p>
+            <a:pPr marL="285750" indent="-285750">
+              <a:buFont typeface="Arial" panose="020B0604020202020204" pitchFamily="34" charset="0"/>
+              <a:buChar char="•"/>
+            </a:pPr>
+            <a:r>
+              <a:rPr lang="en-US" sz="2000" dirty="0"/>
+              <a:t>Minority socioeconomic groups: Unequal utilization </a:t>
+            </a:r>
+          </a:p>
+          <a:p>
+            <a:pPr marL="285750" indent="-285750">
+              <a:buFont typeface="Arial" panose="020B0604020202020204" pitchFamily="34" charset="0"/>
+              <a:buChar char="•"/>
+            </a:pPr>
+            <a:r>
+              <a:rPr lang="en-US" sz="2000" dirty="0"/>
+              <a:t>Systematic guideline is needed.</a:t>
+            </a:r>
+          </a:p>
+          <a:p>
+            <a:pPr marL="285750" indent="-285750">
+              <a:buFont typeface="Arial" panose="020B0604020202020204" pitchFamily="34" charset="0"/>
+              <a:buChar char="•"/>
+            </a:pPr>
+            <a:endParaRPr lang="en-US" sz="2000" dirty="0"/>
+          </a:p>
+        </p:txBody>
+      </p:sp>
+      <p:sp>
+        <p:nvSpPr>
+          <p:cNvPr id="4" name="Slide Number Placeholder 3">
+            <a:extLst>
+              <a:ext uri="{FF2B5EF4-FFF2-40B4-BE49-F238E27FC236}">
+                <a16:creationId xmlns:a16="http://schemas.microsoft.com/office/drawing/2014/main" id="{5C758C62-F53A-54EF-A394-9D8A27D6A102}"/>
+              </a:ext>
+            </a:extLst>
+          </p:cNvPr>
+          <p:cNvSpPr>
+            <a:spLocks noGrp="1"/>
+          </p:cNvSpPr>
+          <p:nvPr>
+            <p:ph type="sldNum" sz="quarter" idx="4"/>
+          </p:nvPr>
+        </p:nvSpPr>
+        <p:spPr/>
+        <p:txBody>
+          <a:bodyPr/>
+          <a:lstStyle/>
+          <a:p>
+            <a:fld id="{42C32FFB-F9AE-46F0-A233-A2E628258990}" type="slidenum">
+              <a:rPr lang="en-US" smtClean="0"/>
+              <a:pPr/>
+              <a:t>18</a:t>
+            </a:fld>
+            <a:endParaRPr lang="en-US" sz="1000"/>
+          </a:p>
+        </p:txBody>
+      </p:sp>
+      <p:sp>
+        <p:nvSpPr>
+          <p:cNvPr id="5" name="Footer Placeholder 4">
+            <a:extLst>
+              <a:ext uri="{FF2B5EF4-FFF2-40B4-BE49-F238E27FC236}">
+                <a16:creationId xmlns:a16="http://schemas.microsoft.com/office/drawing/2014/main" id="{C597EB53-A71A-BD4E-37F9-94B77CAF3ABD}"/>
+              </a:ext>
+            </a:extLst>
+          </p:cNvPr>
+          <p:cNvSpPr>
+            <a:spLocks noGrp="1"/>
+          </p:cNvSpPr>
+          <p:nvPr>
+            <p:ph type="ftr" sz="quarter" idx="3"/>
+          </p:nvPr>
+        </p:nvSpPr>
+        <p:spPr/>
+        <p:txBody>
+          <a:bodyPr/>
+          <a:lstStyle/>
+          <a:p>
+            <a:r>
+              <a:rPr lang="en-US"/>
+              <a:t>2022 Clinical Informatics Conference |   amia.org</a:t>
+            </a:r>
+            <a:endParaRPr lang="en-US" dirty="0"/>
+          </a:p>
+        </p:txBody>
+      </p:sp>
+      <p:pic>
+        <p:nvPicPr>
+          <p:cNvPr id="7" name="Picture 2" descr="Medical College of Wisconsin - Wikipedia">
+            <a:extLst>
+              <a:ext uri="{FF2B5EF4-FFF2-40B4-BE49-F238E27FC236}">
+                <a16:creationId xmlns:a16="http://schemas.microsoft.com/office/drawing/2014/main" id="{5E9785A0-F160-7DD9-AB75-0F4E18F6E99E}"/>
+              </a:ext>
+            </a:extLst>
+          </p:cNvPr>
+          <p:cNvPicPr>
+            <a:picLocks noChangeAspect="1" noChangeArrowheads="1"/>
+          </p:cNvPicPr>
+          <p:nvPr/>
+        </p:nvPicPr>
+        <p:blipFill>
+          <a:blip r:embed="rId2">
+            <a:extLst>
+              <a:ext uri="{28A0092B-C50C-407E-A947-70E740481C1C}">
+                <a14:useLocalDpi xmlns:a14="http://schemas.microsoft.com/office/drawing/2010/main" val="0"/>
+              </a:ext>
+            </a:extLst>
+          </a:blip>
+          <a:srcRect/>
+          <a:stretch>
+            <a:fillRect/>
+          </a:stretch>
+        </p:blipFill>
+        <p:spPr bwMode="auto">
+          <a:xfrm>
+            <a:off x="173569" y="4179232"/>
+            <a:ext cx="460858" cy="365760"/>
+          </a:xfrm>
+          <a:prstGeom prst="rect">
+            <a:avLst/>
+          </a:prstGeom>
+          <a:noFill/>
+          <a:extLst>
+            <a:ext uri="{909E8E84-426E-40DD-AFC4-6F175D3DCCD1}">
+              <a14:hiddenFill xmlns:a14="http://schemas.microsoft.com/office/drawing/2010/main">
+                <a:solidFill>
+                  <a:srgbClr val="FFFFFF"/>
+                </a:solidFill>
+              </a14:hiddenFill>
+            </a:ext>
+          </a:extLst>
+        </p:spPr>
+      </p:pic>
+      <p:pic>
+        <p:nvPicPr>
+          <p:cNvPr id="8" name="Picture 4" descr="UWM at Waukesha Foundation - Home">
+            <a:extLst>
+              <a:ext uri="{FF2B5EF4-FFF2-40B4-BE49-F238E27FC236}">
+                <a16:creationId xmlns:a16="http://schemas.microsoft.com/office/drawing/2014/main" id="{09447B59-BC23-3EDE-3FE2-85B945C32D46}"/>
+              </a:ext>
+            </a:extLst>
+          </p:cNvPr>
+          <p:cNvPicPr>
+            <a:picLocks noChangeAspect="1" noChangeArrowheads="1"/>
+          </p:cNvPicPr>
+          <p:nvPr/>
+        </p:nvPicPr>
+        <p:blipFill rotWithShape="1">
+          <a:blip r:embed="rId3">
+            <a:extLst>
+              <a:ext uri="{28A0092B-C50C-407E-A947-70E740481C1C}">
+                <a14:useLocalDpi xmlns:a14="http://schemas.microsoft.com/office/drawing/2010/main" val="0"/>
+              </a:ext>
+            </a:extLst>
+          </a:blip>
+          <a:srcRect r="61331"/>
+          <a:stretch/>
+        </p:blipFill>
+        <p:spPr bwMode="auto">
+          <a:xfrm>
+            <a:off x="595273" y="4164009"/>
+            <a:ext cx="457200" cy="364920"/>
+          </a:xfrm>
+          <a:prstGeom prst="rect">
+            <a:avLst/>
+          </a:prstGeom>
+          <a:noFill/>
+          <a:extLst>
+            <a:ext uri="{909E8E84-426E-40DD-AFC4-6F175D3DCCD1}">
+              <a14:hiddenFill xmlns:a14="http://schemas.microsoft.com/office/drawing/2010/main">
+                <a:solidFill>
+                  <a:srgbClr val="FFFFFF"/>
+                </a:solidFill>
+              </a14:hiddenFill>
+            </a:ext>
+          </a:extLst>
+        </p:spPr>
+      </p:pic>
     </p:spTree>
     <p:extLst>
       <p:ext uri="{BB962C8B-B14F-4D97-AF65-F5344CB8AC3E}">
@@ -11354,7 +15984,7 @@
 </p:sld>
 </file>
 
-<file path=ppt/slides/slide18.xml><?xml version="1.0" encoding="utf-8"?>
+<file path=ppt/slides/slide19.xml><?xml version="1.0" encoding="utf-8"?>
 <p:sld xmlns:a="http://schemas.openxmlformats.org/drawingml/2006/main" xmlns:r="http://schemas.openxmlformats.org/officeDocument/2006/relationships" xmlns:p="http://schemas.openxmlformats.org/presentationml/2006/main">
   <p:cSld>
     <p:spTree>
@@ -11780,6 +16410,190 @@
           </a:p>
         </p:txBody>
       </p:sp>
+      <p:pic>
+        <p:nvPicPr>
+          <p:cNvPr id="1026" name="Picture 2" descr="Medical College of Wisconsin - Wikipedia">
+            <a:extLst>
+              <a:ext uri="{FF2B5EF4-FFF2-40B4-BE49-F238E27FC236}">
+                <a16:creationId xmlns:a16="http://schemas.microsoft.com/office/drawing/2014/main" id="{4DFC6CF8-4D46-A2C4-8D8C-94FB7324D5B7}"/>
+              </a:ext>
+            </a:extLst>
+          </p:cNvPr>
+          <p:cNvPicPr>
+            <a:picLocks noChangeAspect="1" noChangeArrowheads="1"/>
+          </p:cNvPicPr>
+          <p:nvPr/>
+        </p:nvPicPr>
+        <p:blipFill>
+          <a:blip r:embed="rId2">
+            <a:extLst>
+              <a:ext uri="{28A0092B-C50C-407E-A947-70E740481C1C}">
+                <a14:useLocalDpi xmlns:a14="http://schemas.microsoft.com/office/drawing/2010/main" val="0"/>
+              </a:ext>
+            </a:extLst>
+          </a:blip>
+          <a:srcRect/>
+          <a:stretch>
+            <a:fillRect/>
+          </a:stretch>
+        </p:blipFill>
+        <p:spPr bwMode="auto">
+          <a:xfrm>
+            <a:off x="173569" y="4179232"/>
+            <a:ext cx="460858" cy="365760"/>
+          </a:xfrm>
+          <a:prstGeom prst="rect">
+            <a:avLst/>
+          </a:prstGeom>
+          <a:noFill/>
+          <a:extLst>
+            <a:ext uri="{909E8E84-426E-40DD-AFC4-6F175D3DCCD1}">
+              <a14:hiddenFill xmlns:a14="http://schemas.microsoft.com/office/drawing/2010/main">
+                <a:solidFill>
+                  <a:srgbClr val="FFFFFF"/>
+                </a:solidFill>
+              </a14:hiddenFill>
+            </a:ext>
+          </a:extLst>
+        </p:spPr>
+      </p:pic>
+      <p:pic>
+        <p:nvPicPr>
+          <p:cNvPr id="1028" name="Picture 4" descr="UWM at Waukesha Foundation - Home">
+            <a:extLst>
+              <a:ext uri="{FF2B5EF4-FFF2-40B4-BE49-F238E27FC236}">
+                <a16:creationId xmlns:a16="http://schemas.microsoft.com/office/drawing/2014/main" id="{9252ED54-E71D-D4A8-96EE-3C33FA02943D}"/>
+              </a:ext>
+            </a:extLst>
+          </p:cNvPr>
+          <p:cNvPicPr>
+            <a:picLocks noChangeAspect="1" noChangeArrowheads="1"/>
+          </p:cNvPicPr>
+          <p:nvPr/>
+        </p:nvPicPr>
+        <p:blipFill rotWithShape="1">
+          <a:blip r:embed="rId3">
+            <a:extLst>
+              <a:ext uri="{28A0092B-C50C-407E-A947-70E740481C1C}">
+                <a14:useLocalDpi xmlns:a14="http://schemas.microsoft.com/office/drawing/2010/main" val="0"/>
+              </a:ext>
+            </a:extLst>
+          </a:blip>
+          <a:srcRect r="61331"/>
+          <a:stretch/>
+        </p:blipFill>
+        <p:spPr bwMode="auto">
+          <a:xfrm>
+            <a:off x="595273" y="4164009"/>
+            <a:ext cx="457200" cy="364920"/>
+          </a:xfrm>
+          <a:prstGeom prst="rect">
+            <a:avLst/>
+          </a:prstGeom>
+          <a:noFill/>
+          <a:extLst>
+            <a:ext uri="{909E8E84-426E-40DD-AFC4-6F175D3DCCD1}">
+              <a14:hiddenFill xmlns:a14="http://schemas.microsoft.com/office/drawing/2010/main">
+                <a:solidFill>
+                  <a:srgbClr val="FFFFFF"/>
+                </a:solidFill>
+              </a14:hiddenFill>
+            </a:ext>
+          </a:extLst>
+        </p:spPr>
+      </p:pic>
+      <p:pic>
+        <p:nvPicPr>
+          <p:cNvPr id="6" name="Picture 2" descr="Medical College of Wisconsin - Wikipedia">
+            <a:extLst>
+              <a:ext uri="{FF2B5EF4-FFF2-40B4-BE49-F238E27FC236}">
+                <a16:creationId xmlns:a16="http://schemas.microsoft.com/office/drawing/2014/main" id="{9418B1C9-E865-B6CD-E6A7-AE00889D84CB}"/>
+              </a:ext>
+            </a:extLst>
+          </p:cNvPr>
+          <p:cNvPicPr>
+            <a:picLocks noChangeAspect="1" noChangeArrowheads="1"/>
+          </p:cNvPicPr>
+          <p:nvPr/>
+        </p:nvPicPr>
+        <p:blipFill>
+          <a:blip r:embed="rId2">
+            <a:extLst>
+              <a:ext uri="{28A0092B-C50C-407E-A947-70E740481C1C}">
+                <a14:useLocalDpi xmlns:a14="http://schemas.microsoft.com/office/drawing/2010/main" val="0"/>
+              </a:ext>
+            </a:extLst>
+          </a:blip>
+          <a:srcRect/>
+          <a:stretch>
+            <a:fillRect/>
+          </a:stretch>
+        </p:blipFill>
+        <p:spPr bwMode="auto">
+          <a:xfrm>
+            <a:off x="325969" y="4331632"/>
+            <a:ext cx="460858" cy="365760"/>
+          </a:xfrm>
+          <a:prstGeom prst="rect">
+            <a:avLst/>
+          </a:prstGeom>
+          <a:noFill/>
+          <a:extLst>
+            <a:ext uri="{909E8E84-426E-40DD-AFC4-6F175D3DCCD1}">
+              <a14:hiddenFill xmlns:a14="http://schemas.microsoft.com/office/drawing/2010/main">
+                <a:solidFill>
+                  <a:srgbClr val="FFFFFF"/>
+                </a:solidFill>
+              </a14:hiddenFill>
+            </a:ext>
+          </a:extLst>
+        </p:spPr>
+      </p:pic>
+      <p:pic>
+        <p:nvPicPr>
+          <p:cNvPr id="7" name="Picture 4" descr="UWM at Waukesha Foundation - Home">
+            <a:extLst>
+              <a:ext uri="{FF2B5EF4-FFF2-40B4-BE49-F238E27FC236}">
+                <a16:creationId xmlns:a16="http://schemas.microsoft.com/office/drawing/2014/main" id="{1E9B349E-5391-C188-9149-50AA041EACC8}"/>
+              </a:ext>
+            </a:extLst>
+          </p:cNvPr>
+          <p:cNvPicPr>
+            <a:picLocks noChangeAspect="1" noChangeArrowheads="1"/>
+          </p:cNvPicPr>
+          <p:nvPr/>
+        </p:nvPicPr>
+        <p:blipFill rotWithShape="1">
+          <a:blip r:embed="rId3">
+            <a:extLst>
+              <a:ext uri="{28A0092B-C50C-407E-A947-70E740481C1C}">
+                <a14:useLocalDpi xmlns:a14="http://schemas.microsoft.com/office/drawing/2010/main" val="0"/>
+              </a:ext>
+            </a:extLst>
+          </a:blip>
+          <a:srcRect r="61331"/>
+          <a:stretch/>
+        </p:blipFill>
+        <p:spPr bwMode="auto">
+          <a:xfrm>
+            <a:off x="747673" y="4316409"/>
+            <a:ext cx="457200" cy="364920"/>
+          </a:xfrm>
+          <a:prstGeom prst="rect">
+            <a:avLst/>
+          </a:prstGeom>
+          <a:noFill/>
+          <a:extLst>
+            <a:ext uri="{909E8E84-426E-40DD-AFC4-6F175D3DCCD1}">
+              <a14:hiddenFill xmlns:a14="http://schemas.microsoft.com/office/drawing/2010/main">
+                <a:solidFill>
+                  <a:srgbClr val="FFFFFF"/>
+                </a:solidFill>
+              </a14:hiddenFill>
+            </a:ext>
+          </a:extLst>
+        </p:spPr>
+      </p:pic>
     </p:spTree>
     <p:extLst>
       <p:ext uri="{BB962C8B-B14F-4D97-AF65-F5344CB8AC3E}">
@@ -11974,6 +16788,98 @@
           </a:p>
         </p:txBody>
       </p:sp>
+      <p:pic>
+        <p:nvPicPr>
+          <p:cNvPr id="8" name="Picture 2" descr="Medical College of Wisconsin - Wikipedia">
+            <a:extLst>
+              <a:ext uri="{FF2B5EF4-FFF2-40B4-BE49-F238E27FC236}">
+                <a16:creationId xmlns:a16="http://schemas.microsoft.com/office/drawing/2014/main" id="{25AA4682-70F7-95D4-73F4-B0883B8D17B5}"/>
+              </a:ext>
+            </a:extLst>
+          </p:cNvPr>
+          <p:cNvPicPr>
+            <a:picLocks noChangeAspect="1" noChangeArrowheads="1"/>
+          </p:cNvPicPr>
+          <p:nvPr/>
+        </p:nvPicPr>
+        <p:blipFill>
+          <a:blip r:embed="rId2">
+            <a:extLst>
+              <a:ext uri="{28A0092B-C50C-407E-A947-70E740481C1C}">
+                <a14:useLocalDpi xmlns:a14="http://schemas.microsoft.com/office/drawing/2010/main" val="0"/>
+              </a:ext>
+            </a:extLst>
+          </a:blip>
+          <a:srcRect/>
+          <a:stretch>
+            <a:fillRect/>
+          </a:stretch>
+        </p:blipFill>
+        <p:spPr bwMode="auto">
+          <a:xfrm>
+            <a:off x="173569" y="4179232"/>
+            <a:ext cx="460858" cy="365760"/>
+          </a:xfrm>
+          <a:prstGeom prst="rect">
+            <a:avLst/>
+          </a:prstGeom>
+          <a:noFill/>
+          <a:extLst>
+            <a:ext uri="{909E8E84-426E-40DD-AFC4-6F175D3DCCD1}">
+              <a14:hiddenFill xmlns:a14="http://schemas.microsoft.com/office/drawing/2010/main">
+                <a:solidFill>
+                  <a:srgbClr val="FFFFFF"/>
+                </a:solidFill>
+              </a14:hiddenFill>
+            </a:ext>
+          </a:extLst>
+        </p:spPr>
+      </p:pic>
+      <p:pic>
+        <p:nvPicPr>
+          <p:cNvPr id="9" name="Picture 4" descr="UWM at Waukesha Foundation - Home">
+            <a:extLst>
+              <a:ext uri="{FF2B5EF4-FFF2-40B4-BE49-F238E27FC236}">
+                <a16:creationId xmlns:a16="http://schemas.microsoft.com/office/drawing/2014/main" id="{8A5BCDE5-7FD4-E8FE-C420-DCC909402D64}"/>
+              </a:ext>
+            </a:extLst>
+          </p:cNvPr>
+          <p:cNvPicPr>
+            <a:picLocks noChangeAspect="1" noChangeArrowheads="1"/>
+          </p:cNvPicPr>
+          <p:nvPr/>
+        </p:nvPicPr>
+        <p:blipFill rotWithShape="1">
+          <a:blip r:embed="rId3">
+            <a:extLst>
+              <a:ext uri="{28A0092B-C50C-407E-A947-70E740481C1C}">
+                <a14:useLocalDpi xmlns:a14="http://schemas.microsoft.com/office/drawing/2010/main" val="0"/>
+              </a:ext>
+            </a:extLst>
+          </a:blip>
+          <a:srcRect r="61331"/>
+          <a:stretch/>
+        </p:blipFill>
+        <p:spPr bwMode="auto">
+          <a:xfrm>
+            <a:off x="595273" y="4164009"/>
+            <a:ext cx="457200" cy="364920"/>
+          </a:xfrm>
+          <a:prstGeom prst="rect">
+            <a:avLst/>
+          </a:prstGeom>
+          <a:noFill/>
+          <a:extLst>
+            <a:ext uri="{909E8E84-426E-40DD-AFC4-6F175D3DCCD1}">
+              <a14:hiddenFill xmlns:a14="http://schemas.microsoft.com/office/drawing/2010/main">
+                <a:solidFill>
+                  <a:srgbClr val="FFFFFF"/>
+                </a:solidFill>
+              </a14:hiddenFill>
+            </a:ext>
+          </a:extLst>
+        </p:spPr>
+      </p:pic>
     </p:spTree>
     <p:extLst>
       <p:ext uri="{BB962C8B-B14F-4D97-AF65-F5344CB8AC3E}">
@@ -12168,6 +17074,98 @@
           </a:p>
         </p:txBody>
       </p:sp>
+      <p:pic>
+        <p:nvPicPr>
+          <p:cNvPr id="7" name="Picture 2" descr="Medical College of Wisconsin - Wikipedia">
+            <a:extLst>
+              <a:ext uri="{FF2B5EF4-FFF2-40B4-BE49-F238E27FC236}">
+                <a16:creationId xmlns:a16="http://schemas.microsoft.com/office/drawing/2014/main" id="{6BFC1F96-0EBA-F274-B9F3-8F8BE8435888}"/>
+              </a:ext>
+            </a:extLst>
+          </p:cNvPr>
+          <p:cNvPicPr>
+            <a:picLocks noChangeAspect="1" noChangeArrowheads="1"/>
+          </p:cNvPicPr>
+          <p:nvPr/>
+        </p:nvPicPr>
+        <p:blipFill>
+          <a:blip r:embed="rId2">
+            <a:extLst>
+              <a:ext uri="{28A0092B-C50C-407E-A947-70E740481C1C}">
+                <a14:useLocalDpi xmlns:a14="http://schemas.microsoft.com/office/drawing/2010/main" val="0"/>
+              </a:ext>
+            </a:extLst>
+          </a:blip>
+          <a:srcRect/>
+          <a:stretch>
+            <a:fillRect/>
+          </a:stretch>
+        </p:blipFill>
+        <p:spPr bwMode="auto">
+          <a:xfrm>
+            <a:off x="173569" y="4179232"/>
+            <a:ext cx="460858" cy="365760"/>
+          </a:xfrm>
+          <a:prstGeom prst="rect">
+            <a:avLst/>
+          </a:prstGeom>
+          <a:noFill/>
+          <a:extLst>
+            <a:ext uri="{909E8E84-426E-40DD-AFC4-6F175D3DCCD1}">
+              <a14:hiddenFill xmlns:a14="http://schemas.microsoft.com/office/drawing/2010/main">
+                <a:solidFill>
+                  <a:srgbClr val="FFFFFF"/>
+                </a:solidFill>
+              </a14:hiddenFill>
+            </a:ext>
+          </a:extLst>
+        </p:spPr>
+      </p:pic>
+      <p:pic>
+        <p:nvPicPr>
+          <p:cNvPr id="8" name="Picture 4" descr="UWM at Waukesha Foundation - Home">
+            <a:extLst>
+              <a:ext uri="{FF2B5EF4-FFF2-40B4-BE49-F238E27FC236}">
+                <a16:creationId xmlns:a16="http://schemas.microsoft.com/office/drawing/2014/main" id="{015F0BDD-F6B6-F444-CE10-9F44A0C98E77}"/>
+              </a:ext>
+            </a:extLst>
+          </p:cNvPr>
+          <p:cNvPicPr>
+            <a:picLocks noChangeAspect="1" noChangeArrowheads="1"/>
+          </p:cNvPicPr>
+          <p:nvPr/>
+        </p:nvPicPr>
+        <p:blipFill rotWithShape="1">
+          <a:blip r:embed="rId3">
+            <a:extLst>
+              <a:ext uri="{28A0092B-C50C-407E-A947-70E740481C1C}">
+                <a14:useLocalDpi xmlns:a14="http://schemas.microsoft.com/office/drawing/2010/main" val="0"/>
+              </a:ext>
+            </a:extLst>
+          </a:blip>
+          <a:srcRect r="61331"/>
+          <a:stretch/>
+        </p:blipFill>
+        <p:spPr bwMode="auto">
+          <a:xfrm>
+            <a:off x="595273" y="4164009"/>
+            <a:ext cx="457200" cy="364920"/>
+          </a:xfrm>
+          <a:prstGeom prst="rect">
+            <a:avLst/>
+          </a:prstGeom>
+          <a:noFill/>
+          <a:extLst>
+            <a:ext uri="{909E8E84-426E-40DD-AFC4-6F175D3DCCD1}">
+              <a14:hiddenFill xmlns:a14="http://schemas.microsoft.com/office/drawing/2010/main">
+                <a:solidFill>
+                  <a:srgbClr val="FFFFFF"/>
+                </a:solidFill>
+              </a14:hiddenFill>
+            </a:ext>
+          </a:extLst>
+        </p:spPr>
+      </p:pic>
     </p:spTree>
     <p:extLst>
       <p:ext uri="{BB962C8B-B14F-4D97-AF65-F5344CB8AC3E}">
@@ -12182,6 +17180,703 @@
 </file>
 
 <file path=ppt/slides/slide5.xml><?xml version="1.0" encoding="utf-8"?>
+<p:sld xmlns:a="http://schemas.openxmlformats.org/drawingml/2006/main" xmlns:r="http://schemas.openxmlformats.org/officeDocument/2006/relationships" xmlns:p="http://schemas.openxmlformats.org/presentationml/2006/main">
+  <p:cSld>
+    <p:spTree>
+      <p:nvGrpSpPr>
+        <p:cNvPr id="1" name=""/>
+        <p:cNvGrpSpPr/>
+        <p:nvPr/>
+      </p:nvGrpSpPr>
+      <p:grpSpPr>
+        <a:xfrm>
+          <a:off x="0" y="0"/>
+          <a:ext cx="0" cy="0"/>
+          <a:chOff x="0" y="0"/>
+          <a:chExt cx="0" cy="0"/>
+        </a:xfrm>
+      </p:grpSpPr>
+      <p:sp>
+        <p:nvSpPr>
+          <p:cNvPr id="2" name="Title 1">
+            <a:extLst>
+              <a:ext uri="{FF2B5EF4-FFF2-40B4-BE49-F238E27FC236}">
+                <a16:creationId xmlns:a16="http://schemas.microsoft.com/office/drawing/2014/main" id="{23525B8E-FEDC-B089-CFBC-396B709F1E48}"/>
+              </a:ext>
+            </a:extLst>
+          </p:cNvPr>
+          <p:cNvSpPr>
+            <a:spLocks noGrp="1"/>
+          </p:cNvSpPr>
+          <p:nvPr>
+            <p:ph type="title"/>
+          </p:nvPr>
+        </p:nvSpPr>
+        <p:spPr>
+          <a:xfrm>
+            <a:off x="547730" y="377926"/>
+            <a:ext cx="6783946" cy="344710"/>
+          </a:xfrm>
+        </p:spPr>
+        <p:txBody>
+          <a:bodyPr/>
+          <a:lstStyle/>
+          <a:p>
+            <a:r>
+              <a:rPr lang="en-US" sz="2800" dirty="0">
+                <a:latin typeface="Arial" panose="020B0604020202020204" pitchFamily="34" charset="0"/>
+                <a:cs typeface="Arial" panose="020B0604020202020204" pitchFamily="34" charset="0"/>
+              </a:rPr>
+              <a:t>Overall Utilization Rate</a:t>
+            </a:r>
+            <a:endParaRPr lang="en-US" dirty="0"/>
+          </a:p>
+        </p:txBody>
+      </p:sp>
+      <p:sp>
+        <p:nvSpPr>
+          <p:cNvPr id="4" name="Slide Number Placeholder 3">
+            <a:extLst>
+              <a:ext uri="{FF2B5EF4-FFF2-40B4-BE49-F238E27FC236}">
+                <a16:creationId xmlns:a16="http://schemas.microsoft.com/office/drawing/2014/main" id="{E1A3D8A4-2E10-B2B5-7D80-2A2B66739D13}"/>
+              </a:ext>
+            </a:extLst>
+          </p:cNvPr>
+          <p:cNvSpPr>
+            <a:spLocks noGrp="1"/>
+          </p:cNvSpPr>
+          <p:nvPr>
+            <p:ph type="sldNum" sz="quarter" idx="4"/>
+          </p:nvPr>
+        </p:nvSpPr>
+        <p:spPr/>
+        <p:txBody>
+          <a:bodyPr/>
+          <a:lstStyle/>
+          <a:p>
+            <a:fld id="{42C32FFB-F9AE-46F0-A233-A2E628258990}" type="slidenum">
+              <a:rPr lang="en-US" smtClean="0"/>
+              <a:pPr/>
+              <a:t>5</a:t>
+            </a:fld>
+            <a:endParaRPr lang="en-US" sz="1000"/>
+          </a:p>
+        </p:txBody>
+      </p:sp>
+      <p:sp>
+        <p:nvSpPr>
+          <p:cNvPr id="5" name="Footer Placeholder 4">
+            <a:extLst>
+              <a:ext uri="{FF2B5EF4-FFF2-40B4-BE49-F238E27FC236}">
+                <a16:creationId xmlns:a16="http://schemas.microsoft.com/office/drawing/2014/main" id="{4C135F26-280D-5AE2-1E79-B4256AC5A6EB}"/>
+              </a:ext>
+            </a:extLst>
+          </p:cNvPr>
+          <p:cNvSpPr>
+            <a:spLocks noGrp="1"/>
+          </p:cNvSpPr>
+          <p:nvPr>
+            <p:ph type="ftr" sz="quarter" idx="3"/>
+          </p:nvPr>
+        </p:nvSpPr>
+        <p:spPr/>
+        <p:txBody>
+          <a:bodyPr/>
+          <a:lstStyle/>
+          <a:p>
+            <a:r>
+              <a:rPr lang="en-US"/>
+              <a:t>2022 Clinical Informatics Conference |   amia.org</a:t>
+            </a:r>
+            <a:endParaRPr lang="en-US" dirty="0"/>
+          </a:p>
+        </p:txBody>
+      </p:sp>
+      <p:graphicFrame>
+        <p:nvGraphicFramePr>
+          <p:cNvPr id="21" name="Chart 20">
+            <a:extLst>
+              <a:ext uri="{FF2B5EF4-FFF2-40B4-BE49-F238E27FC236}">
+                <a16:creationId xmlns:a16="http://schemas.microsoft.com/office/drawing/2014/main" id="{E7D6117B-118F-133D-A968-339D6175BAFA}"/>
+              </a:ext>
+            </a:extLst>
+          </p:cNvPr>
+          <p:cNvGraphicFramePr>
+            <a:graphicFrameLocks/>
+          </p:cNvGraphicFramePr>
+          <p:nvPr>
+            <p:extLst>
+              <p:ext uri="{D42A27DB-BD31-4B8C-83A1-F6EECF244321}">
+                <p14:modId xmlns:p14="http://schemas.microsoft.com/office/powerpoint/2010/main" val="1913382317"/>
+              </p:ext>
+            </p:extLst>
+          </p:nvPr>
+        </p:nvGraphicFramePr>
+        <p:xfrm>
+          <a:off x="2285856" y="894732"/>
+          <a:ext cx="4378394" cy="3325576"/>
+        </p:xfrm>
+        <a:graphic>
+          <a:graphicData uri="http://schemas.openxmlformats.org/drawingml/2006/chart">
+            <c:chart xmlns:c="http://schemas.openxmlformats.org/drawingml/2006/chart" xmlns:r="http://schemas.openxmlformats.org/officeDocument/2006/relationships" r:id="rId2"/>
+          </a:graphicData>
+        </a:graphic>
+      </p:graphicFrame>
+      <p:graphicFrame>
+        <p:nvGraphicFramePr>
+          <p:cNvPr id="22" name="Chart 21">
+            <a:extLst>
+              <a:ext uri="{FF2B5EF4-FFF2-40B4-BE49-F238E27FC236}">
+                <a16:creationId xmlns:a16="http://schemas.microsoft.com/office/drawing/2014/main" id="{5F51193C-29E1-AB7D-15A9-842B2302386E}"/>
+              </a:ext>
+            </a:extLst>
+          </p:cNvPr>
+          <p:cNvGraphicFramePr>
+            <a:graphicFrameLocks/>
+          </p:cNvGraphicFramePr>
+          <p:nvPr>
+            <p:extLst>
+              <p:ext uri="{D42A27DB-BD31-4B8C-83A1-F6EECF244321}">
+                <p14:modId xmlns:p14="http://schemas.microsoft.com/office/powerpoint/2010/main" val="1125171016"/>
+              </p:ext>
+            </p:extLst>
+          </p:nvPr>
+        </p:nvGraphicFramePr>
+        <p:xfrm>
+          <a:off x="4935170" y="726736"/>
+          <a:ext cx="5315578" cy="3727687"/>
+        </p:xfrm>
+        <a:graphic>
+          <a:graphicData uri="http://schemas.openxmlformats.org/drawingml/2006/chart">
+            <c:chart xmlns:c="http://schemas.openxmlformats.org/drawingml/2006/chart" xmlns:r="http://schemas.openxmlformats.org/officeDocument/2006/relationships" r:id="rId3"/>
+          </a:graphicData>
+        </a:graphic>
+      </p:graphicFrame>
+      <p:grpSp>
+        <p:nvGrpSpPr>
+          <p:cNvPr id="23" name="Group 22">
+            <a:extLst>
+              <a:ext uri="{FF2B5EF4-FFF2-40B4-BE49-F238E27FC236}">
+                <a16:creationId xmlns:a16="http://schemas.microsoft.com/office/drawing/2014/main" id="{61D6C1EE-722B-C75D-D758-92B91C39F4E4}"/>
+              </a:ext>
+            </a:extLst>
+          </p:cNvPr>
+          <p:cNvGrpSpPr/>
+          <p:nvPr/>
+        </p:nvGrpSpPr>
+        <p:grpSpPr>
+          <a:xfrm>
+            <a:off x="-454763" y="679955"/>
+            <a:ext cx="4175337" cy="3911750"/>
+            <a:chOff x="240030" y="1338167"/>
+            <a:chExt cx="4175337" cy="3911750"/>
+          </a:xfrm>
+        </p:grpSpPr>
+        <p:graphicFrame>
+          <p:nvGraphicFramePr>
+            <p:cNvPr id="24" name="Chart 23">
+              <a:extLst>
+                <a:ext uri="{FF2B5EF4-FFF2-40B4-BE49-F238E27FC236}">
+                  <a16:creationId xmlns:a16="http://schemas.microsoft.com/office/drawing/2014/main" id="{0B7BE71F-6675-E489-1DDD-A3FD8CA04288}"/>
+                </a:ext>
+              </a:extLst>
+            </p:cNvPr>
+            <p:cNvGraphicFramePr>
+              <a:graphicFrameLocks/>
+            </p:cNvGraphicFramePr>
+            <p:nvPr>
+              <p:extLst>
+                <p:ext uri="{D42A27DB-BD31-4B8C-83A1-F6EECF244321}">
+                  <p14:modId xmlns:p14="http://schemas.microsoft.com/office/powerpoint/2010/main" val="3642825575"/>
+                </p:ext>
+              </p:extLst>
+            </p:nvPr>
+          </p:nvGraphicFramePr>
+          <p:xfrm>
+            <a:off x="240030" y="1338167"/>
+            <a:ext cx="4175337" cy="3911750"/>
+          </p:xfrm>
+          <a:graphic>
+            <a:graphicData uri="http://schemas.openxmlformats.org/drawingml/2006/chart">
+              <c:chart xmlns:c="http://schemas.openxmlformats.org/drawingml/2006/chart" xmlns:r="http://schemas.openxmlformats.org/officeDocument/2006/relationships" r:id="rId4"/>
+            </a:graphicData>
+          </a:graphic>
+        </p:graphicFrame>
+        <p:sp>
+          <p:nvSpPr>
+            <p:cNvPr id="25" name="TextBox 24">
+              <a:extLst>
+                <a:ext uri="{FF2B5EF4-FFF2-40B4-BE49-F238E27FC236}">
+                  <a16:creationId xmlns:a16="http://schemas.microsoft.com/office/drawing/2014/main" id="{6DF29B83-7F8F-5122-C3DB-2C1B7C6B2E63}"/>
+                </a:ext>
+              </a:extLst>
+            </p:cNvPr>
+            <p:cNvSpPr txBox="1"/>
+            <p:nvPr/>
+          </p:nvSpPr>
+          <p:spPr>
+            <a:xfrm>
+              <a:off x="1335503" y="4288586"/>
+              <a:ext cx="1984389" cy="461665"/>
+            </a:xfrm>
+            <a:prstGeom prst="rect">
+              <a:avLst/>
+            </a:prstGeom>
+            <a:noFill/>
+          </p:spPr>
+          <p:txBody>
+            <a:bodyPr wrap="none" rtlCol="0">
+              <a:spAutoFit/>
+            </a:bodyPr>
+            <a:lstStyle/>
+            <a:p>
+              <a:r>
+                <a:rPr lang="en-US" dirty="0">
+                  <a:latin typeface="Arial" panose="020B0604020202020204" pitchFamily="34" charset="0"/>
+                  <a:cs typeface="Arial" panose="020B0604020202020204" pitchFamily="34" charset="0"/>
+                </a:rPr>
+                <a:t>T</a:t>
+              </a:r>
+              <a:r>
+                <a:rPr lang="en-US" altLang="zh-CN" dirty="0">
+                  <a:latin typeface="Arial" panose="020B0604020202020204" pitchFamily="34" charset="0"/>
+                  <a:cs typeface="Arial" panose="020B0604020202020204" pitchFamily="34" charset="0"/>
+                </a:rPr>
+                <a:t>elemedicine</a:t>
+              </a:r>
+              <a:endParaRPr lang="en-US" dirty="0">
+                <a:latin typeface="Arial" panose="020B0604020202020204" pitchFamily="34" charset="0"/>
+                <a:cs typeface="Arial" panose="020B0604020202020204" pitchFamily="34" charset="0"/>
+              </a:endParaRPr>
+            </a:p>
+          </p:txBody>
+        </p:sp>
+      </p:grpSp>
+      <p:sp>
+        <p:nvSpPr>
+          <p:cNvPr id="26" name="TextBox 25">
+            <a:extLst>
+              <a:ext uri="{FF2B5EF4-FFF2-40B4-BE49-F238E27FC236}">
+                <a16:creationId xmlns:a16="http://schemas.microsoft.com/office/drawing/2014/main" id="{4F674C43-1EF4-2CC9-4B4C-55D70ED8D936}"/>
+              </a:ext>
+            </a:extLst>
+          </p:cNvPr>
+          <p:cNvSpPr txBox="1"/>
+          <p:nvPr/>
+        </p:nvSpPr>
+        <p:spPr>
+          <a:xfrm>
+            <a:off x="674497" y="5979606"/>
+            <a:ext cx="8337539" cy="584775"/>
+          </a:xfrm>
+          <a:prstGeom prst="rect">
+            <a:avLst/>
+          </a:prstGeom>
+          <a:noFill/>
+        </p:spPr>
+        <p:txBody>
+          <a:bodyPr wrap="square" rtlCol="0">
+            <a:spAutoFit/>
+          </a:bodyPr>
+          <a:lstStyle/>
+          <a:p>
+            <a:r>
+              <a:rPr lang="en-US" sz="800" dirty="0">
+                <a:effectLst/>
+                <a:latin typeface="Arial" panose="020B0604020202020204" pitchFamily="34" charset="0"/>
+                <a:cs typeface="Arial" panose="020B0604020202020204" pitchFamily="34" charset="0"/>
+              </a:rPr>
+              <a:t>The numbers are </a:t>
+            </a:r>
+            <a:r>
+              <a:rPr lang="en-US" sz="800" dirty="0">
+                <a:latin typeface="Arial" panose="020B0604020202020204" pitchFamily="34" charset="0"/>
+                <a:cs typeface="Arial" panose="020B0604020202020204" pitchFamily="34" charset="0"/>
+              </a:rPr>
+              <a:t>calculated combined with the U.S. Census bureau combined with the Clinical Translational Science Institute of Southeastern Wisconsin using 2020 – 2022 data.</a:t>
+            </a:r>
+          </a:p>
+          <a:p>
+            <a:r>
+              <a:rPr lang="en-US" sz="800" dirty="0">
+                <a:effectLst/>
+                <a:latin typeface="Arial" panose="020B0604020202020204" pitchFamily="34" charset="0"/>
+                <a:cs typeface="Arial" panose="020B0604020202020204" pitchFamily="34" charset="0"/>
+              </a:rPr>
+              <a:t>Three forms of healthcare include in-person care, telemedical care, and patient phone or message. Patients receiving both telemedicine and in-person care were categorized as</a:t>
+            </a:r>
+          </a:p>
+          <a:p>
+            <a:r>
+              <a:rPr lang="en-US" sz="800" dirty="0">
+                <a:effectLst/>
+                <a:latin typeface="Arial" panose="020B0604020202020204" pitchFamily="34" charset="0"/>
+                <a:cs typeface="Arial" panose="020B0604020202020204" pitchFamily="34" charset="0"/>
+              </a:rPr>
+              <a:t> telemedicine visits for the purposes of this analysis, regardless of the order of visits. Patients with both telemedicine and phone/message visits are counted as telemedicine visits; </a:t>
+            </a:r>
+          </a:p>
+          <a:p>
+            <a:r>
+              <a:rPr lang="en-US" sz="800" dirty="0">
+                <a:effectLst/>
+                <a:latin typeface="Arial" panose="020B0604020202020204" pitchFamily="34" charset="0"/>
+                <a:cs typeface="Arial" panose="020B0604020202020204" pitchFamily="34" charset="0"/>
+              </a:rPr>
+              <a:t>Similarly, patients with in-person and phone/message visits are counted as in-person visits.</a:t>
+            </a:r>
+          </a:p>
+        </p:txBody>
+      </p:sp>
+    </p:spTree>
+    <p:extLst>
+      <p:ext uri="{BB962C8B-B14F-4D97-AF65-F5344CB8AC3E}">
+        <p14:creationId xmlns:p14="http://schemas.microsoft.com/office/powerpoint/2010/main" val="245706173"/>
+      </p:ext>
+    </p:extLst>
+  </p:cSld>
+  <p:clrMapOvr>
+    <a:masterClrMapping/>
+  </p:clrMapOvr>
+  <p:timing>
+    <p:tnLst>
+      <p:par>
+        <p:cTn id="1" dur="indefinite" restart="never" nodeType="tmRoot">
+          <p:childTnLst>
+            <p:seq concurrent="1" nextAc="seek">
+              <p:cTn id="2" dur="indefinite" nodeType="mainSeq">
+                <p:childTnLst>
+                  <p:par>
+                    <p:cTn id="3" fill="hold">
+                      <p:stCondLst>
+                        <p:cond delay="indefinite"/>
+                      </p:stCondLst>
+                      <p:childTnLst>
+                        <p:par>
+                          <p:cTn id="4" fill="hold">
+                            <p:stCondLst>
+                              <p:cond delay="0"/>
+                            </p:stCondLst>
+                            <p:childTnLst>
+                              <p:par>
+                                <p:cTn id="5" presetID="42" presetClass="entr" presetSubtype="0" fill="hold" nodeType="clickEffect">
+                                  <p:stCondLst>
+                                    <p:cond delay="0"/>
+                                  </p:stCondLst>
+                                  <p:childTnLst>
+                                    <p:set>
+                                      <p:cBhvr>
+                                        <p:cTn id="6" dur="1" fill="hold">
+                                          <p:stCondLst>
+                                            <p:cond delay="0"/>
+                                          </p:stCondLst>
+                                        </p:cTn>
+                                        <p:tgtEl>
+                                          <p:spTgt spid="23"/>
+                                        </p:tgtEl>
+                                        <p:attrNameLst>
+                                          <p:attrName>style.visibility</p:attrName>
+                                        </p:attrNameLst>
+                                      </p:cBhvr>
+                                      <p:to>
+                                        <p:strVal val="visible"/>
+                                      </p:to>
+                                    </p:set>
+                                    <p:animEffect transition="in" filter="fade">
+                                      <p:cBhvr>
+                                        <p:cTn id="7" dur="500"/>
+                                        <p:tgtEl>
+                                          <p:spTgt spid="23"/>
+                                        </p:tgtEl>
+                                      </p:cBhvr>
+                                    </p:animEffect>
+                                    <p:anim calcmode="lin" valueType="num">
+                                      <p:cBhvr>
+                                        <p:cTn id="8" dur="500" fill="hold"/>
+                                        <p:tgtEl>
+                                          <p:spTgt spid="23"/>
+                                        </p:tgtEl>
+                                        <p:attrNameLst>
+                                          <p:attrName>ppt_x</p:attrName>
+                                        </p:attrNameLst>
+                                      </p:cBhvr>
+                                      <p:tavLst>
+                                        <p:tav tm="0">
+                                          <p:val>
+                                            <p:strVal val="#ppt_x"/>
+                                          </p:val>
+                                        </p:tav>
+                                        <p:tav tm="100000">
+                                          <p:val>
+                                            <p:strVal val="#ppt_x"/>
+                                          </p:val>
+                                        </p:tav>
+                                      </p:tavLst>
+                                    </p:anim>
+                                    <p:anim calcmode="lin" valueType="num">
+                                      <p:cBhvr>
+                                        <p:cTn id="9" dur="500" fill="hold"/>
+                                        <p:tgtEl>
+                                          <p:spTgt spid="23"/>
+                                        </p:tgtEl>
+                                        <p:attrNameLst>
+                                          <p:attrName>ppt_y</p:attrName>
+                                        </p:attrNameLst>
+                                      </p:cBhvr>
+                                      <p:tavLst>
+                                        <p:tav tm="0">
+                                          <p:val>
+                                            <p:strVal val="#ppt_y+.1"/>
+                                          </p:val>
+                                        </p:tav>
+                                        <p:tav tm="100000">
+                                          <p:val>
+                                            <p:strVal val="#ppt_y"/>
+                                          </p:val>
+                                        </p:tav>
+                                      </p:tavLst>
+                                    </p:anim>
+                                  </p:childTnLst>
+                                </p:cTn>
+                              </p:par>
+                            </p:childTnLst>
+                          </p:cTn>
+                        </p:par>
+                      </p:childTnLst>
+                    </p:cTn>
+                  </p:par>
+                  <p:par>
+                    <p:cTn id="10" fill="hold">
+                      <p:stCondLst>
+                        <p:cond delay="indefinite"/>
+                      </p:stCondLst>
+                      <p:childTnLst>
+                        <p:par>
+                          <p:cTn id="11" fill="hold">
+                            <p:stCondLst>
+                              <p:cond delay="0"/>
+                            </p:stCondLst>
+                            <p:childTnLst>
+                              <p:par>
+                                <p:cTn id="12" presetID="42" presetClass="entr" presetSubtype="0" fill="hold" grpId="0" nodeType="clickEffect">
+                                  <p:stCondLst>
+                                    <p:cond delay="0"/>
+                                  </p:stCondLst>
+                                  <p:childTnLst>
+                                    <p:set>
+                                      <p:cBhvr>
+                                        <p:cTn id="13" dur="1" fill="hold">
+                                          <p:stCondLst>
+                                            <p:cond delay="0"/>
+                                          </p:stCondLst>
+                                        </p:cTn>
+                                        <p:tgtEl>
+                                          <p:spTgt spid="21"/>
+                                        </p:tgtEl>
+                                        <p:attrNameLst>
+                                          <p:attrName>style.visibility</p:attrName>
+                                        </p:attrNameLst>
+                                      </p:cBhvr>
+                                      <p:to>
+                                        <p:strVal val="visible"/>
+                                      </p:to>
+                                    </p:set>
+                                    <p:animEffect transition="in" filter="fade">
+                                      <p:cBhvr>
+                                        <p:cTn id="14" dur="500"/>
+                                        <p:tgtEl>
+                                          <p:spTgt spid="21"/>
+                                        </p:tgtEl>
+                                      </p:cBhvr>
+                                    </p:animEffect>
+                                    <p:anim calcmode="lin" valueType="num">
+                                      <p:cBhvr>
+                                        <p:cTn id="15" dur="500" fill="hold"/>
+                                        <p:tgtEl>
+                                          <p:spTgt spid="21"/>
+                                        </p:tgtEl>
+                                        <p:attrNameLst>
+                                          <p:attrName>ppt_x</p:attrName>
+                                        </p:attrNameLst>
+                                      </p:cBhvr>
+                                      <p:tavLst>
+                                        <p:tav tm="0">
+                                          <p:val>
+                                            <p:strVal val="#ppt_x"/>
+                                          </p:val>
+                                        </p:tav>
+                                        <p:tav tm="100000">
+                                          <p:val>
+                                            <p:strVal val="#ppt_x"/>
+                                          </p:val>
+                                        </p:tav>
+                                      </p:tavLst>
+                                    </p:anim>
+                                    <p:anim calcmode="lin" valueType="num">
+                                      <p:cBhvr>
+                                        <p:cTn id="16" dur="500" fill="hold"/>
+                                        <p:tgtEl>
+                                          <p:spTgt spid="21"/>
+                                        </p:tgtEl>
+                                        <p:attrNameLst>
+                                          <p:attrName>ppt_y</p:attrName>
+                                        </p:attrNameLst>
+                                      </p:cBhvr>
+                                      <p:tavLst>
+                                        <p:tav tm="0">
+                                          <p:val>
+                                            <p:strVal val="#ppt_y+.1"/>
+                                          </p:val>
+                                        </p:tav>
+                                        <p:tav tm="100000">
+                                          <p:val>
+                                            <p:strVal val="#ppt_y"/>
+                                          </p:val>
+                                        </p:tav>
+                                      </p:tavLst>
+                                    </p:anim>
+                                  </p:childTnLst>
+                                </p:cTn>
+                              </p:par>
+                            </p:childTnLst>
+                          </p:cTn>
+                        </p:par>
+                      </p:childTnLst>
+                    </p:cTn>
+                  </p:par>
+                  <p:par>
+                    <p:cTn id="17" fill="hold">
+                      <p:stCondLst>
+                        <p:cond delay="indefinite"/>
+                      </p:stCondLst>
+                      <p:childTnLst>
+                        <p:par>
+                          <p:cTn id="18" fill="hold">
+                            <p:stCondLst>
+                              <p:cond delay="0"/>
+                            </p:stCondLst>
+                            <p:childTnLst>
+                              <p:par>
+                                <p:cTn id="19" presetID="42" presetClass="entr" presetSubtype="0" fill="hold" grpId="0" nodeType="clickEffect">
+                                  <p:stCondLst>
+                                    <p:cond delay="0"/>
+                                  </p:stCondLst>
+                                  <p:childTnLst>
+                                    <p:set>
+                                      <p:cBhvr>
+                                        <p:cTn id="20" dur="1" fill="hold">
+                                          <p:stCondLst>
+                                            <p:cond delay="0"/>
+                                          </p:stCondLst>
+                                        </p:cTn>
+                                        <p:tgtEl>
+                                          <p:spTgt spid="22"/>
+                                        </p:tgtEl>
+                                        <p:attrNameLst>
+                                          <p:attrName>style.visibility</p:attrName>
+                                        </p:attrNameLst>
+                                      </p:cBhvr>
+                                      <p:to>
+                                        <p:strVal val="visible"/>
+                                      </p:to>
+                                    </p:set>
+                                    <p:animEffect transition="in" filter="fade">
+                                      <p:cBhvr>
+                                        <p:cTn id="21" dur="500"/>
+                                        <p:tgtEl>
+                                          <p:spTgt spid="22"/>
+                                        </p:tgtEl>
+                                      </p:cBhvr>
+                                    </p:animEffect>
+                                    <p:anim calcmode="lin" valueType="num">
+                                      <p:cBhvr>
+                                        <p:cTn id="22" dur="500" fill="hold"/>
+                                        <p:tgtEl>
+                                          <p:spTgt spid="22"/>
+                                        </p:tgtEl>
+                                        <p:attrNameLst>
+                                          <p:attrName>ppt_x</p:attrName>
+                                        </p:attrNameLst>
+                                      </p:cBhvr>
+                                      <p:tavLst>
+                                        <p:tav tm="0">
+                                          <p:val>
+                                            <p:strVal val="#ppt_x"/>
+                                          </p:val>
+                                        </p:tav>
+                                        <p:tav tm="100000">
+                                          <p:val>
+                                            <p:strVal val="#ppt_x"/>
+                                          </p:val>
+                                        </p:tav>
+                                      </p:tavLst>
+                                    </p:anim>
+                                    <p:anim calcmode="lin" valueType="num">
+                                      <p:cBhvr>
+                                        <p:cTn id="23" dur="500" fill="hold"/>
+                                        <p:tgtEl>
+                                          <p:spTgt spid="22"/>
+                                        </p:tgtEl>
+                                        <p:attrNameLst>
+                                          <p:attrName>ppt_y</p:attrName>
+                                        </p:attrNameLst>
+                                      </p:cBhvr>
+                                      <p:tavLst>
+                                        <p:tav tm="0">
+                                          <p:val>
+                                            <p:strVal val="#ppt_y+.1"/>
+                                          </p:val>
+                                        </p:tav>
+                                        <p:tav tm="100000">
+                                          <p:val>
+                                            <p:strVal val="#ppt_y"/>
+                                          </p:val>
+                                        </p:tav>
+                                      </p:tavLst>
+                                    </p:anim>
+                                  </p:childTnLst>
+                                </p:cTn>
+                              </p:par>
+                            </p:childTnLst>
+                          </p:cTn>
+                        </p:par>
+                      </p:childTnLst>
+                    </p:cTn>
+                  </p:par>
+                </p:childTnLst>
+              </p:cTn>
+              <p:prevCondLst>
+                <p:cond evt="onPrev" delay="0">
+                  <p:tgtEl>
+                    <p:sldTgt/>
+                  </p:tgtEl>
+                </p:cond>
+              </p:prevCondLst>
+              <p:nextCondLst>
+                <p:cond evt="onNext" delay="0">
+                  <p:tgtEl>
+                    <p:sldTgt/>
+                  </p:tgtEl>
+                </p:cond>
+              </p:nextCondLst>
+            </p:seq>
+          </p:childTnLst>
+        </p:cTn>
+      </p:par>
+    </p:tnLst>
+    <p:bldLst>
+      <p:bldGraphic spid="21" grpId="0">
+        <p:bldAsOne/>
+      </p:bldGraphic>
+      <p:bldGraphic spid="22" grpId="0">
+        <p:bldAsOne/>
+      </p:bldGraphic>
+    </p:bldLst>
+  </p:timing>
+</p:sld>
+</file>
+
+<file path=ppt/slides/slide6.xml><?xml version="1.0" encoding="utf-8"?>
 <p:sld xmlns:a="http://schemas.openxmlformats.org/drawingml/2006/main" xmlns:r="http://schemas.openxmlformats.org/officeDocument/2006/relationships" xmlns:p="http://schemas.openxmlformats.org/presentationml/2006/main">
   <p:cSld>
     <p:spTree>
@@ -12340,7 +18035,7 @@
             <a:fld id="{42C32FFB-F9AE-46F0-A233-A2E628258990}" type="slidenum">
               <a:rPr lang="en-US" smtClean="0"/>
               <a:pPr/>
-              <a:t>5</a:t>
+              <a:t>6</a:t>
             </a:fld>
             <a:endParaRPr lang="en-US" sz="1000"/>
           </a:p>
@@ -12434,6 +18129,98 @@
           </a:p>
         </p:txBody>
       </p:sp>
+      <p:pic>
+        <p:nvPicPr>
+          <p:cNvPr id="9" name="Picture 2" descr="Medical College of Wisconsin - Wikipedia">
+            <a:extLst>
+              <a:ext uri="{FF2B5EF4-FFF2-40B4-BE49-F238E27FC236}">
+                <a16:creationId xmlns:a16="http://schemas.microsoft.com/office/drawing/2014/main" id="{1B64E16E-2502-66E2-E0D6-338F85AA9619}"/>
+              </a:ext>
+            </a:extLst>
+          </p:cNvPr>
+          <p:cNvPicPr>
+            <a:picLocks noChangeAspect="1" noChangeArrowheads="1"/>
+          </p:cNvPicPr>
+          <p:nvPr/>
+        </p:nvPicPr>
+        <p:blipFill>
+          <a:blip r:embed="rId2">
+            <a:extLst>
+              <a:ext uri="{28A0092B-C50C-407E-A947-70E740481C1C}">
+                <a14:useLocalDpi xmlns:a14="http://schemas.microsoft.com/office/drawing/2010/main" val="0"/>
+              </a:ext>
+            </a:extLst>
+          </a:blip>
+          <a:srcRect/>
+          <a:stretch>
+            <a:fillRect/>
+          </a:stretch>
+        </p:blipFill>
+        <p:spPr bwMode="auto">
+          <a:xfrm>
+            <a:off x="173569" y="4179232"/>
+            <a:ext cx="460858" cy="365760"/>
+          </a:xfrm>
+          <a:prstGeom prst="rect">
+            <a:avLst/>
+          </a:prstGeom>
+          <a:noFill/>
+          <a:extLst>
+            <a:ext uri="{909E8E84-426E-40DD-AFC4-6F175D3DCCD1}">
+              <a14:hiddenFill xmlns:a14="http://schemas.microsoft.com/office/drawing/2010/main">
+                <a:solidFill>
+                  <a:srgbClr val="FFFFFF"/>
+                </a:solidFill>
+              </a14:hiddenFill>
+            </a:ext>
+          </a:extLst>
+        </p:spPr>
+      </p:pic>
+      <p:pic>
+        <p:nvPicPr>
+          <p:cNvPr id="10" name="Picture 4" descr="UWM at Waukesha Foundation - Home">
+            <a:extLst>
+              <a:ext uri="{FF2B5EF4-FFF2-40B4-BE49-F238E27FC236}">
+                <a16:creationId xmlns:a16="http://schemas.microsoft.com/office/drawing/2014/main" id="{723CE278-52F8-05D3-83C8-74132076D3F0}"/>
+              </a:ext>
+            </a:extLst>
+          </p:cNvPr>
+          <p:cNvPicPr>
+            <a:picLocks noChangeAspect="1" noChangeArrowheads="1"/>
+          </p:cNvPicPr>
+          <p:nvPr/>
+        </p:nvPicPr>
+        <p:blipFill rotWithShape="1">
+          <a:blip r:embed="rId3">
+            <a:extLst>
+              <a:ext uri="{28A0092B-C50C-407E-A947-70E740481C1C}">
+                <a14:useLocalDpi xmlns:a14="http://schemas.microsoft.com/office/drawing/2010/main" val="0"/>
+              </a:ext>
+            </a:extLst>
+          </a:blip>
+          <a:srcRect r="61331"/>
+          <a:stretch/>
+        </p:blipFill>
+        <p:spPr bwMode="auto">
+          <a:xfrm>
+            <a:off x="595273" y="4164009"/>
+            <a:ext cx="457200" cy="364920"/>
+          </a:xfrm>
+          <a:prstGeom prst="rect">
+            <a:avLst/>
+          </a:prstGeom>
+          <a:noFill/>
+          <a:extLst>
+            <a:ext uri="{909E8E84-426E-40DD-AFC4-6F175D3DCCD1}">
+              <a14:hiddenFill xmlns:a14="http://schemas.microsoft.com/office/drawing/2010/main">
+                <a:solidFill>
+                  <a:srgbClr val="FFFFFF"/>
+                </a:solidFill>
+              </a14:hiddenFill>
+            </a:ext>
+          </a:extLst>
+        </p:spPr>
+      </p:pic>
     </p:spTree>
     <p:extLst>
       <p:ext uri="{BB962C8B-B14F-4D97-AF65-F5344CB8AC3E}">
@@ -12447,7 +18234,7 @@
 </p:sld>
 </file>
 
-<file path=ppt/slides/slide6.xml><?xml version="1.0" encoding="utf-8"?>
+<file path=ppt/slides/slide7.xml><?xml version="1.0" encoding="utf-8"?>
 <p:sld xmlns:a="http://schemas.openxmlformats.org/drawingml/2006/main" xmlns:r="http://schemas.openxmlformats.org/officeDocument/2006/relationships" xmlns:p="http://schemas.openxmlformats.org/presentationml/2006/main">
   <p:cSld>
     <p:spTree>
@@ -12596,7 +18383,7 @@
             <a:fld id="{42C32FFB-F9AE-46F0-A233-A2E628258990}" type="slidenum">
               <a:rPr lang="en-US" smtClean="0"/>
               <a:pPr/>
-              <a:t>6</a:t>
+              <a:t>7</a:t>
             </a:fld>
             <a:endParaRPr lang="en-US" sz="1000"/>
           </a:p>
@@ -12631,6 +18418,98 @@
           </a:p>
         </p:txBody>
       </p:sp>
+      <p:pic>
+        <p:nvPicPr>
+          <p:cNvPr id="8" name="Picture 2" descr="Medical College of Wisconsin - Wikipedia">
+            <a:extLst>
+              <a:ext uri="{FF2B5EF4-FFF2-40B4-BE49-F238E27FC236}">
+                <a16:creationId xmlns:a16="http://schemas.microsoft.com/office/drawing/2014/main" id="{31D65E6B-A0DA-CB75-AC53-B3A7E6654899}"/>
+              </a:ext>
+            </a:extLst>
+          </p:cNvPr>
+          <p:cNvPicPr>
+            <a:picLocks noChangeAspect="1" noChangeArrowheads="1"/>
+          </p:cNvPicPr>
+          <p:nvPr/>
+        </p:nvPicPr>
+        <p:blipFill>
+          <a:blip r:embed="rId2">
+            <a:extLst>
+              <a:ext uri="{28A0092B-C50C-407E-A947-70E740481C1C}">
+                <a14:useLocalDpi xmlns:a14="http://schemas.microsoft.com/office/drawing/2010/main" val="0"/>
+              </a:ext>
+            </a:extLst>
+          </a:blip>
+          <a:srcRect/>
+          <a:stretch>
+            <a:fillRect/>
+          </a:stretch>
+        </p:blipFill>
+        <p:spPr bwMode="auto">
+          <a:xfrm>
+            <a:off x="173569" y="4179232"/>
+            <a:ext cx="460858" cy="365760"/>
+          </a:xfrm>
+          <a:prstGeom prst="rect">
+            <a:avLst/>
+          </a:prstGeom>
+          <a:noFill/>
+          <a:extLst>
+            <a:ext uri="{909E8E84-426E-40DD-AFC4-6F175D3DCCD1}">
+              <a14:hiddenFill xmlns:a14="http://schemas.microsoft.com/office/drawing/2010/main">
+                <a:solidFill>
+                  <a:srgbClr val="FFFFFF"/>
+                </a:solidFill>
+              </a14:hiddenFill>
+            </a:ext>
+          </a:extLst>
+        </p:spPr>
+      </p:pic>
+      <p:pic>
+        <p:nvPicPr>
+          <p:cNvPr id="9" name="Picture 4" descr="UWM at Waukesha Foundation - Home">
+            <a:extLst>
+              <a:ext uri="{FF2B5EF4-FFF2-40B4-BE49-F238E27FC236}">
+                <a16:creationId xmlns:a16="http://schemas.microsoft.com/office/drawing/2014/main" id="{C1221B75-8376-17BA-ADE3-D48E35CBBD06}"/>
+              </a:ext>
+            </a:extLst>
+          </p:cNvPr>
+          <p:cNvPicPr>
+            <a:picLocks noChangeAspect="1" noChangeArrowheads="1"/>
+          </p:cNvPicPr>
+          <p:nvPr/>
+        </p:nvPicPr>
+        <p:blipFill rotWithShape="1">
+          <a:blip r:embed="rId3">
+            <a:extLst>
+              <a:ext uri="{28A0092B-C50C-407E-A947-70E740481C1C}">
+                <a14:useLocalDpi xmlns:a14="http://schemas.microsoft.com/office/drawing/2010/main" val="0"/>
+              </a:ext>
+            </a:extLst>
+          </a:blip>
+          <a:srcRect r="61331"/>
+          <a:stretch/>
+        </p:blipFill>
+        <p:spPr bwMode="auto">
+          <a:xfrm>
+            <a:off x="595273" y="4164009"/>
+            <a:ext cx="457200" cy="364920"/>
+          </a:xfrm>
+          <a:prstGeom prst="rect">
+            <a:avLst/>
+          </a:prstGeom>
+          <a:noFill/>
+          <a:extLst>
+            <a:ext uri="{909E8E84-426E-40DD-AFC4-6F175D3DCCD1}">
+              <a14:hiddenFill xmlns:a14="http://schemas.microsoft.com/office/drawing/2010/main">
+                <a:solidFill>
+                  <a:srgbClr val="FFFFFF"/>
+                </a:solidFill>
+              </a14:hiddenFill>
+            </a:ext>
+          </a:extLst>
+        </p:spPr>
+      </p:pic>
     </p:spTree>
     <p:extLst>
       <p:ext uri="{BB962C8B-B14F-4D97-AF65-F5344CB8AC3E}">
@@ -12644,7 +18523,7 @@
 </p:sld>
 </file>
 
-<file path=ppt/slides/slide7.xml><?xml version="1.0" encoding="utf-8"?>
+<file path=ppt/slides/slide8.xml><?xml version="1.0" encoding="utf-8"?>
 <p:sld xmlns:a="http://schemas.openxmlformats.org/drawingml/2006/main" xmlns:r="http://schemas.openxmlformats.org/officeDocument/2006/relationships" xmlns:p="http://schemas.openxmlformats.org/presentationml/2006/main">
   <p:cSld>
     <p:spTree>
@@ -12803,7 +18682,7 @@
             <a:fld id="{42C32FFB-F9AE-46F0-A233-A2E628258990}" type="slidenum">
               <a:rPr lang="en-US" smtClean="0"/>
               <a:pPr/>
-              <a:t>7</a:t>
+              <a:t>8</a:t>
             </a:fld>
             <a:endParaRPr lang="en-US" sz="1000"/>
           </a:p>
@@ -12838,6 +18717,98 @@
           </a:p>
         </p:txBody>
       </p:sp>
+      <p:pic>
+        <p:nvPicPr>
+          <p:cNvPr id="7" name="Picture 2" descr="Medical College of Wisconsin - Wikipedia">
+            <a:extLst>
+              <a:ext uri="{FF2B5EF4-FFF2-40B4-BE49-F238E27FC236}">
+                <a16:creationId xmlns:a16="http://schemas.microsoft.com/office/drawing/2014/main" id="{D16DC0E3-9855-A6E3-F645-776E471E50FE}"/>
+              </a:ext>
+            </a:extLst>
+          </p:cNvPr>
+          <p:cNvPicPr>
+            <a:picLocks noChangeAspect="1" noChangeArrowheads="1"/>
+          </p:cNvPicPr>
+          <p:nvPr/>
+        </p:nvPicPr>
+        <p:blipFill>
+          <a:blip r:embed="rId2">
+            <a:extLst>
+              <a:ext uri="{28A0092B-C50C-407E-A947-70E740481C1C}">
+                <a14:useLocalDpi xmlns:a14="http://schemas.microsoft.com/office/drawing/2010/main" val="0"/>
+              </a:ext>
+            </a:extLst>
+          </a:blip>
+          <a:srcRect/>
+          <a:stretch>
+            <a:fillRect/>
+          </a:stretch>
+        </p:blipFill>
+        <p:spPr bwMode="auto">
+          <a:xfrm>
+            <a:off x="173569" y="4179232"/>
+            <a:ext cx="460858" cy="365760"/>
+          </a:xfrm>
+          <a:prstGeom prst="rect">
+            <a:avLst/>
+          </a:prstGeom>
+          <a:noFill/>
+          <a:extLst>
+            <a:ext uri="{909E8E84-426E-40DD-AFC4-6F175D3DCCD1}">
+              <a14:hiddenFill xmlns:a14="http://schemas.microsoft.com/office/drawing/2010/main">
+                <a:solidFill>
+                  <a:srgbClr val="FFFFFF"/>
+                </a:solidFill>
+              </a14:hiddenFill>
+            </a:ext>
+          </a:extLst>
+        </p:spPr>
+      </p:pic>
+      <p:pic>
+        <p:nvPicPr>
+          <p:cNvPr id="8" name="Picture 4" descr="UWM at Waukesha Foundation - Home">
+            <a:extLst>
+              <a:ext uri="{FF2B5EF4-FFF2-40B4-BE49-F238E27FC236}">
+                <a16:creationId xmlns:a16="http://schemas.microsoft.com/office/drawing/2014/main" id="{6492DBB5-155C-6BE6-9139-2CA0511F88C3}"/>
+              </a:ext>
+            </a:extLst>
+          </p:cNvPr>
+          <p:cNvPicPr>
+            <a:picLocks noChangeAspect="1" noChangeArrowheads="1"/>
+          </p:cNvPicPr>
+          <p:nvPr/>
+        </p:nvPicPr>
+        <p:blipFill rotWithShape="1">
+          <a:blip r:embed="rId3">
+            <a:extLst>
+              <a:ext uri="{28A0092B-C50C-407E-A947-70E740481C1C}">
+                <a14:useLocalDpi xmlns:a14="http://schemas.microsoft.com/office/drawing/2010/main" val="0"/>
+              </a:ext>
+            </a:extLst>
+          </a:blip>
+          <a:srcRect r="61331"/>
+          <a:stretch/>
+        </p:blipFill>
+        <p:spPr bwMode="auto">
+          <a:xfrm>
+            <a:off x="595273" y="4164009"/>
+            <a:ext cx="457200" cy="364920"/>
+          </a:xfrm>
+          <a:prstGeom prst="rect">
+            <a:avLst/>
+          </a:prstGeom>
+          <a:noFill/>
+          <a:extLst>
+            <a:ext uri="{909E8E84-426E-40DD-AFC4-6F175D3DCCD1}">
+              <a14:hiddenFill xmlns:a14="http://schemas.microsoft.com/office/drawing/2010/main">
+                <a:solidFill>
+                  <a:srgbClr val="FFFFFF"/>
+                </a:solidFill>
+              </a14:hiddenFill>
+            </a:ext>
+          </a:extLst>
+        </p:spPr>
+      </p:pic>
     </p:spTree>
     <p:extLst>
       <p:ext uri="{BB962C8B-B14F-4D97-AF65-F5344CB8AC3E}">
@@ -12851,7 +18822,7 @@
 </p:sld>
 </file>
 
-<file path=ppt/slides/slide8.xml><?xml version="1.0" encoding="utf-8"?>
+<file path=ppt/slides/slide9.xml><?xml version="1.0" encoding="utf-8"?>
 <p:sld xmlns:a="http://schemas.openxmlformats.org/drawingml/2006/main" xmlns:r="http://schemas.openxmlformats.org/officeDocument/2006/relationships" xmlns:p="http://schemas.openxmlformats.org/presentationml/2006/main">
   <p:cSld>
     <p:spTree>
@@ -12950,7 +18921,7 @@
             <a:fld id="{42C32FFB-F9AE-46F0-A233-A2E628258990}" type="slidenum">
               <a:rPr lang="en-US" smtClean="0"/>
               <a:pPr/>
-              <a:t>8</a:t>
+              <a:t>9</a:t>
             </a:fld>
             <a:endParaRPr lang="en-US" sz="1000"/>
           </a:p>
@@ -13515,957 +19486,6 @@
   <p:clrMapOvr>
     <a:masterClrMapping/>
   </p:clrMapOvr>
-</p:sld>
-</file>
-
-<file path=ppt/slides/slide9.xml><?xml version="1.0" encoding="utf-8"?>
-<p:sld xmlns:a="http://schemas.openxmlformats.org/drawingml/2006/main" xmlns:r="http://schemas.openxmlformats.org/officeDocument/2006/relationships" xmlns:p="http://schemas.openxmlformats.org/presentationml/2006/main">
-  <p:cSld>
-    <p:spTree>
-      <p:nvGrpSpPr>
-        <p:cNvPr id="1" name=""/>
-        <p:cNvGrpSpPr/>
-        <p:nvPr/>
-      </p:nvGrpSpPr>
-      <p:grpSpPr>
-        <a:xfrm>
-          <a:off x="0" y="0"/>
-          <a:ext cx="0" cy="0"/>
-          <a:chOff x="0" y="0"/>
-          <a:chExt cx="0" cy="0"/>
-        </a:xfrm>
-      </p:grpSpPr>
-      <p:sp>
-        <p:nvSpPr>
-          <p:cNvPr id="2" name="Title 1">
-            <a:extLst>
-              <a:ext uri="{FF2B5EF4-FFF2-40B4-BE49-F238E27FC236}">
-                <a16:creationId xmlns:a16="http://schemas.microsoft.com/office/drawing/2014/main" id="{6F199BF4-25E4-29DA-B86A-220F0CAB7744}"/>
-              </a:ext>
-            </a:extLst>
-          </p:cNvPr>
-          <p:cNvSpPr>
-            <a:spLocks noGrp="1"/>
-          </p:cNvSpPr>
-          <p:nvPr>
-            <p:ph type="title"/>
-          </p:nvPr>
-        </p:nvSpPr>
-        <p:spPr>
-          <a:xfrm>
-            <a:off x="547730" y="402548"/>
-            <a:ext cx="6783946" cy="320088"/>
-          </a:xfrm>
-        </p:spPr>
-        <p:txBody>
-          <a:bodyPr/>
-          <a:lstStyle/>
-          <a:p>
-            <a:r>
-              <a:rPr lang="en-US" dirty="0"/>
-              <a:t>Age</a:t>
-            </a:r>
-          </a:p>
-        </p:txBody>
-      </p:sp>
-      <p:sp>
-        <p:nvSpPr>
-          <p:cNvPr id="4" name="Slide Number Placeholder 3">
-            <a:extLst>
-              <a:ext uri="{FF2B5EF4-FFF2-40B4-BE49-F238E27FC236}">
-                <a16:creationId xmlns:a16="http://schemas.microsoft.com/office/drawing/2014/main" id="{12356BC2-044E-A100-9DCF-F84C42F99FE3}"/>
-              </a:ext>
-            </a:extLst>
-          </p:cNvPr>
-          <p:cNvSpPr>
-            <a:spLocks noGrp="1"/>
-          </p:cNvSpPr>
-          <p:nvPr>
-            <p:ph type="sldNum" sz="quarter" idx="4"/>
-          </p:nvPr>
-        </p:nvSpPr>
-        <p:spPr/>
-        <p:txBody>
-          <a:bodyPr/>
-          <a:lstStyle/>
-          <a:p>
-            <a:fld id="{42C32FFB-F9AE-46F0-A233-A2E628258990}" type="slidenum">
-              <a:rPr lang="en-US" smtClean="0"/>
-              <a:pPr/>
-              <a:t>9</a:t>
-            </a:fld>
-            <a:endParaRPr lang="en-US" sz="1000"/>
-          </a:p>
-        </p:txBody>
-      </p:sp>
-      <p:sp>
-        <p:nvSpPr>
-          <p:cNvPr id="5" name="Footer Placeholder 4">
-            <a:extLst>
-              <a:ext uri="{FF2B5EF4-FFF2-40B4-BE49-F238E27FC236}">
-                <a16:creationId xmlns:a16="http://schemas.microsoft.com/office/drawing/2014/main" id="{B6008242-ED66-CB51-F4A5-617CFC3B8EBE}"/>
-              </a:ext>
-            </a:extLst>
-          </p:cNvPr>
-          <p:cNvSpPr>
-            <a:spLocks noGrp="1"/>
-          </p:cNvSpPr>
-          <p:nvPr>
-            <p:ph type="ftr" sz="quarter" idx="3"/>
-          </p:nvPr>
-        </p:nvSpPr>
-        <p:spPr/>
-        <p:txBody>
-          <a:bodyPr/>
-          <a:lstStyle/>
-          <a:p>
-            <a:r>
-              <a:rPr lang="en-US"/>
-              <a:t>2022 Clinical Informatics Conference |   amia.org</a:t>
-            </a:r>
-            <a:endParaRPr lang="en-US" dirty="0"/>
-          </a:p>
-        </p:txBody>
-      </p:sp>
-      <p:grpSp>
-        <p:nvGrpSpPr>
-          <p:cNvPr id="6" name="Group 5">
-            <a:extLst>
-              <a:ext uri="{FF2B5EF4-FFF2-40B4-BE49-F238E27FC236}">
-                <a16:creationId xmlns:a16="http://schemas.microsoft.com/office/drawing/2014/main" id="{C0F20FF1-F07A-EF41-B55D-EACAC8F505FB}"/>
-              </a:ext>
-            </a:extLst>
-          </p:cNvPr>
-          <p:cNvGrpSpPr/>
-          <p:nvPr/>
-        </p:nvGrpSpPr>
-        <p:grpSpPr>
-          <a:xfrm>
-            <a:off x="489820" y="939255"/>
-            <a:ext cx="6472727" cy="3503954"/>
-            <a:chOff x="745728" y="1891545"/>
-            <a:chExt cx="7528178" cy="4075313"/>
-          </a:xfrm>
-        </p:grpSpPr>
-        <p:grpSp>
-          <p:nvGrpSpPr>
-            <p:cNvPr id="7" name="Group 6">
-              <a:extLst>
-                <a:ext uri="{FF2B5EF4-FFF2-40B4-BE49-F238E27FC236}">
-                  <a16:creationId xmlns:a16="http://schemas.microsoft.com/office/drawing/2014/main" id="{10BC2F8D-AD05-353C-9FC1-E3B96EFF1905}"/>
-                </a:ext>
-              </a:extLst>
-            </p:cNvPr>
-            <p:cNvGrpSpPr/>
-            <p:nvPr/>
-          </p:nvGrpSpPr>
-          <p:grpSpPr>
-            <a:xfrm>
-              <a:off x="745728" y="1891545"/>
-              <a:ext cx="6028196" cy="3813560"/>
-              <a:chOff x="5507421" y="1803161"/>
-              <a:chExt cx="6028196" cy="3813560"/>
-            </a:xfrm>
-          </p:grpSpPr>
-          <p:grpSp>
-            <p:nvGrpSpPr>
-              <p:cNvPr id="9" name="Group 8">
-                <a:extLst>
-                  <a:ext uri="{FF2B5EF4-FFF2-40B4-BE49-F238E27FC236}">
-                    <a16:creationId xmlns:a16="http://schemas.microsoft.com/office/drawing/2014/main" id="{139EBFFF-B48B-258F-8EC9-8DFC9A610CB3}"/>
-                  </a:ext>
-                </a:extLst>
-              </p:cNvPr>
-              <p:cNvGrpSpPr/>
-              <p:nvPr/>
-            </p:nvGrpSpPr>
-            <p:grpSpPr>
-              <a:xfrm>
-                <a:off x="5507421" y="1803161"/>
-                <a:ext cx="6028196" cy="3813560"/>
-                <a:chOff x="7023964" y="1758999"/>
-                <a:chExt cx="5004077" cy="3165681"/>
-              </a:xfrm>
-            </p:grpSpPr>
-            <p:pic>
-              <p:nvPicPr>
-                <p:cNvPr id="11" name="Picture 10">
-                  <a:extLst>
-                    <a:ext uri="{FF2B5EF4-FFF2-40B4-BE49-F238E27FC236}">
-                      <a16:creationId xmlns:a16="http://schemas.microsoft.com/office/drawing/2014/main" id="{E52744AE-FCE2-2C68-C0B8-417555EFE78C}"/>
-                    </a:ext>
-                  </a:extLst>
-                </p:cNvPr>
-                <p:cNvPicPr>
-                  <a:picLocks noChangeAspect="1"/>
-                </p:cNvPicPr>
-                <p:nvPr/>
-              </p:nvPicPr>
-              <p:blipFill rotWithShape="1">
-                <a:blip r:embed="rId2"/>
-                <a:srcRect l="5140"/>
-                <a:stretch/>
-              </p:blipFill>
-              <p:spPr>
-                <a:xfrm>
-                  <a:off x="7023964" y="1758999"/>
-                  <a:ext cx="4983057" cy="1343035"/>
-                </a:xfrm>
-                <a:prstGeom prst="rect">
-                  <a:avLst/>
-                </a:prstGeom>
-              </p:spPr>
-            </p:pic>
-            <p:pic>
-              <p:nvPicPr>
-                <p:cNvPr id="12" name="Picture 11">
-                  <a:extLst>
-                    <a:ext uri="{FF2B5EF4-FFF2-40B4-BE49-F238E27FC236}">
-                      <a16:creationId xmlns:a16="http://schemas.microsoft.com/office/drawing/2014/main" id="{C160BBC5-F1D2-CDF2-EB49-6DCA7DE54934}"/>
-                    </a:ext>
-                  </a:extLst>
-                </p:cNvPr>
-                <p:cNvPicPr>
-                  <a:picLocks noChangeAspect="1"/>
-                </p:cNvPicPr>
-                <p:nvPr/>
-              </p:nvPicPr>
-              <p:blipFill rotWithShape="1">
-                <a:blip r:embed="rId3"/>
-                <a:srcRect l="10725" t="19905"/>
-                <a:stretch/>
-              </p:blipFill>
-              <p:spPr>
-                <a:xfrm>
-                  <a:off x="7023964" y="3484503"/>
-                  <a:ext cx="4983057" cy="1151997"/>
-                </a:xfrm>
-                <a:prstGeom prst="rect">
-                  <a:avLst/>
-                </a:prstGeom>
-              </p:spPr>
-            </p:pic>
-            <p:pic>
-              <p:nvPicPr>
-                <p:cNvPr id="13" name="Picture 12">
-                  <a:extLst>
-                    <a:ext uri="{FF2B5EF4-FFF2-40B4-BE49-F238E27FC236}">
-                      <a16:creationId xmlns:a16="http://schemas.microsoft.com/office/drawing/2014/main" id="{049B6066-B542-AB79-515A-DABD8A7C26BB}"/>
-                    </a:ext>
-                  </a:extLst>
-                </p:cNvPr>
-                <p:cNvPicPr>
-                  <a:picLocks noChangeAspect="1"/>
-                </p:cNvPicPr>
-                <p:nvPr/>
-              </p:nvPicPr>
-              <p:blipFill>
-                <a:blip r:embed="rId4"/>
-                <a:stretch>
-                  <a:fillRect/>
-                </a:stretch>
-              </p:blipFill>
-              <p:spPr>
-                <a:xfrm>
-                  <a:off x="8508528" y="3102034"/>
-                  <a:ext cx="3519513" cy="271464"/>
-                </a:xfrm>
-                <a:prstGeom prst="rect">
-                  <a:avLst/>
-                </a:prstGeom>
-              </p:spPr>
-            </p:pic>
-            <p:pic>
-              <p:nvPicPr>
-                <p:cNvPr id="14" name="Picture 13">
-                  <a:extLst>
-                    <a:ext uri="{FF2B5EF4-FFF2-40B4-BE49-F238E27FC236}">
-                      <a16:creationId xmlns:a16="http://schemas.microsoft.com/office/drawing/2014/main" id="{62ED56D6-D50B-F534-B540-ED3E7547B2C5}"/>
-                    </a:ext>
-                  </a:extLst>
-                </p:cNvPr>
-                <p:cNvPicPr>
-                  <a:picLocks noChangeAspect="1"/>
-                </p:cNvPicPr>
-                <p:nvPr/>
-              </p:nvPicPr>
-              <p:blipFill>
-                <a:blip r:embed="rId4"/>
-                <a:stretch>
-                  <a:fillRect/>
-                </a:stretch>
-              </p:blipFill>
-              <p:spPr>
-                <a:xfrm>
-                  <a:off x="8476998" y="4611773"/>
-                  <a:ext cx="3519513" cy="271464"/>
-                </a:xfrm>
-                <a:prstGeom prst="rect">
-                  <a:avLst/>
-                </a:prstGeom>
-              </p:spPr>
-            </p:pic>
-            <p:sp>
-              <p:nvSpPr>
-                <p:cNvPr id="15" name="TextBox 14">
-                  <a:extLst>
-                    <a:ext uri="{FF2B5EF4-FFF2-40B4-BE49-F238E27FC236}">
-                      <a16:creationId xmlns:a16="http://schemas.microsoft.com/office/drawing/2014/main" id="{7EA2E872-78CF-B578-DD1C-FF249AC8E900}"/>
-                    </a:ext>
-                  </a:extLst>
-                </p:cNvPr>
-                <p:cNvSpPr txBox="1"/>
-                <p:nvPr/>
-              </p:nvSpPr>
-              <p:spPr>
-                <a:xfrm>
-                  <a:off x="8255876" y="3213039"/>
-                  <a:ext cx="1203434" cy="230832"/>
-                </a:xfrm>
-                <a:prstGeom prst="rect">
-                  <a:avLst/>
-                </a:prstGeom>
-                <a:solidFill>
-                  <a:schemeClr val="bg1"/>
-                </a:solidFill>
-              </p:spPr>
-              <p:txBody>
-                <a:bodyPr wrap="square" rtlCol="0">
-                  <a:spAutoFit/>
-                </a:bodyPr>
-                <a:lstStyle/>
-                <a:p>
-                  <a:endParaRPr lang="en-US" sz="900" dirty="0"/>
-                </a:p>
-              </p:txBody>
-            </p:sp>
-            <p:sp>
-              <p:nvSpPr>
-                <p:cNvPr id="16" name="TextBox 15">
-                  <a:extLst>
-                    <a:ext uri="{FF2B5EF4-FFF2-40B4-BE49-F238E27FC236}">
-                      <a16:creationId xmlns:a16="http://schemas.microsoft.com/office/drawing/2014/main" id="{5284C246-A23A-6CF3-659D-C1A1B01EAE3F}"/>
-                    </a:ext>
-                  </a:extLst>
-                </p:cNvPr>
-                <p:cNvSpPr txBox="1"/>
-                <p:nvPr/>
-              </p:nvSpPr>
-              <p:spPr>
-                <a:xfrm>
-                  <a:off x="8177049" y="4693848"/>
-                  <a:ext cx="1203434" cy="230832"/>
-                </a:xfrm>
-                <a:prstGeom prst="rect">
-                  <a:avLst/>
-                </a:prstGeom>
-                <a:solidFill>
-                  <a:schemeClr val="bg1"/>
-                </a:solidFill>
-              </p:spPr>
-              <p:txBody>
-                <a:bodyPr wrap="square" rtlCol="0">
-                  <a:spAutoFit/>
-                </a:bodyPr>
-                <a:lstStyle/>
-                <a:p>
-                  <a:endParaRPr lang="en-US" sz="900" dirty="0"/>
-                </a:p>
-              </p:txBody>
-            </p:sp>
-          </p:grpSp>
-          <p:sp>
-            <p:nvSpPr>
-              <p:cNvPr id="10" name="TextBox 9">
-                <a:extLst>
-                  <a:ext uri="{FF2B5EF4-FFF2-40B4-BE49-F238E27FC236}">
-                    <a16:creationId xmlns:a16="http://schemas.microsoft.com/office/drawing/2014/main" id="{03434A07-A5B4-BF5F-C0A6-02A387C50A8E}"/>
-                  </a:ext>
-                </a:extLst>
-              </p:cNvPr>
-              <p:cNvSpPr txBox="1"/>
-              <p:nvPr/>
-            </p:nvSpPr>
-            <p:spPr>
-              <a:xfrm>
-                <a:off x="7303960" y="5247389"/>
-                <a:ext cx="562975" cy="307777"/>
-              </a:xfrm>
-              <a:prstGeom prst="rect">
-                <a:avLst/>
-              </a:prstGeom>
-              <a:noFill/>
-            </p:spPr>
-            <p:txBody>
-              <a:bodyPr wrap="none" rtlCol="0">
-                <a:spAutoFit/>
-              </a:bodyPr>
-              <a:lstStyle/>
-              <a:p>
-                <a:r>
-                  <a:rPr lang="en-US" sz="1400" dirty="0">
-                    <a:latin typeface="Arial" panose="020B0604020202020204" pitchFamily="34" charset="0"/>
-                    <a:cs typeface="Arial" panose="020B0604020202020204" pitchFamily="34" charset="0"/>
-                  </a:rPr>
-                  <a:t>Less</a:t>
-                </a:r>
-              </a:p>
-            </p:txBody>
-          </p:sp>
-        </p:grpSp>
-        <p:sp>
-          <p:nvSpPr>
-            <p:cNvPr id="8" name="TextBox 7">
-              <a:extLst>
-                <a:ext uri="{FF2B5EF4-FFF2-40B4-BE49-F238E27FC236}">
-                  <a16:creationId xmlns:a16="http://schemas.microsoft.com/office/drawing/2014/main" id="{9BD6387B-7C6C-85EB-4A57-43C9B39F6859}"/>
-                </a:ext>
-              </a:extLst>
-            </p:cNvPr>
-            <p:cNvSpPr txBox="1"/>
-            <p:nvPr/>
-          </p:nvSpPr>
-          <p:spPr>
-            <a:xfrm>
-              <a:off x="6203165" y="5245296"/>
-              <a:ext cx="2070741" cy="721562"/>
-            </a:xfrm>
-            <a:prstGeom prst="rect">
-              <a:avLst/>
-            </a:prstGeom>
-            <a:noFill/>
-          </p:spPr>
-          <p:txBody>
-            <a:bodyPr wrap="square">
-              <a:spAutoFit/>
-            </a:bodyPr>
-            <a:lstStyle/>
-            <a:p>
-              <a:pPr algn="ctr"/>
-              <a:r>
-                <a:rPr lang="en-US" sz="1400" dirty="0">
-                  <a:latin typeface="Arial" panose="020B0604020202020204" pitchFamily="34" charset="0"/>
-                  <a:cs typeface="Arial" panose="020B0604020202020204" pitchFamily="34" charset="0"/>
-                </a:rPr>
-                <a:t>More </a:t>
-              </a:r>
-            </a:p>
-            <a:p>
-              <a:pPr algn="ctr"/>
-              <a:r>
-                <a:rPr lang="en-US" sz="1400" dirty="0">
-                  <a:latin typeface="Arial" panose="020B0604020202020204" pitchFamily="34" charset="0"/>
-                  <a:cs typeface="Arial" panose="020B0604020202020204" pitchFamily="34" charset="0"/>
-                </a:rPr>
-                <a:t>Utilization</a:t>
-              </a:r>
-            </a:p>
-          </p:txBody>
-        </p:sp>
-      </p:grpSp>
-      <p:cxnSp>
-        <p:nvCxnSpPr>
-          <p:cNvPr id="18" name="Straight Arrow Connector 17">
-            <a:extLst>
-              <a:ext uri="{FF2B5EF4-FFF2-40B4-BE49-F238E27FC236}">
-                <a16:creationId xmlns:a16="http://schemas.microsoft.com/office/drawing/2014/main" id="{B69FF9A6-101F-EE15-F679-C896C448BC13}"/>
-              </a:ext>
-            </a:extLst>
-          </p:cNvPr>
-          <p:cNvCxnSpPr>
-            <a:cxnSpLocks/>
-          </p:cNvCxnSpPr>
-          <p:nvPr/>
-        </p:nvCxnSpPr>
-        <p:spPr bwMode="auto">
-          <a:xfrm flipH="1">
-            <a:off x="4990190" y="2162728"/>
-            <a:ext cx="1563530" cy="43691"/>
-          </a:xfrm>
-          <a:prstGeom prst="straightConnector1">
-            <a:avLst/>
-          </a:prstGeom>
-          <a:solidFill>
-            <a:schemeClr val="accent1"/>
-          </a:solidFill>
-          <a:ln w="9525" cap="flat" cmpd="sng" algn="ctr">
-            <a:solidFill>
-              <a:schemeClr val="tx1"/>
-            </a:solidFill>
-            <a:prstDash val="solid"/>
-            <a:round/>
-            <a:headEnd type="none" w="med" len="med"/>
-            <a:tailEnd type="triangle"/>
-          </a:ln>
-          <a:effectLst/>
-        </p:spPr>
-      </p:cxnSp>
-      <p:sp>
-        <p:nvSpPr>
-          <p:cNvPr id="21" name="TextBox 20">
-            <a:extLst>
-              <a:ext uri="{FF2B5EF4-FFF2-40B4-BE49-F238E27FC236}">
-                <a16:creationId xmlns:a16="http://schemas.microsoft.com/office/drawing/2014/main" id="{06592267-2A2D-19A0-D081-9A8F47B61393}"/>
-              </a:ext>
-            </a:extLst>
-          </p:cNvPr>
-          <p:cNvSpPr txBox="1"/>
-          <p:nvPr/>
-        </p:nvSpPr>
-        <p:spPr>
-          <a:xfrm>
-            <a:off x="6669190" y="1860523"/>
-            <a:ext cx="2384306" cy="584775"/>
-          </a:xfrm>
-          <a:prstGeom prst="rect">
-            <a:avLst/>
-          </a:prstGeom>
-          <a:noFill/>
-        </p:spPr>
-        <p:txBody>
-          <a:bodyPr wrap="square" rtlCol="0">
-            <a:spAutoFit/>
-          </a:bodyPr>
-          <a:lstStyle/>
-          <a:p>
-            <a:r>
-              <a:rPr lang="en-US" sz="1600" dirty="0"/>
-              <a:t>Older adults had more </a:t>
-            </a:r>
-          </a:p>
-          <a:p>
-            <a:r>
-              <a:rPr lang="en-US" sz="1600" dirty="0"/>
-              <a:t>In-person visits</a:t>
-            </a:r>
-          </a:p>
-        </p:txBody>
-      </p:sp>
-      <p:cxnSp>
-        <p:nvCxnSpPr>
-          <p:cNvPr id="22" name="Straight Arrow Connector 21">
-            <a:extLst>
-              <a:ext uri="{FF2B5EF4-FFF2-40B4-BE49-F238E27FC236}">
-                <a16:creationId xmlns:a16="http://schemas.microsoft.com/office/drawing/2014/main" id="{F156A557-0BA6-6163-C6F1-CA4FFA111A04}"/>
-              </a:ext>
-            </a:extLst>
-          </p:cNvPr>
-          <p:cNvCxnSpPr>
-            <a:cxnSpLocks/>
-          </p:cNvCxnSpPr>
-          <p:nvPr/>
-        </p:nvCxnSpPr>
-        <p:spPr bwMode="auto">
-          <a:xfrm flipH="1">
-            <a:off x="4912169" y="3707835"/>
-            <a:ext cx="1563531" cy="106889"/>
-          </a:xfrm>
-          <a:prstGeom prst="straightConnector1">
-            <a:avLst/>
-          </a:prstGeom>
-          <a:solidFill>
-            <a:schemeClr val="accent1"/>
-          </a:solidFill>
-          <a:ln w="9525" cap="flat" cmpd="sng" algn="ctr">
-            <a:solidFill>
-              <a:schemeClr val="tx1"/>
-            </a:solidFill>
-            <a:prstDash val="solid"/>
-            <a:round/>
-            <a:headEnd type="none" w="med" len="med"/>
-            <a:tailEnd type="triangle"/>
-          </a:ln>
-          <a:effectLst/>
-        </p:spPr>
-      </p:cxnSp>
-      <p:sp>
-        <p:nvSpPr>
-          <p:cNvPr id="25" name="TextBox 24">
-            <a:extLst>
-              <a:ext uri="{FF2B5EF4-FFF2-40B4-BE49-F238E27FC236}">
-                <a16:creationId xmlns:a16="http://schemas.microsoft.com/office/drawing/2014/main" id="{B45B0FDB-1FE5-D2C5-9F1A-FF0E8E4C937F}"/>
-              </a:ext>
-            </a:extLst>
-          </p:cNvPr>
-          <p:cNvSpPr txBox="1"/>
-          <p:nvPr/>
-        </p:nvSpPr>
-        <p:spPr>
-          <a:xfrm>
-            <a:off x="6553720" y="3334892"/>
-            <a:ext cx="2384306" cy="584775"/>
-          </a:xfrm>
-          <a:prstGeom prst="rect">
-            <a:avLst/>
-          </a:prstGeom>
-          <a:noFill/>
-        </p:spPr>
-        <p:txBody>
-          <a:bodyPr wrap="square" rtlCol="0">
-            <a:spAutoFit/>
-          </a:bodyPr>
-          <a:lstStyle/>
-          <a:p>
-            <a:r>
-              <a:rPr lang="en-US" sz="1600" dirty="0"/>
-              <a:t>Older adults had less telemedical visits</a:t>
-            </a:r>
-          </a:p>
-        </p:txBody>
-      </p:sp>
-      <p:sp>
-        <p:nvSpPr>
-          <p:cNvPr id="26" name="Rectangle 25">
-            <a:extLst>
-              <a:ext uri="{FF2B5EF4-FFF2-40B4-BE49-F238E27FC236}">
-                <a16:creationId xmlns:a16="http://schemas.microsoft.com/office/drawing/2014/main" id="{56EB75C5-48CC-5649-87E4-07B6BD28FE03}"/>
-              </a:ext>
-            </a:extLst>
-          </p:cNvPr>
-          <p:cNvSpPr/>
-          <p:nvPr/>
-        </p:nvSpPr>
-        <p:spPr>
-          <a:xfrm>
-            <a:off x="4077350" y="1191423"/>
-            <a:ext cx="1669638" cy="1483886"/>
-          </a:xfrm>
-          <a:prstGeom prst="rect">
-            <a:avLst/>
-          </a:prstGeom>
-          <a:noFill/>
-          <a:ln/>
-        </p:spPr>
-        <p:style>
-          <a:lnRef idx="2">
-            <a:schemeClr val="accent1"/>
-          </a:lnRef>
-          <a:fillRef idx="1">
-            <a:schemeClr val="lt1"/>
-          </a:fillRef>
-          <a:effectRef idx="0">
-            <a:schemeClr val="accent1"/>
-          </a:effectRef>
-          <a:fontRef idx="minor">
-            <a:schemeClr val="dk1"/>
-          </a:fontRef>
-        </p:style>
-        <p:txBody>
-          <a:bodyPr lIns="91440" tIns="91440" bIns="91440" rtlCol="0" anchor="t"/>
-          <a:lstStyle/>
-          <a:p>
-            <a:pPr algn="ctr"/>
-            <a:endParaRPr lang="en-US" sz="1200" dirty="0" err="1">
-              <a:solidFill>
-                <a:srgbClr val="FFFFFF"/>
-              </a:solidFill>
-              <a:latin typeface="Roboto Regular"/>
-              <a:cs typeface="Roboto Regular"/>
-            </a:endParaRPr>
-          </a:p>
-        </p:txBody>
-      </p:sp>
-      <p:sp>
-        <p:nvSpPr>
-          <p:cNvPr id="27" name="Rectangle 26">
-            <a:extLst>
-              <a:ext uri="{FF2B5EF4-FFF2-40B4-BE49-F238E27FC236}">
-                <a16:creationId xmlns:a16="http://schemas.microsoft.com/office/drawing/2014/main" id="{E6EB5FC2-6516-341C-090E-A96231600C1E}"/>
-              </a:ext>
-            </a:extLst>
-          </p:cNvPr>
-          <p:cNvSpPr/>
-          <p:nvPr/>
-        </p:nvSpPr>
-        <p:spPr>
-          <a:xfrm>
-            <a:off x="2708550" y="2958617"/>
-            <a:ext cx="1669638" cy="1483886"/>
-          </a:xfrm>
-          <a:prstGeom prst="rect">
-            <a:avLst/>
-          </a:prstGeom>
-          <a:noFill/>
-          <a:ln/>
-        </p:spPr>
-        <p:style>
-          <a:lnRef idx="2">
-            <a:schemeClr val="accent1"/>
-          </a:lnRef>
-          <a:fillRef idx="1">
-            <a:schemeClr val="lt1"/>
-          </a:fillRef>
-          <a:effectRef idx="0">
-            <a:schemeClr val="accent1"/>
-          </a:effectRef>
-          <a:fontRef idx="minor">
-            <a:schemeClr val="dk1"/>
-          </a:fontRef>
-        </p:style>
-        <p:txBody>
-          <a:bodyPr lIns="91440" tIns="91440" bIns="91440" rtlCol="0" anchor="t"/>
-          <a:lstStyle/>
-          <a:p>
-            <a:pPr algn="ctr"/>
-            <a:endParaRPr lang="en-US" sz="1200" dirty="0" err="1">
-              <a:solidFill>
-                <a:srgbClr val="FFFFFF"/>
-              </a:solidFill>
-              <a:latin typeface="Roboto Regular"/>
-              <a:cs typeface="Roboto Regular"/>
-            </a:endParaRPr>
-          </a:p>
-        </p:txBody>
-      </p:sp>
-    </p:spTree>
-    <p:extLst>
-      <p:ext uri="{BB962C8B-B14F-4D97-AF65-F5344CB8AC3E}">
-        <p14:creationId xmlns:p14="http://schemas.microsoft.com/office/powerpoint/2010/main" val="4009838892"/>
-      </p:ext>
-    </p:extLst>
-  </p:cSld>
-  <p:clrMapOvr>
-    <a:masterClrMapping/>
-  </p:clrMapOvr>
-  <p:timing>
-    <p:tnLst>
-      <p:par>
-        <p:cTn id="1" dur="indefinite" restart="never" nodeType="tmRoot">
-          <p:childTnLst>
-            <p:seq concurrent="1" nextAc="seek">
-              <p:cTn id="2" dur="indefinite" nodeType="mainSeq">
-                <p:childTnLst>
-                  <p:par>
-                    <p:cTn id="3" fill="hold">
-                      <p:stCondLst>
-                        <p:cond delay="indefinite"/>
-                      </p:stCondLst>
-                      <p:childTnLst>
-                        <p:par>
-                          <p:cTn id="4" fill="hold">
-                            <p:stCondLst>
-                              <p:cond delay="0"/>
-                            </p:stCondLst>
-                            <p:childTnLst>
-                              <p:par>
-                                <p:cTn id="5" presetID="42" presetClass="entr" presetSubtype="0" fill="hold" nodeType="clickEffect">
-                                  <p:stCondLst>
-                                    <p:cond delay="0"/>
-                                  </p:stCondLst>
-                                  <p:childTnLst>
-                                    <p:set>
-                                      <p:cBhvr>
-                                        <p:cTn id="6" dur="1" fill="hold">
-                                          <p:stCondLst>
-                                            <p:cond delay="0"/>
-                                          </p:stCondLst>
-                                        </p:cTn>
-                                        <p:tgtEl>
-                                          <p:spTgt spid="6"/>
-                                        </p:tgtEl>
-                                        <p:attrNameLst>
-                                          <p:attrName>style.visibility</p:attrName>
-                                        </p:attrNameLst>
-                                      </p:cBhvr>
-                                      <p:to>
-                                        <p:strVal val="visible"/>
-                                      </p:to>
-                                    </p:set>
-                                    <p:animEffect transition="in" filter="fade">
-                                      <p:cBhvr>
-                                        <p:cTn id="7" dur="1000"/>
-                                        <p:tgtEl>
-                                          <p:spTgt spid="6"/>
-                                        </p:tgtEl>
-                                      </p:cBhvr>
-                                    </p:animEffect>
-                                    <p:anim calcmode="lin" valueType="num">
-                                      <p:cBhvr>
-                                        <p:cTn id="8" dur="1000" fill="hold"/>
-                                        <p:tgtEl>
-                                          <p:spTgt spid="6"/>
-                                        </p:tgtEl>
-                                        <p:attrNameLst>
-                                          <p:attrName>ppt_x</p:attrName>
-                                        </p:attrNameLst>
-                                      </p:cBhvr>
-                                      <p:tavLst>
-                                        <p:tav tm="0">
-                                          <p:val>
-                                            <p:strVal val="#ppt_x"/>
-                                          </p:val>
-                                        </p:tav>
-                                        <p:tav tm="100000">
-                                          <p:val>
-                                            <p:strVal val="#ppt_x"/>
-                                          </p:val>
-                                        </p:tav>
-                                      </p:tavLst>
-                                    </p:anim>
-                                    <p:anim calcmode="lin" valueType="num">
-                                      <p:cBhvr>
-                                        <p:cTn id="9" dur="1000" fill="hold"/>
-                                        <p:tgtEl>
-                                          <p:spTgt spid="6"/>
-                                        </p:tgtEl>
-                                        <p:attrNameLst>
-                                          <p:attrName>ppt_y</p:attrName>
-                                        </p:attrNameLst>
-                                      </p:cBhvr>
-                                      <p:tavLst>
-                                        <p:tav tm="0">
-                                          <p:val>
-                                            <p:strVal val="#ppt_y+.1"/>
-                                          </p:val>
-                                        </p:tav>
-                                        <p:tav tm="100000">
-                                          <p:val>
-                                            <p:strVal val="#ppt_y"/>
-                                          </p:val>
-                                        </p:tav>
-                                      </p:tavLst>
-                                    </p:anim>
-                                  </p:childTnLst>
-                                </p:cTn>
-                              </p:par>
-                            </p:childTnLst>
-                          </p:cTn>
-                        </p:par>
-                      </p:childTnLst>
-                    </p:cTn>
-                  </p:par>
-                  <p:par>
-                    <p:cTn id="10" fill="hold">
-                      <p:stCondLst>
-                        <p:cond delay="indefinite"/>
-                      </p:stCondLst>
-                      <p:childTnLst>
-                        <p:par>
-                          <p:cTn id="11" fill="hold">
-                            <p:stCondLst>
-                              <p:cond delay="0"/>
-                            </p:stCondLst>
-                            <p:childTnLst>
-                              <p:par>
-                                <p:cTn id="12" presetID="10" presetClass="entr" presetSubtype="0" fill="hold" grpId="0" nodeType="clickEffect">
-                                  <p:stCondLst>
-                                    <p:cond delay="0"/>
-                                  </p:stCondLst>
-                                  <p:childTnLst>
-                                    <p:set>
-                                      <p:cBhvr>
-                                        <p:cTn id="13" dur="1" fill="hold">
-                                          <p:stCondLst>
-                                            <p:cond delay="0"/>
-                                          </p:stCondLst>
-                                        </p:cTn>
-                                        <p:tgtEl>
-                                          <p:spTgt spid="26"/>
-                                        </p:tgtEl>
-                                        <p:attrNameLst>
-                                          <p:attrName>style.visibility</p:attrName>
-                                        </p:attrNameLst>
-                                      </p:cBhvr>
-                                      <p:to>
-                                        <p:strVal val="visible"/>
-                                      </p:to>
-                                    </p:set>
-                                    <p:animEffect transition="in" filter="fade">
-                                      <p:cBhvr>
-                                        <p:cTn id="14" dur="250"/>
-                                        <p:tgtEl>
-                                          <p:spTgt spid="26"/>
-                                        </p:tgtEl>
-                                      </p:cBhvr>
-                                    </p:animEffect>
-                                  </p:childTnLst>
-                                </p:cTn>
-                              </p:par>
-                            </p:childTnLst>
-                          </p:cTn>
-                        </p:par>
-                      </p:childTnLst>
-                    </p:cTn>
-                  </p:par>
-                  <p:par>
-                    <p:cTn id="15" fill="hold">
-                      <p:stCondLst>
-                        <p:cond delay="indefinite"/>
-                      </p:stCondLst>
-                      <p:childTnLst>
-                        <p:par>
-                          <p:cTn id="16" fill="hold">
-                            <p:stCondLst>
-                              <p:cond delay="0"/>
-                            </p:stCondLst>
-                            <p:childTnLst>
-                              <p:par>
-                                <p:cTn id="17" presetID="10" presetClass="entr" presetSubtype="0" fill="hold" grpId="0" nodeType="clickEffect">
-                                  <p:stCondLst>
-                                    <p:cond delay="0"/>
-                                  </p:stCondLst>
-                                  <p:childTnLst>
-                                    <p:set>
-                                      <p:cBhvr>
-                                        <p:cTn id="18" dur="1" fill="hold">
-                                          <p:stCondLst>
-                                            <p:cond delay="0"/>
-                                          </p:stCondLst>
-                                        </p:cTn>
-                                        <p:tgtEl>
-                                          <p:spTgt spid="27"/>
-                                        </p:tgtEl>
-                                        <p:attrNameLst>
-                                          <p:attrName>style.visibility</p:attrName>
-                                        </p:attrNameLst>
-                                      </p:cBhvr>
-                                      <p:to>
-                                        <p:strVal val="visible"/>
-                                      </p:to>
-                                    </p:set>
-                                    <p:animEffect transition="in" filter="fade">
-                                      <p:cBhvr>
-                                        <p:cTn id="19" dur="250"/>
-                                        <p:tgtEl>
-                                          <p:spTgt spid="27"/>
-                                        </p:tgtEl>
-                                      </p:cBhvr>
-                                    </p:animEffect>
-                                  </p:childTnLst>
-                                </p:cTn>
-                              </p:par>
-                            </p:childTnLst>
-                          </p:cTn>
-                        </p:par>
-                      </p:childTnLst>
-                    </p:cTn>
-                  </p:par>
-                </p:childTnLst>
-              </p:cTn>
-              <p:prevCondLst>
-                <p:cond evt="onPrev" delay="0">
-                  <p:tgtEl>
-                    <p:sldTgt/>
-                  </p:tgtEl>
-                </p:cond>
-              </p:prevCondLst>
-              <p:nextCondLst>
-                <p:cond evt="onNext" delay="0">
-                  <p:tgtEl>
-                    <p:sldTgt/>
-                  </p:tgtEl>
-                </p:cond>
-              </p:nextCondLst>
-            </p:seq>
-          </p:childTnLst>
-        </p:cTn>
-      </p:par>
-    </p:tnLst>
-    <p:bldLst>
-      <p:bldP spid="26" grpId="0" animBg="1"/>
-      <p:bldP spid="27" grpId="0" animBg="1"/>
-    </p:bldLst>
-  </p:timing>
 </p:sld>
 </file>
 
